--- a/StudentWork/Besh/Project/TestHut Presentation.pptx
+++ b/StudentWork/Besh/Project/TestHut Presentation.pptx
@@ -5,15 +5,29 @@
     <p:sldMasterId id="2147483648" r:id="rId1"/>
   </p:sldMasterIdLst>
   <p:notesMasterIdLst>
-    <p:notesMasterId r:id="rId8"/>
+    <p:notesMasterId r:id="rId22"/>
   </p:notesMasterIdLst>
   <p:sldIdLst>
-    <p:sldId id="258" r:id="rId2"/>
-    <p:sldId id="261" r:id="rId3"/>
-    <p:sldId id="264" r:id="rId4"/>
-    <p:sldId id="259" r:id="rId5"/>
-    <p:sldId id="260" r:id="rId6"/>
-    <p:sldId id="263" r:id="rId7"/>
+    <p:sldId id="265" r:id="rId2"/>
+    <p:sldId id="258" r:id="rId3"/>
+    <p:sldId id="269" r:id="rId4"/>
+    <p:sldId id="270" r:id="rId5"/>
+    <p:sldId id="271" r:id="rId6"/>
+    <p:sldId id="272" r:id="rId7"/>
+    <p:sldId id="273" r:id="rId8"/>
+    <p:sldId id="274" r:id="rId9"/>
+    <p:sldId id="275" r:id="rId10"/>
+    <p:sldId id="276" r:id="rId11"/>
+    <p:sldId id="277" r:id="rId12"/>
+    <p:sldId id="278" r:id="rId13"/>
+    <p:sldId id="279" r:id="rId14"/>
+    <p:sldId id="280" r:id="rId15"/>
+    <p:sldId id="281" r:id="rId16"/>
+    <p:sldId id="282" r:id="rId17"/>
+    <p:sldId id="283" r:id="rId18"/>
+    <p:sldId id="284" r:id="rId19"/>
+    <p:sldId id="286" r:id="rId20"/>
+    <p:sldId id="287" r:id="rId21"/>
   </p:sldIdLst>
   <p:sldSz cx="12192000" cy="6858000"/>
   <p:notesSz cx="6858000" cy="9144000"/>
@@ -202,7 +216,7 @@
           <a:p>
             <a:fld id="{6963C194-1526-460D-B92F-C12D4B2DFC6D}" type="datetimeFigureOut">
               <a:rPr lang="en-US" smtClean="0"/>
-              <a:t>3/4/20</a:t>
+              <a:t>3/12/20</a:t>
             </a:fld>
             <a:endParaRPr lang="en-US"/>
           </a:p>
@@ -543,7 +557,847 @@
     </p:spTree>
     <p:extLst>
       <p:ext uri="{BB962C8B-B14F-4D97-AF65-F5344CB8AC3E}">
-        <p14:creationId xmlns:p14="http://schemas.microsoft.com/office/powerpoint/2010/main" val="1769446555"/>
+        <p14:creationId xmlns:p14="http://schemas.microsoft.com/office/powerpoint/2010/main" val="2803908916"/>
+      </p:ext>
+    </p:extLst>
+  </p:cSld>
+  <p:clrMapOvr>
+    <a:masterClrMapping/>
+  </p:clrMapOvr>
+</p:notes>
+</file>
+
+<file path=ppt/notesSlides/notesSlide10.xml><?xml version="1.0" encoding="utf-8"?>
+<p:notes xmlns:a="http://schemas.openxmlformats.org/drawingml/2006/main" xmlns:r="http://schemas.openxmlformats.org/officeDocument/2006/relationships" xmlns:p="http://schemas.openxmlformats.org/presentationml/2006/main">
+  <p:cSld>
+    <p:spTree>
+      <p:nvGrpSpPr>
+        <p:cNvPr id="1" name=""/>
+        <p:cNvGrpSpPr/>
+        <p:nvPr/>
+      </p:nvGrpSpPr>
+      <p:grpSpPr>
+        <a:xfrm>
+          <a:off x="0" y="0"/>
+          <a:ext cx="0" cy="0"/>
+          <a:chOff x="0" y="0"/>
+          <a:chExt cx="0" cy="0"/>
+        </a:xfrm>
+      </p:grpSpPr>
+      <p:sp>
+        <p:nvSpPr>
+          <p:cNvPr id="2" name="Slide Image Placeholder 1"/>
+          <p:cNvSpPr>
+            <a:spLocks noGrp="1" noRot="1" noChangeAspect="1"/>
+          </p:cNvSpPr>
+          <p:nvPr>
+            <p:ph type="sldImg"/>
+          </p:nvPr>
+        </p:nvSpPr>
+        <p:spPr/>
+      </p:sp>
+      <p:sp>
+        <p:nvSpPr>
+          <p:cNvPr id="3" name="Notes Placeholder 2"/>
+          <p:cNvSpPr>
+            <a:spLocks noGrp="1"/>
+          </p:cNvSpPr>
+          <p:nvPr>
+            <p:ph type="body" idx="1"/>
+          </p:nvPr>
+        </p:nvSpPr>
+        <p:spPr/>
+        <p:txBody>
+          <a:bodyPr/>
+          <a:lstStyle/>
+          <a:p>
+            <a:endParaRPr lang="en-US" dirty="0"/>
+          </a:p>
+        </p:txBody>
+      </p:sp>
+      <p:sp>
+        <p:nvSpPr>
+          <p:cNvPr id="4" name="Slide Number Placeholder 3"/>
+          <p:cNvSpPr>
+            <a:spLocks noGrp="1"/>
+          </p:cNvSpPr>
+          <p:nvPr>
+            <p:ph type="sldNum" sz="quarter" idx="10"/>
+          </p:nvPr>
+        </p:nvSpPr>
+        <p:spPr/>
+        <p:txBody>
+          <a:bodyPr/>
+          <a:lstStyle/>
+          <a:p>
+            <a:fld id="{AEAADE16-39F2-9746-8DE6-8768F15EC95E}" type="slidenum">
+              <a:rPr lang="en-US" smtClean="0"/>
+              <a:t>10</a:t>
+            </a:fld>
+            <a:endParaRPr lang="en-US" dirty="0"/>
+          </a:p>
+        </p:txBody>
+      </p:sp>
+    </p:spTree>
+    <p:extLst>
+      <p:ext uri="{BB962C8B-B14F-4D97-AF65-F5344CB8AC3E}">
+        <p14:creationId xmlns:p14="http://schemas.microsoft.com/office/powerpoint/2010/main" val="4197729305"/>
+      </p:ext>
+    </p:extLst>
+  </p:cSld>
+  <p:clrMapOvr>
+    <a:masterClrMapping/>
+  </p:clrMapOvr>
+</p:notes>
+</file>
+
+<file path=ppt/notesSlides/notesSlide11.xml><?xml version="1.0" encoding="utf-8"?>
+<p:notes xmlns:a="http://schemas.openxmlformats.org/drawingml/2006/main" xmlns:r="http://schemas.openxmlformats.org/officeDocument/2006/relationships" xmlns:p="http://schemas.openxmlformats.org/presentationml/2006/main">
+  <p:cSld>
+    <p:spTree>
+      <p:nvGrpSpPr>
+        <p:cNvPr id="1" name=""/>
+        <p:cNvGrpSpPr/>
+        <p:nvPr/>
+      </p:nvGrpSpPr>
+      <p:grpSpPr>
+        <a:xfrm>
+          <a:off x="0" y="0"/>
+          <a:ext cx="0" cy="0"/>
+          <a:chOff x="0" y="0"/>
+          <a:chExt cx="0" cy="0"/>
+        </a:xfrm>
+      </p:grpSpPr>
+      <p:sp>
+        <p:nvSpPr>
+          <p:cNvPr id="2" name="Slide Image Placeholder 1"/>
+          <p:cNvSpPr>
+            <a:spLocks noGrp="1" noRot="1" noChangeAspect="1"/>
+          </p:cNvSpPr>
+          <p:nvPr>
+            <p:ph type="sldImg"/>
+          </p:nvPr>
+        </p:nvSpPr>
+        <p:spPr/>
+      </p:sp>
+      <p:sp>
+        <p:nvSpPr>
+          <p:cNvPr id="3" name="Notes Placeholder 2"/>
+          <p:cNvSpPr>
+            <a:spLocks noGrp="1"/>
+          </p:cNvSpPr>
+          <p:nvPr>
+            <p:ph type="body" idx="1"/>
+          </p:nvPr>
+        </p:nvSpPr>
+        <p:spPr/>
+        <p:txBody>
+          <a:bodyPr/>
+          <a:lstStyle/>
+          <a:p>
+            <a:endParaRPr lang="en-US" dirty="0"/>
+          </a:p>
+        </p:txBody>
+      </p:sp>
+      <p:sp>
+        <p:nvSpPr>
+          <p:cNvPr id="4" name="Slide Number Placeholder 3"/>
+          <p:cNvSpPr>
+            <a:spLocks noGrp="1"/>
+          </p:cNvSpPr>
+          <p:nvPr>
+            <p:ph type="sldNum" sz="quarter" idx="10"/>
+          </p:nvPr>
+        </p:nvSpPr>
+        <p:spPr/>
+        <p:txBody>
+          <a:bodyPr/>
+          <a:lstStyle/>
+          <a:p>
+            <a:fld id="{AEAADE16-39F2-9746-8DE6-8768F15EC95E}" type="slidenum">
+              <a:rPr lang="en-US" smtClean="0"/>
+              <a:t>11</a:t>
+            </a:fld>
+            <a:endParaRPr lang="en-US" dirty="0"/>
+          </a:p>
+        </p:txBody>
+      </p:sp>
+    </p:spTree>
+    <p:extLst>
+      <p:ext uri="{BB962C8B-B14F-4D97-AF65-F5344CB8AC3E}">
+        <p14:creationId xmlns:p14="http://schemas.microsoft.com/office/powerpoint/2010/main" val="1862934591"/>
+      </p:ext>
+    </p:extLst>
+  </p:cSld>
+  <p:clrMapOvr>
+    <a:masterClrMapping/>
+  </p:clrMapOvr>
+</p:notes>
+</file>
+
+<file path=ppt/notesSlides/notesSlide12.xml><?xml version="1.0" encoding="utf-8"?>
+<p:notes xmlns:a="http://schemas.openxmlformats.org/drawingml/2006/main" xmlns:r="http://schemas.openxmlformats.org/officeDocument/2006/relationships" xmlns:p="http://schemas.openxmlformats.org/presentationml/2006/main">
+  <p:cSld>
+    <p:spTree>
+      <p:nvGrpSpPr>
+        <p:cNvPr id="1" name=""/>
+        <p:cNvGrpSpPr/>
+        <p:nvPr/>
+      </p:nvGrpSpPr>
+      <p:grpSpPr>
+        <a:xfrm>
+          <a:off x="0" y="0"/>
+          <a:ext cx="0" cy="0"/>
+          <a:chOff x="0" y="0"/>
+          <a:chExt cx="0" cy="0"/>
+        </a:xfrm>
+      </p:grpSpPr>
+      <p:sp>
+        <p:nvSpPr>
+          <p:cNvPr id="2" name="Slide Image Placeholder 1"/>
+          <p:cNvSpPr>
+            <a:spLocks noGrp="1" noRot="1" noChangeAspect="1"/>
+          </p:cNvSpPr>
+          <p:nvPr>
+            <p:ph type="sldImg"/>
+          </p:nvPr>
+        </p:nvSpPr>
+        <p:spPr/>
+      </p:sp>
+      <p:sp>
+        <p:nvSpPr>
+          <p:cNvPr id="3" name="Notes Placeholder 2"/>
+          <p:cNvSpPr>
+            <a:spLocks noGrp="1"/>
+          </p:cNvSpPr>
+          <p:nvPr>
+            <p:ph type="body" idx="1"/>
+          </p:nvPr>
+        </p:nvSpPr>
+        <p:spPr/>
+        <p:txBody>
+          <a:bodyPr/>
+          <a:lstStyle/>
+          <a:p>
+            <a:endParaRPr lang="en-US" dirty="0"/>
+          </a:p>
+        </p:txBody>
+      </p:sp>
+      <p:sp>
+        <p:nvSpPr>
+          <p:cNvPr id="4" name="Slide Number Placeholder 3"/>
+          <p:cNvSpPr>
+            <a:spLocks noGrp="1"/>
+          </p:cNvSpPr>
+          <p:nvPr>
+            <p:ph type="sldNum" sz="quarter" idx="10"/>
+          </p:nvPr>
+        </p:nvSpPr>
+        <p:spPr/>
+        <p:txBody>
+          <a:bodyPr/>
+          <a:lstStyle/>
+          <a:p>
+            <a:fld id="{AEAADE16-39F2-9746-8DE6-8768F15EC95E}" type="slidenum">
+              <a:rPr lang="en-US" smtClean="0"/>
+              <a:t>12</a:t>
+            </a:fld>
+            <a:endParaRPr lang="en-US" dirty="0"/>
+          </a:p>
+        </p:txBody>
+      </p:sp>
+    </p:spTree>
+    <p:extLst>
+      <p:ext uri="{BB962C8B-B14F-4D97-AF65-F5344CB8AC3E}">
+        <p14:creationId xmlns:p14="http://schemas.microsoft.com/office/powerpoint/2010/main" val="4126290476"/>
+      </p:ext>
+    </p:extLst>
+  </p:cSld>
+  <p:clrMapOvr>
+    <a:masterClrMapping/>
+  </p:clrMapOvr>
+</p:notes>
+</file>
+
+<file path=ppt/notesSlides/notesSlide13.xml><?xml version="1.0" encoding="utf-8"?>
+<p:notes xmlns:a="http://schemas.openxmlformats.org/drawingml/2006/main" xmlns:r="http://schemas.openxmlformats.org/officeDocument/2006/relationships" xmlns:p="http://schemas.openxmlformats.org/presentationml/2006/main">
+  <p:cSld>
+    <p:spTree>
+      <p:nvGrpSpPr>
+        <p:cNvPr id="1" name=""/>
+        <p:cNvGrpSpPr/>
+        <p:nvPr/>
+      </p:nvGrpSpPr>
+      <p:grpSpPr>
+        <a:xfrm>
+          <a:off x="0" y="0"/>
+          <a:ext cx="0" cy="0"/>
+          <a:chOff x="0" y="0"/>
+          <a:chExt cx="0" cy="0"/>
+        </a:xfrm>
+      </p:grpSpPr>
+      <p:sp>
+        <p:nvSpPr>
+          <p:cNvPr id="2" name="Slide Image Placeholder 1"/>
+          <p:cNvSpPr>
+            <a:spLocks noGrp="1" noRot="1" noChangeAspect="1"/>
+          </p:cNvSpPr>
+          <p:nvPr>
+            <p:ph type="sldImg"/>
+          </p:nvPr>
+        </p:nvSpPr>
+        <p:spPr/>
+      </p:sp>
+      <p:sp>
+        <p:nvSpPr>
+          <p:cNvPr id="3" name="Notes Placeholder 2"/>
+          <p:cNvSpPr>
+            <a:spLocks noGrp="1"/>
+          </p:cNvSpPr>
+          <p:nvPr>
+            <p:ph type="body" idx="1"/>
+          </p:nvPr>
+        </p:nvSpPr>
+        <p:spPr/>
+        <p:txBody>
+          <a:bodyPr/>
+          <a:lstStyle/>
+          <a:p>
+            <a:endParaRPr lang="en-US" dirty="0"/>
+          </a:p>
+        </p:txBody>
+      </p:sp>
+      <p:sp>
+        <p:nvSpPr>
+          <p:cNvPr id="4" name="Slide Number Placeholder 3"/>
+          <p:cNvSpPr>
+            <a:spLocks noGrp="1"/>
+          </p:cNvSpPr>
+          <p:nvPr>
+            <p:ph type="sldNum" sz="quarter" idx="10"/>
+          </p:nvPr>
+        </p:nvSpPr>
+        <p:spPr/>
+        <p:txBody>
+          <a:bodyPr/>
+          <a:lstStyle/>
+          <a:p>
+            <a:fld id="{AEAADE16-39F2-9746-8DE6-8768F15EC95E}" type="slidenum">
+              <a:rPr lang="en-US" smtClean="0"/>
+              <a:t>13</a:t>
+            </a:fld>
+            <a:endParaRPr lang="en-US" dirty="0"/>
+          </a:p>
+        </p:txBody>
+      </p:sp>
+    </p:spTree>
+    <p:extLst>
+      <p:ext uri="{BB962C8B-B14F-4D97-AF65-F5344CB8AC3E}">
+        <p14:creationId xmlns:p14="http://schemas.microsoft.com/office/powerpoint/2010/main" val="2180849323"/>
+      </p:ext>
+    </p:extLst>
+  </p:cSld>
+  <p:clrMapOvr>
+    <a:masterClrMapping/>
+  </p:clrMapOvr>
+</p:notes>
+</file>
+
+<file path=ppt/notesSlides/notesSlide14.xml><?xml version="1.0" encoding="utf-8"?>
+<p:notes xmlns:a="http://schemas.openxmlformats.org/drawingml/2006/main" xmlns:r="http://schemas.openxmlformats.org/officeDocument/2006/relationships" xmlns:p="http://schemas.openxmlformats.org/presentationml/2006/main">
+  <p:cSld>
+    <p:spTree>
+      <p:nvGrpSpPr>
+        <p:cNvPr id="1" name=""/>
+        <p:cNvGrpSpPr/>
+        <p:nvPr/>
+      </p:nvGrpSpPr>
+      <p:grpSpPr>
+        <a:xfrm>
+          <a:off x="0" y="0"/>
+          <a:ext cx="0" cy="0"/>
+          <a:chOff x="0" y="0"/>
+          <a:chExt cx="0" cy="0"/>
+        </a:xfrm>
+      </p:grpSpPr>
+      <p:sp>
+        <p:nvSpPr>
+          <p:cNvPr id="2" name="Slide Image Placeholder 1"/>
+          <p:cNvSpPr>
+            <a:spLocks noGrp="1" noRot="1" noChangeAspect="1"/>
+          </p:cNvSpPr>
+          <p:nvPr>
+            <p:ph type="sldImg"/>
+          </p:nvPr>
+        </p:nvSpPr>
+        <p:spPr/>
+      </p:sp>
+      <p:sp>
+        <p:nvSpPr>
+          <p:cNvPr id="3" name="Notes Placeholder 2"/>
+          <p:cNvSpPr>
+            <a:spLocks noGrp="1"/>
+          </p:cNvSpPr>
+          <p:nvPr>
+            <p:ph type="body" idx="1"/>
+          </p:nvPr>
+        </p:nvSpPr>
+        <p:spPr/>
+        <p:txBody>
+          <a:bodyPr/>
+          <a:lstStyle/>
+          <a:p>
+            <a:endParaRPr lang="en-US" dirty="0"/>
+          </a:p>
+        </p:txBody>
+      </p:sp>
+      <p:sp>
+        <p:nvSpPr>
+          <p:cNvPr id="4" name="Slide Number Placeholder 3"/>
+          <p:cNvSpPr>
+            <a:spLocks noGrp="1"/>
+          </p:cNvSpPr>
+          <p:nvPr>
+            <p:ph type="sldNum" sz="quarter" idx="10"/>
+          </p:nvPr>
+        </p:nvSpPr>
+        <p:spPr/>
+        <p:txBody>
+          <a:bodyPr/>
+          <a:lstStyle/>
+          <a:p>
+            <a:fld id="{AEAADE16-39F2-9746-8DE6-8768F15EC95E}" type="slidenum">
+              <a:rPr lang="en-US" smtClean="0"/>
+              <a:t>14</a:t>
+            </a:fld>
+            <a:endParaRPr lang="en-US" dirty="0"/>
+          </a:p>
+        </p:txBody>
+      </p:sp>
+    </p:spTree>
+    <p:extLst>
+      <p:ext uri="{BB962C8B-B14F-4D97-AF65-F5344CB8AC3E}">
+        <p14:creationId xmlns:p14="http://schemas.microsoft.com/office/powerpoint/2010/main" val="632219789"/>
+      </p:ext>
+    </p:extLst>
+  </p:cSld>
+  <p:clrMapOvr>
+    <a:masterClrMapping/>
+  </p:clrMapOvr>
+</p:notes>
+</file>
+
+<file path=ppt/notesSlides/notesSlide15.xml><?xml version="1.0" encoding="utf-8"?>
+<p:notes xmlns:a="http://schemas.openxmlformats.org/drawingml/2006/main" xmlns:r="http://schemas.openxmlformats.org/officeDocument/2006/relationships" xmlns:p="http://schemas.openxmlformats.org/presentationml/2006/main">
+  <p:cSld>
+    <p:spTree>
+      <p:nvGrpSpPr>
+        <p:cNvPr id="1" name=""/>
+        <p:cNvGrpSpPr/>
+        <p:nvPr/>
+      </p:nvGrpSpPr>
+      <p:grpSpPr>
+        <a:xfrm>
+          <a:off x="0" y="0"/>
+          <a:ext cx="0" cy="0"/>
+          <a:chOff x="0" y="0"/>
+          <a:chExt cx="0" cy="0"/>
+        </a:xfrm>
+      </p:grpSpPr>
+      <p:sp>
+        <p:nvSpPr>
+          <p:cNvPr id="2" name="Slide Image Placeholder 1"/>
+          <p:cNvSpPr>
+            <a:spLocks noGrp="1" noRot="1" noChangeAspect="1"/>
+          </p:cNvSpPr>
+          <p:nvPr>
+            <p:ph type="sldImg"/>
+          </p:nvPr>
+        </p:nvSpPr>
+        <p:spPr/>
+      </p:sp>
+      <p:sp>
+        <p:nvSpPr>
+          <p:cNvPr id="3" name="Notes Placeholder 2"/>
+          <p:cNvSpPr>
+            <a:spLocks noGrp="1"/>
+          </p:cNvSpPr>
+          <p:nvPr>
+            <p:ph type="body" idx="1"/>
+          </p:nvPr>
+        </p:nvSpPr>
+        <p:spPr/>
+        <p:txBody>
+          <a:bodyPr/>
+          <a:lstStyle/>
+          <a:p>
+            <a:endParaRPr lang="en-US" dirty="0"/>
+          </a:p>
+        </p:txBody>
+      </p:sp>
+      <p:sp>
+        <p:nvSpPr>
+          <p:cNvPr id="4" name="Slide Number Placeholder 3"/>
+          <p:cNvSpPr>
+            <a:spLocks noGrp="1"/>
+          </p:cNvSpPr>
+          <p:nvPr>
+            <p:ph type="sldNum" sz="quarter" idx="10"/>
+          </p:nvPr>
+        </p:nvSpPr>
+        <p:spPr/>
+        <p:txBody>
+          <a:bodyPr/>
+          <a:lstStyle/>
+          <a:p>
+            <a:fld id="{AEAADE16-39F2-9746-8DE6-8768F15EC95E}" type="slidenum">
+              <a:rPr lang="en-US" smtClean="0"/>
+              <a:t>15</a:t>
+            </a:fld>
+            <a:endParaRPr lang="en-US" dirty="0"/>
+          </a:p>
+        </p:txBody>
+      </p:sp>
+    </p:spTree>
+    <p:extLst>
+      <p:ext uri="{BB962C8B-B14F-4D97-AF65-F5344CB8AC3E}">
+        <p14:creationId xmlns:p14="http://schemas.microsoft.com/office/powerpoint/2010/main" val="1463981418"/>
+      </p:ext>
+    </p:extLst>
+  </p:cSld>
+  <p:clrMapOvr>
+    <a:masterClrMapping/>
+  </p:clrMapOvr>
+</p:notes>
+</file>
+
+<file path=ppt/notesSlides/notesSlide16.xml><?xml version="1.0" encoding="utf-8"?>
+<p:notes xmlns:a="http://schemas.openxmlformats.org/drawingml/2006/main" xmlns:r="http://schemas.openxmlformats.org/officeDocument/2006/relationships" xmlns:p="http://schemas.openxmlformats.org/presentationml/2006/main">
+  <p:cSld>
+    <p:spTree>
+      <p:nvGrpSpPr>
+        <p:cNvPr id="1" name=""/>
+        <p:cNvGrpSpPr/>
+        <p:nvPr/>
+      </p:nvGrpSpPr>
+      <p:grpSpPr>
+        <a:xfrm>
+          <a:off x="0" y="0"/>
+          <a:ext cx="0" cy="0"/>
+          <a:chOff x="0" y="0"/>
+          <a:chExt cx="0" cy="0"/>
+        </a:xfrm>
+      </p:grpSpPr>
+      <p:sp>
+        <p:nvSpPr>
+          <p:cNvPr id="2" name="Slide Image Placeholder 1"/>
+          <p:cNvSpPr>
+            <a:spLocks noGrp="1" noRot="1" noChangeAspect="1"/>
+          </p:cNvSpPr>
+          <p:nvPr>
+            <p:ph type="sldImg"/>
+          </p:nvPr>
+        </p:nvSpPr>
+        <p:spPr/>
+      </p:sp>
+      <p:sp>
+        <p:nvSpPr>
+          <p:cNvPr id="3" name="Notes Placeholder 2"/>
+          <p:cNvSpPr>
+            <a:spLocks noGrp="1"/>
+          </p:cNvSpPr>
+          <p:nvPr>
+            <p:ph type="body" idx="1"/>
+          </p:nvPr>
+        </p:nvSpPr>
+        <p:spPr/>
+        <p:txBody>
+          <a:bodyPr/>
+          <a:lstStyle/>
+          <a:p>
+            <a:endParaRPr lang="en-US" dirty="0"/>
+          </a:p>
+        </p:txBody>
+      </p:sp>
+      <p:sp>
+        <p:nvSpPr>
+          <p:cNvPr id="4" name="Slide Number Placeholder 3"/>
+          <p:cNvSpPr>
+            <a:spLocks noGrp="1"/>
+          </p:cNvSpPr>
+          <p:nvPr>
+            <p:ph type="sldNum" sz="quarter" idx="10"/>
+          </p:nvPr>
+        </p:nvSpPr>
+        <p:spPr/>
+        <p:txBody>
+          <a:bodyPr/>
+          <a:lstStyle/>
+          <a:p>
+            <a:fld id="{AEAADE16-39F2-9746-8DE6-8768F15EC95E}" type="slidenum">
+              <a:rPr lang="en-US" smtClean="0"/>
+              <a:t>16</a:t>
+            </a:fld>
+            <a:endParaRPr lang="en-US" dirty="0"/>
+          </a:p>
+        </p:txBody>
+      </p:sp>
+    </p:spTree>
+    <p:extLst>
+      <p:ext uri="{BB962C8B-B14F-4D97-AF65-F5344CB8AC3E}">
+        <p14:creationId xmlns:p14="http://schemas.microsoft.com/office/powerpoint/2010/main" val="1933010283"/>
+      </p:ext>
+    </p:extLst>
+  </p:cSld>
+  <p:clrMapOvr>
+    <a:masterClrMapping/>
+  </p:clrMapOvr>
+</p:notes>
+</file>
+
+<file path=ppt/notesSlides/notesSlide17.xml><?xml version="1.0" encoding="utf-8"?>
+<p:notes xmlns:a="http://schemas.openxmlformats.org/drawingml/2006/main" xmlns:r="http://schemas.openxmlformats.org/officeDocument/2006/relationships" xmlns:p="http://schemas.openxmlformats.org/presentationml/2006/main">
+  <p:cSld>
+    <p:spTree>
+      <p:nvGrpSpPr>
+        <p:cNvPr id="1" name=""/>
+        <p:cNvGrpSpPr/>
+        <p:nvPr/>
+      </p:nvGrpSpPr>
+      <p:grpSpPr>
+        <a:xfrm>
+          <a:off x="0" y="0"/>
+          <a:ext cx="0" cy="0"/>
+          <a:chOff x="0" y="0"/>
+          <a:chExt cx="0" cy="0"/>
+        </a:xfrm>
+      </p:grpSpPr>
+      <p:sp>
+        <p:nvSpPr>
+          <p:cNvPr id="2" name="Slide Image Placeholder 1"/>
+          <p:cNvSpPr>
+            <a:spLocks noGrp="1" noRot="1" noChangeAspect="1"/>
+          </p:cNvSpPr>
+          <p:nvPr>
+            <p:ph type="sldImg"/>
+          </p:nvPr>
+        </p:nvSpPr>
+        <p:spPr/>
+      </p:sp>
+      <p:sp>
+        <p:nvSpPr>
+          <p:cNvPr id="3" name="Notes Placeholder 2"/>
+          <p:cNvSpPr>
+            <a:spLocks noGrp="1"/>
+          </p:cNvSpPr>
+          <p:nvPr>
+            <p:ph type="body" idx="1"/>
+          </p:nvPr>
+        </p:nvSpPr>
+        <p:spPr/>
+        <p:txBody>
+          <a:bodyPr/>
+          <a:lstStyle/>
+          <a:p>
+            <a:endParaRPr lang="en-US" dirty="0"/>
+          </a:p>
+        </p:txBody>
+      </p:sp>
+      <p:sp>
+        <p:nvSpPr>
+          <p:cNvPr id="4" name="Slide Number Placeholder 3"/>
+          <p:cNvSpPr>
+            <a:spLocks noGrp="1"/>
+          </p:cNvSpPr>
+          <p:nvPr>
+            <p:ph type="sldNum" sz="quarter" idx="10"/>
+          </p:nvPr>
+        </p:nvSpPr>
+        <p:spPr/>
+        <p:txBody>
+          <a:bodyPr/>
+          <a:lstStyle/>
+          <a:p>
+            <a:fld id="{AEAADE16-39F2-9746-8DE6-8768F15EC95E}" type="slidenum">
+              <a:rPr lang="en-US" smtClean="0"/>
+              <a:t>17</a:t>
+            </a:fld>
+            <a:endParaRPr lang="en-US" dirty="0"/>
+          </a:p>
+        </p:txBody>
+      </p:sp>
+    </p:spTree>
+    <p:extLst>
+      <p:ext uri="{BB962C8B-B14F-4D97-AF65-F5344CB8AC3E}">
+        <p14:creationId xmlns:p14="http://schemas.microsoft.com/office/powerpoint/2010/main" val="3045935880"/>
+      </p:ext>
+    </p:extLst>
+  </p:cSld>
+  <p:clrMapOvr>
+    <a:masterClrMapping/>
+  </p:clrMapOvr>
+</p:notes>
+</file>
+
+<file path=ppt/notesSlides/notesSlide18.xml><?xml version="1.0" encoding="utf-8"?>
+<p:notes xmlns:a="http://schemas.openxmlformats.org/drawingml/2006/main" xmlns:r="http://schemas.openxmlformats.org/officeDocument/2006/relationships" xmlns:p="http://schemas.openxmlformats.org/presentationml/2006/main">
+  <p:cSld>
+    <p:spTree>
+      <p:nvGrpSpPr>
+        <p:cNvPr id="1" name=""/>
+        <p:cNvGrpSpPr/>
+        <p:nvPr/>
+      </p:nvGrpSpPr>
+      <p:grpSpPr>
+        <a:xfrm>
+          <a:off x="0" y="0"/>
+          <a:ext cx="0" cy="0"/>
+          <a:chOff x="0" y="0"/>
+          <a:chExt cx="0" cy="0"/>
+        </a:xfrm>
+      </p:grpSpPr>
+      <p:sp>
+        <p:nvSpPr>
+          <p:cNvPr id="2" name="Slide Image Placeholder 1"/>
+          <p:cNvSpPr>
+            <a:spLocks noGrp="1" noRot="1" noChangeAspect="1"/>
+          </p:cNvSpPr>
+          <p:nvPr>
+            <p:ph type="sldImg"/>
+          </p:nvPr>
+        </p:nvSpPr>
+        <p:spPr/>
+      </p:sp>
+      <p:sp>
+        <p:nvSpPr>
+          <p:cNvPr id="3" name="Notes Placeholder 2"/>
+          <p:cNvSpPr>
+            <a:spLocks noGrp="1"/>
+          </p:cNvSpPr>
+          <p:nvPr>
+            <p:ph type="body" idx="1"/>
+          </p:nvPr>
+        </p:nvSpPr>
+        <p:spPr/>
+        <p:txBody>
+          <a:bodyPr/>
+          <a:lstStyle/>
+          <a:p>
+            <a:endParaRPr lang="en-US" dirty="0"/>
+          </a:p>
+        </p:txBody>
+      </p:sp>
+      <p:sp>
+        <p:nvSpPr>
+          <p:cNvPr id="4" name="Slide Number Placeholder 3"/>
+          <p:cNvSpPr>
+            <a:spLocks noGrp="1"/>
+          </p:cNvSpPr>
+          <p:nvPr>
+            <p:ph type="sldNum" sz="quarter" idx="10"/>
+          </p:nvPr>
+        </p:nvSpPr>
+        <p:spPr/>
+        <p:txBody>
+          <a:bodyPr/>
+          <a:lstStyle/>
+          <a:p>
+            <a:fld id="{AEAADE16-39F2-9746-8DE6-8768F15EC95E}" type="slidenum">
+              <a:rPr lang="en-US" smtClean="0"/>
+              <a:t>18</a:t>
+            </a:fld>
+            <a:endParaRPr lang="en-US" dirty="0"/>
+          </a:p>
+        </p:txBody>
+      </p:sp>
+    </p:spTree>
+    <p:extLst>
+      <p:ext uri="{BB962C8B-B14F-4D97-AF65-F5344CB8AC3E}">
+        <p14:creationId xmlns:p14="http://schemas.microsoft.com/office/powerpoint/2010/main" val="4217668407"/>
+      </p:ext>
+    </p:extLst>
+  </p:cSld>
+  <p:clrMapOvr>
+    <a:masterClrMapping/>
+  </p:clrMapOvr>
+</p:notes>
+</file>
+
+<file path=ppt/notesSlides/notesSlide19.xml><?xml version="1.0" encoding="utf-8"?>
+<p:notes xmlns:a="http://schemas.openxmlformats.org/drawingml/2006/main" xmlns:r="http://schemas.openxmlformats.org/officeDocument/2006/relationships" xmlns:p="http://schemas.openxmlformats.org/presentationml/2006/main">
+  <p:cSld>
+    <p:spTree>
+      <p:nvGrpSpPr>
+        <p:cNvPr id="1" name=""/>
+        <p:cNvGrpSpPr/>
+        <p:nvPr/>
+      </p:nvGrpSpPr>
+      <p:grpSpPr>
+        <a:xfrm>
+          <a:off x="0" y="0"/>
+          <a:ext cx="0" cy="0"/>
+          <a:chOff x="0" y="0"/>
+          <a:chExt cx="0" cy="0"/>
+        </a:xfrm>
+      </p:grpSpPr>
+      <p:sp>
+        <p:nvSpPr>
+          <p:cNvPr id="2" name="Slide Image Placeholder 1"/>
+          <p:cNvSpPr>
+            <a:spLocks noGrp="1" noRot="1" noChangeAspect="1"/>
+          </p:cNvSpPr>
+          <p:nvPr>
+            <p:ph type="sldImg"/>
+          </p:nvPr>
+        </p:nvSpPr>
+        <p:spPr/>
+      </p:sp>
+      <p:sp>
+        <p:nvSpPr>
+          <p:cNvPr id="3" name="Notes Placeholder 2"/>
+          <p:cNvSpPr>
+            <a:spLocks noGrp="1"/>
+          </p:cNvSpPr>
+          <p:nvPr>
+            <p:ph type="body" idx="1"/>
+          </p:nvPr>
+        </p:nvSpPr>
+        <p:spPr/>
+        <p:txBody>
+          <a:bodyPr/>
+          <a:lstStyle/>
+          <a:p>
+            <a:endParaRPr lang="en-US" dirty="0"/>
+          </a:p>
+        </p:txBody>
+      </p:sp>
+      <p:sp>
+        <p:nvSpPr>
+          <p:cNvPr id="4" name="Slide Number Placeholder 3"/>
+          <p:cNvSpPr>
+            <a:spLocks noGrp="1"/>
+          </p:cNvSpPr>
+          <p:nvPr>
+            <p:ph type="sldNum" sz="quarter" idx="10"/>
+          </p:nvPr>
+        </p:nvSpPr>
+        <p:spPr/>
+        <p:txBody>
+          <a:bodyPr/>
+          <a:lstStyle/>
+          <a:p>
+            <a:fld id="{AEAADE16-39F2-9746-8DE6-8768F15EC95E}" type="slidenum">
+              <a:rPr lang="en-US" smtClean="0"/>
+              <a:t>19</a:t>
+            </a:fld>
+            <a:endParaRPr lang="en-US" dirty="0"/>
+          </a:p>
+        </p:txBody>
+      </p:sp>
+    </p:spTree>
+    <p:extLst>
+      <p:ext uri="{BB962C8B-B14F-4D97-AF65-F5344CB8AC3E}">
+        <p14:creationId xmlns:p14="http://schemas.microsoft.com/office/powerpoint/2010/main" val="981949523"/>
       </p:ext>
     </p:extLst>
   </p:cSld>
@@ -616,18 +1470,102 @@
           <a:bodyPr/>
           <a:lstStyle/>
           <a:p>
-            <a:fld id="{C5D73273-3238-DF48-9FA4-C7588DD356DD}" type="slidenum">
+            <a:fld id="{AEAADE16-39F2-9746-8DE6-8768F15EC95E}" type="slidenum">
               <a:rPr lang="en-US" smtClean="0"/>
               <a:t>2</a:t>
             </a:fld>
-            <a:endParaRPr lang="en-US"/>
+            <a:endParaRPr lang="en-US" dirty="0"/>
           </a:p>
         </p:txBody>
       </p:sp>
     </p:spTree>
     <p:extLst>
       <p:ext uri="{BB962C8B-B14F-4D97-AF65-F5344CB8AC3E}">
-        <p14:creationId xmlns:p14="http://schemas.microsoft.com/office/powerpoint/2010/main" val="2777233215"/>
+        <p14:creationId xmlns:p14="http://schemas.microsoft.com/office/powerpoint/2010/main" val="1769446555"/>
+      </p:ext>
+    </p:extLst>
+  </p:cSld>
+  <p:clrMapOvr>
+    <a:masterClrMapping/>
+  </p:clrMapOvr>
+</p:notes>
+</file>
+
+<file path=ppt/notesSlides/notesSlide20.xml><?xml version="1.0" encoding="utf-8"?>
+<p:notes xmlns:a="http://schemas.openxmlformats.org/drawingml/2006/main" xmlns:r="http://schemas.openxmlformats.org/officeDocument/2006/relationships" xmlns:p="http://schemas.openxmlformats.org/presentationml/2006/main">
+  <p:cSld>
+    <p:spTree>
+      <p:nvGrpSpPr>
+        <p:cNvPr id="1" name=""/>
+        <p:cNvGrpSpPr/>
+        <p:nvPr/>
+      </p:nvGrpSpPr>
+      <p:grpSpPr>
+        <a:xfrm>
+          <a:off x="0" y="0"/>
+          <a:ext cx="0" cy="0"/>
+          <a:chOff x="0" y="0"/>
+          <a:chExt cx="0" cy="0"/>
+        </a:xfrm>
+      </p:grpSpPr>
+      <p:sp>
+        <p:nvSpPr>
+          <p:cNvPr id="2" name="Slide Image Placeholder 1"/>
+          <p:cNvSpPr>
+            <a:spLocks noGrp="1" noRot="1" noChangeAspect="1"/>
+          </p:cNvSpPr>
+          <p:nvPr>
+            <p:ph type="sldImg"/>
+          </p:nvPr>
+        </p:nvSpPr>
+        <p:spPr/>
+      </p:sp>
+      <p:sp>
+        <p:nvSpPr>
+          <p:cNvPr id="3" name="Notes Placeholder 2"/>
+          <p:cNvSpPr>
+            <a:spLocks noGrp="1"/>
+          </p:cNvSpPr>
+          <p:nvPr>
+            <p:ph type="body" idx="1"/>
+          </p:nvPr>
+        </p:nvSpPr>
+        <p:spPr/>
+        <p:txBody>
+          <a:bodyPr/>
+          <a:lstStyle/>
+          <a:p>
+            <a:endParaRPr lang="en-US" dirty="0"/>
+          </a:p>
+        </p:txBody>
+      </p:sp>
+      <p:sp>
+        <p:nvSpPr>
+          <p:cNvPr id="4" name="Slide Number Placeholder 3"/>
+          <p:cNvSpPr>
+            <a:spLocks noGrp="1"/>
+          </p:cNvSpPr>
+          <p:nvPr>
+            <p:ph type="sldNum" sz="quarter" idx="10"/>
+          </p:nvPr>
+        </p:nvSpPr>
+        <p:spPr/>
+        <p:txBody>
+          <a:bodyPr/>
+          <a:lstStyle/>
+          <a:p>
+            <a:fld id="{AEAADE16-39F2-9746-8DE6-8768F15EC95E}" type="slidenum">
+              <a:rPr lang="en-US" smtClean="0"/>
+              <a:t>20</a:t>
+            </a:fld>
+            <a:endParaRPr lang="en-US" dirty="0"/>
+          </a:p>
+        </p:txBody>
+      </p:sp>
+    </p:spTree>
+    <p:extLst>
+      <p:ext uri="{BB962C8B-B14F-4D97-AF65-F5344CB8AC3E}">
+        <p14:creationId xmlns:p14="http://schemas.microsoft.com/office/powerpoint/2010/main" val="87000737"/>
       </p:ext>
     </p:extLst>
   </p:cSld>
@@ -700,18 +1638,18 @@
           <a:bodyPr/>
           <a:lstStyle/>
           <a:p>
-            <a:fld id="{C5D73273-3238-DF48-9FA4-C7588DD356DD}" type="slidenum">
+            <a:fld id="{AEAADE16-39F2-9746-8DE6-8768F15EC95E}" type="slidenum">
               <a:rPr lang="en-US" smtClean="0"/>
               <a:t>3</a:t>
             </a:fld>
-            <a:endParaRPr lang="en-US"/>
+            <a:endParaRPr lang="en-US" dirty="0"/>
           </a:p>
         </p:txBody>
       </p:sp>
     </p:spTree>
     <p:extLst>
       <p:ext uri="{BB962C8B-B14F-4D97-AF65-F5344CB8AC3E}">
-        <p14:creationId xmlns:p14="http://schemas.microsoft.com/office/powerpoint/2010/main" val="4027158246"/>
+        <p14:creationId xmlns:p14="http://schemas.microsoft.com/office/powerpoint/2010/main" val="1633438967"/>
       </p:ext>
     </p:extLst>
   </p:cSld>
@@ -795,7 +1733,7 @@
     </p:spTree>
     <p:extLst>
       <p:ext uri="{BB962C8B-B14F-4D97-AF65-F5344CB8AC3E}">
-        <p14:creationId xmlns:p14="http://schemas.microsoft.com/office/powerpoint/2010/main" val="3055380011"/>
+        <p14:creationId xmlns:p14="http://schemas.microsoft.com/office/powerpoint/2010/main" val="2974365362"/>
       </p:ext>
     </p:extLst>
   </p:cSld>
@@ -879,7 +1817,7 @@
     </p:spTree>
     <p:extLst>
       <p:ext uri="{BB962C8B-B14F-4D97-AF65-F5344CB8AC3E}">
-        <p14:creationId xmlns:p14="http://schemas.microsoft.com/office/powerpoint/2010/main" val="1718681274"/>
+        <p14:creationId xmlns:p14="http://schemas.microsoft.com/office/powerpoint/2010/main" val="1986834990"/>
       </p:ext>
     </p:extLst>
   </p:cSld>
@@ -963,7 +1901,259 @@
     </p:spTree>
     <p:extLst>
       <p:ext uri="{BB962C8B-B14F-4D97-AF65-F5344CB8AC3E}">
-        <p14:creationId xmlns:p14="http://schemas.microsoft.com/office/powerpoint/2010/main" val="3790525658"/>
+        <p14:creationId xmlns:p14="http://schemas.microsoft.com/office/powerpoint/2010/main" val="1635309978"/>
+      </p:ext>
+    </p:extLst>
+  </p:cSld>
+  <p:clrMapOvr>
+    <a:masterClrMapping/>
+  </p:clrMapOvr>
+</p:notes>
+</file>
+
+<file path=ppt/notesSlides/notesSlide7.xml><?xml version="1.0" encoding="utf-8"?>
+<p:notes xmlns:a="http://schemas.openxmlformats.org/drawingml/2006/main" xmlns:r="http://schemas.openxmlformats.org/officeDocument/2006/relationships" xmlns:p="http://schemas.openxmlformats.org/presentationml/2006/main">
+  <p:cSld>
+    <p:spTree>
+      <p:nvGrpSpPr>
+        <p:cNvPr id="1" name=""/>
+        <p:cNvGrpSpPr/>
+        <p:nvPr/>
+      </p:nvGrpSpPr>
+      <p:grpSpPr>
+        <a:xfrm>
+          <a:off x="0" y="0"/>
+          <a:ext cx="0" cy="0"/>
+          <a:chOff x="0" y="0"/>
+          <a:chExt cx="0" cy="0"/>
+        </a:xfrm>
+      </p:grpSpPr>
+      <p:sp>
+        <p:nvSpPr>
+          <p:cNvPr id="2" name="Slide Image Placeholder 1"/>
+          <p:cNvSpPr>
+            <a:spLocks noGrp="1" noRot="1" noChangeAspect="1"/>
+          </p:cNvSpPr>
+          <p:nvPr>
+            <p:ph type="sldImg"/>
+          </p:nvPr>
+        </p:nvSpPr>
+        <p:spPr/>
+      </p:sp>
+      <p:sp>
+        <p:nvSpPr>
+          <p:cNvPr id="3" name="Notes Placeholder 2"/>
+          <p:cNvSpPr>
+            <a:spLocks noGrp="1"/>
+          </p:cNvSpPr>
+          <p:nvPr>
+            <p:ph type="body" idx="1"/>
+          </p:nvPr>
+        </p:nvSpPr>
+        <p:spPr/>
+        <p:txBody>
+          <a:bodyPr/>
+          <a:lstStyle/>
+          <a:p>
+            <a:endParaRPr lang="en-US" dirty="0"/>
+          </a:p>
+        </p:txBody>
+      </p:sp>
+      <p:sp>
+        <p:nvSpPr>
+          <p:cNvPr id="4" name="Slide Number Placeholder 3"/>
+          <p:cNvSpPr>
+            <a:spLocks noGrp="1"/>
+          </p:cNvSpPr>
+          <p:nvPr>
+            <p:ph type="sldNum" sz="quarter" idx="10"/>
+          </p:nvPr>
+        </p:nvSpPr>
+        <p:spPr/>
+        <p:txBody>
+          <a:bodyPr/>
+          <a:lstStyle/>
+          <a:p>
+            <a:fld id="{AEAADE16-39F2-9746-8DE6-8768F15EC95E}" type="slidenum">
+              <a:rPr lang="en-US" smtClean="0"/>
+              <a:t>7</a:t>
+            </a:fld>
+            <a:endParaRPr lang="en-US" dirty="0"/>
+          </a:p>
+        </p:txBody>
+      </p:sp>
+    </p:spTree>
+    <p:extLst>
+      <p:ext uri="{BB962C8B-B14F-4D97-AF65-F5344CB8AC3E}">
+        <p14:creationId xmlns:p14="http://schemas.microsoft.com/office/powerpoint/2010/main" val="1682640988"/>
+      </p:ext>
+    </p:extLst>
+  </p:cSld>
+  <p:clrMapOvr>
+    <a:masterClrMapping/>
+  </p:clrMapOvr>
+</p:notes>
+</file>
+
+<file path=ppt/notesSlides/notesSlide8.xml><?xml version="1.0" encoding="utf-8"?>
+<p:notes xmlns:a="http://schemas.openxmlformats.org/drawingml/2006/main" xmlns:r="http://schemas.openxmlformats.org/officeDocument/2006/relationships" xmlns:p="http://schemas.openxmlformats.org/presentationml/2006/main">
+  <p:cSld>
+    <p:spTree>
+      <p:nvGrpSpPr>
+        <p:cNvPr id="1" name=""/>
+        <p:cNvGrpSpPr/>
+        <p:nvPr/>
+      </p:nvGrpSpPr>
+      <p:grpSpPr>
+        <a:xfrm>
+          <a:off x="0" y="0"/>
+          <a:ext cx="0" cy="0"/>
+          <a:chOff x="0" y="0"/>
+          <a:chExt cx="0" cy="0"/>
+        </a:xfrm>
+      </p:grpSpPr>
+      <p:sp>
+        <p:nvSpPr>
+          <p:cNvPr id="2" name="Slide Image Placeholder 1"/>
+          <p:cNvSpPr>
+            <a:spLocks noGrp="1" noRot="1" noChangeAspect="1"/>
+          </p:cNvSpPr>
+          <p:nvPr>
+            <p:ph type="sldImg"/>
+          </p:nvPr>
+        </p:nvSpPr>
+        <p:spPr/>
+      </p:sp>
+      <p:sp>
+        <p:nvSpPr>
+          <p:cNvPr id="3" name="Notes Placeholder 2"/>
+          <p:cNvSpPr>
+            <a:spLocks noGrp="1"/>
+          </p:cNvSpPr>
+          <p:nvPr>
+            <p:ph type="body" idx="1"/>
+          </p:nvPr>
+        </p:nvSpPr>
+        <p:spPr/>
+        <p:txBody>
+          <a:bodyPr/>
+          <a:lstStyle/>
+          <a:p>
+            <a:endParaRPr lang="en-US" dirty="0"/>
+          </a:p>
+        </p:txBody>
+      </p:sp>
+      <p:sp>
+        <p:nvSpPr>
+          <p:cNvPr id="4" name="Slide Number Placeholder 3"/>
+          <p:cNvSpPr>
+            <a:spLocks noGrp="1"/>
+          </p:cNvSpPr>
+          <p:nvPr>
+            <p:ph type="sldNum" sz="quarter" idx="10"/>
+          </p:nvPr>
+        </p:nvSpPr>
+        <p:spPr/>
+        <p:txBody>
+          <a:bodyPr/>
+          <a:lstStyle/>
+          <a:p>
+            <a:fld id="{AEAADE16-39F2-9746-8DE6-8768F15EC95E}" type="slidenum">
+              <a:rPr lang="en-US" smtClean="0"/>
+              <a:t>8</a:t>
+            </a:fld>
+            <a:endParaRPr lang="en-US" dirty="0"/>
+          </a:p>
+        </p:txBody>
+      </p:sp>
+    </p:spTree>
+    <p:extLst>
+      <p:ext uri="{BB962C8B-B14F-4D97-AF65-F5344CB8AC3E}">
+        <p14:creationId xmlns:p14="http://schemas.microsoft.com/office/powerpoint/2010/main" val="2063171587"/>
+      </p:ext>
+    </p:extLst>
+  </p:cSld>
+  <p:clrMapOvr>
+    <a:masterClrMapping/>
+  </p:clrMapOvr>
+</p:notes>
+</file>
+
+<file path=ppt/notesSlides/notesSlide9.xml><?xml version="1.0" encoding="utf-8"?>
+<p:notes xmlns:a="http://schemas.openxmlformats.org/drawingml/2006/main" xmlns:r="http://schemas.openxmlformats.org/officeDocument/2006/relationships" xmlns:p="http://schemas.openxmlformats.org/presentationml/2006/main">
+  <p:cSld>
+    <p:spTree>
+      <p:nvGrpSpPr>
+        <p:cNvPr id="1" name=""/>
+        <p:cNvGrpSpPr/>
+        <p:nvPr/>
+      </p:nvGrpSpPr>
+      <p:grpSpPr>
+        <a:xfrm>
+          <a:off x="0" y="0"/>
+          <a:ext cx="0" cy="0"/>
+          <a:chOff x="0" y="0"/>
+          <a:chExt cx="0" cy="0"/>
+        </a:xfrm>
+      </p:grpSpPr>
+      <p:sp>
+        <p:nvSpPr>
+          <p:cNvPr id="2" name="Slide Image Placeholder 1"/>
+          <p:cNvSpPr>
+            <a:spLocks noGrp="1" noRot="1" noChangeAspect="1"/>
+          </p:cNvSpPr>
+          <p:nvPr>
+            <p:ph type="sldImg"/>
+          </p:nvPr>
+        </p:nvSpPr>
+        <p:spPr/>
+      </p:sp>
+      <p:sp>
+        <p:nvSpPr>
+          <p:cNvPr id="3" name="Notes Placeholder 2"/>
+          <p:cNvSpPr>
+            <a:spLocks noGrp="1"/>
+          </p:cNvSpPr>
+          <p:nvPr>
+            <p:ph type="body" idx="1"/>
+          </p:nvPr>
+        </p:nvSpPr>
+        <p:spPr/>
+        <p:txBody>
+          <a:bodyPr/>
+          <a:lstStyle/>
+          <a:p>
+            <a:endParaRPr lang="en-US" dirty="0"/>
+          </a:p>
+        </p:txBody>
+      </p:sp>
+      <p:sp>
+        <p:nvSpPr>
+          <p:cNvPr id="4" name="Slide Number Placeholder 3"/>
+          <p:cNvSpPr>
+            <a:spLocks noGrp="1"/>
+          </p:cNvSpPr>
+          <p:nvPr>
+            <p:ph type="sldNum" sz="quarter" idx="10"/>
+          </p:nvPr>
+        </p:nvSpPr>
+        <p:spPr/>
+        <p:txBody>
+          <a:bodyPr/>
+          <a:lstStyle/>
+          <a:p>
+            <a:fld id="{AEAADE16-39F2-9746-8DE6-8768F15EC95E}" type="slidenum">
+              <a:rPr lang="en-US" smtClean="0"/>
+              <a:t>9</a:t>
+            </a:fld>
+            <a:endParaRPr lang="en-US" dirty="0"/>
+          </a:p>
+        </p:txBody>
+      </p:sp>
+    </p:spTree>
+    <p:extLst>
+      <p:ext uri="{BB962C8B-B14F-4D97-AF65-F5344CB8AC3E}">
+        <p14:creationId xmlns:p14="http://schemas.microsoft.com/office/powerpoint/2010/main" val="953411447"/>
       </p:ext>
     </p:extLst>
   </p:cSld>
@@ -1102,7 +2292,7 @@
           <a:p>
             <a:fld id="{E4C50F65-6A6A-4013-82DA-696B9E833C7A}" type="datetimeFigureOut">
               <a:rPr lang="en-US" smtClean="0"/>
-              <a:t>3/4/20</a:t>
+              <a:t>3/12/20</a:t>
             </a:fld>
             <a:endParaRPr lang="en-US"/>
           </a:p>
@@ -1270,7 +2460,7 @@
           <a:p>
             <a:fld id="{E4C50F65-6A6A-4013-82DA-696B9E833C7A}" type="datetimeFigureOut">
               <a:rPr lang="en-US" smtClean="0"/>
-              <a:t>3/4/20</a:t>
+              <a:t>3/12/20</a:t>
             </a:fld>
             <a:endParaRPr lang="en-US"/>
           </a:p>
@@ -1448,7 +2638,7 @@
           <a:p>
             <a:fld id="{E4C50F65-6A6A-4013-82DA-696B9E833C7A}" type="datetimeFigureOut">
               <a:rPr lang="en-US" smtClean="0"/>
-              <a:t>3/4/20</a:t>
+              <a:t>3/12/20</a:t>
             </a:fld>
             <a:endParaRPr lang="en-US"/>
           </a:p>
@@ -1760,7 +2950,7 @@
           <a:p>
             <a:fld id="{E4C50F65-6A6A-4013-82DA-696B9E833C7A}" type="datetimeFigureOut">
               <a:rPr lang="en-US" smtClean="0"/>
-              <a:t>3/4/20</a:t>
+              <a:t>3/12/20</a:t>
             </a:fld>
             <a:endParaRPr lang="en-US"/>
           </a:p>
@@ -2005,7 +3195,7 @@
           <a:p>
             <a:fld id="{E4C50F65-6A6A-4013-82DA-696B9E833C7A}" type="datetimeFigureOut">
               <a:rPr lang="en-US" smtClean="0"/>
-              <a:t>3/4/20</a:t>
+              <a:t>3/12/20</a:t>
             </a:fld>
             <a:endParaRPr lang="en-US"/>
           </a:p>
@@ -2234,7 +3424,7 @@
           <a:p>
             <a:fld id="{E4C50F65-6A6A-4013-82DA-696B9E833C7A}" type="datetimeFigureOut">
               <a:rPr lang="en-US" smtClean="0"/>
-              <a:t>3/4/20</a:t>
+              <a:t>3/12/20</a:t>
             </a:fld>
             <a:endParaRPr lang="en-US"/>
           </a:p>
@@ -2598,7 +3788,7 @@
           <a:p>
             <a:fld id="{E4C50F65-6A6A-4013-82DA-696B9E833C7A}" type="datetimeFigureOut">
               <a:rPr lang="en-US" smtClean="0"/>
-              <a:t>3/4/20</a:t>
+              <a:t>3/12/20</a:t>
             </a:fld>
             <a:endParaRPr lang="en-US"/>
           </a:p>
@@ -2715,7 +3905,7 @@
           <a:p>
             <a:fld id="{E4C50F65-6A6A-4013-82DA-696B9E833C7A}" type="datetimeFigureOut">
               <a:rPr lang="en-US" smtClean="0"/>
-              <a:t>3/4/20</a:t>
+              <a:t>3/12/20</a:t>
             </a:fld>
             <a:endParaRPr lang="en-US"/>
           </a:p>
@@ -2810,7 +4000,7 @@
           <a:p>
             <a:fld id="{E4C50F65-6A6A-4013-82DA-696B9E833C7A}" type="datetimeFigureOut">
               <a:rPr lang="en-US" smtClean="0"/>
-              <a:t>3/4/20</a:t>
+              <a:t>3/12/20</a:t>
             </a:fld>
             <a:endParaRPr lang="en-US"/>
           </a:p>
@@ -3085,7 +4275,7 @@
           <a:p>
             <a:fld id="{E4C50F65-6A6A-4013-82DA-696B9E833C7A}" type="datetimeFigureOut">
               <a:rPr lang="en-US" smtClean="0"/>
-              <a:t>3/4/20</a:t>
+              <a:t>3/12/20</a:t>
             </a:fld>
             <a:endParaRPr lang="en-US"/>
           </a:p>
@@ -3337,7 +4527,7 @@
           <a:p>
             <a:fld id="{E4C50F65-6A6A-4013-82DA-696B9E833C7A}" type="datetimeFigureOut">
               <a:rPr lang="en-US" smtClean="0"/>
-              <a:t>3/4/20</a:t>
+              <a:t>3/12/20</a:t>
             </a:fld>
             <a:endParaRPr lang="en-US"/>
           </a:p>
@@ -3548,7 +4738,7 @@
           <a:p>
             <a:fld id="{E4C50F65-6A6A-4013-82DA-696B9E833C7A}" type="datetimeFigureOut">
               <a:rPr lang="en-US" smtClean="0"/>
-              <a:t>3/4/20</a:t>
+              <a:t>3/12/20</a:t>
             </a:fld>
             <a:endParaRPr lang="en-US"/>
           </a:p>
@@ -3956,33 +5146,6 @@
       </p:grpSpPr>
       <p:sp>
         <p:nvSpPr>
-          <p:cNvPr id="2" name="Title 1"/>
-          <p:cNvSpPr>
-            <a:spLocks noGrp="1"/>
-          </p:cNvSpPr>
-          <p:nvPr>
-            <p:ph type="title"/>
-          </p:nvPr>
-        </p:nvSpPr>
-        <p:spPr>
-          <a:xfrm>
-            <a:off x="194412" y="139235"/>
-            <a:ext cx="11147636" cy="1193380"/>
-          </a:xfrm>
-        </p:spPr>
-        <p:txBody>
-          <a:bodyPr/>
-          <a:lstStyle/>
-          <a:p>
-            <a:r>
-              <a:rPr lang="en-US" dirty="0"/>
-              <a:t>Employee Management System</a:t>
-            </a:r>
-          </a:p>
-        </p:txBody>
-      </p:sp>
-      <p:sp>
-        <p:nvSpPr>
           <p:cNvPr id="3" name="Slide Number Placeholder 2"/>
           <p:cNvSpPr>
             <a:spLocks noGrp="1"/>
@@ -4006,82 +5169,352 @@
       </p:sp>
       <p:sp>
         <p:nvSpPr>
-          <p:cNvPr id="4" name="Rectangle 3"/>
+          <p:cNvPr id="5" name="Rectangle 4"/>
           <p:cNvSpPr/>
           <p:nvPr/>
         </p:nvSpPr>
         <p:spPr>
           <a:xfrm>
-            <a:off x="194412" y="724073"/>
-            <a:ext cx="8786037" cy="338554"/>
+            <a:off x="4426688" y="581752"/>
+            <a:ext cx="2973571" cy="789847"/>
+          </a:xfrm>
+          <a:prstGeom prst="rect">
+            <a:avLst/>
+          </a:prstGeom>
+          <a:solidFill>
+            <a:srgbClr val="F1F2EA"/>
+          </a:solidFill>
+          <a:ln>
+            <a:noFill/>
+          </a:ln>
+        </p:spPr>
+        <p:style>
+          <a:lnRef idx="2">
+            <a:schemeClr val="accent1">
+              <a:shade val="50000"/>
+            </a:schemeClr>
+          </a:lnRef>
+          <a:fillRef idx="1">
+            <a:schemeClr val="accent1"/>
+          </a:fillRef>
+          <a:effectRef idx="0">
+            <a:schemeClr val="accent1"/>
+          </a:effectRef>
+          <a:fontRef idx="minor">
+            <a:schemeClr val="lt1"/>
+          </a:fontRef>
+        </p:style>
+        <p:txBody>
+          <a:bodyPr rtlCol="0" anchor="ctr"/>
+          <a:lstStyle/>
+          <a:p>
+            <a:pPr algn="ctr"/>
+            <a:endParaRPr lang="en-US"/>
+          </a:p>
+        </p:txBody>
+      </p:sp>
+      <p:sp>
+        <p:nvSpPr>
+          <p:cNvPr id="6" name="Rectangle 5"/>
+          <p:cNvSpPr/>
+          <p:nvPr/>
+        </p:nvSpPr>
+        <p:spPr>
+          <a:xfrm>
+            <a:off x="173666" y="6037116"/>
+            <a:ext cx="1233376" cy="691116"/>
+          </a:xfrm>
+          <a:prstGeom prst="rect">
+            <a:avLst/>
+          </a:prstGeom>
+          <a:solidFill>
+            <a:srgbClr val="F1F2EA"/>
+          </a:solidFill>
+          <a:ln>
+            <a:noFill/>
+          </a:ln>
+        </p:spPr>
+        <p:style>
+          <a:lnRef idx="2">
+            <a:schemeClr val="accent1">
+              <a:shade val="50000"/>
+            </a:schemeClr>
+          </a:lnRef>
+          <a:fillRef idx="1">
+            <a:schemeClr val="accent1"/>
+          </a:fillRef>
+          <a:effectRef idx="0">
+            <a:schemeClr val="accent1"/>
+          </a:effectRef>
+          <a:fontRef idx="minor">
+            <a:schemeClr val="lt1"/>
+          </a:fontRef>
+        </p:style>
+        <p:txBody>
+          <a:bodyPr rtlCol="0" anchor="ctr"/>
+          <a:lstStyle/>
+          <a:p>
+            <a:pPr algn="ctr"/>
+            <a:endParaRPr lang="en-US"/>
+          </a:p>
+        </p:txBody>
+      </p:sp>
+      <p:pic>
+        <p:nvPicPr>
+          <p:cNvPr id="8" name="Picture 7"/>
+          <p:cNvPicPr>
+            <a:picLocks noChangeAspect="1"/>
+          </p:cNvPicPr>
+          <p:nvPr/>
+        </p:nvPicPr>
+        <p:blipFill>
+          <a:blip r:embed="rId3">
+            <a:extLst>
+              <a:ext uri="{28A0092B-C50C-407E-A947-70E740481C1C}">
+                <a14:useLocalDpi xmlns:a14="http://schemas.microsoft.com/office/drawing/2010/main" val="0"/>
+              </a:ext>
+            </a:extLst>
+          </a:blip>
+          <a:stretch>
+            <a:fillRect/>
+          </a:stretch>
+        </p:blipFill>
+        <p:spPr>
+          <a:xfrm>
+            <a:off x="379602" y="5892185"/>
+            <a:ext cx="1300338" cy="654985"/>
           </a:xfrm>
           <a:prstGeom prst="rect">
             <a:avLst/>
           </a:prstGeom>
         </p:spPr>
+      </p:pic>
+      <p:pic>
+        <p:nvPicPr>
+          <p:cNvPr id="11" name="Picture 2" descr="A picture containing clock&#10;&#10;Description automatically generated">
+            <a:extLst>
+              <a:ext uri="{FF2B5EF4-FFF2-40B4-BE49-F238E27FC236}">
+                <a16:creationId xmlns:a16="http://schemas.microsoft.com/office/drawing/2014/main" id="{36A8DAC5-E743-F645-AB2D-6D72CDE503F4}"/>
+              </a:ext>
+            </a:extLst>
+          </p:cNvPr>
+          <p:cNvPicPr>
+            <a:picLocks noChangeAspect="1" noChangeArrowheads="1"/>
+          </p:cNvPicPr>
+          <p:nvPr/>
+        </p:nvPicPr>
+        <p:blipFill rotWithShape="1">
+          <a:blip r:embed="rId4">
+            <a:extLst>
+              <a:ext uri="{28A0092B-C50C-407E-A947-70E740481C1C}">
+                <a14:useLocalDpi xmlns:a14="http://schemas.microsoft.com/office/drawing/2010/main" val="0"/>
+              </a:ext>
+            </a:extLst>
+          </a:blip>
+          <a:srcRect r="426" b="2"/>
+          <a:stretch/>
+        </p:blipFill>
+        <p:spPr bwMode="auto">
+          <a:xfrm>
+            <a:off x="942597" y="538941"/>
+            <a:ext cx="5608830" cy="5632704"/>
+          </a:xfrm>
+          <a:prstGeom prst="rect">
+            <a:avLst/>
+          </a:prstGeom>
+          <a:noFill/>
+          <a:extLst>
+            <a:ext uri="{909E8E84-426E-40DD-AFC4-6F175D3DCCD1}">
+              <a14:hiddenFill xmlns:a14="http://schemas.microsoft.com/office/drawing/2010/main">
+                <a:solidFill>
+                  <a:srgbClr val="FFFFFF"/>
+                </a:solidFill>
+              </a14:hiddenFill>
+            </a:ext>
+          </a:extLst>
+        </p:spPr>
+      </p:pic>
+      <p:sp>
+        <p:nvSpPr>
+          <p:cNvPr id="12" name="Rectangle 11">
+            <a:extLst>
+              <a:ext uri="{FF2B5EF4-FFF2-40B4-BE49-F238E27FC236}">
+                <a16:creationId xmlns:a16="http://schemas.microsoft.com/office/drawing/2014/main" id="{A56D3892-0051-0F41-A8CD-10CB0B98309B}"/>
+              </a:ext>
+            </a:extLst>
+          </p:cNvPr>
+          <p:cNvSpPr/>
+          <p:nvPr/>
+        </p:nvSpPr>
+        <p:spPr>
+          <a:xfrm>
+            <a:off x="6551427" y="581752"/>
+            <a:ext cx="5058828" cy="3363184"/>
+          </a:xfrm>
+          <a:prstGeom prst="rect">
+            <a:avLst/>
+          </a:prstGeom>
+        </p:spPr>
+        <p:txBody>
+          <a:bodyPr vert="horz" lIns="91440" tIns="45720" rIns="91440" bIns="45720" rtlCol="0" anchor="b">
+            <a:normAutofit/>
+          </a:bodyPr>
+          <a:lstStyle/>
+          <a:p>
+            <a:pPr algn="ctr">
+              <a:lnSpc>
+                <a:spcPct val="90000"/>
+              </a:lnSpc>
+              <a:spcBef>
+                <a:spcPct val="0"/>
+              </a:spcBef>
+              <a:spcAft>
+                <a:spcPts val="600"/>
+              </a:spcAft>
+            </a:pPr>
+            <a:r>
+              <a:rPr lang="en-US" sz="6600" dirty="0">
+                <a:solidFill>
+                  <a:srgbClr val="0474EF"/>
+                </a:solidFill>
+                <a:cs typeface="Univers Next Arabic" panose="020B0503030202020203" pitchFamily="34" charset="-78"/>
+              </a:rPr>
+              <a:t>Employee Management System</a:t>
+            </a:r>
+          </a:p>
+        </p:txBody>
+      </p:sp>
+      <p:sp>
+        <p:nvSpPr>
+          <p:cNvPr id="13" name="Rectangle 12">
+            <a:extLst>
+              <a:ext uri="{FF2B5EF4-FFF2-40B4-BE49-F238E27FC236}">
+                <a16:creationId xmlns:a16="http://schemas.microsoft.com/office/drawing/2014/main" id="{5FDDB709-B936-CA43-898A-2C0CD4157680}"/>
+              </a:ext>
+            </a:extLst>
+          </p:cNvPr>
+          <p:cNvSpPr/>
+          <p:nvPr/>
+        </p:nvSpPr>
+        <p:spPr>
+          <a:xfrm>
+            <a:off x="7581105" y="4836787"/>
+            <a:ext cx="2999474" cy="830997"/>
+          </a:xfrm>
+          <a:prstGeom prst="rect">
+            <a:avLst/>
+          </a:prstGeom>
+        </p:spPr>
         <p:txBody>
           <a:bodyPr wrap="square">
             <a:spAutoFit/>
           </a:bodyPr>
           <a:lstStyle/>
           <a:p>
+            <a:pPr algn="ctr">
+              <a:spcBef>
+                <a:spcPts val="600"/>
+              </a:spcBef>
+            </a:pPr>
             <a:r>
-              <a:rPr lang="en-US" sz="1600" dirty="0">
+              <a:rPr lang="en-US" sz="2400" dirty="0">
                 <a:solidFill>
-                  <a:srgbClr val="0474EF"/>
+                  <a:srgbClr val="65617D"/>
                 </a:solidFill>
-                <a:latin typeface="Univers Next Arabic" panose="020B0503030202020203" pitchFamily="34" charset="-78"/>
-                <a:cs typeface="Univers Next Arabic" panose="020B0503030202020203" pitchFamily="34" charset="-78"/>
+                <a:latin typeface="Muli"/>
               </a:rPr>
-              <a:t>Team1: </a:t>
+              <a:t>EMS Developed By: Team </a:t>
             </a:r>
             <a:r>
-              <a:rPr lang="en-US" sz="1600" dirty="0" err="1">
+              <a:rPr lang="en-US" sz="2400" dirty="0" err="1">
                 <a:solidFill>
-                  <a:srgbClr val="0474EF"/>
+                  <a:srgbClr val="65617D"/>
                 </a:solidFill>
-                <a:latin typeface="Univers Next Arabic" panose="020B0503030202020203" pitchFamily="34" charset="-78"/>
-                <a:cs typeface="Univers Next Arabic" panose="020B0503030202020203" pitchFamily="34" charset="-78"/>
+                <a:latin typeface="Muli"/>
               </a:rPr>
               <a:t>TestHut</a:t>
             </a:r>
-            <a:r>
-              <a:rPr lang="en-US" sz="1600" dirty="0">
-                <a:solidFill>
-                  <a:srgbClr val="0474EF"/>
-                </a:solidFill>
-                <a:latin typeface="Univers Next Arabic" panose="020B0503030202020203" pitchFamily="34" charset="-78"/>
-                <a:cs typeface="Univers Next Arabic" panose="020B0503030202020203" pitchFamily="34" charset="-78"/>
-              </a:rPr>
-              <a:t> </a:t>
-            </a:r>
+            <a:endParaRPr lang="en-US" sz="2400" dirty="0"/>
+          </a:p>
+        </p:txBody>
+      </p:sp>
+    </p:spTree>
+    <p:extLst>
+      <p:ext uri="{BB962C8B-B14F-4D97-AF65-F5344CB8AC3E}">
+        <p14:creationId xmlns:p14="http://schemas.microsoft.com/office/powerpoint/2010/main" val="1335844649"/>
+      </p:ext>
+    </p:extLst>
+  </p:cSld>
+  <p:clrMapOvr>
+    <a:masterClrMapping/>
+  </p:clrMapOvr>
+</p:sld>
+</file>
+
+<file path=ppt/slides/slide10.xml><?xml version="1.0" encoding="utf-8"?>
+<p:sld xmlns:a="http://schemas.openxmlformats.org/drawingml/2006/main" xmlns:r="http://schemas.openxmlformats.org/officeDocument/2006/relationships" xmlns:p="http://schemas.openxmlformats.org/presentationml/2006/main">
+  <p:cSld>
+    <p:spTree>
+      <p:nvGrpSpPr>
+        <p:cNvPr id="1" name=""/>
+        <p:cNvGrpSpPr/>
+        <p:nvPr/>
+      </p:nvGrpSpPr>
+      <p:grpSpPr>
+        <a:xfrm>
+          <a:off x="0" y="0"/>
+          <a:ext cx="0" cy="0"/>
+          <a:chOff x="0" y="0"/>
+          <a:chExt cx="0" cy="0"/>
+        </a:xfrm>
+      </p:grpSpPr>
+      <p:sp>
+        <p:nvSpPr>
+          <p:cNvPr id="3" name="Slide Number Placeholder 2"/>
+          <p:cNvSpPr>
+            <a:spLocks noGrp="1"/>
+          </p:cNvSpPr>
+          <p:nvPr>
+            <p:ph type="sldNum" sz="quarter" idx="12"/>
+          </p:nvPr>
+        </p:nvSpPr>
+        <p:spPr/>
+        <p:txBody>
+          <a:bodyPr/>
+          <a:lstStyle/>
+          <a:p>
+            <a:fld id="{9079F78B-7083-734C-A89B-42EBE544BB2A}" type="slidenum">
+              <a:rPr lang="en-US" smtClean="0"/>
+              <a:t>10</a:t>
+            </a:fld>
+            <a:endParaRPr lang="en-US"/>
           </a:p>
         </p:txBody>
       </p:sp>
       <p:grpSp>
         <p:nvGrpSpPr>
-          <p:cNvPr id="6" name="Group 5"/>
+          <p:cNvPr id="14" name="Group 13"/>
           <p:cNvGrpSpPr/>
           <p:nvPr/>
         </p:nvGrpSpPr>
         <p:grpSpPr>
           <a:xfrm rot="10800000">
-            <a:off x="429420" y="1325097"/>
-            <a:ext cx="10479584" cy="599026"/>
-            <a:chOff x="3452436" y="1965112"/>
-            <a:chExt cx="5393583" cy="890751"/>
+            <a:off x="429418" y="411016"/>
+            <a:ext cx="10101945" cy="862144"/>
+            <a:chOff x="3452437" y="1965113"/>
+            <a:chExt cx="5393583" cy="890750"/>
           </a:xfrm>
         </p:grpSpPr>
         <p:sp>
           <p:nvSpPr>
-            <p:cNvPr id="7" name="Rounded Rectangle 6"/>
+            <p:cNvPr id="15" name="Rounded Rectangle 14"/>
             <p:cNvSpPr/>
             <p:nvPr/>
           </p:nvSpPr>
           <p:spPr bwMode="auto">
-            <a:xfrm flipH="1">
-              <a:off x="3452436" y="1965112"/>
-              <a:ext cx="5393583" cy="890751"/>
+            <a:xfrm rot="10800000" flipH="1">
+              <a:off x="3452437" y="1965113"/>
+              <a:ext cx="5393583" cy="890750"/>
             </a:xfrm>
             <a:prstGeom prst="roundRect">
               <a:avLst>
@@ -4107,18 +5540,21 @@
             </a:bodyPr>
             <a:lstStyle/>
             <a:p>
-              <a:pPr>
-                <a:defRPr/>
-              </a:pPr>
-              <a:endParaRPr lang="en-US" sz="1400" b="1" kern="0" dirty="0">
-                <a:cs typeface="Sakkal Majalla" panose="02000000000000000000"/>
-              </a:endParaRPr>
+              <a:r>
+                <a:rPr lang="en-US" sz="3200" dirty="0">
+                  <a:solidFill>
+                    <a:srgbClr val="0474EF"/>
+                  </a:solidFill>
+                  <a:cs typeface="Univers Next Arabic" panose="020B0503030202020203" pitchFamily="34" charset="-78"/>
+                </a:rPr>
+                <a:t>Edit Employee</a:t>
+              </a:r>
             </a:p>
           </p:txBody>
         </p:sp>
         <p:sp>
           <p:nvSpPr>
-            <p:cNvPr id="8" name="Rectangle 7"/>
+            <p:cNvPr id="16" name="Rectangle 15"/>
             <p:cNvSpPr/>
             <p:nvPr/>
           </p:nvSpPr>
@@ -4130,143 +5566,6 @@
             <a:prstGeom prst="rect">
               <a:avLst/>
             </a:prstGeom>
-          </p:spPr>
-          <p:txBody>
-            <a:bodyPr wrap="square">
-              <a:spAutoFit/>
-            </a:bodyPr>
-            <a:lstStyle/>
-            <a:p>
-              <a:pPr algn="r" rtl="1"/>
-              <a:endParaRPr lang="en-US" sz="2400" b="1" dirty="0">
-                <a:solidFill>
-                  <a:schemeClr val="bg1">
-                    <a:lumMod val="50000"/>
-                  </a:schemeClr>
-                </a:solidFill>
-                <a:latin typeface="MS UI Gothic" panose="020B0600070205080204" pitchFamily="34" charset="-128"/>
-                <a:ea typeface="MS UI Gothic" panose="020B0600070205080204" pitchFamily="34" charset="-128"/>
-                <a:cs typeface="Sakkal Majalla" panose="02000000000000000000"/>
-              </a:endParaRPr>
-            </a:p>
-          </p:txBody>
-        </p:sp>
-      </p:grpSp>
-      <p:sp>
-        <p:nvSpPr>
-          <p:cNvPr id="9" name="Rectangle 8"/>
-          <p:cNvSpPr/>
-          <p:nvPr/>
-        </p:nvSpPr>
-        <p:spPr>
-          <a:xfrm>
-            <a:off x="418213" y="1480563"/>
-            <a:ext cx="10638016" cy="338554"/>
-          </a:xfrm>
-          <a:prstGeom prst="rect">
-            <a:avLst/>
-          </a:prstGeom>
-        </p:spPr>
-        <p:txBody>
-          <a:bodyPr wrap="square" anchor="t">
-            <a:spAutoFit/>
-          </a:bodyPr>
-          <a:lstStyle/>
-          <a:p>
-            <a:pPr algn="just">
-              <a:spcBef>
-                <a:spcPts val="290"/>
-              </a:spcBef>
-              <a:spcAft>
-                <a:spcPts val="290"/>
-              </a:spcAft>
-              <a:defRPr/>
-            </a:pPr>
-            <a:r>
-              <a:rPr lang="en-US" sz="1600" dirty="0">
-                <a:solidFill>
-                  <a:srgbClr val="0474EF"/>
-                </a:solidFill>
-                <a:latin typeface="Univers Next Arabic" panose="020B0503030202020203" pitchFamily="34" charset="-78"/>
-                <a:cs typeface="Univers Next Arabic" panose="020B0503030202020203" pitchFamily="34" charset="-78"/>
-              </a:rPr>
-              <a:t>Project Description:</a:t>
-            </a:r>
-          </a:p>
-        </p:txBody>
-      </p:sp>
-      <p:grpSp>
-        <p:nvGrpSpPr>
-          <p:cNvPr id="10" name="Group 9"/>
-          <p:cNvGrpSpPr/>
-          <p:nvPr/>
-        </p:nvGrpSpPr>
-        <p:grpSpPr>
-          <a:xfrm rot="10800000">
-            <a:off x="429413" y="2093025"/>
-            <a:ext cx="10479585" cy="1463320"/>
-            <a:chOff x="3452436" y="1965112"/>
-            <a:chExt cx="5393583" cy="890751"/>
-          </a:xfrm>
-          <a:noFill/>
-        </p:grpSpPr>
-        <p:sp>
-          <p:nvSpPr>
-            <p:cNvPr id="11" name="Rounded Rectangle 10"/>
-            <p:cNvSpPr/>
-            <p:nvPr/>
-          </p:nvSpPr>
-          <p:spPr bwMode="auto">
-            <a:xfrm flipH="1">
-              <a:off x="3452436" y="1965112"/>
-              <a:ext cx="5393583" cy="890751"/>
-            </a:xfrm>
-            <a:prstGeom prst="roundRect">
-              <a:avLst>
-                <a:gd name="adj" fmla="val 10251"/>
-              </a:avLst>
-            </a:prstGeom>
-            <a:grpFill/>
-            <a:ln w="12700">
-              <a:solidFill>
-                <a:srgbClr val="A29574"/>
-              </a:solidFill>
-            </a:ln>
-            <a:effectLst/>
-          </p:spPr>
-          <p:txBody>
-            <a:bodyPr rot="0" spcFirstLastPara="0" vertOverflow="overflow" horzOverflow="overflow" vert="horz" wrap="square" lIns="182880" tIns="45720" rIns="640080" bIns="45720" numCol="1" spcCol="0" rtlCol="0" fromWordArt="0" anchor="ctr" anchorCtr="0" forceAA="0" compatLnSpc="1">
-              <a:prstTxWarp prst="textNoShape">
-                <a:avLst/>
-              </a:prstTxWarp>
-              <a:noAutofit/>
-            </a:bodyPr>
-            <a:lstStyle/>
-            <a:p>
-              <a:pPr>
-                <a:defRPr/>
-              </a:pPr>
-              <a:endParaRPr lang="en-US" sz="1400" b="1" kern="0" dirty="0">
-                <a:cs typeface="Sakkal Majalla" panose="02000000000000000000"/>
-              </a:endParaRPr>
-            </a:p>
-          </p:txBody>
-        </p:sp>
-        <p:sp>
-          <p:nvSpPr>
-            <p:cNvPr id="12" name="Rectangle 11"/>
-            <p:cNvSpPr/>
-            <p:nvPr/>
-          </p:nvSpPr>
-          <p:spPr>
-            <a:xfrm flipH="1" flipV="1">
-              <a:off x="3640142" y="2156251"/>
-              <a:ext cx="4948159" cy="461665"/>
-            </a:xfrm>
-            <a:prstGeom prst="rect">
-              <a:avLst/>
-            </a:prstGeom>
-            <a:grpFill/>
           </p:spPr>
           <p:txBody>
             <a:bodyPr wrap="square">
@@ -4289,6 +5588,153 @@
           </p:txBody>
         </p:sp>
       </p:grpSp>
+      <p:pic>
+        <p:nvPicPr>
+          <p:cNvPr id="3074" name="Picture 2">
+            <a:extLst>
+              <a:ext uri="{FF2B5EF4-FFF2-40B4-BE49-F238E27FC236}">
+                <a16:creationId xmlns:a16="http://schemas.microsoft.com/office/drawing/2014/main" id="{73244501-6F88-824B-864B-395598C1B9AC}"/>
+              </a:ext>
+            </a:extLst>
+          </p:cNvPr>
+          <p:cNvPicPr>
+            <a:picLocks noChangeAspect="1" noChangeArrowheads="1"/>
+          </p:cNvPicPr>
+          <p:nvPr/>
+        </p:nvPicPr>
+        <p:blipFill>
+          <a:blip r:embed="rId3">
+            <a:extLst>
+              <a:ext uri="{28A0092B-C50C-407E-A947-70E740481C1C}">
+                <a14:useLocalDpi xmlns:a14="http://schemas.microsoft.com/office/drawing/2010/main" val="0"/>
+              </a:ext>
+            </a:extLst>
+          </a:blip>
+          <a:srcRect/>
+          <a:stretch>
+            <a:fillRect/>
+          </a:stretch>
+        </p:blipFill>
+        <p:spPr bwMode="auto">
+          <a:xfrm>
+            <a:off x="11004330" y="2003"/>
+            <a:ext cx="1187669" cy="1187669"/>
+          </a:xfrm>
+          <a:prstGeom prst="rect">
+            <a:avLst/>
+          </a:prstGeom>
+          <a:noFill/>
+          <a:extLst>
+            <a:ext uri="{909E8E84-426E-40DD-AFC4-6F175D3DCCD1}">
+              <a14:hiddenFill xmlns:a14="http://schemas.microsoft.com/office/drawing/2010/main">
+                <a:solidFill>
+                  <a:srgbClr val="FFFFFF"/>
+                </a:solidFill>
+              </a14:hiddenFill>
+            </a:ext>
+          </a:extLst>
+        </p:spPr>
+      </p:pic>
+      <p:pic>
+        <p:nvPicPr>
+          <p:cNvPr id="11266" name="Picture 2">
+            <a:extLst>
+              <a:ext uri="{FF2B5EF4-FFF2-40B4-BE49-F238E27FC236}">
+                <a16:creationId xmlns:a16="http://schemas.microsoft.com/office/drawing/2014/main" id="{6D9C760C-DD01-5E41-9499-97674400DBE9}"/>
+              </a:ext>
+            </a:extLst>
+          </p:cNvPr>
+          <p:cNvPicPr>
+            <a:picLocks noChangeAspect="1" noChangeArrowheads="1"/>
+          </p:cNvPicPr>
+          <p:nvPr/>
+        </p:nvPicPr>
+        <p:blipFill>
+          <a:blip r:embed="rId4">
+            <a:extLst>
+              <a:ext uri="{28A0092B-C50C-407E-A947-70E740481C1C}">
+                <a14:useLocalDpi xmlns:a14="http://schemas.microsoft.com/office/drawing/2010/main" val="0"/>
+              </a:ext>
+            </a:extLst>
+          </a:blip>
+          <a:srcRect/>
+          <a:stretch>
+            <a:fillRect/>
+          </a:stretch>
+        </p:blipFill>
+        <p:spPr bwMode="auto">
+          <a:xfrm>
+            <a:off x="1081728" y="1656811"/>
+            <a:ext cx="8928456" cy="3917825"/>
+          </a:xfrm>
+          <a:prstGeom prst="rect">
+            <a:avLst/>
+          </a:prstGeom>
+          <a:noFill/>
+          <a:extLst>
+            <a:ext uri="{909E8E84-426E-40DD-AFC4-6F175D3DCCD1}">
+              <a14:hiddenFill xmlns:a14="http://schemas.microsoft.com/office/drawing/2010/main">
+                <a:solidFill>
+                  <a:srgbClr val="FFFFFF"/>
+                </a:solidFill>
+              </a14:hiddenFill>
+            </a:ext>
+          </a:extLst>
+        </p:spPr>
+      </p:pic>
+    </p:spTree>
+    <p:extLst>
+      <p:ext uri="{BB962C8B-B14F-4D97-AF65-F5344CB8AC3E}">
+        <p14:creationId xmlns:p14="http://schemas.microsoft.com/office/powerpoint/2010/main" val="2469237790"/>
+      </p:ext>
+    </p:extLst>
+  </p:cSld>
+  <p:clrMapOvr>
+    <a:masterClrMapping/>
+  </p:clrMapOvr>
+</p:sld>
+</file>
+
+<file path=ppt/slides/slide11.xml><?xml version="1.0" encoding="utf-8"?>
+<p:sld xmlns:a="http://schemas.openxmlformats.org/drawingml/2006/main" xmlns:r="http://schemas.openxmlformats.org/officeDocument/2006/relationships" xmlns:p="http://schemas.openxmlformats.org/presentationml/2006/main">
+  <p:cSld>
+    <p:spTree>
+      <p:nvGrpSpPr>
+        <p:cNvPr id="1" name=""/>
+        <p:cNvGrpSpPr/>
+        <p:nvPr/>
+      </p:nvGrpSpPr>
+      <p:grpSpPr>
+        <a:xfrm>
+          <a:off x="0" y="0"/>
+          <a:ext cx="0" cy="0"/>
+          <a:chOff x="0" y="0"/>
+          <a:chExt cx="0" cy="0"/>
+        </a:xfrm>
+      </p:grpSpPr>
+      <p:sp>
+        <p:nvSpPr>
+          <p:cNvPr id="3" name="Slide Number Placeholder 2"/>
+          <p:cNvSpPr>
+            <a:spLocks noGrp="1"/>
+          </p:cNvSpPr>
+          <p:nvPr>
+            <p:ph type="sldNum" sz="quarter" idx="12"/>
+          </p:nvPr>
+        </p:nvSpPr>
+        <p:spPr/>
+        <p:txBody>
+          <a:bodyPr/>
+          <a:lstStyle/>
+          <a:p>
+            <a:fld id="{9079F78B-7083-734C-A89B-42EBE544BB2A}" type="slidenum">
+              <a:rPr lang="en-US" smtClean="0"/>
+              <a:t>11</a:t>
+            </a:fld>
+            <a:endParaRPr lang="en-US"/>
+          </a:p>
+        </p:txBody>
+      </p:sp>
       <p:grpSp>
         <p:nvGrpSpPr>
           <p:cNvPr id="14" name="Group 13"/>
@@ -4297,10 +5743,10 @@
         </p:nvGrpSpPr>
         <p:grpSpPr>
           <a:xfrm rot="10800000">
-            <a:off x="429415" y="3674700"/>
-            <a:ext cx="4546622" cy="599026"/>
-            <a:chOff x="3452436" y="1965112"/>
-            <a:chExt cx="5393583" cy="890751"/>
+            <a:off x="429418" y="411016"/>
+            <a:ext cx="10101945" cy="862144"/>
+            <a:chOff x="3452437" y="1965113"/>
+            <a:chExt cx="5393583" cy="890750"/>
           </a:xfrm>
         </p:grpSpPr>
         <p:sp>
@@ -4310,9 +5756,9 @@
             <p:nvPr/>
           </p:nvSpPr>
           <p:spPr bwMode="auto">
-            <a:xfrm flipH="1">
-              <a:off x="3452436" y="1965112"/>
-              <a:ext cx="5393583" cy="890751"/>
+            <a:xfrm rot="10800000" flipH="1">
+              <a:off x="3452437" y="1965113"/>
+              <a:ext cx="5393583" cy="890750"/>
             </a:xfrm>
             <a:prstGeom prst="roundRect">
               <a:avLst>
@@ -4338,12 +5784,15 @@
             </a:bodyPr>
             <a:lstStyle/>
             <a:p>
-              <a:pPr>
-                <a:defRPr/>
-              </a:pPr>
-              <a:endParaRPr lang="en-US" sz="1400" b="1" kern="0" dirty="0">
-                <a:cs typeface="Sakkal Majalla" panose="02000000000000000000"/>
-              </a:endParaRPr>
+              <a:r>
+                <a:rPr lang="en-US" sz="3200" dirty="0">
+                  <a:solidFill>
+                    <a:srgbClr val="0474EF"/>
+                  </a:solidFill>
+                  <a:cs typeface="Univers Next Arabic" panose="020B0503030202020203" pitchFamily="34" charset="-78"/>
+                </a:rPr>
+                <a:t>Delete Employee</a:t>
+              </a:r>
             </a:p>
           </p:txBody>
         </p:sp>
@@ -4368,7 +5817,7 @@
             </a:bodyPr>
             <a:lstStyle/>
             <a:p>
-              <a:pPr algn="r" rtl="1"/>
+              <a:pPr marL="0" algn="l" defTabSz="914400" rtl="0" eaLnBrk="1" latinLnBrk="0" hangingPunct="1"/>
               <a:endParaRPr lang="en-US" sz="2400" b="1" dirty="0">
                 <a:solidFill>
                   <a:schemeClr val="bg1">
@@ -4383,49 +5832,1723 @@
           </p:txBody>
         </p:sp>
       </p:grpSp>
-      <p:sp>
-        <p:nvSpPr>
-          <p:cNvPr id="17" name="Rectangle 16"/>
-          <p:cNvSpPr/>
+      <p:pic>
+        <p:nvPicPr>
+          <p:cNvPr id="3074" name="Picture 2">
+            <a:extLst>
+              <a:ext uri="{FF2B5EF4-FFF2-40B4-BE49-F238E27FC236}">
+                <a16:creationId xmlns:a16="http://schemas.microsoft.com/office/drawing/2014/main" id="{73244501-6F88-824B-864B-395598C1B9AC}"/>
+              </a:ext>
+            </a:extLst>
+          </p:cNvPr>
+          <p:cNvPicPr>
+            <a:picLocks noChangeAspect="1" noChangeArrowheads="1"/>
+          </p:cNvPicPr>
           <p:nvPr/>
-        </p:nvSpPr>
-        <p:spPr>
+        </p:nvPicPr>
+        <p:blipFill>
+          <a:blip r:embed="rId3">
+            <a:extLst>
+              <a:ext uri="{28A0092B-C50C-407E-A947-70E740481C1C}">
+                <a14:useLocalDpi xmlns:a14="http://schemas.microsoft.com/office/drawing/2010/main" val="0"/>
+              </a:ext>
+            </a:extLst>
+          </a:blip>
+          <a:srcRect/>
+          <a:stretch>
+            <a:fillRect/>
+          </a:stretch>
+        </p:blipFill>
+        <p:spPr bwMode="auto">
           <a:xfrm>
-            <a:off x="756521" y="3804936"/>
-            <a:ext cx="3665220" cy="338554"/>
+            <a:off x="11004330" y="2003"/>
+            <a:ext cx="1187669" cy="1187669"/>
           </a:xfrm>
           <a:prstGeom prst="rect">
             <a:avLst/>
           </a:prstGeom>
+          <a:noFill/>
+          <a:extLst>
+            <a:ext uri="{909E8E84-426E-40DD-AFC4-6F175D3DCCD1}">
+              <a14:hiddenFill xmlns:a14="http://schemas.microsoft.com/office/drawing/2010/main">
+                <a:solidFill>
+                  <a:srgbClr val="FFFFFF"/>
+                </a:solidFill>
+              </a14:hiddenFill>
+            </a:ext>
+          </a:extLst>
         </p:spPr>
-        <p:txBody>
-          <a:bodyPr wrap="square" anchor="t">
-            <a:spAutoFit/>
-          </a:bodyPr>
-          <a:lstStyle/>
-          <a:p>
-            <a:pPr algn="ctr">
-              <a:spcBef>
-                <a:spcPts val="290"/>
-              </a:spcBef>
-              <a:spcAft>
-                <a:spcPts val="290"/>
-              </a:spcAft>
-              <a:defRPr/>
-            </a:pPr>
-            <a:r>
-              <a:rPr lang="en-US" sz="1600" dirty="0">
+      </p:pic>
+      <p:pic>
+        <p:nvPicPr>
+          <p:cNvPr id="12290" name="Picture 2">
+            <a:extLst>
+              <a:ext uri="{FF2B5EF4-FFF2-40B4-BE49-F238E27FC236}">
+                <a16:creationId xmlns:a16="http://schemas.microsoft.com/office/drawing/2014/main" id="{6B61C272-83C6-E940-9840-ECC11BCB9FF4}"/>
+              </a:ext>
+            </a:extLst>
+          </p:cNvPr>
+          <p:cNvPicPr>
+            <a:picLocks noChangeAspect="1" noChangeArrowheads="1"/>
+          </p:cNvPicPr>
+          <p:nvPr/>
+        </p:nvPicPr>
+        <p:blipFill>
+          <a:blip r:embed="rId4">
+            <a:extLst>
+              <a:ext uri="{28A0092B-C50C-407E-A947-70E740481C1C}">
+                <a14:useLocalDpi xmlns:a14="http://schemas.microsoft.com/office/drawing/2010/main" val="0"/>
+              </a:ext>
+            </a:extLst>
+          </a:blip>
+          <a:srcRect/>
+          <a:stretch>
+            <a:fillRect/>
+          </a:stretch>
+        </p:blipFill>
+        <p:spPr bwMode="auto">
+          <a:xfrm>
+            <a:off x="138393" y="1915646"/>
+            <a:ext cx="5431408" cy="3044346"/>
+          </a:xfrm>
+          <a:prstGeom prst="rect">
+            <a:avLst/>
+          </a:prstGeom>
+          <a:noFill/>
+          <a:extLst>
+            <a:ext uri="{909E8E84-426E-40DD-AFC4-6F175D3DCCD1}">
+              <a14:hiddenFill xmlns:a14="http://schemas.microsoft.com/office/drawing/2010/main">
                 <a:solidFill>
-                  <a:srgbClr val="0474EF"/>
+                  <a:srgbClr val="FFFFFF"/>
                 </a:solidFill>
-                <a:latin typeface="Univers Next Arabic" panose="020B0503030202020203" pitchFamily="34" charset="-78"/>
-                <a:cs typeface="Univers Next Arabic" panose="020B0503030202020203" pitchFamily="34" charset="-78"/>
-              </a:rPr>
-              <a:t>Team Members</a:t>
-            </a:r>
-          </a:p>
-        </p:txBody>
-      </p:sp>
+              </a14:hiddenFill>
+            </a:ext>
+          </a:extLst>
+        </p:spPr>
+      </p:pic>
+      <p:pic>
+        <p:nvPicPr>
+          <p:cNvPr id="12292" name="Picture 4">
+            <a:extLst>
+              <a:ext uri="{FF2B5EF4-FFF2-40B4-BE49-F238E27FC236}">
+                <a16:creationId xmlns:a16="http://schemas.microsoft.com/office/drawing/2014/main" id="{1AE81B8D-237E-6445-BD7F-8D034ED40BC7}"/>
+              </a:ext>
+            </a:extLst>
+          </p:cNvPr>
+          <p:cNvPicPr>
+            <a:picLocks noChangeAspect="1" noChangeArrowheads="1"/>
+          </p:cNvPicPr>
+          <p:nvPr/>
+        </p:nvPicPr>
+        <p:blipFill>
+          <a:blip r:embed="rId5">
+            <a:extLst>
+              <a:ext uri="{28A0092B-C50C-407E-A947-70E740481C1C}">
+                <a14:useLocalDpi xmlns:a14="http://schemas.microsoft.com/office/drawing/2010/main" val="0"/>
+              </a:ext>
+            </a:extLst>
+          </a:blip>
+          <a:srcRect/>
+          <a:stretch>
+            <a:fillRect/>
+          </a:stretch>
+        </p:blipFill>
+        <p:spPr bwMode="auto">
+          <a:xfrm>
+            <a:off x="5687491" y="1915646"/>
+            <a:ext cx="5431408" cy="3044346"/>
+          </a:xfrm>
+          <a:prstGeom prst="rect">
+            <a:avLst/>
+          </a:prstGeom>
+          <a:noFill/>
+          <a:extLst>
+            <a:ext uri="{909E8E84-426E-40DD-AFC4-6F175D3DCCD1}">
+              <a14:hiddenFill xmlns:a14="http://schemas.microsoft.com/office/drawing/2010/main">
+                <a:solidFill>
+                  <a:srgbClr val="FFFFFF"/>
+                </a:solidFill>
+              </a14:hiddenFill>
+            </a:ext>
+          </a:extLst>
+        </p:spPr>
+      </p:pic>
+    </p:spTree>
+    <p:extLst>
+      <p:ext uri="{BB962C8B-B14F-4D97-AF65-F5344CB8AC3E}">
+        <p14:creationId xmlns:p14="http://schemas.microsoft.com/office/powerpoint/2010/main" val="765930889"/>
+      </p:ext>
+    </p:extLst>
+  </p:cSld>
+  <p:clrMapOvr>
+    <a:masterClrMapping/>
+  </p:clrMapOvr>
+</p:sld>
+</file>
+
+<file path=ppt/slides/slide12.xml><?xml version="1.0" encoding="utf-8"?>
+<p:sld xmlns:a="http://schemas.openxmlformats.org/drawingml/2006/main" xmlns:r="http://schemas.openxmlformats.org/officeDocument/2006/relationships" xmlns:p="http://schemas.openxmlformats.org/presentationml/2006/main">
+  <p:cSld>
+    <p:spTree>
+      <p:nvGrpSpPr>
+        <p:cNvPr id="1" name=""/>
+        <p:cNvGrpSpPr/>
+        <p:nvPr/>
+      </p:nvGrpSpPr>
+      <p:grpSpPr>
+        <a:xfrm>
+          <a:off x="0" y="0"/>
+          <a:ext cx="0" cy="0"/>
+          <a:chOff x="0" y="0"/>
+          <a:chExt cx="0" cy="0"/>
+        </a:xfrm>
+      </p:grpSpPr>
+      <p:sp>
+        <p:nvSpPr>
+          <p:cNvPr id="3" name="Slide Number Placeholder 2"/>
+          <p:cNvSpPr>
+            <a:spLocks noGrp="1"/>
+          </p:cNvSpPr>
+          <p:nvPr>
+            <p:ph type="sldNum" sz="quarter" idx="12"/>
+          </p:nvPr>
+        </p:nvSpPr>
+        <p:spPr/>
+        <p:txBody>
+          <a:bodyPr/>
+          <a:lstStyle/>
+          <a:p>
+            <a:fld id="{9079F78B-7083-734C-A89B-42EBE544BB2A}" type="slidenum">
+              <a:rPr lang="en-US" smtClean="0"/>
+              <a:t>12</a:t>
+            </a:fld>
+            <a:endParaRPr lang="en-US"/>
+          </a:p>
+        </p:txBody>
+      </p:sp>
+      <p:grpSp>
+        <p:nvGrpSpPr>
+          <p:cNvPr id="14" name="Group 13"/>
+          <p:cNvGrpSpPr/>
+          <p:nvPr/>
+        </p:nvGrpSpPr>
+        <p:grpSpPr>
+          <a:xfrm rot="10800000">
+            <a:off x="429418" y="411016"/>
+            <a:ext cx="10101945" cy="862144"/>
+            <a:chOff x="3452437" y="1965113"/>
+            <a:chExt cx="5393583" cy="890750"/>
+          </a:xfrm>
+        </p:grpSpPr>
+        <p:sp>
+          <p:nvSpPr>
+            <p:cNvPr id="15" name="Rounded Rectangle 14"/>
+            <p:cNvSpPr/>
+            <p:nvPr/>
+          </p:nvSpPr>
+          <p:spPr bwMode="auto">
+            <a:xfrm rot="10800000" flipH="1">
+              <a:off x="3452437" y="1965113"/>
+              <a:ext cx="5393583" cy="890750"/>
+            </a:xfrm>
+            <a:prstGeom prst="roundRect">
+              <a:avLst>
+                <a:gd name="adj" fmla="val 10251"/>
+              </a:avLst>
+            </a:prstGeom>
+            <a:solidFill>
+              <a:schemeClr val="bg1"/>
+            </a:solidFill>
+            <a:ln w="12700">
+              <a:solidFill>
+                <a:srgbClr val="A29574"/>
+              </a:solidFill>
+            </a:ln>
+            <a:effectLst/>
+          </p:spPr>
+          <p:txBody>
+            <a:bodyPr rot="0" spcFirstLastPara="0" vertOverflow="overflow" horzOverflow="overflow" vert="horz" wrap="square" lIns="182880" tIns="45720" rIns="640080" bIns="45720" numCol="1" spcCol="0" rtlCol="0" fromWordArt="0" anchor="ctr" anchorCtr="0" forceAA="0" compatLnSpc="1">
+              <a:prstTxWarp prst="textNoShape">
+                <a:avLst/>
+              </a:prstTxWarp>
+              <a:noAutofit/>
+            </a:bodyPr>
+            <a:lstStyle/>
+            <a:p>
+              <a:r>
+                <a:rPr lang="en-US" sz="3200" dirty="0">
+                  <a:solidFill>
+                    <a:srgbClr val="0474EF"/>
+                  </a:solidFill>
+                  <a:cs typeface="Univers Next Arabic" panose="020B0503030202020203" pitchFamily="34" charset="-78"/>
+                </a:rPr>
+                <a:t>H-2 TABLE DATA</a:t>
+              </a:r>
+            </a:p>
+          </p:txBody>
+        </p:sp>
+        <p:sp>
+          <p:nvSpPr>
+            <p:cNvPr id="16" name="Rectangle 15"/>
+            <p:cNvSpPr/>
+            <p:nvPr/>
+          </p:nvSpPr>
+          <p:spPr>
+            <a:xfrm flipH="1" flipV="1">
+              <a:off x="3640142" y="2156251"/>
+              <a:ext cx="4948159" cy="461665"/>
+            </a:xfrm>
+            <a:prstGeom prst="rect">
+              <a:avLst/>
+            </a:prstGeom>
+          </p:spPr>
+          <p:txBody>
+            <a:bodyPr wrap="square">
+              <a:spAutoFit/>
+            </a:bodyPr>
+            <a:lstStyle/>
+            <a:p>
+              <a:pPr marL="0" algn="l" defTabSz="914400" rtl="0" eaLnBrk="1" latinLnBrk="0" hangingPunct="1"/>
+              <a:endParaRPr lang="en-US" sz="2400" b="1" dirty="0">
+                <a:solidFill>
+                  <a:schemeClr val="bg1">
+                    <a:lumMod val="50000"/>
+                  </a:schemeClr>
+                </a:solidFill>
+                <a:latin typeface="MS UI Gothic" panose="020B0600070205080204" pitchFamily="34" charset="-128"/>
+                <a:ea typeface="MS UI Gothic" panose="020B0600070205080204" pitchFamily="34" charset="-128"/>
+                <a:cs typeface="Sakkal Majalla" panose="02000000000000000000"/>
+              </a:endParaRPr>
+            </a:p>
+          </p:txBody>
+        </p:sp>
+      </p:grpSp>
+      <p:pic>
+        <p:nvPicPr>
+          <p:cNvPr id="3074" name="Picture 2">
+            <a:extLst>
+              <a:ext uri="{FF2B5EF4-FFF2-40B4-BE49-F238E27FC236}">
+                <a16:creationId xmlns:a16="http://schemas.microsoft.com/office/drawing/2014/main" id="{73244501-6F88-824B-864B-395598C1B9AC}"/>
+              </a:ext>
+            </a:extLst>
+          </p:cNvPr>
+          <p:cNvPicPr>
+            <a:picLocks noChangeAspect="1" noChangeArrowheads="1"/>
+          </p:cNvPicPr>
+          <p:nvPr/>
+        </p:nvPicPr>
+        <p:blipFill>
+          <a:blip r:embed="rId3">
+            <a:extLst>
+              <a:ext uri="{28A0092B-C50C-407E-A947-70E740481C1C}">
+                <a14:useLocalDpi xmlns:a14="http://schemas.microsoft.com/office/drawing/2010/main" val="0"/>
+              </a:ext>
+            </a:extLst>
+          </a:blip>
+          <a:srcRect/>
+          <a:stretch>
+            <a:fillRect/>
+          </a:stretch>
+        </p:blipFill>
+        <p:spPr bwMode="auto">
+          <a:xfrm>
+            <a:off x="11004330" y="2003"/>
+            <a:ext cx="1187669" cy="1187669"/>
+          </a:xfrm>
+          <a:prstGeom prst="rect">
+            <a:avLst/>
+          </a:prstGeom>
+          <a:noFill/>
+          <a:extLst>
+            <a:ext uri="{909E8E84-426E-40DD-AFC4-6F175D3DCCD1}">
+              <a14:hiddenFill xmlns:a14="http://schemas.microsoft.com/office/drawing/2010/main">
+                <a:solidFill>
+                  <a:srgbClr val="FFFFFF"/>
+                </a:solidFill>
+              </a14:hiddenFill>
+            </a:ext>
+          </a:extLst>
+        </p:spPr>
+      </p:pic>
+      <p:pic>
+        <p:nvPicPr>
+          <p:cNvPr id="13314" name="Picture 2">
+            <a:extLst>
+              <a:ext uri="{FF2B5EF4-FFF2-40B4-BE49-F238E27FC236}">
+                <a16:creationId xmlns:a16="http://schemas.microsoft.com/office/drawing/2014/main" id="{781385FC-94D8-9E49-82B4-1C8D89B6D5A4}"/>
+              </a:ext>
+            </a:extLst>
+          </p:cNvPr>
+          <p:cNvPicPr>
+            <a:picLocks noChangeAspect="1" noChangeArrowheads="1"/>
+          </p:cNvPicPr>
+          <p:nvPr/>
+        </p:nvPicPr>
+        <p:blipFill>
+          <a:blip r:embed="rId4">
+            <a:extLst>
+              <a:ext uri="{28A0092B-C50C-407E-A947-70E740481C1C}">
+                <a14:useLocalDpi xmlns:a14="http://schemas.microsoft.com/office/drawing/2010/main" val="0"/>
+              </a:ext>
+            </a:extLst>
+          </a:blip>
+          <a:srcRect/>
+          <a:stretch>
+            <a:fillRect/>
+          </a:stretch>
+        </p:blipFill>
+        <p:spPr bwMode="auto">
+          <a:xfrm>
+            <a:off x="809822" y="1373165"/>
+            <a:ext cx="9341136" cy="4281354"/>
+          </a:xfrm>
+          <a:prstGeom prst="rect">
+            <a:avLst/>
+          </a:prstGeom>
+          <a:noFill/>
+          <a:extLst>
+            <a:ext uri="{909E8E84-426E-40DD-AFC4-6F175D3DCCD1}">
+              <a14:hiddenFill xmlns:a14="http://schemas.microsoft.com/office/drawing/2010/main">
+                <a:solidFill>
+                  <a:srgbClr val="FFFFFF"/>
+                </a:solidFill>
+              </a14:hiddenFill>
+            </a:ext>
+          </a:extLst>
+        </p:spPr>
+      </p:pic>
+    </p:spTree>
+    <p:extLst>
+      <p:ext uri="{BB962C8B-B14F-4D97-AF65-F5344CB8AC3E}">
+        <p14:creationId xmlns:p14="http://schemas.microsoft.com/office/powerpoint/2010/main" val="1113011428"/>
+      </p:ext>
+    </p:extLst>
+  </p:cSld>
+  <p:clrMapOvr>
+    <a:masterClrMapping/>
+  </p:clrMapOvr>
+</p:sld>
+</file>
+
+<file path=ppt/slides/slide13.xml><?xml version="1.0" encoding="utf-8"?>
+<p:sld xmlns:a="http://schemas.openxmlformats.org/drawingml/2006/main" xmlns:r="http://schemas.openxmlformats.org/officeDocument/2006/relationships" xmlns:p="http://schemas.openxmlformats.org/presentationml/2006/main">
+  <p:cSld>
+    <p:spTree>
+      <p:nvGrpSpPr>
+        <p:cNvPr id="1" name=""/>
+        <p:cNvGrpSpPr/>
+        <p:nvPr/>
+      </p:nvGrpSpPr>
+      <p:grpSpPr>
+        <a:xfrm>
+          <a:off x="0" y="0"/>
+          <a:ext cx="0" cy="0"/>
+          <a:chOff x="0" y="0"/>
+          <a:chExt cx="0" cy="0"/>
+        </a:xfrm>
+      </p:grpSpPr>
+      <p:sp>
+        <p:nvSpPr>
+          <p:cNvPr id="3" name="Slide Number Placeholder 2"/>
+          <p:cNvSpPr>
+            <a:spLocks noGrp="1"/>
+          </p:cNvSpPr>
+          <p:nvPr>
+            <p:ph type="sldNum" sz="quarter" idx="12"/>
+          </p:nvPr>
+        </p:nvSpPr>
+        <p:spPr/>
+        <p:txBody>
+          <a:bodyPr/>
+          <a:lstStyle/>
+          <a:p>
+            <a:fld id="{9079F78B-7083-734C-A89B-42EBE544BB2A}" type="slidenum">
+              <a:rPr lang="en-US" smtClean="0"/>
+              <a:t>13</a:t>
+            </a:fld>
+            <a:endParaRPr lang="en-US"/>
+          </a:p>
+        </p:txBody>
+      </p:sp>
+      <p:grpSp>
+        <p:nvGrpSpPr>
+          <p:cNvPr id="14" name="Group 13"/>
+          <p:cNvGrpSpPr/>
+          <p:nvPr/>
+        </p:nvGrpSpPr>
+        <p:grpSpPr>
+          <a:xfrm rot="10800000">
+            <a:off x="429418" y="411016"/>
+            <a:ext cx="10101945" cy="862144"/>
+            <a:chOff x="3452437" y="1965113"/>
+            <a:chExt cx="5393583" cy="890750"/>
+          </a:xfrm>
+        </p:grpSpPr>
+        <p:sp>
+          <p:nvSpPr>
+            <p:cNvPr id="15" name="Rounded Rectangle 14"/>
+            <p:cNvSpPr/>
+            <p:nvPr/>
+          </p:nvSpPr>
+          <p:spPr bwMode="auto">
+            <a:xfrm rot="10800000" flipH="1">
+              <a:off x="3452437" y="1965113"/>
+              <a:ext cx="5393583" cy="890750"/>
+            </a:xfrm>
+            <a:prstGeom prst="roundRect">
+              <a:avLst>
+                <a:gd name="adj" fmla="val 10251"/>
+              </a:avLst>
+            </a:prstGeom>
+            <a:solidFill>
+              <a:schemeClr val="bg1"/>
+            </a:solidFill>
+            <a:ln w="12700">
+              <a:solidFill>
+                <a:srgbClr val="A29574"/>
+              </a:solidFill>
+            </a:ln>
+            <a:effectLst/>
+          </p:spPr>
+          <p:txBody>
+            <a:bodyPr rot="0" spcFirstLastPara="0" vertOverflow="overflow" horzOverflow="overflow" vert="horz" wrap="square" lIns="182880" tIns="45720" rIns="640080" bIns="45720" numCol="1" spcCol="0" rtlCol="0" fromWordArt="0" anchor="ctr" anchorCtr="0" forceAA="0" compatLnSpc="1">
+              <a:prstTxWarp prst="textNoShape">
+                <a:avLst/>
+              </a:prstTxWarp>
+              <a:noAutofit/>
+            </a:bodyPr>
+            <a:lstStyle/>
+            <a:p>
+              <a:r>
+                <a:rPr lang="en-US" sz="3200" dirty="0">
+                  <a:solidFill>
+                    <a:srgbClr val="0474EF"/>
+                  </a:solidFill>
+                  <a:cs typeface="Univers Next Arabic" panose="020B0503030202020203" pitchFamily="34" charset="-78"/>
+                </a:rPr>
+                <a:t>Sample Code[Employee]</a:t>
+              </a:r>
+            </a:p>
+          </p:txBody>
+        </p:sp>
+        <p:sp>
+          <p:nvSpPr>
+            <p:cNvPr id="16" name="Rectangle 15"/>
+            <p:cNvSpPr/>
+            <p:nvPr/>
+          </p:nvSpPr>
+          <p:spPr>
+            <a:xfrm flipH="1" flipV="1">
+              <a:off x="3640142" y="2156251"/>
+              <a:ext cx="4948159" cy="461665"/>
+            </a:xfrm>
+            <a:prstGeom prst="rect">
+              <a:avLst/>
+            </a:prstGeom>
+          </p:spPr>
+          <p:txBody>
+            <a:bodyPr wrap="square">
+              <a:spAutoFit/>
+            </a:bodyPr>
+            <a:lstStyle/>
+            <a:p>
+              <a:pPr marL="0" algn="l" defTabSz="914400" rtl="0" eaLnBrk="1" latinLnBrk="0" hangingPunct="1"/>
+              <a:endParaRPr lang="en-US" sz="2400" b="1" dirty="0">
+                <a:solidFill>
+                  <a:schemeClr val="bg1">
+                    <a:lumMod val="50000"/>
+                  </a:schemeClr>
+                </a:solidFill>
+                <a:latin typeface="MS UI Gothic" panose="020B0600070205080204" pitchFamily="34" charset="-128"/>
+                <a:ea typeface="MS UI Gothic" panose="020B0600070205080204" pitchFamily="34" charset="-128"/>
+                <a:cs typeface="Sakkal Majalla" panose="02000000000000000000"/>
+              </a:endParaRPr>
+            </a:p>
+          </p:txBody>
+        </p:sp>
+      </p:grpSp>
+      <p:pic>
+        <p:nvPicPr>
+          <p:cNvPr id="3074" name="Picture 2">
+            <a:extLst>
+              <a:ext uri="{FF2B5EF4-FFF2-40B4-BE49-F238E27FC236}">
+                <a16:creationId xmlns:a16="http://schemas.microsoft.com/office/drawing/2014/main" id="{73244501-6F88-824B-864B-395598C1B9AC}"/>
+              </a:ext>
+            </a:extLst>
+          </p:cNvPr>
+          <p:cNvPicPr>
+            <a:picLocks noChangeAspect="1" noChangeArrowheads="1"/>
+          </p:cNvPicPr>
+          <p:nvPr/>
+        </p:nvPicPr>
+        <p:blipFill>
+          <a:blip r:embed="rId3">
+            <a:extLst>
+              <a:ext uri="{28A0092B-C50C-407E-A947-70E740481C1C}">
+                <a14:useLocalDpi xmlns:a14="http://schemas.microsoft.com/office/drawing/2010/main" val="0"/>
+              </a:ext>
+            </a:extLst>
+          </a:blip>
+          <a:srcRect/>
+          <a:stretch>
+            <a:fillRect/>
+          </a:stretch>
+        </p:blipFill>
+        <p:spPr bwMode="auto">
+          <a:xfrm>
+            <a:off x="11004330" y="2003"/>
+            <a:ext cx="1187669" cy="1187669"/>
+          </a:xfrm>
+          <a:prstGeom prst="rect">
+            <a:avLst/>
+          </a:prstGeom>
+          <a:noFill/>
+          <a:extLst>
+            <a:ext uri="{909E8E84-426E-40DD-AFC4-6F175D3DCCD1}">
+              <a14:hiddenFill xmlns:a14="http://schemas.microsoft.com/office/drawing/2010/main">
+                <a:solidFill>
+                  <a:srgbClr val="FFFFFF"/>
+                </a:solidFill>
+              </a14:hiddenFill>
+            </a:ext>
+          </a:extLst>
+        </p:spPr>
+      </p:pic>
+    </p:spTree>
+    <p:extLst>
+      <p:ext uri="{BB962C8B-B14F-4D97-AF65-F5344CB8AC3E}">
+        <p14:creationId xmlns:p14="http://schemas.microsoft.com/office/powerpoint/2010/main" val="46499194"/>
+      </p:ext>
+    </p:extLst>
+  </p:cSld>
+  <p:clrMapOvr>
+    <a:masterClrMapping/>
+  </p:clrMapOvr>
+</p:sld>
+</file>
+
+<file path=ppt/slides/slide14.xml><?xml version="1.0" encoding="utf-8"?>
+<p:sld xmlns:a="http://schemas.openxmlformats.org/drawingml/2006/main" xmlns:r="http://schemas.openxmlformats.org/officeDocument/2006/relationships" xmlns:p="http://schemas.openxmlformats.org/presentationml/2006/main">
+  <p:cSld>
+    <p:spTree>
+      <p:nvGrpSpPr>
+        <p:cNvPr id="1" name=""/>
+        <p:cNvGrpSpPr/>
+        <p:nvPr/>
+      </p:nvGrpSpPr>
+      <p:grpSpPr>
+        <a:xfrm>
+          <a:off x="0" y="0"/>
+          <a:ext cx="0" cy="0"/>
+          <a:chOff x="0" y="0"/>
+          <a:chExt cx="0" cy="0"/>
+        </a:xfrm>
+      </p:grpSpPr>
+      <p:sp>
+        <p:nvSpPr>
+          <p:cNvPr id="3" name="Slide Number Placeholder 2"/>
+          <p:cNvSpPr>
+            <a:spLocks noGrp="1"/>
+          </p:cNvSpPr>
+          <p:nvPr>
+            <p:ph type="sldNum" sz="quarter" idx="12"/>
+          </p:nvPr>
+        </p:nvSpPr>
+        <p:spPr/>
+        <p:txBody>
+          <a:bodyPr/>
+          <a:lstStyle/>
+          <a:p>
+            <a:fld id="{9079F78B-7083-734C-A89B-42EBE544BB2A}" type="slidenum">
+              <a:rPr lang="en-US" smtClean="0"/>
+              <a:t>14</a:t>
+            </a:fld>
+            <a:endParaRPr lang="en-US"/>
+          </a:p>
+        </p:txBody>
+      </p:sp>
+      <p:grpSp>
+        <p:nvGrpSpPr>
+          <p:cNvPr id="14" name="Group 13"/>
+          <p:cNvGrpSpPr/>
+          <p:nvPr/>
+        </p:nvGrpSpPr>
+        <p:grpSpPr>
+          <a:xfrm rot="10800000">
+            <a:off x="429418" y="411016"/>
+            <a:ext cx="10101945" cy="862144"/>
+            <a:chOff x="3452437" y="1965113"/>
+            <a:chExt cx="5393583" cy="890750"/>
+          </a:xfrm>
+        </p:grpSpPr>
+        <p:sp>
+          <p:nvSpPr>
+            <p:cNvPr id="15" name="Rounded Rectangle 14"/>
+            <p:cNvSpPr/>
+            <p:nvPr/>
+          </p:nvSpPr>
+          <p:spPr bwMode="auto">
+            <a:xfrm rot="10800000" flipH="1">
+              <a:off x="3452437" y="1965113"/>
+              <a:ext cx="5393583" cy="890750"/>
+            </a:xfrm>
+            <a:prstGeom prst="roundRect">
+              <a:avLst>
+                <a:gd name="adj" fmla="val 10251"/>
+              </a:avLst>
+            </a:prstGeom>
+            <a:solidFill>
+              <a:schemeClr val="bg1"/>
+            </a:solidFill>
+            <a:ln w="12700">
+              <a:solidFill>
+                <a:srgbClr val="A29574"/>
+              </a:solidFill>
+            </a:ln>
+            <a:effectLst/>
+          </p:spPr>
+          <p:txBody>
+            <a:bodyPr rot="0" spcFirstLastPara="0" vertOverflow="overflow" horzOverflow="overflow" vert="horz" wrap="square" lIns="182880" tIns="45720" rIns="640080" bIns="45720" numCol="1" spcCol="0" rtlCol="0" fromWordArt="0" anchor="ctr" anchorCtr="0" forceAA="0" compatLnSpc="1">
+              <a:prstTxWarp prst="textNoShape">
+                <a:avLst/>
+              </a:prstTxWarp>
+              <a:noAutofit/>
+            </a:bodyPr>
+            <a:lstStyle/>
+            <a:p>
+              <a:r>
+                <a:rPr lang="en-US" sz="3200" dirty="0">
+                  <a:solidFill>
+                    <a:srgbClr val="0474EF"/>
+                  </a:solidFill>
+                  <a:cs typeface="Univers Next Arabic" panose="020B0503030202020203" pitchFamily="34" charset="-78"/>
+                </a:rPr>
+                <a:t>Sample Code[DAO]</a:t>
+              </a:r>
+            </a:p>
+          </p:txBody>
+        </p:sp>
+        <p:sp>
+          <p:nvSpPr>
+            <p:cNvPr id="16" name="Rectangle 15"/>
+            <p:cNvSpPr/>
+            <p:nvPr/>
+          </p:nvSpPr>
+          <p:spPr>
+            <a:xfrm flipH="1" flipV="1">
+              <a:off x="3640142" y="2156251"/>
+              <a:ext cx="4948159" cy="461665"/>
+            </a:xfrm>
+            <a:prstGeom prst="rect">
+              <a:avLst/>
+            </a:prstGeom>
+          </p:spPr>
+          <p:txBody>
+            <a:bodyPr wrap="square">
+              <a:spAutoFit/>
+            </a:bodyPr>
+            <a:lstStyle/>
+            <a:p>
+              <a:pPr marL="0" algn="l" defTabSz="914400" rtl="0" eaLnBrk="1" latinLnBrk="0" hangingPunct="1"/>
+              <a:endParaRPr lang="en-US" sz="2400" b="1" dirty="0">
+                <a:solidFill>
+                  <a:schemeClr val="bg1">
+                    <a:lumMod val="50000"/>
+                  </a:schemeClr>
+                </a:solidFill>
+                <a:latin typeface="MS UI Gothic" panose="020B0600070205080204" pitchFamily="34" charset="-128"/>
+                <a:ea typeface="MS UI Gothic" panose="020B0600070205080204" pitchFamily="34" charset="-128"/>
+                <a:cs typeface="Sakkal Majalla" panose="02000000000000000000"/>
+              </a:endParaRPr>
+            </a:p>
+          </p:txBody>
+        </p:sp>
+      </p:grpSp>
+      <p:pic>
+        <p:nvPicPr>
+          <p:cNvPr id="3074" name="Picture 2">
+            <a:extLst>
+              <a:ext uri="{FF2B5EF4-FFF2-40B4-BE49-F238E27FC236}">
+                <a16:creationId xmlns:a16="http://schemas.microsoft.com/office/drawing/2014/main" id="{73244501-6F88-824B-864B-395598C1B9AC}"/>
+              </a:ext>
+            </a:extLst>
+          </p:cNvPr>
+          <p:cNvPicPr>
+            <a:picLocks noChangeAspect="1" noChangeArrowheads="1"/>
+          </p:cNvPicPr>
+          <p:nvPr/>
+        </p:nvPicPr>
+        <p:blipFill>
+          <a:blip r:embed="rId3">
+            <a:extLst>
+              <a:ext uri="{28A0092B-C50C-407E-A947-70E740481C1C}">
+                <a14:useLocalDpi xmlns:a14="http://schemas.microsoft.com/office/drawing/2010/main" val="0"/>
+              </a:ext>
+            </a:extLst>
+          </a:blip>
+          <a:srcRect/>
+          <a:stretch>
+            <a:fillRect/>
+          </a:stretch>
+        </p:blipFill>
+        <p:spPr bwMode="auto">
+          <a:xfrm>
+            <a:off x="11004330" y="2003"/>
+            <a:ext cx="1187669" cy="1187669"/>
+          </a:xfrm>
+          <a:prstGeom prst="rect">
+            <a:avLst/>
+          </a:prstGeom>
+          <a:noFill/>
+          <a:extLst>
+            <a:ext uri="{909E8E84-426E-40DD-AFC4-6F175D3DCCD1}">
+              <a14:hiddenFill xmlns:a14="http://schemas.microsoft.com/office/drawing/2010/main">
+                <a:solidFill>
+                  <a:srgbClr val="FFFFFF"/>
+                </a:solidFill>
+              </a14:hiddenFill>
+            </a:ext>
+          </a:extLst>
+        </p:spPr>
+      </p:pic>
+    </p:spTree>
+    <p:extLst>
+      <p:ext uri="{BB962C8B-B14F-4D97-AF65-F5344CB8AC3E}">
+        <p14:creationId xmlns:p14="http://schemas.microsoft.com/office/powerpoint/2010/main" val="1095154661"/>
+      </p:ext>
+    </p:extLst>
+  </p:cSld>
+  <p:clrMapOvr>
+    <a:masterClrMapping/>
+  </p:clrMapOvr>
+</p:sld>
+</file>
+
+<file path=ppt/slides/slide15.xml><?xml version="1.0" encoding="utf-8"?>
+<p:sld xmlns:a="http://schemas.openxmlformats.org/drawingml/2006/main" xmlns:r="http://schemas.openxmlformats.org/officeDocument/2006/relationships" xmlns:p="http://schemas.openxmlformats.org/presentationml/2006/main">
+  <p:cSld>
+    <p:spTree>
+      <p:nvGrpSpPr>
+        <p:cNvPr id="1" name=""/>
+        <p:cNvGrpSpPr/>
+        <p:nvPr/>
+      </p:nvGrpSpPr>
+      <p:grpSpPr>
+        <a:xfrm>
+          <a:off x="0" y="0"/>
+          <a:ext cx="0" cy="0"/>
+          <a:chOff x="0" y="0"/>
+          <a:chExt cx="0" cy="0"/>
+        </a:xfrm>
+      </p:grpSpPr>
+      <p:sp>
+        <p:nvSpPr>
+          <p:cNvPr id="3" name="Slide Number Placeholder 2"/>
+          <p:cNvSpPr>
+            <a:spLocks noGrp="1"/>
+          </p:cNvSpPr>
+          <p:nvPr>
+            <p:ph type="sldNum" sz="quarter" idx="12"/>
+          </p:nvPr>
+        </p:nvSpPr>
+        <p:spPr/>
+        <p:txBody>
+          <a:bodyPr/>
+          <a:lstStyle/>
+          <a:p>
+            <a:fld id="{9079F78B-7083-734C-A89B-42EBE544BB2A}" type="slidenum">
+              <a:rPr lang="en-US" smtClean="0"/>
+              <a:t>15</a:t>
+            </a:fld>
+            <a:endParaRPr lang="en-US"/>
+          </a:p>
+        </p:txBody>
+      </p:sp>
+      <p:grpSp>
+        <p:nvGrpSpPr>
+          <p:cNvPr id="14" name="Group 13"/>
+          <p:cNvGrpSpPr/>
+          <p:nvPr/>
+        </p:nvGrpSpPr>
+        <p:grpSpPr>
+          <a:xfrm rot="10800000">
+            <a:off x="429418" y="411016"/>
+            <a:ext cx="10101945" cy="862144"/>
+            <a:chOff x="3452437" y="1965113"/>
+            <a:chExt cx="5393583" cy="890750"/>
+          </a:xfrm>
+        </p:grpSpPr>
+        <p:sp>
+          <p:nvSpPr>
+            <p:cNvPr id="15" name="Rounded Rectangle 14"/>
+            <p:cNvSpPr/>
+            <p:nvPr/>
+          </p:nvSpPr>
+          <p:spPr bwMode="auto">
+            <a:xfrm rot="10800000" flipH="1">
+              <a:off x="3452437" y="1965113"/>
+              <a:ext cx="5393583" cy="890750"/>
+            </a:xfrm>
+            <a:prstGeom prst="roundRect">
+              <a:avLst>
+                <a:gd name="adj" fmla="val 10251"/>
+              </a:avLst>
+            </a:prstGeom>
+            <a:solidFill>
+              <a:schemeClr val="bg1"/>
+            </a:solidFill>
+            <a:ln w="12700">
+              <a:solidFill>
+                <a:srgbClr val="A29574"/>
+              </a:solidFill>
+            </a:ln>
+            <a:effectLst/>
+          </p:spPr>
+          <p:txBody>
+            <a:bodyPr rot="0" spcFirstLastPara="0" vertOverflow="overflow" horzOverflow="overflow" vert="horz" wrap="square" lIns="182880" tIns="45720" rIns="640080" bIns="45720" numCol="1" spcCol="0" rtlCol="0" fromWordArt="0" anchor="ctr" anchorCtr="0" forceAA="0" compatLnSpc="1">
+              <a:prstTxWarp prst="textNoShape">
+                <a:avLst/>
+              </a:prstTxWarp>
+              <a:noAutofit/>
+            </a:bodyPr>
+            <a:lstStyle/>
+            <a:p>
+              <a:r>
+                <a:rPr lang="en-US" sz="3200" dirty="0">
+                  <a:solidFill>
+                    <a:srgbClr val="0474EF"/>
+                  </a:solidFill>
+                  <a:cs typeface="Univers Next Arabic" panose="020B0503030202020203" pitchFamily="34" charset="-78"/>
+                </a:rPr>
+                <a:t>Sample Code[Service]</a:t>
+              </a:r>
+            </a:p>
+          </p:txBody>
+        </p:sp>
+        <p:sp>
+          <p:nvSpPr>
+            <p:cNvPr id="16" name="Rectangle 15"/>
+            <p:cNvSpPr/>
+            <p:nvPr/>
+          </p:nvSpPr>
+          <p:spPr>
+            <a:xfrm flipH="1" flipV="1">
+              <a:off x="3640142" y="2156251"/>
+              <a:ext cx="4948159" cy="461665"/>
+            </a:xfrm>
+            <a:prstGeom prst="rect">
+              <a:avLst/>
+            </a:prstGeom>
+          </p:spPr>
+          <p:txBody>
+            <a:bodyPr wrap="square">
+              <a:spAutoFit/>
+            </a:bodyPr>
+            <a:lstStyle/>
+            <a:p>
+              <a:pPr marL="0" algn="l" defTabSz="914400" rtl="0" eaLnBrk="1" latinLnBrk="0" hangingPunct="1"/>
+              <a:endParaRPr lang="en-US" sz="2400" b="1" dirty="0">
+                <a:solidFill>
+                  <a:schemeClr val="bg1">
+                    <a:lumMod val="50000"/>
+                  </a:schemeClr>
+                </a:solidFill>
+                <a:latin typeface="MS UI Gothic" panose="020B0600070205080204" pitchFamily="34" charset="-128"/>
+                <a:ea typeface="MS UI Gothic" panose="020B0600070205080204" pitchFamily="34" charset="-128"/>
+                <a:cs typeface="Sakkal Majalla" panose="02000000000000000000"/>
+              </a:endParaRPr>
+            </a:p>
+          </p:txBody>
+        </p:sp>
+      </p:grpSp>
+      <p:pic>
+        <p:nvPicPr>
+          <p:cNvPr id="3074" name="Picture 2">
+            <a:extLst>
+              <a:ext uri="{FF2B5EF4-FFF2-40B4-BE49-F238E27FC236}">
+                <a16:creationId xmlns:a16="http://schemas.microsoft.com/office/drawing/2014/main" id="{73244501-6F88-824B-864B-395598C1B9AC}"/>
+              </a:ext>
+            </a:extLst>
+          </p:cNvPr>
+          <p:cNvPicPr>
+            <a:picLocks noChangeAspect="1" noChangeArrowheads="1"/>
+          </p:cNvPicPr>
+          <p:nvPr/>
+        </p:nvPicPr>
+        <p:blipFill>
+          <a:blip r:embed="rId3">
+            <a:extLst>
+              <a:ext uri="{28A0092B-C50C-407E-A947-70E740481C1C}">
+                <a14:useLocalDpi xmlns:a14="http://schemas.microsoft.com/office/drawing/2010/main" val="0"/>
+              </a:ext>
+            </a:extLst>
+          </a:blip>
+          <a:srcRect/>
+          <a:stretch>
+            <a:fillRect/>
+          </a:stretch>
+        </p:blipFill>
+        <p:spPr bwMode="auto">
+          <a:xfrm>
+            <a:off x="11004330" y="2003"/>
+            <a:ext cx="1187669" cy="1187669"/>
+          </a:xfrm>
+          <a:prstGeom prst="rect">
+            <a:avLst/>
+          </a:prstGeom>
+          <a:noFill/>
+          <a:extLst>
+            <a:ext uri="{909E8E84-426E-40DD-AFC4-6F175D3DCCD1}">
+              <a14:hiddenFill xmlns:a14="http://schemas.microsoft.com/office/drawing/2010/main">
+                <a:solidFill>
+                  <a:srgbClr val="FFFFFF"/>
+                </a:solidFill>
+              </a14:hiddenFill>
+            </a:ext>
+          </a:extLst>
+        </p:spPr>
+      </p:pic>
+    </p:spTree>
+    <p:extLst>
+      <p:ext uri="{BB962C8B-B14F-4D97-AF65-F5344CB8AC3E}">
+        <p14:creationId xmlns:p14="http://schemas.microsoft.com/office/powerpoint/2010/main" val="636297252"/>
+      </p:ext>
+    </p:extLst>
+  </p:cSld>
+  <p:clrMapOvr>
+    <a:masterClrMapping/>
+  </p:clrMapOvr>
+</p:sld>
+</file>
+
+<file path=ppt/slides/slide16.xml><?xml version="1.0" encoding="utf-8"?>
+<p:sld xmlns:a="http://schemas.openxmlformats.org/drawingml/2006/main" xmlns:r="http://schemas.openxmlformats.org/officeDocument/2006/relationships" xmlns:p="http://schemas.openxmlformats.org/presentationml/2006/main">
+  <p:cSld>
+    <p:spTree>
+      <p:nvGrpSpPr>
+        <p:cNvPr id="1" name=""/>
+        <p:cNvGrpSpPr/>
+        <p:nvPr/>
+      </p:nvGrpSpPr>
+      <p:grpSpPr>
+        <a:xfrm>
+          <a:off x="0" y="0"/>
+          <a:ext cx="0" cy="0"/>
+          <a:chOff x="0" y="0"/>
+          <a:chExt cx="0" cy="0"/>
+        </a:xfrm>
+      </p:grpSpPr>
+      <p:sp>
+        <p:nvSpPr>
+          <p:cNvPr id="3" name="Slide Number Placeholder 2"/>
+          <p:cNvSpPr>
+            <a:spLocks noGrp="1"/>
+          </p:cNvSpPr>
+          <p:nvPr>
+            <p:ph type="sldNum" sz="quarter" idx="12"/>
+          </p:nvPr>
+        </p:nvSpPr>
+        <p:spPr/>
+        <p:txBody>
+          <a:bodyPr/>
+          <a:lstStyle/>
+          <a:p>
+            <a:fld id="{9079F78B-7083-734C-A89B-42EBE544BB2A}" type="slidenum">
+              <a:rPr lang="en-US" smtClean="0"/>
+              <a:t>16</a:t>
+            </a:fld>
+            <a:endParaRPr lang="en-US"/>
+          </a:p>
+        </p:txBody>
+      </p:sp>
+      <p:grpSp>
+        <p:nvGrpSpPr>
+          <p:cNvPr id="14" name="Group 13"/>
+          <p:cNvGrpSpPr/>
+          <p:nvPr/>
+        </p:nvGrpSpPr>
+        <p:grpSpPr>
+          <a:xfrm rot="10800000">
+            <a:off x="429418" y="411016"/>
+            <a:ext cx="10101945" cy="862144"/>
+            <a:chOff x="3452437" y="1965113"/>
+            <a:chExt cx="5393583" cy="890750"/>
+          </a:xfrm>
+        </p:grpSpPr>
+        <p:sp>
+          <p:nvSpPr>
+            <p:cNvPr id="15" name="Rounded Rectangle 14"/>
+            <p:cNvSpPr/>
+            <p:nvPr/>
+          </p:nvSpPr>
+          <p:spPr bwMode="auto">
+            <a:xfrm rot="10800000" flipH="1">
+              <a:off x="3452437" y="1965113"/>
+              <a:ext cx="5393583" cy="890750"/>
+            </a:xfrm>
+            <a:prstGeom prst="roundRect">
+              <a:avLst>
+                <a:gd name="adj" fmla="val 10251"/>
+              </a:avLst>
+            </a:prstGeom>
+            <a:solidFill>
+              <a:schemeClr val="bg1"/>
+            </a:solidFill>
+            <a:ln w="12700">
+              <a:solidFill>
+                <a:srgbClr val="A29574"/>
+              </a:solidFill>
+            </a:ln>
+            <a:effectLst/>
+          </p:spPr>
+          <p:txBody>
+            <a:bodyPr rot="0" spcFirstLastPara="0" vertOverflow="overflow" horzOverflow="overflow" vert="horz" wrap="square" lIns="182880" tIns="45720" rIns="640080" bIns="45720" numCol="1" spcCol="0" rtlCol="0" fromWordArt="0" anchor="ctr" anchorCtr="0" forceAA="0" compatLnSpc="1">
+              <a:prstTxWarp prst="textNoShape">
+                <a:avLst/>
+              </a:prstTxWarp>
+              <a:noAutofit/>
+            </a:bodyPr>
+            <a:lstStyle/>
+            <a:p>
+              <a:r>
+                <a:rPr lang="en-US" sz="3200" dirty="0">
+                  <a:solidFill>
+                    <a:srgbClr val="0474EF"/>
+                  </a:solidFill>
+                  <a:cs typeface="Univers Next Arabic" panose="020B0503030202020203" pitchFamily="34" charset="-78"/>
+                </a:rPr>
+                <a:t>Sample Code[Controller]</a:t>
+              </a:r>
+            </a:p>
+          </p:txBody>
+        </p:sp>
+        <p:sp>
+          <p:nvSpPr>
+            <p:cNvPr id="16" name="Rectangle 15"/>
+            <p:cNvSpPr/>
+            <p:nvPr/>
+          </p:nvSpPr>
+          <p:spPr>
+            <a:xfrm flipH="1" flipV="1">
+              <a:off x="3640142" y="2156251"/>
+              <a:ext cx="4948159" cy="461665"/>
+            </a:xfrm>
+            <a:prstGeom prst="rect">
+              <a:avLst/>
+            </a:prstGeom>
+          </p:spPr>
+          <p:txBody>
+            <a:bodyPr wrap="square">
+              <a:spAutoFit/>
+            </a:bodyPr>
+            <a:lstStyle/>
+            <a:p>
+              <a:pPr marL="0" algn="l" defTabSz="914400" rtl="0" eaLnBrk="1" latinLnBrk="0" hangingPunct="1"/>
+              <a:endParaRPr lang="en-US" sz="2400" b="1" dirty="0">
+                <a:solidFill>
+                  <a:schemeClr val="bg1">
+                    <a:lumMod val="50000"/>
+                  </a:schemeClr>
+                </a:solidFill>
+                <a:latin typeface="MS UI Gothic" panose="020B0600070205080204" pitchFamily="34" charset="-128"/>
+                <a:ea typeface="MS UI Gothic" panose="020B0600070205080204" pitchFamily="34" charset="-128"/>
+                <a:cs typeface="Sakkal Majalla" panose="02000000000000000000"/>
+              </a:endParaRPr>
+            </a:p>
+          </p:txBody>
+        </p:sp>
+      </p:grpSp>
+      <p:pic>
+        <p:nvPicPr>
+          <p:cNvPr id="3074" name="Picture 2">
+            <a:extLst>
+              <a:ext uri="{FF2B5EF4-FFF2-40B4-BE49-F238E27FC236}">
+                <a16:creationId xmlns:a16="http://schemas.microsoft.com/office/drawing/2014/main" id="{73244501-6F88-824B-864B-395598C1B9AC}"/>
+              </a:ext>
+            </a:extLst>
+          </p:cNvPr>
+          <p:cNvPicPr>
+            <a:picLocks noChangeAspect="1" noChangeArrowheads="1"/>
+          </p:cNvPicPr>
+          <p:nvPr/>
+        </p:nvPicPr>
+        <p:blipFill>
+          <a:blip r:embed="rId3">
+            <a:extLst>
+              <a:ext uri="{28A0092B-C50C-407E-A947-70E740481C1C}">
+                <a14:useLocalDpi xmlns:a14="http://schemas.microsoft.com/office/drawing/2010/main" val="0"/>
+              </a:ext>
+            </a:extLst>
+          </a:blip>
+          <a:srcRect/>
+          <a:stretch>
+            <a:fillRect/>
+          </a:stretch>
+        </p:blipFill>
+        <p:spPr bwMode="auto">
+          <a:xfrm>
+            <a:off x="11004330" y="2003"/>
+            <a:ext cx="1187669" cy="1187669"/>
+          </a:xfrm>
+          <a:prstGeom prst="rect">
+            <a:avLst/>
+          </a:prstGeom>
+          <a:noFill/>
+          <a:extLst>
+            <a:ext uri="{909E8E84-426E-40DD-AFC4-6F175D3DCCD1}">
+              <a14:hiddenFill xmlns:a14="http://schemas.microsoft.com/office/drawing/2010/main">
+                <a:solidFill>
+                  <a:srgbClr val="FFFFFF"/>
+                </a:solidFill>
+              </a14:hiddenFill>
+            </a:ext>
+          </a:extLst>
+        </p:spPr>
+      </p:pic>
+    </p:spTree>
+    <p:extLst>
+      <p:ext uri="{BB962C8B-B14F-4D97-AF65-F5344CB8AC3E}">
+        <p14:creationId xmlns:p14="http://schemas.microsoft.com/office/powerpoint/2010/main" val="2664751830"/>
+      </p:ext>
+    </p:extLst>
+  </p:cSld>
+  <p:clrMapOvr>
+    <a:masterClrMapping/>
+  </p:clrMapOvr>
+</p:sld>
+</file>
+
+<file path=ppt/slides/slide17.xml><?xml version="1.0" encoding="utf-8"?>
+<p:sld xmlns:a="http://schemas.openxmlformats.org/drawingml/2006/main" xmlns:r="http://schemas.openxmlformats.org/officeDocument/2006/relationships" xmlns:p="http://schemas.openxmlformats.org/presentationml/2006/main">
+  <p:cSld>
+    <p:spTree>
+      <p:nvGrpSpPr>
+        <p:cNvPr id="1" name=""/>
+        <p:cNvGrpSpPr/>
+        <p:nvPr/>
+      </p:nvGrpSpPr>
+      <p:grpSpPr>
+        <a:xfrm>
+          <a:off x="0" y="0"/>
+          <a:ext cx="0" cy="0"/>
+          <a:chOff x="0" y="0"/>
+          <a:chExt cx="0" cy="0"/>
+        </a:xfrm>
+      </p:grpSpPr>
+      <p:sp>
+        <p:nvSpPr>
+          <p:cNvPr id="3" name="Slide Number Placeholder 2"/>
+          <p:cNvSpPr>
+            <a:spLocks noGrp="1"/>
+          </p:cNvSpPr>
+          <p:nvPr>
+            <p:ph type="sldNum" sz="quarter" idx="12"/>
+          </p:nvPr>
+        </p:nvSpPr>
+        <p:spPr/>
+        <p:txBody>
+          <a:bodyPr/>
+          <a:lstStyle/>
+          <a:p>
+            <a:fld id="{9079F78B-7083-734C-A89B-42EBE544BB2A}" type="slidenum">
+              <a:rPr lang="en-US" smtClean="0"/>
+              <a:t>17</a:t>
+            </a:fld>
+            <a:endParaRPr lang="en-US"/>
+          </a:p>
+        </p:txBody>
+      </p:sp>
+      <p:grpSp>
+        <p:nvGrpSpPr>
+          <p:cNvPr id="14" name="Group 13"/>
+          <p:cNvGrpSpPr/>
+          <p:nvPr/>
+        </p:nvGrpSpPr>
+        <p:grpSpPr>
+          <a:xfrm rot="10800000">
+            <a:off x="429418" y="411016"/>
+            <a:ext cx="10101945" cy="862144"/>
+            <a:chOff x="3452437" y="1965113"/>
+            <a:chExt cx="5393583" cy="890750"/>
+          </a:xfrm>
+        </p:grpSpPr>
+        <p:sp>
+          <p:nvSpPr>
+            <p:cNvPr id="15" name="Rounded Rectangle 14"/>
+            <p:cNvSpPr/>
+            <p:nvPr/>
+          </p:nvSpPr>
+          <p:spPr bwMode="auto">
+            <a:xfrm rot="10800000" flipH="1">
+              <a:off x="3452437" y="1965113"/>
+              <a:ext cx="5393583" cy="890750"/>
+            </a:xfrm>
+            <a:prstGeom prst="roundRect">
+              <a:avLst>
+                <a:gd name="adj" fmla="val 10251"/>
+              </a:avLst>
+            </a:prstGeom>
+            <a:solidFill>
+              <a:schemeClr val="bg1"/>
+            </a:solidFill>
+            <a:ln w="12700">
+              <a:solidFill>
+                <a:srgbClr val="A29574"/>
+              </a:solidFill>
+            </a:ln>
+            <a:effectLst/>
+          </p:spPr>
+          <p:txBody>
+            <a:bodyPr rot="0" spcFirstLastPara="0" vertOverflow="overflow" horzOverflow="overflow" vert="horz" wrap="square" lIns="182880" tIns="45720" rIns="640080" bIns="45720" numCol="1" spcCol="0" rtlCol="0" fromWordArt="0" anchor="ctr" anchorCtr="0" forceAA="0" compatLnSpc="1">
+              <a:prstTxWarp prst="textNoShape">
+                <a:avLst/>
+              </a:prstTxWarp>
+              <a:noAutofit/>
+            </a:bodyPr>
+            <a:lstStyle/>
+            <a:p>
+              <a:r>
+                <a:rPr lang="en-US" sz="3200" dirty="0">
+                  <a:solidFill>
+                    <a:srgbClr val="0474EF"/>
+                  </a:solidFill>
+                  <a:cs typeface="Univers Next Arabic" panose="020B0503030202020203" pitchFamily="34" charset="-78"/>
+                </a:rPr>
+                <a:t>Sample Code[RESTful]</a:t>
+              </a:r>
+            </a:p>
+          </p:txBody>
+        </p:sp>
+        <p:sp>
+          <p:nvSpPr>
+            <p:cNvPr id="16" name="Rectangle 15"/>
+            <p:cNvSpPr/>
+            <p:nvPr/>
+          </p:nvSpPr>
+          <p:spPr>
+            <a:xfrm flipH="1" flipV="1">
+              <a:off x="3640142" y="2156251"/>
+              <a:ext cx="4948159" cy="461665"/>
+            </a:xfrm>
+            <a:prstGeom prst="rect">
+              <a:avLst/>
+            </a:prstGeom>
+          </p:spPr>
+          <p:txBody>
+            <a:bodyPr wrap="square">
+              <a:spAutoFit/>
+            </a:bodyPr>
+            <a:lstStyle/>
+            <a:p>
+              <a:pPr marL="0" algn="l" defTabSz="914400" rtl="0" eaLnBrk="1" latinLnBrk="0" hangingPunct="1"/>
+              <a:endParaRPr lang="en-US" sz="2400" b="1" dirty="0">
+                <a:solidFill>
+                  <a:schemeClr val="bg1">
+                    <a:lumMod val="50000"/>
+                  </a:schemeClr>
+                </a:solidFill>
+                <a:latin typeface="MS UI Gothic" panose="020B0600070205080204" pitchFamily="34" charset="-128"/>
+                <a:ea typeface="MS UI Gothic" panose="020B0600070205080204" pitchFamily="34" charset="-128"/>
+                <a:cs typeface="Sakkal Majalla" panose="02000000000000000000"/>
+              </a:endParaRPr>
+            </a:p>
+          </p:txBody>
+        </p:sp>
+      </p:grpSp>
+      <p:pic>
+        <p:nvPicPr>
+          <p:cNvPr id="3074" name="Picture 2">
+            <a:extLst>
+              <a:ext uri="{FF2B5EF4-FFF2-40B4-BE49-F238E27FC236}">
+                <a16:creationId xmlns:a16="http://schemas.microsoft.com/office/drawing/2014/main" id="{73244501-6F88-824B-864B-395598C1B9AC}"/>
+              </a:ext>
+            </a:extLst>
+          </p:cNvPr>
+          <p:cNvPicPr>
+            <a:picLocks noChangeAspect="1" noChangeArrowheads="1"/>
+          </p:cNvPicPr>
+          <p:nvPr/>
+        </p:nvPicPr>
+        <p:blipFill>
+          <a:blip r:embed="rId3">
+            <a:extLst>
+              <a:ext uri="{28A0092B-C50C-407E-A947-70E740481C1C}">
+                <a14:useLocalDpi xmlns:a14="http://schemas.microsoft.com/office/drawing/2010/main" val="0"/>
+              </a:ext>
+            </a:extLst>
+          </a:blip>
+          <a:srcRect/>
+          <a:stretch>
+            <a:fillRect/>
+          </a:stretch>
+        </p:blipFill>
+        <p:spPr bwMode="auto">
+          <a:xfrm>
+            <a:off x="11004330" y="2003"/>
+            <a:ext cx="1187669" cy="1187669"/>
+          </a:xfrm>
+          <a:prstGeom prst="rect">
+            <a:avLst/>
+          </a:prstGeom>
+          <a:noFill/>
+          <a:extLst>
+            <a:ext uri="{909E8E84-426E-40DD-AFC4-6F175D3DCCD1}">
+              <a14:hiddenFill xmlns:a14="http://schemas.microsoft.com/office/drawing/2010/main">
+                <a:solidFill>
+                  <a:srgbClr val="FFFFFF"/>
+                </a:solidFill>
+              </a14:hiddenFill>
+            </a:ext>
+          </a:extLst>
+        </p:spPr>
+      </p:pic>
+    </p:spTree>
+    <p:extLst>
+      <p:ext uri="{BB962C8B-B14F-4D97-AF65-F5344CB8AC3E}">
+        <p14:creationId xmlns:p14="http://schemas.microsoft.com/office/powerpoint/2010/main" val="3844261576"/>
+      </p:ext>
+    </p:extLst>
+  </p:cSld>
+  <p:clrMapOvr>
+    <a:masterClrMapping/>
+  </p:clrMapOvr>
+</p:sld>
+</file>
+
+<file path=ppt/slides/slide18.xml><?xml version="1.0" encoding="utf-8"?>
+<p:sld xmlns:a="http://schemas.openxmlformats.org/drawingml/2006/main" xmlns:r="http://schemas.openxmlformats.org/officeDocument/2006/relationships" xmlns:p="http://schemas.openxmlformats.org/presentationml/2006/main">
+  <p:cSld>
+    <p:spTree>
+      <p:nvGrpSpPr>
+        <p:cNvPr id="1" name=""/>
+        <p:cNvGrpSpPr/>
+        <p:nvPr/>
+      </p:nvGrpSpPr>
+      <p:grpSpPr>
+        <a:xfrm>
+          <a:off x="0" y="0"/>
+          <a:ext cx="0" cy="0"/>
+          <a:chOff x="0" y="0"/>
+          <a:chExt cx="0" cy="0"/>
+        </a:xfrm>
+      </p:grpSpPr>
+      <p:sp>
+        <p:nvSpPr>
+          <p:cNvPr id="3" name="Slide Number Placeholder 2"/>
+          <p:cNvSpPr>
+            <a:spLocks noGrp="1"/>
+          </p:cNvSpPr>
+          <p:nvPr>
+            <p:ph type="sldNum" sz="quarter" idx="12"/>
+          </p:nvPr>
+        </p:nvSpPr>
+        <p:spPr/>
+        <p:txBody>
+          <a:bodyPr/>
+          <a:lstStyle/>
+          <a:p>
+            <a:fld id="{9079F78B-7083-734C-A89B-42EBE544BB2A}" type="slidenum">
+              <a:rPr lang="en-US" smtClean="0"/>
+              <a:t>18</a:t>
+            </a:fld>
+            <a:endParaRPr lang="en-US"/>
+          </a:p>
+        </p:txBody>
+      </p:sp>
+      <p:grpSp>
+        <p:nvGrpSpPr>
+          <p:cNvPr id="14" name="Group 13"/>
+          <p:cNvGrpSpPr/>
+          <p:nvPr/>
+        </p:nvGrpSpPr>
+        <p:grpSpPr>
+          <a:xfrm rot="10800000">
+            <a:off x="2916620" y="1189672"/>
+            <a:ext cx="11740585" cy="2752456"/>
+            <a:chOff x="3640142" y="-400330"/>
+            <a:chExt cx="6268478" cy="3018246"/>
+          </a:xfrm>
+        </p:grpSpPr>
+        <p:sp>
+          <p:nvSpPr>
+            <p:cNvPr id="15" name="Rounded Rectangle 14"/>
+            <p:cNvSpPr/>
+            <p:nvPr/>
+          </p:nvSpPr>
+          <p:spPr bwMode="auto">
+            <a:xfrm rot="10800000" flipH="1">
+              <a:off x="6625814" y="-400330"/>
+              <a:ext cx="3282806" cy="890750"/>
+            </a:xfrm>
+            <a:prstGeom prst="roundRect">
+              <a:avLst>
+                <a:gd name="adj" fmla="val 10251"/>
+              </a:avLst>
+            </a:prstGeom>
+            <a:solidFill>
+              <a:schemeClr val="bg1"/>
+            </a:solidFill>
+            <a:ln w="12700">
+              <a:solidFill>
+                <a:srgbClr val="A29574"/>
+              </a:solidFill>
+            </a:ln>
+            <a:effectLst/>
+          </p:spPr>
+          <p:txBody>
+            <a:bodyPr rot="0" spcFirstLastPara="0" vertOverflow="overflow" horzOverflow="overflow" vert="horz" wrap="square" lIns="182880" tIns="45720" rIns="640080" bIns="45720" numCol="1" spcCol="0" rtlCol="0" fromWordArt="0" anchor="ctr" anchorCtr="0" forceAA="0" compatLnSpc="1">
+              <a:prstTxWarp prst="textNoShape">
+                <a:avLst/>
+              </a:prstTxWarp>
+              <a:noAutofit/>
+            </a:bodyPr>
+            <a:lstStyle/>
+            <a:p>
+              <a:r>
+                <a:rPr lang="en-US" sz="3200" dirty="0">
+                  <a:solidFill>
+                    <a:srgbClr val="0474EF"/>
+                  </a:solidFill>
+                  <a:cs typeface="Univers Next Arabic" panose="020B0503030202020203" pitchFamily="34" charset="-78"/>
+                </a:rPr>
+                <a:t>Live DEMO</a:t>
+              </a:r>
+            </a:p>
+          </p:txBody>
+        </p:sp>
+        <p:sp>
+          <p:nvSpPr>
+            <p:cNvPr id="16" name="Rectangle 15"/>
+            <p:cNvSpPr/>
+            <p:nvPr/>
+          </p:nvSpPr>
+          <p:spPr>
+            <a:xfrm flipH="1" flipV="1">
+              <a:off x="3640142" y="2156251"/>
+              <a:ext cx="4948159" cy="461665"/>
+            </a:xfrm>
+            <a:prstGeom prst="rect">
+              <a:avLst/>
+            </a:prstGeom>
+          </p:spPr>
+          <p:txBody>
+            <a:bodyPr wrap="square">
+              <a:spAutoFit/>
+            </a:bodyPr>
+            <a:lstStyle/>
+            <a:p>
+              <a:pPr marL="0" algn="l" defTabSz="914400" rtl="0" eaLnBrk="1" latinLnBrk="0" hangingPunct="1"/>
+              <a:endParaRPr lang="en-US" sz="2400" b="1" dirty="0">
+                <a:solidFill>
+                  <a:schemeClr val="bg1">
+                    <a:lumMod val="50000"/>
+                  </a:schemeClr>
+                </a:solidFill>
+                <a:latin typeface="MS UI Gothic" panose="020B0600070205080204" pitchFamily="34" charset="-128"/>
+                <a:ea typeface="MS UI Gothic" panose="020B0600070205080204" pitchFamily="34" charset="-128"/>
+                <a:cs typeface="Sakkal Majalla" panose="02000000000000000000"/>
+              </a:endParaRPr>
+            </a:p>
+          </p:txBody>
+        </p:sp>
+      </p:grpSp>
+      <p:pic>
+        <p:nvPicPr>
+          <p:cNvPr id="3074" name="Picture 2">
+            <a:extLst>
+              <a:ext uri="{FF2B5EF4-FFF2-40B4-BE49-F238E27FC236}">
+                <a16:creationId xmlns:a16="http://schemas.microsoft.com/office/drawing/2014/main" id="{73244501-6F88-824B-864B-395598C1B9AC}"/>
+              </a:ext>
+            </a:extLst>
+          </p:cNvPr>
+          <p:cNvPicPr>
+            <a:picLocks noChangeAspect="1" noChangeArrowheads="1"/>
+          </p:cNvPicPr>
+          <p:nvPr/>
+        </p:nvPicPr>
+        <p:blipFill>
+          <a:blip r:embed="rId3">
+            <a:extLst>
+              <a:ext uri="{28A0092B-C50C-407E-A947-70E740481C1C}">
+                <a14:useLocalDpi xmlns:a14="http://schemas.microsoft.com/office/drawing/2010/main" val="0"/>
+              </a:ext>
+            </a:extLst>
+          </a:blip>
+          <a:srcRect/>
+          <a:stretch>
+            <a:fillRect/>
+          </a:stretch>
+        </p:blipFill>
+        <p:spPr bwMode="auto">
+          <a:xfrm>
+            <a:off x="11004330" y="2003"/>
+            <a:ext cx="1187669" cy="1187669"/>
+          </a:xfrm>
+          <a:prstGeom prst="rect">
+            <a:avLst/>
+          </a:prstGeom>
+          <a:noFill/>
+          <a:extLst>
+            <a:ext uri="{909E8E84-426E-40DD-AFC4-6F175D3DCCD1}">
+              <a14:hiddenFill xmlns:a14="http://schemas.microsoft.com/office/drawing/2010/main">
+                <a:solidFill>
+                  <a:srgbClr val="FFFFFF"/>
+                </a:solidFill>
+              </a14:hiddenFill>
+            </a:ext>
+          </a:extLst>
+        </p:spPr>
+      </p:pic>
+    </p:spTree>
+    <p:extLst>
+      <p:ext uri="{BB962C8B-B14F-4D97-AF65-F5344CB8AC3E}">
+        <p14:creationId xmlns:p14="http://schemas.microsoft.com/office/powerpoint/2010/main" val="752458910"/>
+      </p:ext>
+    </p:extLst>
+  </p:cSld>
+  <p:clrMapOvr>
+    <a:masterClrMapping/>
+  </p:clrMapOvr>
+</p:sld>
+</file>
+
+<file path=ppt/slides/slide19.xml><?xml version="1.0" encoding="utf-8"?>
+<p:sld xmlns:a="http://schemas.openxmlformats.org/drawingml/2006/main" xmlns:r="http://schemas.openxmlformats.org/officeDocument/2006/relationships" xmlns:p="http://schemas.openxmlformats.org/presentationml/2006/main">
+  <p:cSld>
+    <p:spTree>
+      <p:nvGrpSpPr>
+        <p:cNvPr id="1" name=""/>
+        <p:cNvGrpSpPr/>
+        <p:nvPr/>
+      </p:nvGrpSpPr>
+      <p:grpSpPr>
+        <a:xfrm>
+          <a:off x="0" y="0"/>
+          <a:ext cx="0" cy="0"/>
+          <a:chOff x="0" y="0"/>
+          <a:chExt cx="0" cy="0"/>
+        </a:xfrm>
+      </p:grpSpPr>
+      <p:sp>
+        <p:nvSpPr>
+          <p:cNvPr id="3" name="Slide Number Placeholder 2"/>
+          <p:cNvSpPr>
+            <a:spLocks noGrp="1"/>
+          </p:cNvSpPr>
+          <p:nvPr>
+            <p:ph type="sldNum" sz="quarter" idx="12"/>
+          </p:nvPr>
+        </p:nvSpPr>
+        <p:spPr/>
+        <p:txBody>
+          <a:bodyPr/>
+          <a:lstStyle/>
+          <a:p>
+            <a:fld id="{9079F78B-7083-734C-A89B-42EBE544BB2A}" type="slidenum">
+              <a:rPr lang="en-US" smtClean="0"/>
+              <a:t>19</a:t>
+            </a:fld>
+            <a:endParaRPr lang="en-US"/>
+          </a:p>
+        </p:txBody>
+      </p:sp>
+      <p:grpSp>
+        <p:nvGrpSpPr>
+          <p:cNvPr id="14" name="Group 13"/>
+          <p:cNvGrpSpPr/>
+          <p:nvPr/>
+        </p:nvGrpSpPr>
+        <p:grpSpPr>
+          <a:xfrm rot="10800000">
+            <a:off x="429418" y="411016"/>
+            <a:ext cx="10101945" cy="862144"/>
+            <a:chOff x="3452437" y="1965113"/>
+            <a:chExt cx="5393583" cy="890750"/>
+          </a:xfrm>
+        </p:grpSpPr>
+        <p:sp>
+          <p:nvSpPr>
+            <p:cNvPr id="15" name="Rounded Rectangle 14"/>
+            <p:cNvSpPr/>
+            <p:nvPr/>
+          </p:nvSpPr>
+          <p:spPr bwMode="auto">
+            <a:xfrm rot="10800000" flipH="1">
+              <a:off x="3452437" y="1965113"/>
+              <a:ext cx="5393583" cy="890750"/>
+            </a:xfrm>
+            <a:prstGeom prst="roundRect">
+              <a:avLst>
+                <a:gd name="adj" fmla="val 10251"/>
+              </a:avLst>
+            </a:prstGeom>
+            <a:solidFill>
+              <a:schemeClr val="bg1"/>
+            </a:solidFill>
+            <a:ln w="12700">
+              <a:solidFill>
+                <a:srgbClr val="A29574"/>
+              </a:solidFill>
+            </a:ln>
+            <a:effectLst/>
+          </p:spPr>
+          <p:txBody>
+            <a:bodyPr rot="0" spcFirstLastPara="0" vertOverflow="overflow" horzOverflow="overflow" vert="horz" wrap="square" lIns="182880" tIns="45720" rIns="640080" bIns="45720" numCol="1" spcCol="0" rtlCol="0" fromWordArt="0" anchor="ctr" anchorCtr="0" forceAA="0" compatLnSpc="1">
+              <a:prstTxWarp prst="textNoShape">
+                <a:avLst/>
+              </a:prstTxWarp>
+              <a:noAutofit/>
+            </a:bodyPr>
+            <a:lstStyle/>
+            <a:p>
+              <a:r>
+                <a:rPr lang="en-US" sz="3200" dirty="0">
+                  <a:solidFill>
+                    <a:srgbClr val="0474EF"/>
+                  </a:solidFill>
+                  <a:cs typeface="Univers Next Arabic" panose="020B0503030202020203" pitchFamily="34" charset="-78"/>
+                </a:rPr>
+                <a:t>Source Code</a:t>
+              </a:r>
+            </a:p>
+          </p:txBody>
+        </p:sp>
+        <p:sp>
+          <p:nvSpPr>
+            <p:cNvPr id="16" name="Rectangle 15"/>
+            <p:cNvSpPr/>
+            <p:nvPr/>
+          </p:nvSpPr>
+          <p:spPr>
+            <a:xfrm flipH="1" flipV="1">
+              <a:off x="3640142" y="2156251"/>
+              <a:ext cx="4948159" cy="461665"/>
+            </a:xfrm>
+            <a:prstGeom prst="rect">
+              <a:avLst/>
+            </a:prstGeom>
+          </p:spPr>
+          <p:txBody>
+            <a:bodyPr wrap="square">
+              <a:spAutoFit/>
+            </a:bodyPr>
+            <a:lstStyle/>
+            <a:p>
+              <a:pPr marL="0" algn="l" defTabSz="914400" rtl="0" eaLnBrk="1" latinLnBrk="0" hangingPunct="1"/>
+              <a:endParaRPr lang="en-US" sz="2400" b="1" dirty="0">
+                <a:solidFill>
+                  <a:schemeClr val="bg1">
+                    <a:lumMod val="50000"/>
+                  </a:schemeClr>
+                </a:solidFill>
+                <a:latin typeface="MS UI Gothic" panose="020B0600070205080204" pitchFamily="34" charset="-128"/>
+                <a:ea typeface="MS UI Gothic" panose="020B0600070205080204" pitchFamily="34" charset="-128"/>
+                <a:cs typeface="Sakkal Majalla" panose="02000000000000000000"/>
+              </a:endParaRPr>
+            </a:p>
+          </p:txBody>
+        </p:sp>
+      </p:grpSp>
       <p:grpSp>
         <p:nvGrpSpPr>
           <p:cNvPr id="18" name="Group 17"/>
@@ -4434,8 +7557,8 @@
         </p:nvGrpSpPr>
         <p:grpSpPr>
           <a:xfrm rot="10800000">
-            <a:off x="407573" y="4333399"/>
-            <a:ext cx="4568459" cy="1471977"/>
+            <a:off x="429418" y="1809359"/>
+            <a:ext cx="10101944" cy="3787399"/>
             <a:chOff x="3452436" y="1965112"/>
             <a:chExt cx="5393583" cy="890751"/>
           </a:xfrm>
@@ -4595,8 +7718,8 @@
         </p:nvSpPr>
         <p:spPr>
           <a:xfrm>
-            <a:off x="429421" y="4426500"/>
-            <a:ext cx="4387621" cy="1077218"/>
+            <a:off x="669819" y="1997613"/>
+            <a:ext cx="9752269" cy="3108543"/>
           </a:xfrm>
           <a:prstGeom prst="rect">
             <a:avLst/>
@@ -4608,176 +7731,107 @@
           </a:bodyPr>
           <a:lstStyle/>
           <a:p>
-            <a:pPr marL="457200" indent="-457200">
-              <a:buFont typeface="Wingdings" panose="05000000000000000000" pitchFamily="2" charset="2"/>
-              <a:buChar char="§"/>
-            </a:pPr>
+            <a:pPr fontAlgn="base"/>
             <a:r>
-              <a:rPr lang="en-GB" sz="1600" dirty="0">
-                <a:solidFill>
-                  <a:prstClr val="white">
-                    <a:lumMod val="50000"/>
-                  </a:prstClr>
-                </a:solidFill>
-                <a:latin typeface="Univers Next Arabic" panose="020B0503030202020203" pitchFamily="34" charset="-78"/>
-                <a:cs typeface="Univers Next Arabic" panose="020B0503030202020203" pitchFamily="34" charset="-78"/>
+              <a:rPr lang="en-US" sz="2800" u="sng" dirty="0">
+                <a:hlinkClick r:id="rId3"/>
               </a:rPr>
-              <a:t>Ghadeer</a:t>
+              <a:t>https://github.com/abdullah-cs</a:t>
             </a:r>
-          </a:p>
-          <a:p>
-            <a:pPr marL="457200" indent="-457200">
-              <a:buFont typeface="Wingdings" panose="05000000000000000000" pitchFamily="2" charset="2"/>
-              <a:buChar char="§"/>
-            </a:pPr>
+            <a:endParaRPr lang="en-US" sz="2800" dirty="0"/>
+          </a:p>
+          <a:p>
+            <a:pPr fontAlgn="base"/>
+            <a:br>
+              <a:rPr lang="en-US" sz="2800" dirty="0"/>
+            </a:br>
             <a:r>
-              <a:rPr lang="en-GB" sz="1600" dirty="0">
-                <a:solidFill>
-                  <a:prstClr val="white">
-                    <a:lumMod val="50000"/>
-                  </a:prstClr>
-                </a:solidFill>
-                <a:latin typeface="Univers Next Arabic" panose="020B0503030202020203" pitchFamily="34" charset="-78"/>
-                <a:cs typeface="Univers Next Arabic" panose="020B0503030202020203" pitchFamily="34" charset="-78"/>
+              <a:rPr lang="en-US" sz="2800" u="sng" dirty="0">
+                <a:hlinkClick r:id="rId4"/>
               </a:rPr>
-              <a:t>Lama Bander</a:t>
+              <a:t>https://github.com/Beshjot</a:t>
             </a:r>
-          </a:p>
-          <a:p>
-            <a:pPr marL="457200" indent="-457200">
-              <a:buFont typeface="Wingdings" panose="05000000000000000000" pitchFamily="2" charset="2"/>
-              <a:buChar char="§"/>
-            </a:pPr>
+            <a:endParaRPr lang="en-US" sz="2800" dirty="0"/>
+          </a:p>
+          <a:p>
+            <a:pPr fontAlgn="base"/>
+            <a:br>
+              <a:rPr lang="en-US" sz="2800" dirty="0"/>
+            </a:br>
             <a:r>
-              <a:rPr lang="en-GB" sz="1600" dirty="0">
-                <a:solidFill>
-                  <a:prstClr val="white">
-                    <a:lumMod val="50000"/>
-                  </a:prstClr>
-                </a:solidFill>
-                <a:latin typeface="Univers Next Arabic" panose="020B0503030202020203" pitchFamily="34" charset="-78"/>
-                <a:cs typeface="Univers Next Arabic" panose="020B0503030202020203" pitchFamily="34" charset="-78"/>
+              <a:rPr lang="en-US" sz="2800" u="sng" dirty="0">
+                <a:hlinkClick r:id="rId5"/>
               </a:rPr>
-              <a:t>Bashaer</a:t>
+              <a:t>https://github.com/Ghadeer-bnh</a:t>
             </a:r>
-          </a:p>
-          <a:p>
-            <a:pPr marL="457200" indent="-457200">
-              <a:buFont typeface="Wingdings" panose="05000000000000000000" pitchFamily="2" charset="2"/>
-              <a:buChar char="§"/>
-            </a:pPr>
+            <a:endParaRPr lang="en-US" sz="2800" dirty="0"/>
+          </a:p>
+          <a:p>
+            <a:pPr fontAlgn="base"/>
+            <a:br>
+              <a:rPr lang="en-US" sz="2800" dirty="0"/>
+            </a:br>
             <a:r>
-              <a:rPr lang="en-GB" sz="1600" dirty="0">
-                <a:solidFill>
-                  <a:prstClr val="white">
-                    <a:lumMod val="50000"/>
-                  </a:prstClr>
-                </a:solidFill>
-                <a:latin typeface="Univers Next Arabic" panose="020B0503030202020203" pitchFamily="34" charset="-78"/>
-                <a:cs typeface="Univers Next Arabic" panose="020B0503030202020203" pitchFamily="34" charset="-78"/>
+              <a:rPr lang="en-US" sz="2800" u="sng" dirty="0">
+                <a:hlinkClick r:id="rId6"/>
               </a:rPr>
-              <a:t>Abdullah</a:t>
+              <a:t>https://github.com/lamaBS</a:t>
             </a:r>
-          </a:p>
-        </p:txBody>
-      </p:sp>
-      <p:sp>
-        <p:nvSpPr>
-          <p:cNvPr id="28" name="TextBox 27">
+            <a:endParaRPr lang="en-US" sz="2800" dirty="0"/>
+          </a:p>
+        </p:txBody>
+      </p:sp>
+      <p:pic>
+        <p:nvPicPr>
+          <p:cNvPr id="3074" name="Picture 2">
             <a:extLst>
               <a:ext uri="{FF2B5EF4-FFF2-40B4-BE49-F238E27FC236}">
-                <a16:creationId xmlns:a16="http://schemas.microsoft.com/office/drawing/2014/main" id="{7BC348CD-93F6-1F45-B682-B69216F1EDA8}"/>
-              </a:ext>
-            </a:extLst>
-          </p:cNvPr>
-          <p:cNvSpPr txBox="1"/>
-          <p:nvPr/>
-        </p:nvSpPr>
-        <p:spPr>
-          <a:xfrm>
-            <a:off x="565444" y="2357067"/>
-            <a:ext cx="9948266" cy="923330"/>
-          </a:xfrm>
-          <a:prstGeom prst="rect">
-            <a:avLst/>
-          </a:prstGeom>
-          <a:noFill/>
-        </p:spPr>
-        <p:txBody>
-          <a:bodyPr wrap="square" rtlCol="0">
-            <a:spAutoFit/>
-          </a:bodyPr>
-          <a:lstStyle/>
-          <a:p>
-            <a:r>
-              <a:rPr lang="en-SA" dirty="0"/>
-              <a:t>Create a </a:t>
-            </a:r>
-            <a:r>
-              <a:rPr lang="en-US" dirty="0"/>
-              <a:t>web-based</a:t>
-            </a:r>
-            <a:r>
-              <a:rPr lang="en-SA" dirty="0"/>
-              <a:t> application using a 3-tried architcture. </a:t>
-            </a:r>
-          </a:p>
-          <a:p>
-            <a:r>
-              <a:rPr lang="en-SA" dirty="0"/>
-              <a:t>The Employee Manag</a:t>
-            </a:r>
-            <a:r>
-              <a:rPr lang="en-US" dirty="0"/>
-              <a:t>e</a:t>
-            </a:r>
-            <a:r>
-              <a:rPr lang="en-SA" dirty="0"/>
-              <a:t>ment System (EMS) will allow CRUD operation tthrough an HTML amd a RESTful interface. </a:t>
-            </a:r>
-          </a:p>
-        </p:txBody>
-      </p:sp>
-      <p:pic>
-        <p:nvPicPr>
-          <p:cNvPr id="30" name="Picture 29" descr="A picture containing drawing&#10;&#10;Description automatically generated">
-            <a:extLst>
-              <a:ext uri="{FF2B5EF4-FFF2-40B4-BE49-F238E27FC236}">
-                <a16:creationId xmlns:a16="http://schemas.microsoft.com/office/drawing/2014/main" id="{64E1367C-C999-F44B-8A19-A86F6D2205DE}"/>
+                <a16:creationId xmlns:a16="http://schemas.microsoft.com/office/drawing/2014/main" id="{73244501-6F88-824B-864B-395598C1B9AC}"/>
               </a:ext>
             </a:extLst>
           </p:cNvPr>
           <p:cNvPicPr>
-            <a:picLocks noChangeAspect="1"/>
+            <a:picLocks noChangeAspect="1" noChangeArrowheads="1"/>
           </p:cNvPicPr>
           <p:nvPr/>
         </p:nvPicPr>
         <p:blipFill>
-          <a:blip r:embed="rId3">
+          <a:blip r:embed="rId7">
             <a:extLst>
               <a:ext uri="{28A0092B-C50C-407E-A947-70E740481C1C}">
                 <a14:useLocalDpi xmlns:a14="http://schemas.microsoft.com/office/drawing/2010/main" val="0"/>
               </a:ext>
             </a:extLst>
           </a:blip>
+          <a:srcRect/>
           <a:stretch>
             <a:fillRect/>
           </a:stretch>
         </p:blipFill>
-        <p:spPr>
+        <p:spPr bwMode="auto">
           <a:xfrm>
-            <a:off x="10289048" y="-439296"/>
-            <a:ext cx="1905000" cy="1746332"/>
+            <a:off x="11004330" y="2003"/>
+            <a:ext cx="1187669" cy="1187669"/>
           </a:xfrm>
           <a:prstGeom prst="rect">
             <a:avLst/>
           </a:prstGeom>
+          <a:noFill/>
+          <a:extLst>
+            <a:ext uri="{909E8E84-426E-40DD-AFC4-6F175D3DCCD1}">
+              <a14:hiddenFill xmlns:a14="http://schemas.microsoft.com/office/drawing/2010/main">
+                <a:solidFill>
+                  <a:srgbClr val="FFFFFF"/>
+                </a:solidFill>
+              </a14:hiddenFill>
+            </a:ext>
+          </a:extLst>
         </p:spPr>
       </p:pic>
     </p:spTree>
     <p:extLst>
       <p:ext uri="{BB962C8B-B14F-4D97-AF65-F5344CB8AC3E}">
-        <p14:creationId xmlns:p14="http://schemas.microsoft.com/office/powerpoint/2010/main" val="1081918233"/>
+        <p14:creationId xmlns:p14="http://schemas.microsoft.com/office/powerpoint/2010/main" val="488739529"/>
       </p:ext>
     </p:extLst>
   </p:cSld>
@@ -4819,183 +7873,56 @@
           <a:bodyPr/>
           <a:lstStyle/>
           <a:p>
-            <a:r>
-              <a:rPr lang="en-US" dirty="0"/>
-              <a:t>41</a:t>
-            </a:r>
-          </a:p>
-        </p:txBody>
-      </p:sp>
-      <p:sp>
-        <p:nvSpPr>
-          <p:cNvPr id="4" name="Title 1"/>
-          <p:cNvSpPr>
-            <a:spLocks noGrp="1"/>
-          </p:cNvSpPr>
-          <p:nvPr>
-            <p:ph type="title"/>
-          </p:nvPr>
-        </p:nvSpPr>
-        <p:spPr>
-          <a:xfrm>
-            <a:off x="379074" y="292051"/>
-            <a:ext cx="11147636" cy="1193380"/>
-          </a:xfrm>
-        </p:spPr>
-        <p:txBody>
-          <a:bodyPr>
-            <a:normAutofit/>
-          </a:bodyPr>
-          <a:lstStyle/>
-          <a:p>
-            <a:pPr>
-              <a:lnSpc>
-                <a:spcPct val="100000"/>
-              </a:lnSpc>
-              <a:spcBef>
-                <a:spcPts val="0"/>
-              </a:spcBef>
-              <a:defRPr/>
-            </a:pPr>
-            <a:r>
-              <a:rPr lang="en-US" dirty="0"/>
-              <a:t>Project - Objectives</a:t>
-            </a:r>
-            <a:endParaRPr lang="en-US" dirty="0">
-              <a:solidFill>
-                <a:srgbClr val="0474EF"/>
-              </a:solidFill>
-            </a:endParaRPr>
+            <a:fld id="{9079F78B-7083-734C-A89B-42EBE544BB2A}" type="slidenum">
+              <a:rPr lang="en-US" smtClean="0"/>
+              <a:t>2</a:t>
+            </a:fld>
+            <a:endParaRPr lang="en-US"/>
           </a:p>
         </p:txBody>
       </p:sp>
       <p:grpSp>
         <p:nvGrpSpPr>
-          <p:cNvPr id="17" name="Group 16"/>
+          <p:cNvPr id="14" name="Group 13"/>
           <p:cNvGrpSpPr/>
           <p:nvPr/>
         </p:nvGrpSpPr>
         <p:grpSpPr>
-          <a:xfrm>
-            <a:off x="503314" y="1572710"/>
-            <a:ext cx="10758650" cy="3867507"/>
-            <a:chOff x="4039660" y="3017847"/>
-            <a:chExt cx="6980552" cy="3190293"/>
+          <a:xfrm rot="10800000">
+            <a:off x="429418" y="411016"/>
+            <a:ext cx="10101945" cy="862144"/>
+            <a:chOff x="3452437" y="1965113"/>
+            <a:chExt cx="5393583" cy="890750"/>
           </a:xfrm>
         </p:grpSpPr>
         <p:sp>
           <p:nvSpPr>
-            <p:cNvPr id="18" name="Rounded Rectangle 4">
-              <a:extLst>
-                <a:ext uri="{FF2B5EF4-FFF2-40B4-BE49-F238E27FC236}">
-                  <a16:creationId xmlns:a16="http://schemas.microsoft.com/office/drawing/2014/main" id="{4A9E9F9B-B6B1-4A08-BC04-292912C71D4A}"/>
-                </a:ext>
-              </a:extLst>
-            </p:cNvPr>
+            <p:cNvPr id="15" name="Rounded Rectangle 14"/>
             <p:cNvSpPr/>
             <p:nvPr/>
           </p:nvSpPr>
-          <p:spPr>
-            <a:xfrm flipH="1">
-              <a:off x="4039660" y="3017847"/>
-              <a:ext cx="6980552" cy="606480"/>
+          <p:spPr bwMode="auto">
+            <a:xfrm rot="10800000" flipH="1">
+              <a:off x="3452437" y="1965113"/>
+              <a:ext cx="5393583" cy="890750"/>
             </a:xfrm>
             <a:prstGeom prst="roundRect">
               <a:avLst>
-                <a:gd name="adj" fmla="val 0"/>
+                <a:gd name="adj" fmla="val 10251"/>
               </a:avLst>
             </a:prstGeom>
             <a:solidFill>
-              <a:srgbClr val="A29574"/>
+              <a:schemeClr val="bg1"/>
             </a:solidFill>
-            <a:ln>
+            <a:ln w="12700">
               <a:solidFill>
                 <a:srgbClr val="A29574"/>
               </a:solidFill>
             </a:ln>
+            <a:effectLst/>
           </p:spPr>
-          <p:style>
-            <a:lnRef idx="2">
-              <a:schemeClr val="accent1">
-                <a:shade val="50000"/>
-              </a:schemeClr>
-            </a:lnRef>
-            <a:fillRef idx="1">
-              <a:schemeClr val="accent1"/>
-            </a:fillRef>
-            <a:effectRef idx="0">
-              <a:schemeClr val="accent1"/>
-            </a:effectRef>
-            <a:fontRef idx="minor">
-              <a:schemeClr val="lt1"/>
-            </a:fontRef>
-          </p:style>
           <p:txBody>
-            <a:bodyPr rtlCol="0" anchor="ctr"/>
-            <a:lstStyle/>
-            <a:p>
-              <a:pPr marL="285750" lvl="0" indent="-285750">
-                <a:buFont typeface="Wingdings" panose="05000000000000000000" pitchFamily="2" charset="2"/>
-                <a:buChar char="§"/>
-                <a:defRPr/>
-              </a:pPr>
-              <a:endParaRPr lang="ar-SA" sz="1544" b="1" dirty="0">
-                <a:solidFill>
-                  <a:prstClr val="white"/>
-                </a:solidFill>
-              </a:endParaRPr>
-            </a:p>
-          </p:txBody>
-        </p:sp>
-        <p:sp>
-          <p:nvSpPr>
-            <p:cNvPr id="19" name="Rectangle 18">
-              <a:extLst>
-                <a:ext uri="{FF2B5EF4-FFF2-40B4-BE49-F238E27FC236}">
-                  <a16:creationId xmlns:a16="http://schemas.microsoft.com/office/drawing/2014/main" id="{5E33F645-6B22-4DDF-83F3-25CD6AD0DB6D}"/>
-                </a:ext>
-              </a:extLst>
-            </p:cNvPr>
-            <p:cNvSpPr/>
-            <p:nvPr/>
-          </p:nvSpPr>
-          <p:spPr>
-            <a:xfrm flipH="1">
-              <a:off x="4039660" y="3737240"/>
-              <a:ext cx="6980552" cy="2470900"/>
-            </a:xfrm>
-            <a:prstGeom prst="rect">
-              <a:avLst/>
-            </a:prstGeom>
-            <a:solidFill>
-              <a:schemeClr val="bg1">
-                <a:lumMod val="95000"/>
-              </a:schemeClr>
-            </a:solidFill>
-            <a:ln>
-              <a:solidFill>
-                <a:srgbClr val="A29574"/>
-              </a:solidFill>
-            </a:ln>
-          </p:spPr>
-          <p:style>
-            <a:lnRef idx="2">
-              <a:schemeClr val="accent1">
-                <a:shade val="50000"/>
-              </a:schemeClr>
-            </a:lnRef>
-            <a:fillRef idx="1">
-              <a:schemeClr val="accent1"/>
-            </a:fillRef>
-            <a:effectRef idx="0">
-              <a:schemeClr val="accent1"/>
-            </a:effectRef>
-            <a:fontRef idx="minor">
-              <a:schemeClr val="lt1"/>
-            </a:fontRef>
-          </p:style>
-          <p:txBody>
-            <a:bodyPr rot="0" spcFirstLastPara="0" vertOverflow="overflow" horzOverflow="overflow" vert="horz" wrap="square" lIns="88253" tIns="44127" rIns="88253" bIns="44127" numCol="1" spcCol="0" rtlCol="0" fromWordArt="0" anchor="ctr" anchorCtr="0" forceAA="0" compatLnSpc="1">
+            <a:bodyPr rot="0" spcFirstLastPara="0" vertOverflow="overflow" horzOverflow="overflow" vert="horz" wrap="square" lIns="182880" tIns="45720" rIns="640080" bIns="45720" numCol="1" spcCol="0" rtlCol="0" fromWordArt="0" anchor="ctr" anchorCtr="0" forceAA="0" compatLnSpc="1">
               <a:prstTxWarp prst="textNoShape">
                 <a:avLst/>
               </a:prstTxWarp>
@@ -5003,123 +7930,184 @@
             </a:bodyPr>
             <a:lstStyle/>
             <a:p>
-              <a:pPr algn="just">
-                <a:spcBef>
-                  <a:spcPts val="290"/>
-                </a:spcBef>
-                <a:spcAft>
-                  <a:spcPts val="290"/>
-                </a:spcAft>
-                <a:defRPr/>
-              </a:pPr>
-              <a:endParaRPr lang="en-US" sz="1600" dirty="0">
-                <a:solidFill>
-                  <a:prstClr val="white">
-                    <a:lumMod val="50000"/>
-                  </a:prstClr>
-                </a:solidFill>
-              </a:endParaRPr>
-            </a:p>
-            <a:p>
-              <a:pPr marL="285750" indent="-285750" algn="just">
-                <a:spcBef>
-                  <a:spcPts val="290"/>
-                </a:spcBef>
-                <a:spcAft>
-                  <a:spcPts val="290"/>
-                </a:spcAft>
-                <a:buFont typeface="Wingdings" panose="05000000000000000000" pitchFamily="2" charset="2"/>
-                <a:buChar char="ü"/>
+              <a:pPr>
                 <a:defRPr/>
               </a:pPr>
               <a:r>
-                <a:rPr lang="en-US" sz="1600" dirty="0">
+                <a:rPr lang="en-US" sz="3200" dirty="0">
                   <a:solidFill>
-                    <a:prstClr val="white">
-                      <a:lumMod val="50000"/>
-                    </a:prstClr>
+                    <a:srgbClr val="0474EF"/>
                   </a:solidFill>
                   <a:latin typeface="Univers Next Arabic" panose="020B0503030202020203" pitchFamily="34" charset="-78"/>
                   <a:cs typeface="Univers Next Arabic" panose="020B0503030202020203" pitchFamily="34" charset="-78"/>
                 </a:rPr>
-                <a:t>… TBD</a:t>
+                <a:t>Team Members</a:t>
               </a:r>
             </a:p>
+          </p:txBody>
+        </p:sp>
+        <p:sp>
+          <p:nvSpPr>
+            <p:cNvPr id="16" name="Rectangle 15"/>
+            <p:cNvSpPr/>
+            <p:nvPr/>
+          </p:nvSpPr>
+          <p:spPr>
+            <a:xfrm flipH="1" flipV="1">
+              <a:off x="3640142" y="2156251"/>
+              <a:ext cx="4948159" cy="461665"/>
+            </a:xfrm>
+            <a:prstGeom prst="rect">
+              <a:avLst/>
+            </a:prstGeom>
+          </p:spPr>
+          <p:txBody>
+            <a:bodyPr wrap="square">
+              <a:spAutoFit/>
+            </a:bodyPr>
+            <a:lstStyle/>
             <a:p>
-              <a:pPr marL="285750" indent="-285750" algn="just">
-                <a:spcBef>
-                  <a:spcPts val="290"/>
-                </a:spcBef>
-                <a:spcAft>
-                  <a:spcPts val="290"/>
-                </a:spcAft>
-                <a:buFont typeface="Wingdings" panose="05000000000000000000" pitchFamily="2" charset="2"/>
-                <a:buChar char="ü"/>
+              <a:pPr marL="0" algn="l" defTabSz="914400" rtl="0" eaLnBrk="1" latinLnBrk="0" hangingPunct="1"/>
+              <a:endParaRPr lang="en-US" sz="2400" b="1" dirty="0">
+                <a:solidFill>
+                  <a:schemeClr val="bg1">
+                    <a:lumMod val="50000"/>
+                  </a:schemeClr>
+                </a:solidFill>
+                <a:latin typeface="MS UI Gothic" panose="020B0600070205080204" pitchFamily="34" charset="-128"/>
+                <a:ea typeface="MS UI Gothic" panose="020B0600070205080204" pitchFamily="34" charset="-128"/>
+                <a:cs typeface="Sakkal Majalla" panose="02000000000000000000"/>
+              </a:endParaRPr>
+            </a:p>
+          </p:txBody>
+        </p:sp>
+      </p:grpSp>
+      <p:grpSp>
+        <p:nvGrpSpPr>
+          <p:cNvPr id="18" name="Group 17"/>
+          <p:cNvGrpSpPr/>
+          <p:nvPr/>
+        </p:nvGrpSpPr>
+        <p:grpSpPr>
+          <a:xfrm rot="10800000">
+            <a:off x="429418" y="1809360"/>
+            <a:ext cx="10101944" cy="2882399"/>
+            <a:chOff x="3452436" y="1965112"/>
+            <a:chExt cx="5393583" cy="890751"/>
+          </a:xfrm>
+          <a:noFill/>
+        </p:grpSpPr>
+        <p:sp>
+          <p:nvSpPr>
+            <p:cNvPr id="19" name="Rounded Rectangle 18"/>
+            <p:cNvSpPr/>
+            <p:nvPr/>
+          </p:nvSpPr>
+          <p:spPr bwMode="auto">
+            <a:xfrm flipH="1">
+              <a:off x="3452436" y="1965112"/>
+              <a:ext cx="5393583" cy="890751"/>
+            </a:xfrm>
+            <a:prstGeom prst="roundRect">
+              <a:avLst>
+                <a:gd name="adj" fmla="val 10251"/>
+              </a:avLst>
+            </a:prstGeom>
+            <a:grpFill/>
+            <a:ln w="12700">
+              <a:solidFill>
+                <a:srgbClr val="A29574"/>
+              </a:solidFill>
+            </a:ln>
+            <a:effectLst/>
+          </p:spPr>
+          <p:txBody>
+            <a:bodyPr rot="0" spcFirstLastPara="0" vertOverflow="overflow" horzOverflow="overflow" vert="horz" wrap="square" lIns="182880" tIns="45720" rIns="640080" bIns="45720" numCol="1" spcCol="0" rtlCol="0" fromWordArt="0" anchor="ctr" anchorCtr="0" forceAA="0" compatLnSpc="1">
+              <a:prstTxWarp prst="textNoShape">
+                <a:avLst/>
+              </a:prstTxWarp>
+              <a:noAutofit/>
+            </a:bodyPr>
+            <a:lstStyle/>
+            <a:p>
+              <a:pPr>
                 <a:defRPr/>
               </a:pPr>
-              <a:r>
-                <a:rPr lang="en-US" sz="1600" dirty="0">
-                  <a:solidFill>
-                    <a:prstClr val="white">
-                      <a:lumMod val="50000"/>
-                    </a:prstClr>
-                  </a:solidFill>
-                  <a:latin typeface="Univers Next Arabic" panose="020B0503030202020203" pitchFamily="34" charset="-78"/>
-                  <a:cs typeface="Univers Next Arabic" panose="020B0503030202020203" pitchFamily="34" charset="-78"/>
-                </a:rPr>
-                <a:t>…</a:t>
-              </a:r>
+              <a:endParaRPr lang="en-US" sz="1400" b="1" kern="0" dirty="0">
+                <a:cs typeface="Sakkal Majalla" panose="02000000000000000000"/>
+              </a:endParaRPr>
             </a:p>
+          </p:txBody>
+        </p:sp>
+        <p:sp>
+          <p:nvSpPr>
+            <p:cNvPr id="20" name="Rectangle 19"/>
+            <p:cNvSpPr/>
+            <p:nvPr/>
+          </p:nvSpPr>
+          <p:spPr>
+            <a:xfrm flipH="1" flipV="1">
+              <a:off x="3640142" y="2156251"/>
+              <a:ext cx="4948159" cy="461665"/>
+            </a:xfrm>
+            <a:prstGeom prst="rect">
+              <a:avLst/>
+            </a:prstGeom>
+            <a:grpFill/>
+          </p:spPr>
+          <p:txBody>
+            <a:bodyPr wrap="square">
+              <a:spAutoFit/>
+            </a:bodyPr>
+            <a:lstStyle/>
             <a:p>
-              <a:pPr marL="285750" indent="-285750" algn="just">
-                <a:spcBef>
-                  <a:spcPts val="290"/>
-                </a:spcBef>
-                <a:spcAft>
-                  <a:spcPts val="290"/>
-                </a:spcAft>
-                <a:buFont typeface="Wingdings" panose="05000000000000000000" pitchFamily="2" charset="2"/>
-                <a:buChar char="ü"/>
-                <a:defRPr/>
-              </a:pPr>
-              <a:r>
-                <a:rPr lang="en-US" sz="1600" dirty="0">
-                  <a:solidFill>
-                    <a:prstClr val="white">
-                      <a:lumMod val="50000"/>
-                    </a:prstClr>
-                  </a:solidFill>
-                  <a:latin typeface="Univers Next Arabic" panose="020B0503030202020203" pitchFamily="34" charset="-78"/>
-                  <a:cs typeface="Univers Next Arabic" panose="020B0503030202020203" pitchFamily="34" charset="-78"/>
-                </a:rPr>
-                <a:t>…</a:t>
-              </a:r>
+              <a:pPr algn="r" rtl="1"/>
+              <a:endParaRPr lang="en-US" sz="2400" b="1" dirty="0">
+                <a:solidFill>
+                  <a:schemeClr val="bg1">
+                    <a:lumMod val="50000"/>
+                  </a:schemeClr>
+                </a:solidFill>
+                <a:latin typeface="MS UI Gothic" panose="020B0600070205080204" pitchFamily="34" charset="-128"/>
+                <a:ea typeface="MS UI Gothic" panose="020B0600070205080204" pitchFamily="34" charset="-128"/>
+                <a:cs typeface="Sakkal Majalla" panose="02000000000000000000"/>
+              </a:endParaRPr>
             </a:p>
-            <a:p>
-              <a:pPr marL="285750" indent="-285750" algn="just">
-                <a:spcBef>
-                  <a:spcPts val="290"/>
-                </a:spcBef>
-                <a:spcAft>
-                  <a:spcPts val="290"/>
-                </a:spcAft>
-                <a:buFont typeface="Wingdings" panose="05000000000000000000" pitchFamily="2" charset="2"/>
-                <a:buChar char="ü"/>
-                <a:defRPr/>
-              </a:pPr>
-              <a:r>
-                <a:rPr lang="en-US" sz="1600" dirty="0">
-                  <a:solidFill>
-                    <a:prstClr val="white">
-                      <a:lumMod val="50000"/>
-                    </a:prstClr>
-                  </a:solidFill>
-                  <a:latin typeface="Univers Next Arabic" panose="020B0503030202020203" pitchFamily="34" charset="-78"/>
-                  <a:cs typeface="Univers Next Arabic" panose="020B0503030202020203" pitchFamily="34" charset="-78"/>
-                </a:rPr>
-                <a:t>…</a:t>
-              </a:r>
-              <a:endParaRPr lang="ar-SA" sz="1600" dirty="0">
+          </p:txBody>
+        </p:sp>
+      </p:grpSp>
+      <p:sp>
+        <p:nvSpPr>
+          <p:cNvPr id="21" name="Rectangle 20"/>
+          <p:cNvSpPr/>
+          <p:nvPr/>
+        </p:nvSpPr>
+        <p:spPr>
+          <a:xfrm>
+            <a:off x="429421" y="2173342"/>
+            <a:ext cx="10705940" cy="1077218"/>
+          </a:xfrm>
+          <a:prstGeom prst="rect">
+            <a:avLst/>
+          </a:prstGeom>
+        </p:spPr>
+        <p:txBody>
+          <a:bodyPr wrap="square">
+            <a:spAutoFit/>
+          </a:bodyPr>
+          <a:lstStyle/>
+          <a:p>
+            <a:endParaRPr lang="en-US" sz="1600" dirty="0">
+              <a:solidFill>
+                <a:srgbClr val="0474EF"/>
+              </a:solidFill>
+              <a:latin typeface="Univers Next Arabic" panose="020B0503030202020203" pitchFamily="34" charset="-78"/>
+              <a:cs typeface="Univers Next Arabic" panose="020B0503030202020203" pitchFamily="34" charset="-78"/>
+            </a:endParaRPr>
+          </a:p>
+          <a:p>
+            <a:r>
+              <a:rPr lang="en-US" sz="1600" dirty="0">
                 <a:solidFill>
                   <a:prstClr val="white">
                     <a:lumMod val="50000"/>
@@ -5127,6 +8115,300 @@
                 </a:solidFill>
                 <a:latin typeface="Univers Next Arabic" panose="020B0503030202020203" pitchFamily="34" charset="-78"/>
                 <a:cs typeface="Univers Next Arabic" panose="020B0503030202020203" pitchFamily="34" charset="-78"/>
+              </a:rPr>
+              <a:t> </a:t>
+            </a:r>
+          </a:p>
+          <a:p>
+            <a:endParaRPr lang="en-US" sz="1600" dirty="0">
+              <a:solidFill>
+                <a:prstClr val="white">
+                  <a:lumMod val="50000"/>
+                </a:prstClr>
+              </a:solidFill>
+              <a:latin typeface="Univers Next Arabic" panose="020B0503030202020203" pitchFamily="34" charset="-78"/>
+              <a:cs typeface="Univers Next Arabic" panose="020B0503030202020203" pitchFamily="34" charset="-78"/>
+            </a:endParaRPr>
+          </a:p>
+          <a:p>
+            <a:endParaRPr lang="en-US" sz="1600" dirty="0">
+              <a:solidFill>
+                <a:prstClr val="white">
+                  <a:lumMod val="50000"/>
+                </a:prstClr>
+              </a:solidFill>
+              <a:latin typeface="Univers Next Arabic" panose="020B0503030202020203" pitchFamily="34" charset="-78"/>
+              <a:cs typeface="Univers Next Arabic" panose="020B0503030202020203" pitchFamily="34" charset="-78"/>
+            </a:endParaRPr>
+          </a:p>
+        </p:txBody>
+      </p:sp>
+      <p:sp>
+        <p:nvSpPr>
+          <p:cNvPr id="23" name="Rectangle 22"/>
+          <p:cNvSpPr/>
+          <p:nvPr/>
+        </p:nvSpPr>
+        <p:spPr>
+          <a:xfrm>
+            <a:off x="669819" y="1997613"/>
+            <a:ext cx="9752269" cy="2062103"/>
+          </a:xfrm>
+          <a:prstGeom prst="rect">
+            <a:avLst/>
+          </a:prstGeom>
+        </p:spPr>
+        <p:txBody>
+          <a:bodyPr wrap="square">
+            <a:spAutoFit/>
+          </a:bodyPr>
+          <a:lstStyle/>
+          <a:p>
+            <a:pPr marL="457200" indent="-457200">
+              <a:buFont typeface="Wingdings" panose="05000000000000000000" pitchFamily="2" charset="2"/>
+              <a:buChar char="§"/>
+            </a:pPr>
+            <a:r>
+              <a:rPr lang="en-GB" sz="3200" dirty="0">
+                <a:latin typeface="Univers Next Arabic" panose="020B0503030202020203" pitchFamily="34" charset="-78"/>
+                <a:cs typeface="Univers Next Arabic" panose="020B0503030202020203" pitchFamily="34" charset="-78"/>
+              </a:rPr>
+              <a:t>Ghadeer</a:t>
+            </a:r>
+          </a:p>
+          <a:p>
+            <a:pPr marL="457200" indent="-457200">
+              <a:buFont typeface="Wingdings" panose="05000000000000000000" pitchFamily="2" charset="2"/>
+              <a:buChar char="§"/>
+            </a:pPr>
+            <a:r>
+              <a:rPr lang="en-GB" sz="3200" dirty="0">
+                <a:latin typeface="Univers Next Arabic" panose="020B0503030202020203" pitchFamily="34" charset="-78"/>
+                <a:cs typeface="Univers Next Arabic" panose="020B0503030202020203" pitchFamily="34" charset="-78"/>
+              </a:rPr>
+              <a:t>Lama Bander</a:t>
+            </a:r>
+          </a:p>
+          <a:p>
+            <a:pPr marL="457200" indent="-457200">
+              <a:buFont typeface="Wingdings" panose="05000000000000000000" pitchFamily="2" charset="2"/>
+              <a:buChar char="§"/>
+            </a:pPr>
+            <a:r>
+              <a:rPr lang="en-GB" sz="3200" dirty="0">
+                <a:latin typeface="Univers Next Arabic" panose="020B0503030202020203" pitchFamily="34" charset="-78"/>
+                <a:cs typeface="Univers Next Arabic" panose="020B0503030202020203" pitchFamily="34" charset="-78"/>
+              </a:rPr>
+              <a:t>Bashaer</a:t>
+            </a:r>
+          </a:p>
+          <a:p>
+            <a:pPr marL="457200" indent="-457200">
+              <a:buFont typeface="Wingdings" panose="05000000000000000000" pitchFamily="2" charset="2"/>
+              <a:buChar char="§"/>
+            </a:pPr>
+            <a:r>
+              <a:rPr lang="en-GB" sz="3200" dirty="0">
+                <a:latin typeface="Univers Next Arabic" panose="020B0503030202020203" pitchFamily="34" charset="-78"/>
+                <a:cs typeface="Univers Next Arabic" panose="020B0503030202020203" pitchFamily="34" charset="-78"/>
+              </a:rPr>
+              <a:t>Abdullah</a:t>
+            </a:r>
+          </a:p>
+        </p:txBody>
+      </p:sp>
+      <p:pic>
+        <p:nvPicPr>
+          <p:cNvPr id="3074" name="Picture 2">
+            <a:extLst>
+              <a:ext uri="{FF2B5EF4-FFF2-40B4-BE49-F238E27FC236}">
+                <a16:creationId xmlns:a16="http://schemas.microsoft.com/office/drawing/2014/main" id="{73244501-6F88-824B-864B-395598C1B9AC}"/>
+              </a:ext>
+            </a:extLst>
+          </p:cNvPr>
+          <p:cNvPicPr>
+            <a:picLocks noChangeAspect="1" noChangeArrowheads="1"/>
+          </p:cNvPicPr>
+          <p:nvPr/>
+        </p:nvPicPr>
+        <p:blipFill>
+          <a:blip r:embed="rId3">
+            <a:extLst>
+              <a:ext uri="{28A0092B-C50C-407E-A947-70E740481C1C}">
+                <a14:useLocalDpi xmlns:a14="http://schemas.microsoft.com/office/drawing/2010/main" val="0"/>
+              </a:ext>
+            </a:extLst>
+          </a:blip>
+          <a:srcRect/>
+          <a:stretch>
+            <a:fillRect/>
+          </a:stretch>
+        </p:blipFill>
+        <p:spPr bwMode="auto">
+          <a:xfrm>
+            <a:off x="11004330" y="2003"/>
+            <a:ext cx="1187669" cy="1187669"/>
+          </a:xfrm>
+          <a:prstGeom prst="rect">
+            <a:avLst/>
+          </a:prstGeom>
+          <a:noFill/>
+          <a:extLst>
+            <a:ext uri="{909E8E84-426E-40DD-AFC4-6F175D3DCCD1}">
+              <a14:hiddenFill xmlns:a14="http://schemas.microsoft.com/office/drawing/2010/main">
+                <a:solidFill>
+                  <a:srgbClr val="FFFFFF"/>
+                </a:solidFill>
+              </a14:hiddenFill>
+            </a:ext>
+          </a:extLst>
+        </p:spPr>
+      </p:pic>
+    </p:spTree>
+    <p:extLst>
+      <p:ext uri="{BB962C8B-B14F-4D97-AF65-F5344CB8AC3E}">
+        <p14:creationId xmlns:p14="http://schemas.microsoft.com/office/powerpoint/2010/main" val="1081918233"/>
+      </p:ext>
+    </p:extLst>
+  </p:cSld>
+  <p:clrMapOvr>
+    <a:masterClrMapping/>
+  </p:clrMapOvr>
+</p:sld>
+</file>
+
+<file path=ppt/slides/slide20.xml><?xml version="1.0" encoding="utf-8"?>
+<p:sld xmlns:a="http://schemas.openxmlformats.org/drawingml/2006/main" xmlns:r="http://schemas.openxmlformats.org/officeDocument/2006/relationships" xmlns:p="http://schemas.openxmlformats.org/presentationml/2006/main">
+  <p:cSld>
+    <p:spTree>
+      <p:nvGrpSpPr>
+        <p:cNvPr id="1" name=""/>
+        <p:cNvGrpSpPr/>
+        <p:nvPr/>
+      </p:nvGrpSpPr>
+      <p:grpSpPr>
+        <a:xfrm>
+          <a:off x="0" y="0"/>
+          <a:ext cx="0" cy="0"/>
+          <a:chOff x="0" y="0"/>
+          <a:chExt cx="0" cy="0"/>
+        </a:xfrm>
+      </p:grpSpPr>
+      <p:sp>
+        <p:nvSpPr>
+          <p:cNvPr id="3" name="Slide Number Placeholder 2"/>
+          <p:cNvSpPr>
+            <a:spLocks noGrp="1"/>
+          </p:cNvSpPr>
+          <p:nvPr>
+            <p:ph type="sldNum" sz="quarter" idx="12"/>
+          </p:nvPr>
+        </p:nvSpPr>
+        <p:spPr/>
+        <p:txBody>
+          <a:bodyPr/>
+          <a:lstStyle/>
+          <a:p>
+            <a:fld id="{9079F78B-7083-734C-A89B-42EBE544BB2A}" type="slidenum">
+              <a:rPr lang="en-US" smtClean="0"/>
+              <a:t>20</a:t>
+            </a:fld>
+            <a:endParaRPr lang="en-US"/>
+          </a:p>
+        </p:txBody>
+      </p:sp>
+      <p:grpSp>
+        <p:nvGrpSpPr>
+          <p:cNvPr id="14" name="Group 13"/>
+          <p:cNvGrpSpPr/>
+          <p:nvPr/>
+        </p:nvGrpSpPr>
+        <p:grpSpPr>
+          <a:xfrm rot="10800000">
+            <a:off x="2916620" y="1189672"/>
+            <a:ext cx="11740585" cy="2752456"/>
+            <a:chOff x="3640142" y="-400330"/>
+            <a:chExt cx="6268478" cy="3018246"/>
+          </a:xfrm>
+        </p:grpSpPr>
+        <p:sp>
+          <p:nvSpPr>
+            <p:cNvPr id="15" name="Rounded Rectangle 14"/>
+            <p:cNvSpPr/>
+            <p:nvPr/>
+          </p:nvSpPr>
+          <p:spPr bwMode="auto">
+            <a:xfrm rot="10800000" flipH="1">
+              <a:off x="6625814" y="-400330"/>
+              <a:ext cx="3282806" cy="890750"/>
+            </a:xfrm>
+            <a:prstGeom prst="roundRect">
+              <a:avLst>
+                <a:gd name="adj" fmla="val 10251"/>
+              </a:avLst>
+            </a:prstGeom>
+            <a:solidFill>
+              <a:schemeClr val="bg1"/>
+            </a:solidFill>
+            <a:ln w="12700">
+              <a:solidFill>
+                <a:srgbClr val="A29574"/>
+              </a:solidFill>
+            </a:ln>
+            <a:effectLst/>
+          </p:spPr>
+          <p:txBody>
+            <a:bodyPr rot="0" spcFirstLastPara="0" vertOverflow="overflow" horzOverflow="overflow" vert="horz" wrap="square" lIns="182880" tIns="45720" rIns="640080" bIns="45720" numCol="1" spcCol="0" rtlCol="0" fromWordArt="0" anchor="ctr" anchorCtr="0" forceAA="0" compatLnSpc="1">
+              <a:prstTxWarp prst="textNoShape">
+                <a:avLst/>
+              </a:prstTxWarp>
+              <a:noAutofit/>
+            </a:bodyPr>
+            <a:lstStyle/>
+            <a:p>
+              <a:r>
+                <a:rPr lang="en-US" sz="3200" dirty="0">
+                  <a:solidFill>
+                    <a:srgbClr val="0474EF"/>
+                  </a:solidFill>
+                  <a:cs typeface="Univers Next Arabic" panose="020B0503030202020203" pitchFamily="34" charset="-78"/>
+                </a:rPr>
+                <a:t>Thank You</a:t>
+              </a:r>
+            </a:p>
+          </p:txBody>
+        </p:sp>
+        <p:sp>
+          <p:nvSpPr>
+            <p:cNvPr id="16" name="Rectangle 15"/>
+            <p:cNvSpPr/>
+            <p:nvPr/>
+          </p:nvSpPr>
+          <p:spPr>
+            <a:xfrm flipH="1" flipV="1">
+              <a:off x="3640142" y="2156251"/>
+              <a:ext cx="4948159" cy="461665"/>
+            </a:xfrm>
+            <a:prstGeom prst="rect">
+              <a:avLst/>
+            </a:prstGeom>
+          </p:spPr>
+          <p:txBody>
+            <a:bodyPr wrap="square">
+              <a:spAutoFit/>
+            </a:bodyPr>
+            <a:lstStyle/>
+            <a:p>
+              <a:pPr marL="0" algn="l" defTabSz="914400" rtl="0" eaLnBrk="1" latinLnBrk="0" hangingPunct="1"/>
+              <a:endParaRPr lang="en-US" sz="2400" b="1" dirty="0">
+                <a:solidFill>
+                  <a:schemeClr val="bg1">
+                    <a:lumMod val="50000"/>
+                  </a:schemeClr>
+                </a:solidFill>
+                <a:latin typeface="MS UI Gothic" panose="020B0600070205080204" pitchFamily="34" charset="-128"/>
+                <a:ea typeface="MS UI Gothic" panose="020B0600070205080204" pitchFamily="34" charset="-128"/>
+                <a:cs typeface="Sakkal Majalla" panose="02000000000000000000"/>
               </a:endParaRPr>
             </a:p>
           </p:txBody>
@@ -5134,111 +8416,55 @@
       </p:grpSp>
       <p:pic>
         <p:nvPicPr>
-          <p:cNvPr id="20" name="Picture 19"/>
+          <p:cNvPr id="3074" name="Picture 2">
+            <a:extLst>
+              <a:ext uri="{FF2B5EF4-FFF2-40B4-BE49-F238E27FC236}">
+                <a16:creationId xmlns:a16="http://schemas.microsoft.com/office/drawing/2014/main" id="{73244501-6F88-824B-864B-395598C1B9AC}"/>
+              </a:ext>
+            </a:extLst>
+          </p:cNvPr>
           <p:cNvPicPr>
-            <a:picLocks noChangeAspect="1"/>
+            <a:picLocks noChangeAspect="1" noChangeArrowheads="1"/>
           </p:cNvPicPr>
           <p:nvPr/>
         </p:nvPicPr>
         <p:blipFill>
-          <a:blip r:embed="rId3" cstate="print">
+          <a:blip r:embed="rId3">
             <a:extLst>
               <a:ext uri="{28A0092B-C50C-407E-A947-70E740481C1C}">
                 <a14:useLocalDpi xmlns:a14="http://schemas.microsoft.com/office/drawing/2010/main" val="0"/>
               </a:ext>
             </a:extLst>
           </a:blip>
+          <a:srcRect/>
           <a:stretch>
             <a:fillRect/>
           </a:stretch>
         </p:blipFill>
-        <p:spPr>
+        <p:spPr bwMode="auto">
           <a:xfrm>
-            <a:off x="10470867" y="1556806"/>
-            <a:ext cx="386162" cy="365760"/>
+            <a:off x="11004330" y="2003"/>
+            <a:ext cx="1187669" cy="1187669"/>
           </a:xfrm>
           <a:prstGeom prst="rect">
             <a:avLst/>
           </a:prstGeom>
-        </p:spPr>
-      </p:pic>
-      <p:sp>
-        <p:nvSpPr>
-          <p:cNvPr id="21" name="Rectangle 20"/>
-          <p:cNvSpPr/>
-          <p:nvPr/>
-        </p:nvSpPr>
-        <p:spPr>
-          <a:xfrm>
-            <a:off x="623948" y="1640332"/>
-            <a:ext cx="1239378" cy="338554"/>
-          </a:xfrm>
-          <a:prstGeom prst="rect">
-            <a:avLst/>
-          </a:prstGeom>
-        </p:spPr>
-        <p:txBody>
-          <a:bodyPr wrap="none">
-            <a:spAutoFit/>
-          </a:bodyPr>
-          <a:lstStyle/>
-          <a:p>
-            <a:pPr lvl="0" algn="r">
-              <a:defRPr/>
-            </a:pPr>
-            <a:r>
-              <a:rPr lang="en-US" sz="1600" b="1" dirty="0">
+          <a:noFill/>
+          <a:extLst>
+            <a:ext uri="{909E8E84-426E-40DD-AFC4-6F175D3DCCD1}">
+              <a14:hiddenFill xmlns:a14="http://schemas.microsoft.com/office/drawing/2010/main">
                 <a:solidFill>
-                  <a:prstClr val="white"/>
+                  <a:srgbClr val="FFFFFF"/>
                 </a:solidFill>
-                <a:latin typeface="Univers Next Arabic" panose="020B0503030202020203" pitchFamily="34" charset="-78"/>
-                <a:cs typeface="Univers Next Arabic" panose="020B0503030202020203" pitchFamily="34" charset="-78"/>
-              </a:rPr>
-              <a:t>Objectives:</a:t>
-            </a:r>
-          </a:p>
-        </p:txBody>
-      </p:sp>
-      <p:pic>
-        <p:nvPicPr>
-          <p:cNvPr id="9" name="Picture 8" descr="A picture containing drawing&#10;&#10;Description automatically generated">
-            <a:extLst>
-              <a:ext uri="{FF2B5EF4-FFF2-40B4-BE49-F238E27FC236}">
-                <a16:creationId xmlns:a16="http://schemas.microsoft.com/office/drawing/2014/main" id="{01043324-FA85-8146-8555-DA5C81F411DB}"/>
-              </a:ext>
-            </a:extLst>
-          </p:cNvPr>
-          <p:cNvPicPr>
-            <a:picLocks noChangeAspect="1"/>
-          </p:cNvPicPr>
-          <p:nvPr/>
-        </p:nvPicPr>
-        <p:blipFill>
-          <a:blip r:embed="rId4">
-            <a:extLst>
-              <a:ext uri="{28A0092B-C50C-407E-A947-70E740481C1C}">
-                <a14:useLocalDpi xmlns:a14="http://schemas.microsoft.com/office/drawing/2010/main" val="0"/>
-              </a:ext>
-            </a:extLst>
-          </a:blip>
-          <a:stretch>
-            <a:fillRect/>
-          </a:stretch>
-        </p:blipFill>
-        <p:spPr>
-          <a:xfrm>
-            <a:off x="10289048" y="-439296"/>
-            <a:ext cx="1905000" cy="1746332"/>
-          </a:xfrm>
-          <a:prstGeom prst="rect">
-            <a:avLst/>
-          </a:prstGeom>
+              </a14:hiddenFill>
+            </a:ext>
+          </a:extLst>
         </p:spPr>
       </p:pic>
     </p:spTree>
     <p:extLst>
       <p:ext uri="{BB962C8B-B14F-4D97-AF65-F5344CB8AC3E}">
-        <p14:creationId xmlns:p14="http://schemas.microsoft.com/office/powerpoint/2010/main" val="1849524014"/>
+        <p14:creationId xmlns:p14="http://schemas.microsoft.com/office/powerpoint/2010/main" val="3096633496"/>
       </p:ext>
     </p:extLst>
   </p:cSld>
@@ -5280,183 +8506,56 @@
           <a:bodyPr/>
           <a:lstStyle/>
           <a:p>
-            <a:r>
-              <a:rPr lang="en-US" dirty="0"/>
-              <a:t>41</a:t>
-            </a:r>
-          </a:p>
-        </p:txBody>
-      </p:sp>
-      <p:sp>
-        <p:nvSpPr>
-          <p:cNvPr id="4" name="Title 1"/>
-          <p:cNvSpPr>
-            <a:spLocks noGrp="1"/>
-          </p:cNvSpPr>
-          <p:nvPr>
-            <p:ph type="title"/>
-          </p:nvPr>
-        </p:nvSpPr>
-        <p:spPr>
-          <a:xfrm>
-            <a:off x="379074" y="292051"/>
-            <a:ext cx="11147636" cy="1193380"/>
-          </a:xfrm>
-        </p:spPr>
-        <p:txBody>
-          <a:bodyPr>
-            <a:normAutofit/>
-          </a:bodyPr>
-          <a:lstStyle/>
-          <a:p>
-            <a:pPr>
-              <a:lnSpc>
-                <a:spcPct val="100000"/>
-              </a:lnSpc>
-              <a:spcBef>
-                <a:spcPts val="0"/>
-              </a:spcBef>
-              <a:defRPr/>
-            </a:pPr>
-            <a:r>
-              <a:rPr lang="en-US" dirty="0"/>
-              <a:t>Project - Outcomes</a:t>
-            </a:r>
-            <a:endParaRPr lang="en-US" dirty="0">
-              <a:solidFill>
-                <a:srgbClr val="0474EF"/>
-              </a:solidFill>
-            </a:endParaRPr>
+            <a:fld id="{9079F78B-7083-734C-A89B-42EBE544BB2A}" type="slidenum">
+              <a:rPr lang="en-US" smtClean="0"/>
+              <a:t>3</a:t>
+            </a:fld>
+            <a:endParaRPr lang="en-US"/>
           </a:p>
         </p:txBody>
       </p:sp>
       <p:grpSp>
         <p:nvGrpSpPr>
-          <p:cNvPr id="17" name="Group 16"/>
+          <p:cNvPr id="14" name="Group 13"/>
           <p:cNvGrpSpPr/>
           <p:nvPr/>
         </p:nvGrpSpPr>
         <p:grpSpPr>
-          <a:xfrm>
-            <a:off x="503314" y="1572710"/>
-            <a:ext cx="10758650" cy="3867507"/>
-            <a:chOff x="4039660" y="3017847"/>
-            <a:chExt cx="6980552" cy="3190293"/>
+          <a:xfrm rot="10800000">
+            <a:off x="429418" y="411016"/>
+            <a:ext cx="10101945" cy="862144"/>
+            <a:chOff x="3452437" y="1965113"/>
+            <a:chExt cx="5393583" cy="890750"/>
           </a:xfrm>
         </p:grpSpPr>
         <p:sp>
           <p:nvSpPr>
-            <p:cNvPr id="18" name="Rounded Rectangle 4">
-              <a:extLst>
-                <a:ext uri="{FF2B5EF4-FFF2-40B4-BE49-F238E27FC236}">
-                  <a16:creationId xmlns:a16="http://schemas.microsoft.com/office/drawing/2014/main" id="{4A9E9F9B-B6B1-4A08-BC04-292912C71D4A}"/>
-                </a:ext>
-              </a:extLst>
-            </p:cNvPr>
+            <p:cNvPr id="15" name="Rounded Rectangle 14"/>
             <p:cNvSpPr/>
             <p:nvPr/>
           </p:nvSpPr>
-          <p:spPr>
-            <a:xfrm flipH="1">
-              <a:off x="4039660" y="3017847"/>
-              <a:ext cx="6980552" cy="606480"/>
+          <p:spPr bwMode="auto">
+            <a:xfrm rot="10800000" flipH="1">
+              <a:off x="3452437" y="1965113"/>
+              <a:ext cx="5393583" cy="890750"/>
             </a:xfrm>
             <a:prstGeom prst="roundRect">
               <a:avLst>
-                <a:gd name="adj" fmla="val 0"/>
+                <a:gd name="adj" fmla="val 10251"/>
               </a:avLst>
             </a:prstGeom>
             <a:solidFill>
-              <a:srgbClr val="A29574"/>
+              <a:schemeClr val="bg1"/>
             </a:solidFill>
-            <a:ln>
+            <a:ln w="12700">
               <a:solidFill>
                 <a:srgbClr val="A29574"/>
               </a:solidFill>
             </a:ln>
+            <a:effectLst/>
           </p:spPr>
-          <p:style>
-            <a:lnRef idx="2">
-              <a:schemeClr val="accent1">
-                <a:shade val="50000"/>
-              </a:schemeClr>
-            </a:lnRef>
-            <a:fillRef idx="1">
-              <a:schemeClr val="accent1"/>
-            </a:fillRef>
-            <a:effectRef idx="0">
-              <a:schemeClr val="accent1"/>
-            </a:effectRef>
-            <a:fontRef idx="minor">
-              <a:schemeClr val="lt1"/>
-            </a:fontRef>
-          </p:style>
           <p:txBody>
-            <a:bodyPr rtlCol="0" anchor="ctr"/>
-            <a:lstStyle/>
-            <a:p>
-              <a:pPr marL="285750" lvl="0" indent="-285750">
-                <a:buFont typeface="Wingdings" panose="05000000000000000000" pitchFamily="2" charset="2"/>
-                <a:buChar char="§"/>
-                <a:defRPr/>
-              </a:pPr>
-              <a:endParaRPr lang="ar-SA" sz="1544" b="1" dirty="0">
-                <a:solidFill>
-                  <a:prstClr val="white"/>
-                </a:solidFill>
-              </a:endParaRPr>
-            </a:p>
-          </p:txBody>
-        </p:sp>
-        <p:sp>
-          <p:nvSpPr>
-            <p:cNvPr id="19" name="Rectangle 18">
-              <a:extLst>
-                <a:ext uri="{FF2B5EF4-FFF2-40B4-BE49-F238E27FC236}">
-                  <a16:creationId xmlns:a16="http://schemas.microsoft.com/office/drawing/2014/main" id="{5E33F645-6B22-4DDF-83F3-25CD6AD0DB6D}"/>
-                </a:ext>
-              </a:extLst>
-            </p:cNvPr>
-            <p:cNvSpPr/>
-            <p:nvPr/>
-          </p:nvSpPr>
-          <p:spPr>
-            <a:xfrm flipH="1">
-              <a:off x="4039660" y="3737240"/>
-              <a:ext cx="6980552" cy="2470900"/>
-            </a:xfrm>
-            <a:prstGeom prst="rect">
-              <a:avLst/>
-            </a:prstGeom>
-            <a:solidFill>
-              <a:schemeClr val="bg1">
-                <a:lumMod val="95000"/>
-              </a:schemeClr>
-            </a:solidFill>
-            <a:ln>
-              <a:solidFill>
-                <a:srgbClr val="A29574"/>
-              </a:solidFill>
-            </a:ln>
-          </p:spPr>
-          <p:style>
-            <a:lnRef idx="2">
-              <a:schemeClr val="accent1">
-                <a:shade val="50000"/>
-              </a:schemeClr>
-            </a:lnRef>
-            <a:fillRef idx="1">
-              <a:schemeClr val="accent1"/>
-            </a:fillRef>
-            <a:effectRef idx="0">
-              <a:schemeClr val="accent1"/>
-            </a:effectRef>
-            <a:fontRef idx="minor">
-              <a:schemeClr val="lt1"/>
-            </a:fontRef>
-          </p:style>
-          <p:txBody>
-            <a:bodyPr rot="0" spcFirstLastPara="0" vertOverflow="overflow" horzOverflow="overflow" vert="horz" wrap="square" lIns="88253" tIns="44127" rIns="88253" bIns="44127" numCol="1" spcCol="0" rtlCol="0" fromWordArt="0" anchor="ctr" anchorCtr="0" forceAA="0" compatLnSpc="1">
+            <a:bodyPr rot="0" spcFirstLastPara="0" vertOverflow="overflow" horzOverflow="overflow" vert="horz" wrap="square" lIns="182880" tIns="45720" rIns="640080" bIns="45720" numCol="1" spcCol="0" rtlCol="0" fromWordArt="0" anchor="ctr" anchorCtr="0" forceAA="0" compatLnSpc="1">
               <a:prstTxWarp prst="textNoShape">
                 <a:avLst/>
               </a:prstTxWarp>
@@ -5464,105 +8563,184 @@
             </a:bodyPr>
             <a:lstStyle/>
             <a:p>
-              <a:pPr marL="285750" indent="-285750" algn="just">
-                <a:spcBef>
-                  <a:spcPts val="290"/>
-                </a:spcBef>
-                <a:spcAft>
-                  <a:spcPts val="290"/>
-                </a:spcAft>
-                <a:buFont typeface="Wingdings" panose="05000000000000000000" pitchFamily="2" charset="2"/>
-                <a:buChar char="ü"/>
+              <a:pPr>
                 <a:defRPr/>
               </a:pPr>
               <a:r>
-                <a:rPr lang="en-US" sz="1600" dirty="0">
+                <a:rPr lang="en-US" sz="3200" dirty="0">
                   <a:solidFill>
-                    <a:prstClr val="white">
-                      <a:lumMod val="50000"/>
-                    </a:prstClr>
+                    <a:srgbClr val="0474EF"/>
                   </a:solidFill>
                   <a:latin typeface="Univers Next Arabic" panose="020B0503030202020203" pitchFamily="34" charset="-78"/>
                   <a:cs typeface="Univers Next Arabic" panose="020B0503030202020203" pitchFamily="34" charset="-78"/>
                 </a:rPr>
-                <a:t>… TBD</a:t>
+                <a:t>Introduction </a:t>
               </a:r>
             </a:p>
+          </p:txBody>
+        </p:sp>
+        <p:sp>
+          <p:nvSpPr>
+            <p:cNvPr id="16" name="Rectangle 15"/>
+            <p:cNvSpPr/>
+            <p:nvPr/>
+          </p:nvSpPr>
+          <p:spPr>
+            <a:xfrm flipH="1" flipV="1">
+              <a:off x="3640142" y="2156251"/>
+              <a:ext cx="4948159" cy="461665"/>
+            </a:xfrm>
+            <a:prstGeom prst="rect">
+              <a:avLst/>
+            </a:prstGeom>
+          </p:spPr>
+          <p:txBody>
+            <a:bodyPr wrap="square">
+              <a:spAutoFit/>
+            </a:bodyPr>
+            <a:lstStyle/>
             <a:p>
-              <a:pPr marL="285750" indent="-285750" algn="just">
-                <a:spcBef>
-                  <a:spcPts val="290"/>
-                </a:spcBef>
-                <a:spcAft>
-                  <a:spcPts val="290"/>
-                </a:spcAft>
-                <a:buFont typeface="Wingdings" panose="05000000000000000000" pitchFamily="2" charset="2"/>
-                <a:buChar char="ü"/>
+              <a:pPr marL="0" algn="l" defTabSz="914400" rtl="0" eaLnBrk="1" latinLnBrk="0" hangingPunct="1"/>
+              <a:endParaRPr lang="en-US" sz="2400" b="1" dirty="0">
+                <a:solidFill>
+                  <a:schemeClr val="bg1">
+                    <a:lumMod val="50000"/>
+                  </a:schemeClr>
+                </a:solidFill>
+                <a:latin typeface="MS UI Gothic" panose="020B0600070205080204" pitchFamily="34" charset="-128"/>
+                <a:ea typeface="MS UI Gothic" panose="020B0600070205080204" pitchFamily="34" charset="-128"/>
+                <a:cs typeface="Sakkal Majalla" panose="02000000000000000000"/>
+              </a:endParaRPr>
+            </a:p>
+          </p:txBody>
+        </p:sp>
+      </p:grpSp>
+      <p:grpSp>
+        <p:nvGrpSpPr>
+          <p:cNvPr id="18" name="Group 17"/>
+          <p:cNvGrpSpPr/>
+          <p:nvPr/>
+        </p:nvGrpSpPr>
+        <p:grpSpPr>
+          <a:xfrm rot="10800000">
+            <a:off x="429418" y="1809360"/>
+            <a:ext cx="10101944" cy="2882399"/>
+            <a:chOff x="3452436" y="1965112"/>
+            <a:chExt cx="5393583" cy="890751"/>
+          </a:xfrm>
+          <a:noFill/>
+        </p:grpSpPr>
+        <p:sp>
+          <p:nvSpPr>
+            <p:cNvPr id="19" name="Rounded Rectangle 18"/>
+            <p:cNvSpPr/>
+            <p:nvPr/>
+          </p:nvSpPr>
+          <p:spPr bwMode="auto">
+            <a:xfrm flipH="1">
+              <a:off x="3452436" y="1965112"/>
+              <a:ext cx="5393583" cy="890751"/>
+            </a:xfrm>
+            <a:prstGeom prst="roundRect">
+              <a:avLst>
+                <a:gd name="adj" fmla="val 10251"/>
+              </a:avLst>
+            </a:prstGeom>
+            <a:grpFill/>
+            <a:ln w="12700">
+              <a:solidFill>
+                <a:srgbClr val="A29574"/>
+              </a:solidFill>
+            </a:ln>
+            <a:effectLst/>
+          </p:spPr>
+          <p:txBody>
+            <a:bodyPr rot="0" spcFirstLastPara="0" vertOverflow="overflow" horzOverflow="overflow" vert="horz" wrap="square" lIns="182880" tIns="45720" rIns="640080" bIns="45720" numCol="1" spcCol="0" rtlCol="0" fromWordArt="0" anchor="ctr" anchorCtr="0" forceAA="0" compatLnSpc="1">
+              <a:prstTxWarp prst="textNoShape">
+                <a:avLst/>
+              </a:prstTxWarp>
+              <a:noAutofit/>
+            </a:bodyPr>
+            <a:lstStyle/>
+            <a:p>
+              <a:pPr>
                 <a:defRPr/>
               </a:pPr>
-              <a:r>
-                <a:rPr lang="en-US" sz="1600" dirty="0">
-                  <a:solidFill>
-                    <a:prstClr val="white">
-                      <a:lumMod val="50000"/>
-                    </a:prstClr>
-                  </a:solidFill>
-                  <a:latin typeface="Univers Next Arabic" panose="020B0503030202020203" pitchFamily="34" charset="-78"/>
-                  <a:cs typeface="Univers Next Arabic" panose="020B0503030202020203" pitchFamily="34" charset="-78"/>
-                </a:rPr>
-                <a:t>…</a:t>
-              </a:r>
+              <a:endParaRPr lang="en-US" sz="1400" b="1" kern="0" dirty="0">
+                <a:cs typeface="Sakkal Majalla" panose="02000000000000000000"/>
+              </a:endParaRPr>
             </a:p>
+          </p:txBody>
+        </p:sp>
+        <p:sp>
+          <p:nvSpPr>
+            <p:cNvPr id="20" name="Rectangle 19"/>
+            <p:cNvSpPr/>
+            <p:nvPr/>
+          </p:nvSpPr>
+          <p:spPr>
+            <a:xfrm flipH="1" flipV="1">
+              <a:off x="3640142" y="2156251"/>
+              <a:ext cx="4948159" cy="461665"/>
+            </a:xfrm>
+            <a:prstGeom prst="rect">
+              <a:avLst/>
+            </a:prstGeom>
+            <a:grpFill/>
+          </p:spPr>
+          <p:txBody>
+            <a:bodyPr wrap="square">
+              <a:spAutoFit/>
+            </a:bodyPr>
+            <a:lstStyle/>
             <a:p>
-              <a:pPr marL="285750" indent="-285750" algn="just">
-                <a:spcBef>
-                  <a:spcPts val="290"/>
-                </a:spcBef>
-                <a:spcAft>
-                  <a:spcPts val="290"/>
-                </a:spcAft>
-                <a:buFont typeface="Wingdings" panose="05000000000000000000" pitchFamily="2" charset="2"/>
-                <a:buChar char="ü"/>
-                <a:defRPr/>
-              </a:pPr>
-              <a:r>
-                <a:rPr lang="en-US" sz="1600" dirty="0">
-                  <a:solidFill>
-                    <a:prstClr val="white">
-                      <a:lumMod val="50000"/>
-                    </a:prstClr>
-                  </a:solidFill>
-                  <a:latin typeface="Univers Next Arabic" panose="020B0503030202020203" pitchFamily="34" charset="-78"/>
-                  <a:cs typeface="Univers Next Arabic" panose="020B0503030202020203" pitchFamily="34" charset="-78"/>
-                </a:rPr>
-                <a:t>…</a:t>
-              </a:r>
+              <a:pPr algn="r" rtl="1"/>
+              <a:endParaRPr lang="en-US" sz="2400" b="1" dirty="0">
+                <a:solidFill>
+                  <a:schemeClr val="bg1">
+                    <a:lumMod val="50000"/>
+                  </a:schemeClr>
+                </a:solidFill>
+                <a:latin typeface="MS UI Gothic" panose="020B0600070205080204" pitchFamily="34" charset="-128"/>
+                <a:ea typeface="MS UI Gothic" panose="020B0600070205080204" pitchFamily="34" charset="-128"/>
+                <a:cs typeface="Sakkal Majalla" panose="02000000000000000000"/>
+              </a:endParaRPr>
             </a:p>
-            <a:p>
-              <a:pPr marL="285750" indent="-285750" algn="just">
-                <a:spcBef>
-                  <a:spcPts val="290"/>
-                </a:spcBef>
-                <a:spcAft>
-                  <a:spcPts val="290"/>
-                </a:spcAft>
-                <a:buFont typeface="Wingdings" panose="05000000000000000000" pitchFamily="2" charset="2"/>
-                <a:buChar char="ü"/>
-                <a:defRPr/>
-              </a:pPr>
-              <a:r>
-                <a:rPr lang="en-US" sz="1600" dirty="0">
-                  <a:solidFill>
-                    <a:prstClr val="white">
-                      <a:lumMod val="50000"/>
-                    </a:prstClr>
-                  </a:solidFill>
-                  <a:latin typeface="Univers Next Arabic" panose="020B0503030202020203" pitchFamily="34" charset="-78"/>
-                  <a:cs typeface="Univers Next Arabic" panose="020B0503030202020203" pitchFamily="34" charset="-78"/>
-                </a:rPr>
-                <a:t>…</a:t>
-              </a:r>
-              <a:endParaRPr lang="ar-SA" sz="1600" dirty="0">
+          </p:txBody>
+        </p:sp>
+      </p:grpSp>
+      <p:sp>
+        <p:nvSpPr>
+          <p:cNvPr id="21" name="Rectangle 20"/>
+          <p:cNvSpPr/>
+          <p:nvPr/>
+        </p:nvSpPr>
+        <p:spPr>
+          <a:xfrm>
+            <a:off x="429421" y="2173342"/>
+            <a:ext cx="10705940" cy="1077218"/>
+          </a:xfrm>
+          <a:prstGeom prst="rect">
+            <a:avLst/>
+          </a:prstGeom>
+        </p:spPr>
+        <p:txBody>
+          <a:bodyPr wrap="square">
+            <a:spAutoFit/>
+          </a:bodyPr>
+          <a:lstStyle/>
+          <a:p>
+            <a:endParaRPr lang="en-US" sz="1600" dirty="0">
+              <a:solidFill>
+                <a:srgbClr val="0474EF"/>
+              </a:solidFill>
+              <a:latin typeface="Univers Next Arabic" panose="020B0503030202020203" pitchFamily="34" charset="-78"/>
+              <a:cs typeface="Univers Next Arabic" panose="020B0503030202020203" pitchFamily="34" charset="-78"/>
+            </a:endParaRPr>
+          </a:p>
+          <a:p>
+            <a:r>
+              <a:rPr lang="en-US" sz="1600" dirty="0">
                 <a:solidFill>
                   <a:prstClr val="white">
                     <a:lumMod val="50000"/>
@@ -5570,118 +8748,138 @@
                 </a:solidFill>
                 <a:latin typeface="Univers Next Arabic" panose="020B0503030202020203" pitchFamily="34" charset="-78"/>
                 <a:cs typeface="Univers Next Arabic" panose="020B0503030202020203" pitchFamily="34" charset="-78"/>
-              </a:endParaRPr>
-            </a:p>
-          </p:txBody>
-        </p:sp>
-      </p:grpSp>
+              </a:rPr>
+              <a:t> </a:t>
+            </a:r>
+          </a:p>
+          <a:p>
+            <a:endParaRPr lang="en-US" sz="1600" dirty="0">
+              <a:solidFill>
+                <a:prstClr val="white">
+                  <a:lumMod val="50000"/>
+                </a:prstClr>
+              </a:solidFill>
+              <a:latin typeface="Univers Next Arabic" panose="020B0503030202020203" pitchFamily="34" charset="-78"/>
+              <a:cs typeface="Univers Next Arabic" panose="020B0503030202020203" pitchFamily="34" charset="-78"/>
+            </a:endParaRPr>
+          </a:p>
+          <a:p>
+            <a:endParaRPr lang="en-US" sz="1600" dirty="0">
+              <a:solidFill>
+                <a:prstClr val="white">
+                  <a:lumMod val="50000"/>
+                </a:prstClr>
+              </a:solidFill>
+              <a:latin typeface="Univers Next Arabic" panose="020B0503030202020203" pitchFamily="34" charset="-78"/>
+              <a:cs typeface="Univers Next Arabic" panose="020B0503030202020203" pitchFamily="34" charset="-78"/>
+            </a:endParaRPr>
+          </a:p>
+        </p:txBody>
+      </p:sp>
+      <p:sp>
+        <p:nvSpPr>
+          <p:cNvPr id="23" name="Rectangle 22"/>
+          <p:cNvSpPr/>
+          <p:nvPr/>
+        </p:nvSpPr>
+        <p:spPr>
+          <a:xfrm>
+            <a:off x="669819" y="1997613"/>
+            <a:ext cx="9752269" cy="1815882"/>
+          </a:xfrm>
+          <a:prstGeom prst="rect">
+            <a:avLst/>
+          </a:prstGeom>
+        </p:spPr>
+        <p:txBody>
+          <a:bodyPr wrap="square">
+            <a:spAutoFit/>
+          </a:bodyPr>
+          <a:lstStyle/>
+          <a:p>
+            <a:pPr marL="457200" indent="-457200" fontAlgn="base">
+              <a:buFont typeface="Arial" panose="020B0604020202020204" pitchFamily="34" charset="0"/>
+              <a:buChar char="•"/>
+            </a:pPr>
+            <a:r>
+              <a:rPr lang="en-US" sz="2800" dirty="0"/>
+              <a:t>Create a web-based application using a 3-tiered architecture.</a:t>
+            </a:r>
+          </a:p>
+          <a:p>
+            <a:pPr marL="457200" indent="-457200" fontAlgn="base">
+              <a:buFont typeface="Arial" panose="020B0604020202020204" pitchFamily="34" charset="0"/>
+              <a:buChar char="•"/>
+            </a:pPr>
+            <a:endParaRPr lang="en-US" sz="2800" dirty="0"/>
+          </a:p>
+          <a:p>
+            <a:pPr marL="457200" indent="-457200" fontAlgn="base">
+              <a:buFont typeface="Arial" panose="020B0604020202020204" pitchFamily="34" charset="0"/>
+              <a:buChar char="•"/>
+            </a:pPr>
+            <a:r>
+              <a:rPr lang="en-US" sz="2800" dirty="0"/>
+              <a:t>The Employee Management System (EMS) will allow CRUD operation through an HTML and a RESTful interface. </a:t>
+            </a:r>
+            <a:endParaRPr lang="en-GB" sz="4400" dirty="0">
+              <a:latin typeface="Univers Next Arabic" panose="020B0503030202020203" pitchFamily="34" charset="-78"/>
+              <a:cs typeface="Univers Next Arabic" panose="020B0503030202020203" pitchFamily="34" charset="-78"/>
+            </a:endParaRPr>
+          </a:p>
+        </p:txBody>
+      </p:sp>
       <p:pic>
         <p:nvPicPr>
-          <p:cNvPr id="20" name="Picture 19"/>
+          <p:cNvPr id="3074" name="Picture 2">
+            <a:extLst>
+              <a:ext uri="{FF2B5EF4-FFF2-40B4-BE49-F238E27FC236}">
+                <a16:creationId xmlns:a16="http://schemas.microsoft.com/office/drawing/2014/main" id="{73244501-6F88-824B-864B-395598C1B9AC}"/>
+              </a:ext>
+            </a:extLst>
+          </p:cNvPr>
           <p:cNvPicPr>
-            <a:picLocks noChangeAspect="1"/>
+            <a:picLocks noChangeAspect="1" noChangeArrowheads="1"/>
           </p:cNvPicPr>
           <p:nvPr/>
         </p:nvPicPr>
         <p:blipFill>
-          <a:blip r:embed="rId3" cstate="print">
+          <a:blip r:embed="rId3">
             <a:extLst>
               <a:ext uri="{28A0092B-C50C-407E-A947-70E740481C1C}">
                 <a14:useLocalDpi xmlns:a14="http://schemas.microsoft.com/office/drawing/2010/main" val="0"/>
               </a:ext>
             </a:extLst>
           </a:blip>
+          <a:srcRect/>
           <a:stretch>
             <a:fillRect/>
           </a:stretch>
         </p:blipFill>
-        <p:spPr>
+        <p:spPr bwMode="auto">
           <a:xfrm>
-            <a:off x="10470867" y="1556806"/>
-            <a:ext cx="386162" cy="365760"/>
+            <a:off x="11004330" y="2003"/>
+            <a:ext cx="1187669" cy="1187669"/>
           </a:xfrm>
           <a:prstGeom prst="rect">
             <a:avLst/>
           </a:prstGeom>
-        </p:spPr>
-      </p:pic>
-      <p:sp>
-        <p:nvSpPr>
-          <p:cNvPr id="21" name="Rectangle 20"/>
-          <p:cNvSpPr/>
-          <p:nvPr/>
-        </p:nvSpPr>
-        <p:spPr>
-          <a:xfrm>
-            <a:off x="560071" y="1640332"/>
-            <a:ext cx="1257075" cy="338554"/>
-          </a:xfrm>
-          <a:prstGeom prst="rect">
-            <a:avLst/>
-          </a:prstGeom>
-        </p:spPr>
-        <p:txBody>
-          <a:bodyPr wrap="none">
-            <a:spAutoFit/>
-          </a:bodyPr>
-          <a:lstStyle/>
-          <a:p>
-            <a:pPr lvl="0" algn="r">
-              <a:defRPr/>
-            </a:pPr>
-            <a:r>
-              <a:rPr lang="en-US" sz="1600" b="1" dirty="0">
+          <a:noFill/>
+          <a:extLst>
+            <a:ext uri="{909E8E84-426E-40DD-AFC4-6F175D3DCCD1}">
+              <a14:hiddenFill xmlns:a14="http://schemas.microsoft.com/office/drawing/2010/main">
                 <a:solidFill>
-                  <a:prstClr val="white"/>
+                  <a:srgbClr val="FFFFFF"/>
                 </a:solidFill>
-                <a:latin typeface="Univers Next Arabic" panose="020B0503030202020203" pitchFamily="34" charset="-78"/>
-                <a:cs typeface="Univers Next Arabic" panose="020B0503030202020203" pitchFamily="34" charset="-78"/>
-              </a:rPr>
-              <a:t>Outcomes:</a:t>
-            </a:r>
-          </a:p>
-        </p:txBody>
-      </p:sp>
-      <p:pic>
-        <p:nvPicPr>
-          <p:cNvPr id="9" name="Picture 8" descr="A picture containing drawing&#10;&#10;Description automatically generated">
-            <a:extLst>
-              <a:ext uri="{FF2B5EF4-FFF2-40B4-BE49-F238E27FC236}">
-                <a16:creationId xmlns:a16="http://schemas.microsoft.com/office/drawing/2014/main" id="{02CA261C-19DE-DE43-874B-3EF6E58B5239}"/>
-              </a:ext>
-            </a:extLst>
-          </p:cNvPr>
-          <p:cNvPicPr>
-            <a:picLocks noChangeAspect="1"/>
-          </p:cNvPicPr>
-          <p:nvPr/>
-        </p:nvPicPr>
-        <p:blipFill>
-          <a:blip r:embed="rId4">
-            <a:extLst>
-              <a:ext uri="{28A0092B-C50C-407E-A947-70E740481C1C}">
-                <a14:useLocalDpi xmlns:a14="http://schemas.microsoft.com/office/drawing/2010/main" val="0"/>
-              </a:ext>
-            </a:extLst>
-          </a:blip>
-          <a:stretch>
-            <a:fillRect/>
-          </a:stretch>
-        </p:blipFill>
-        <p:spPr>
-          <a:xfrm>
-            <a:off x="10289048" y="-439296"/>
-            <a:ext cx="1905000" cy="1746332"/>
-          </a:xfrm>
-          <a:prstGeom prst="rect">
-            <a:avLst/>
-          </a:prstGeom>
+              </a14:hiddenFill>
+            </a:ext>
+          </a:extLst>
         </p:spPr>
       </p:pic>
     </p:spTree>
     <p:extLst>
       <p:ext uri="{BB962C8B-B14F-4D97-AF65-F5344CB8AC3E}">
-        <p14:creationId xmlns:p14="http://schemas.microsoft.com/office/powerpoint/2010/main" val="696514933"/>
+        <p14:creationId xmlns:p14="http://schemas.microsoft.com/office/powerpoint/2010/main" val="622988997"/>
       </p:ext>
     </p:extLst>
   </p:cSld>
@@ -5710,33 +8908,6 @@
       </p:grpSpPr>
       <p:sp>
         <p:nvSpPr>
-          <p:cNvPr id="2" name="Title 1"/>
-          <p:cNvSpPr>
-            <a:spLocks noGrp="1"/>
-          </p:cNvSpPr>
-          <p:nvPr>
-            <p:ph type="title"/>
-          </p:nvPr>
-        </p:nvSpPr>
-        <p:spPr>
-          <a:xfrm>
-            <a:off x="194412" y="139235"/>
-            <a:ext cx="11147636" cy="1193380"/>
-          </a:xfrm>
-        </p:spPr>
-        <p:txBody>
-          <a:bodyPr/>
-          <a:lstStyle/>
-          <a:p>
-            <a:r>
-              <a:rPr lang="en-US" dirty="0"/>
-              <a:t>Project Pictures </a:t>
-            </a:r>
-          </a:p>
-        </p:txBody>
-      </p:sp>
-      <p:sp>
-        <p:nvSpPr>
           <p:cNvPr id="3" name="Slide Number Placeholder 2"/>
           <p:cNvSpPr>
             <a:spLocks noGrp="1"/>
@@ -5758,16 +8929,207 @@
           </a:p>
         </p:txBody>
       </p:sp>
-      <p:sp>
-        <p:nvSpPr>
-          <p:cNvPr id="4" name="Rectangle 3"/>
+      <p:grpSp>
+        <p:nvGrpSpPr>
+          <p:cNvPr id="14" name="Group 13"/>
+          <p:cNvGrpSpPr/>
+          <p:nvPr/>
+        </p:nvGrpSpPr>
+        <p:grpSpPr>
+          <a:xfrm rot="10800000">
+            <a:off x="429418" y="411016"/>
+            <a:ext cx="10101945" cy="862144"/>
+            <a:chOff x="3452437" y="1965113"/>
+            <a:chExt cx="5393583" cy="890750"/>
+          </a:xfrm>
+        </p:grpSpPr>
+        <p:sp>
+          <p:nvSpPr>
+            <p:cNvPr id="15" name="Rounded Rectangle 14"/>
+            <p:cNvSpPr/>
+            <p:nvPr/>
+          </p:nvSpPr>
+          <p:spPr bwMode="auto">
+            <a:xfrm rot="10800000" flipH="1">
+              <a:off x="3452437" y="1965113"/>
+              <a:ext cx="5393583" cy="890750"/>
+            </a:xfrm>
+            <a:prstGeom prst="roundRect">
+              <a:avLst>
+                <a:gd name="adj" fmla="val 10251"/>
+              </a:avLst>
+            </a:prstGeom>
+            <a:solidFill>
+              <a:schemeClr val="bg1"/>
+            </a:solidFill>
+            <a:ln w="12700">
+              <a:solidFill>
+                <a:srgbClr val="A29574"/>
+              </a:solidFill>
+            </a:ln>
+            <a:effectLst/>
+          </p:spPr>
+          <p:txBody>
+            <a:bodyPr rot="0" spcFirstLastPara="0" vertOverflow="overflow" horzOverflow="overflow" vert="horz" wrap="square" lIns="182880" tIns="45720" rIns="640080" bIns="45720" numCol="1" spcCol="0" rtlCol="0" fromWordArt="0" anchor="ctr" anchorCtr="0" forceAA="0" compatLnSpc="1">
+              <a:prstTxWarp prst="textNoShape">
+                <a:avLst/>
+              </a:prstTxWarp>
+              <a:noAutofit/>
+            </a:bodyPr>
+            <a:lstStyle/>
+            <a:p>
+              <a:r>
+                <a:rPr lang="en-US" sz="3200" dirty="0">
+                  <a:solidFill>
+                    <a:srgbClr val="0474EF"/>
+                  </a:solidFill>
+                  <a:cs typeface="Univers Next Arabic" panose="020B0503030202020203" pitchFamily="34" charset="-78"/>
+                </a:rPr>
+                <a:t>PROJECT ENVIRONMENT </a:t>
+              </a:r>
+            </a:p>
+          </p:txBody>
+        </p:sp>
+        <p:sp>
+          <p:nvSpPr>
+            <p:cNvPr id="16" name="Rectangle 15"/>
+            <p:cNvSpPr/>
+            <p:nvPr/>
+          </p:nvSpPr>
+          <p:spPr>
+            <a:xfrm flipH="1" flipV="1">
+              <a:off x="3640142" y="2156251"/>
+              <a:ext cx="4948159" cy="461665"/>
+            </a:xfrm>
+            <a:prstGeom prst="rect">
+              <a:avLst/>
+            </a:prstGeom>
+          </p:spPr>
+          <p:txBody>
+            <a:bodyPr wrap="square">
+              <a:spAutoFit/>
+            </a:bodyPr>
+            <a:lstStyle/>
+            <a:p>
+              <a:pPr marL="0" algn="l" defTabSz="914400" rtl="0" eaLnBrk="1" latinLnBrk="0" hangingPunct="1"/>
+              <a:endParaRPr lang="en-US" sz="2400" b="1" dirty="0">
+                <a:solidFill>
+                  <a:schemeClr val="bg1">
+                    <a:lumMod val="50000"/>
+                  </a:schemeClr>
+                </a:solidFill>
+                <a:latin typeface="MS UI Gothic" panose="020B0600070205080204" pitchFamily="34" charset="-128"/>
+                <a:ea typeface="MS UI Gothic" panose="020B0600070205080204" pitchFamily="34" charset="-128"/>
+                <a:cs typeface="Sakkal Majalla" panose="02000000000000000000"/>
+              </a:endParaRPr>
+            </a:p>
+          </p:txBody>
+        </p:sp>
+      </p:grpSp>
+      <p:grpSp>
+        <p:nvGrpSpPr>
+          <p:cNvPr id="18" name="Group 17"/>
+          <p:cNvGrpSpPr/>
+          <p:nvPr/>
+        </p:nvGrpSpPr>
+        <p:grpSpPr>
+          <a:xfrm rot="10800000">
+            <a:off x="429418" y="1809360"/>
+            <a:ext cx="10101944" cy="2882399"/>
+            <a:chOff x="3452436" y="1965112"/>
+            <a:chExt cx="5393583" cy="890751"/>
+          </a:xfrm>
+          <a:noFill/>
+        </p:grpSpPr>
+        <p:sp>
+          <p:nvSpPr>
+            <p:cNvPr id="19" name="Rounded Rectangle 18"/>
+            <p:cNvSpPr/>
+            <p:nvPr/>
+          </p:nvSpPr>
+          <p:spPr bwMode="auto">
+            <a:xfrm flipH="1">
+              <a:off x="3452436" y="1965112"/>
+              <a:ext cx="5393583" cy="890751"/>
+            </a:xfrm>
+            <a:prstGeom prst="roundRect">
+              <a:avLst>
+                <a:gd name="adj" fmla="val 10251"/>
+              </a:avLst>
+            </a:prstGeom>
+            <a:grpFill/>
+            <a:ln w="12700">
+              <a:solidFill>
+                <a:srgbClr val="A29574"/>
+              </a:solidFill>
+            </a:ln>
+            <a:effectLst/>
+          </p:spPr>
+          <p:txBody>
+            <a:bodyPr rot="0" spcFirstLastPara="0" vertOverflow="overflow" horzOverflow="overflow" vert="horz" wrap="square" lIns="182880" tIns="45720" rIns="640080" bIns="45720" numCol="1" spcCol="0" rtlCol="0" fromWordArt="0" anchor="ctr" anchorCtr="0" forceAA="0" compatLnSpc="1">
+              <a:prstTxWarp prst="textNoShape">
+                <a:avLst/>
+              </a:prstTxWarp>
+              <a:noAutofit/>
+            </a:bodyPr>
+            <a:lstStyle/>
+            <a:p>
+              <a:pPr>
+                <a:defRPr/>
+              </a:pPr>
+              <a:endParaRPr lang="en-US" sz="1400" b="1" kern="0" dirty="0">
+                <a:cs typeface="Sakkal Majalla" panose="02000000000000000000"/>
+              </a:endParaRPr>
+            </a:p>
+          </p:txBody>
+        </p:sp>
+        <p:sp>
+          <p:nvSpPr>
+            <p:cNvPr id="20" name="Rectangle 19"/>
+            <p:cNvSpPr/>
+            <p:nvPr/>
+          </p:nvSpPr>
+          <p:spPr>
+            <a:xfrm flipH="1" flipV="1">
+              <a:off x="3640142" y="2156251"/>
+              <a:ext cx="4948159" cy="461665"/>
+            </a:xfrm>
+            <a:prstGeom prst="rect">
+              <a:avLst/>
+            </a:prstGeom>
+            <a:grpFill/>
+          </p:spPr>
+          <p:txBody>
+            <a:bodyPr wrap="square">
+              <a:spAutoFit/>
+            </a:bodyPr>
+            <a:lstStyle/>
+            <a:p>
+              <a:pPr algn="r" rtl="1"/>
+              <a:endParaRPr lang="en-US" sz="2400" b="1" dirty="0">
+                <a:solidFill>
+                  <a:schemeClr val="bg1">
+                    <a:lumMod val="50000"/>
+                  </a:schemeClr>
+                </a:solidFill>
+                <a:latin typeface="MS UI Gothic" panose="020B0600070205080204" pitchFamily="34" charset="-128"/>
+                <a:ea typeface="MS UI Gothic" panose="020B0600070205080204" pitchFamily="34" charset="-128"/>
+                <a:cs typeface="Sakkal Majalla" panose="02000000000000000000"/>
+              </a:endParaRPr>
+            </a:p>
+          </p:txBody>
+        </p:sp>
+      </p:grpSp>
+      <p:sp>
+        <p:nvSpPr>
+          <p:cNvPr id="21" name="Rectangle 20"/>
           <p:cNvSpPr/>
           <p:nvPr/>
         </p:nvSpPr>
         <p:spPr>
           <a:xfrm>
-            <a:off x="194412" y="724073"/>
-            <a:ext cx="8786037" cy="338554"/>
+            <a:off x="429421" y="2173342"/>
+            <a:ext cx="10705940" cy="1077218"/>
           </a:xfrm>
           <a:prstGeom prst="rect">
             <a:avLst/>
@@ -5779,111 +9141,138 @@
           </a:bodyPr>
           <a:lstStyle/>
           <a:p>
+            <a:endParaRPr lang="en-US" sz="1600" dirty="0">
+              <a:solidFill>
+                <a:srgbClr val="0474EF"/>
+              </a:solidFill>
+              <a:latin typeface="Univers Next Arabic" panose="020B0503030202020203" pitchFamily="34" charset="-78"/>
+              <a:cs typeface="Univers Next Arabic" panose="020B0503030202020203" pitchFamily="34" charset="-78"/>
+            </a:endParaRPr>
+          </a:p>
+          <a:p>
             <a:r>
               <a:rPr lang="en-US" sz="1600" dirty="0">
                 <a:solidFill>
-                  <a:srgbClr val="0474EF"/>
+                  <a:prstClr val="white">
+                    <a:lumMod val="50000"/>
+                  </a:prstClr>
                 </a:solidFill>
                 <a:latin typeface="Univers Next Arabic" panose="020B0503030202020203" pitchFamily="34" charset="-78"/>
                 <a:cs typeface="Univers Next Arabic" panose="020B0503030202020203" pitchFamily="34" charset="-78"/>
               </a:rPr>
-              <a:t>Team1: Bright Future</a:t>
+              <a:t> </a:t>
             </a:r>
           </a:p>
-        </p:txBody>
-      </p:sp>
-      <p:sp>
-        <p:nvSpPr>
-          <p:cNvPr id="9" name="Rectangle 8"/>
+          <a:p>
+            <a:endParaRPr lang="en-US" sz="1600" dirty="0">
+              <a:solidFill>
+                <a:prstClr val="white">
+                  <a:lumMod val="50000"/>
+                </a:prstClr>
+              </a:solidFill>
+              <a:latin typeface="Univers Next Arabic" panose="020B0503030202020203" pitchFamily="34" charset="-78"/>
+              <a:cs typeface="Univers Next Arabic" panose="020B0503030202020203" pitchFamily="34" charset="-78"/>
+            </a:endParaRPr>
+          </a:p>
+          <a:p>
+            <a:endParaRPr lang="en-US" sz="1600" dirty="0">
+              <a:solidFill>
+                <a:prstClr val="white">
+                  <a:lumMod val="50000"/>
+                </a:prstClr>
+              </a:solidFill>
+              <a:latin typeface="Univers Next Arabic" panose="020B0503030202020203" pitchFamily="34" charset="-78"/>
+              <a:cs typeface="Univers Next Arabic" panose="020B0503030202020203" pitchFamily="34" charset="-78"/>
+            </a:endParaRPr>
+          </a:p>
+        </p:txBody>
+      </p:sp>
+      <p:sp>
+        <p:nvSpPr>
+          <p:cNvPr id="23" name="Rectangle 22"/>
           <p:cNvSpPr/>
           <p:nvPr/>
         </p:nvSpPr>
         <p:spPr>
           <a:xfrm>
-            <a:off x="7595190" y="1226337"/>
-            <a:ext cx="2814083" cy="691116"/>
+            <a:off x="669819" y="1997613"/>
+            <a:ext cx="9752269" cy="2610843"/>
           </a:xfrm>
           <a:prstGeom prst="rect">
             <a:avLst/>
           </a:prstGeom>
-          <a:solidFill>
-            <a:srgbClr val="F1F2EA"/>
-          </a:solidFill>
-          <a:ln>
-            <a:noFill/>
-          </a:ln>
         </p:spPr>
-        <p:style>
-          <a:lnRef idx="2">
-            <a:schemeClr val="accent1">
-              <a:shade val="50000"/>
-            </a:schemeClr>
-          </a:lnRef>
-          <a:fillRef idx="1">
-            <a:schemeClr val="accent1"/>
-          </a:fillRef>
-          <a:effectRef idx="0">
-            <a:schemeClr val="accent1"/>
-          </a:effectRef>
-          <a:fontRef idx="minor">
-            <a:schemeClr val="lt1"/>
-          </a:fontRef>
-        </p:style>
-        <p:txBody>
-          <a:bodyPr rtlCol="0" anchor="ctr"/>
-          <a:lstStyle/>
-          <a:p>
-            <a:pPr algn="ctr"/>
-            <a:endParaRPr lang="en-US"/>
-          </a:p>
-        </p:txBody>
-      </p:sp>
-      <p:sp>
-        <p:nvSpPr>
-          <p:cNvPr id="6" name="TextBox 5">
+        <p:txBody>
+          <a:bodyPr wrap="square">
+            <a:spAutoFit/>
+          </a:bodyPr>
+          <a:lstStyle/>
+          <a:p>
+            <a:pPr fontAlgn="base">
+              <a:lnSpc>
+                <a:spcPct val="150000"/>
+              </a:lnSpc>
+            </a:pPr>
+            <a:r>
+              <a:rPr lang="en-US" sz="2800" b="1" dirty="0"/>
+              <a:t>DATABASE: </a:t>
+            </a:r>
+            <a:r>
+              <a:rPr lang="en-US" sz="2800" dirty="0"/>
+              <a:t>H-2</a:t>
+            </a:r>
+          </a:p>
+          <a:p>
+            <a:pPr fontAlgn="base">
+              <a:lnSpc>
+                <a:spcPct val="150000"/>
+              </a:lnSpc>
+            </a:pPr>
+            <a:r>
+              <a:rPr lang="en-US" sz="2800" b="1" dirty="0"/>
+              <a:t>OPERATING SYSTEM: </a:t>
+            </a:r>
+            <a:r>
+              <a:rPr lang="en-US" sz="2800" dirty="0"/>
+              <a:t>Windows 10, MAC X</a:t>
+            </a:r>
+          </a:p>
+          <a:p>
+            <a:pPr fontAlgn="base">
+              <a:lnSpc>
+                <a:spcPct val="150000"/>
+              </a:lnSpc>
+            </a:pPr>
+            <a:r>
+              <a:rPr lang="en-US" sz="2800" b="1" dirty="0"/>
+              <a:t>PROGRAMMING LANGUAGE: </a:t>
+            </a:r>
+            <a:r>
+              <a:rPr lang="en-US" sz="2800" dirty="0"/>
+              <a:t>Java Spring-boot, HTML, CSS, RESTful </a:t>
+            </a:r>
+            <a:r>
+              <a:rPr lang="en-US" sz="2800" dirty="0" err="1"/>
+              <a:t>Service&amp;SQL</a:t>
+            </a:r>
+            <a:r>
+              <a:rPr lang="en-US" sz="2800" dirty="0"/>
+              <a:t>.</a:t>
+            </a:r>
+          </a:p>
+        </p:txBody>
+      </p:sp>
+      <p:pic>
+        <p:nvPicPr>
+          <p:cNvPr id="3074" name="Picture 2">
             <a:extLst>
               <a:ext uri="{FF2B5EF4-FFF2-40B4-BE49-F238E27FC236}">
-                <a16:creationId xmlns:a16="http://schemas.microsoft.com/office/drawing/2014/main" id="{8DED911F-D17D-A345-8245-1C351F810BDC}"/>
-              </a:ext>
-            </a:extLst>
-          </p:cNvPr>
-          <p:cNvSpPr txBox="1"/>
-          <p:nvPr/>
-        </p:nvSpPr>
-        <p:spPr>
-          <a:xfrm>
-            <a:off x="365760" y="1524000"/>
-            <a:ext cx="564578" cy="369332"/>
-          </a:xfrm>
-          <a:prstGeom prst="rect">
-            <a:avLst/>
-          </a:prstGeom>
-          <a:noFill/>
-        </p:spPr>
-        <p:txBody>
-          <a:bodyPr wrap="none" rtlCol="0">
-            <a:spAutoFit/>
-          </a:bodyPr>
-          <a:lstStyle/>
-          <a:p>
-            <a:r>
-              <a:rPr lang="en-SA" dirty="0"/>
-              <a:t>TBD</a:t>
-            </a:r>
-          </a:p>
-        </p:txBody>
-      </p:sp>
-      <p:pic>
-        <p:nvPicPr>
-          <p:cNvPr id="8" name="Picture 7" descr="A picture containing drawing&#10;&#10;Description automatically generated">
-            <a:extLst>
-              <a:ext uri="{FF2B5EF4-FFF2-40B4-BE49-F238E27FC236}">
-                <a16:creationId xmlns:a16="http://schemas.microsoft.com/office/drawing/2014/main" id="{36692EE7-041E-9E48-84E6-0B1C516691F1}"/>
+                <a16:creationId xmlns:a16="http://schemas.microsoft.com/office/drawing/2014/main" id="{73244501-6F88-824B-864B-395598C1B9AC}"/>
               </a:ext>
             </a:extLst>
           </p:cNvPr>
           <p:cNvPicPr>
-            <a:picLocks noChangeAspect="1"/>
+            <a:picLocks noChangeAspect="1" noChangeArrowheads="1"/>
           </p:cNvPicPr>
           <p:nvPr/>
         </p:nvPicPr>
@@ -5895,24 +9284,35 @@
               </a:ext>
             </a:extLst>
           </a:blip>
+          <a:srcRect/>
           <a:stretch>
             <a:fillRect/>
           </a:stretch>
         </p:blipFill>
-        <p:spPr>
+        <p:spPr bwMode="auto">
           <a:xfrm>
-            <a:off x="10289048" y="-439296"/>
-            <a:ext cx="1905000" cy="1746332"/>
+            <a:off x="11004330" y="2003"/>
+            <a:ext cx="1187669" cy="1187669"/>
           </a:xfrm>
           <a:prstGeom prst="rect">
             <a:avLst/>
           </a:prstGeom>
+          <a:noFill/>
+          <a:extLst>
+            <a:ext uri="{909E8E84-426E-40DD-AFC4-6F175D3DCCD1}">
+              <a14:hiddenFill xmlns:a14="http://schemas.microsoft.com/office/drawing/2010/main">
+                <a:solidFill>
+                  <a:srgbClr val="FFFFFF"/>
+                </a:solidFill>
+              </a14:hiddenFill>
+            </a:ext>
+          </a:extLst>
         </p:spPr>
       </p:pic>
     </p:spTree>
     <p:extLst>
       <p:ext uri="{BB962C8B-B14F-4D97-AF65-F5344CB8AC3E}">
-        <p14:creationId xmlns:p14="http://schemas.microsoft.com/office/powerpoint/2010/main" val="336232906"/>
+        <p14:creationId xmlns:p14="http://schemas.microsoft.com/office/powerpoint/2010/main" val="2044107183"/>
       </p:ext>
     </p:extLst>
   </p:cSld>
@@ -5941,28 +9341,6 @@
       </p:grpSpPr>
       <p:sp>
         <p:nvSpPr>
-          <p:cNvPr id="2" name="Title 1"/>
-          <p:cNvSpPr>
-            <a:spLocks noGrp="1"/>
-          </p:cNvSpPr>
-          <p:nvPr>
-            <p:ph type="title"/>
-          </p:nvPr>
-        </p:nvSpPr>
-        <p:spPr/>
-        <p:txBody>
-          <a:bodyPr/>
-          <a:lstStyle/>
-          <a:p>
-            <a:r>
-              <a:rPr lang="en-US" dirty="0"/>
-              <a:t>In-Class Pictures</a:t>
-            </a:r>
-          </a:p>
-        </p:txBody>
-      </p:sp>
-      <p:sp>
-        <p:nvSpPr>
           <p:cNvPr id="3" name="Slide Number Placeholder 2"/>
           <p:cNvSpPr>
             <a:spLocks noGrp="1"/>
@@ -5984,103 +9362,181 @@
           </a:p>
         </p:txBody>
       </p:sp>
-      <p:sp>
-        <p:nvSpPr>
-          <p:cNvPr id="5" name="Rectangle 4"/>
+      <p:grpSp>
+        <p:nvGrpSpPr>
+          <p:cNvPr id="14" name="Group 13"/>
+          <p:cNvGrpSpPr/>
+          <p:nvPr/>
+        </p:nvGrpSpPr>
+        <p:grpSpPr>
+          <a:xfrm rot="10800000">
+            <a:off x="107355" y="431308"/>
+            <a:ext cx="4961510" cy="2500399"/>
+            <a:chOff x="1561062" y="2156251"/>
+            <a:chExt cx="7284958" cy="699612"/>
+          </a:xfrm>
+        </p:grpSpPr>
+        <p:sp>
+          <p:nvSpPr>
+            <p:cNvPr id="15" name="Rounded Rectangle 14"/>
+            <p:cNvSpPr/>
+            <p:nvPr/>
+          </p:nvSpPr>
+          <p:spPr bwMode="auto">
+            <a:xfrm rot="10800000" flipH="1">
+              <a:off x="1561062" y="2617916"/>
+              <a:ext cx="7284958" cy="237947"/>
+            </a:xfrm>
+            <a:prstGeom prst="roundRect">
+              <a:avLst>
+                <a:gd name="adj" fmla="val 10251"/>
+              </a:avLst>
+            </a:prstGeom>
+            <a:solidFill>
+              <a:schemeClr val="bg1"/>
+            </a:solidFill>
+            <a:ln w="12700">
+              <a:solidFill>
+                <a:srgbClr val="A29574"/>
+              </a:solidFill>
+            </a:ln>
+            <a:effectLst/>
+          </p:spPr>
+          <p:txBody>
+            <a:bodyPr rot="0" spcFirstLastPara="0" vertOverflow="overflow" horzOverflow="overflow" vert="horz" wrap="square" lIns="182880" tIns="45720" rIns="640080" bIns="45720" numCol="1" spcCol="0" rtlCol="0" fromWordArt="0" anchor="ctr" anchorCtr="0" forceAA="0" compatLnSpc="1">
+              <a:prstTxWarp prst="textNoShape">
+                <a:avLst/>
+              </a:prstTxWarp>
+              <a:noAutofit/>
+            </a:bodyPr>
+            <a:lstStyle/>
+            <a:p>
+              <a:r>
+                <a:rPr lang="en-US" sz="3200" dirty="0">
+                  <a:solidFill>
+                    <a:srgbClr val="0474EF"/>
+                  </a:solidFill>
+                  <a:cs typeface="Univers Next Arabic" panose="020B0503030202020203" pitchFamily="34" charset="-78"/>
+                </a:rPr>
+                <a:t>PROJECT ENVIRONMENT </a:t>
+              </a:r>
+            </a:p>
+          </p:txBody>
+        </p:sp>
+        <p:sp>
+          <p:nvSpPr>
+            <p:cNvPr id="16" name="Rectangle 15"/>
+            <p:cNvSpPr/>
+            <p:nvPr/>
+          </p:nvSpPr>
+          <p:spPr>
+            <a:xfrm flipH="1" flipV="1">
+              <a:off x="3640142" y="2156251"/>
+              <a:ext cx="4948159" cy="461665"/>
+            </a:xfrm>
+            <a:prstGeom prst="rect">
+              <a:avLst/>
+            </a:prstGeom>
+          </p:spPr>
+          <p:txBody>
+            <a:bodyPr wrap="square">
+              <a:spAutoFit/>
+            </a:bodyPr>
+            <a:lstStyle/>
+            <a:p>
+              <a:pPr marL="0" algn="l" defTabSz="914400" rtl="0" eaLnBrk="1" latinLnBrk="0" hangingPunct="1"/>
+              <a:endParaRPr lang="en-US" sz="2400" b="1" dirty="0">
+                <a:solidFill>
+                  <a:schemeClr val="bg1">
+                    <a:lumMod val="50000"/>
+                  </a:schemeClr>
+                </a:solidFill>
+                <a:latin typeface="MS UI Gothic" panose="020B0600070205080204" pitchFamily="34" charset="-128"/>
+                <a:ea typeface="MS UI Gothic" panose="020B0600070205080204" pitchFamily="34" charset="-128"/>
+                <a:cs typeface="Sakkal Majalla" panose="02000000000000000000"/>
+              </a:endParaRPr>
+            </a:p>
+          </p:txBody>
+        </p:sp>
+      </p:grpSp>
+      <p:sp>
+        <p:nvSpPr>
+          <p:cNvPr id="21" name="Rectangle 20"/>
           <p:cNvSpPr/>
           <p:nvPr/>
         </p:nvSpPr>
         <p:spPr>
           <a:xfrm>
-            <a:off x="4426688" y="581752"/>
-            <a:ext cx="2973571" cy="789847"/>
+            <a:off x="429421" y="2173342"/>
+            <a:ext cx="10705940" cy="1077218"/>
           </a:xfrm>
           <a:prstGeom prst="rect">
             <a:avLst/>
           </a:prstGeom>
-          <a:solidFill>
-            <a:srgbClr val="F1F2EA"/>
-          </a:solidFill>
-          <a:ln>
-            <a:noFill/>
-          </a:ln>
         </p:spPr>
-        <p:style>
-          <a:lnRef idx="2">
-            <a:schemeClr val="accent1">
-              <a:shade val="50000"/>
-            </a:schemeClr>
-          </a:lnRef>
-          <a:fillRef idx="1">
-            <a:schemeClr val="accent1"/>
-          </a:fillRef>
-          <a:effectRef idx="0">
-            <a:schemeClr val="accent1"/>
-          </a:effectRef>
-          <a:fontRef idx="minor">
-            <a:schemeClr val="lt1"/>
-          </a:fontRef>
-        </p:style>
-        <p:txBody>
-          <a:bodyPr rtlCol="0" anchor="ctr"/>
-          <a:lstStyle/>
-          <a:p>
-            <a:pPr algn="ctr"/>
-            <a:endParaRPr lang="en-US"/>
-          </a:p>
-        </p:txBody>
-      </p:sp>
-      <p:sp>
-        <p:nvSpPr>
-          <p:cNvPr id="6" name="Rectangle 5"/>
-          <p:cNvSpPr/>
-          <p:nvPr/>
-        </p:nvSpPr>
-        <p:spPr>
-          <a:xfrm>
-            <a:off x="173666" y="6037116"/>
-            <a:ext cx="1233376" cy="691116"/>
-          </a:xfrm>
-          <a:prstGeom prst="rect">
-            <a:avLst/>
-          </a:prstGeom>
-          <a:solidFill>
-            <a:srgbClr val="F1F2EA"/>
-          </a:solidFill>
-          <a:ln>
-            <a:noFill/>
-          </a:ln>
-        </p:spPr>
-        <p:style>
-          <a:lnRef idx="2">
-            <a:schemeClr val="accent1">
-              <a:shade val="50000"/>
-            </a:schemeClr>
-          </a:lnRef>
-          <a:fillRef idx="1">
-            <a:schemeClr val="accent1"/>
-          </a:fillRef>
-          <a:effectRef idx="0">
-            <a:schemeClr val="accent1"/>
-          </a:effectRef>
-          <a:fontRef idx="minor">
-            <a:schemeClr val="lt1"/>
-          </a:fontRef>
-        </p:style>
-        <p:txBody>
-          <a:bodyPr rtlCol="0" anchor="ctr"/>
-          <a:lstStyle/>
-          <a:p>
-            <a:pPr algn="ctr"/>
-            <a:endParaRPr lang="en-US"/>
+        <p:txBody>
+          <a:bodyPr wrap="square">
+            <a:spAutoFit/>
+          </a:bodyPr>
+          <a:lstStyle/>
+          <a:p>
+            <a:endParaRPr lang="en-US" sz="1600" dirty="0">
+              <a:solidFill>
+                <a:srgbClr val="0474EF"/>
+              </a:solidFill>
+              <a:latin typeface="Univers Next Arabic" panose="020B0503030202020203" pitchFamily="34" charset="-78"/>
+              <a:cs typeface="Univers Next Arabic" panose="020B0503030202020203" pitchFamily="34" charset="-78"/>
+            </a:endParaRPr>
+          </a:p>
+          <a:p>
+            <a:r>
+              <a:rPr lang="en-US" sz="1600" dirty="0">
+                <a:solidFill>
+                  <a:prstClr val="white">
+                    <a:lumMod val="50000"/>
+                  </a:prstClr>
+                </a:solidFill>
+                <a:latin typeface="Univers Next Arabic" panose="020B0503030202020203" pitchFamily="34" charset="-78"/>
+                <a:cs typeface="Univers Next Arabic" panose="020B0503030202020203" pitchFamily="34" charset="-78"/>
+              </a:rPr>
+              <a:t> </a:t>
+            </a:r>
+          </a:p>
+          <a:p>
+            <a:endParaRPr lang="en-US" sz="1600" dirty="0">
+              <a:solidFill>
+                <a:prstClr val="white">
+                  <a:lumMod val="50000"/>
+                </a:prstClr>
+              </a:solidFill>
+              <a:latin typeface="Univers Next Arabic" panose="020B0503030202020203" pitchFamily="34" charset="-78"/>
+              <a:cs typeface="Univers Next Arabic" panose="020B0503030202020203" pitchFamily="34" charset="-78"/>
+            </a:endParaRPr>
+          </a:p>
+          <a:p>
+            <a:endParaRPr lang="en-US" sz="1600" dirty="0">
+              <a:solidFill>
+                <a:prstClr val="white">
+                  <a:lumMod val="50000"/>
+                </a:prstClr>
+              </a:solidFill>
+              <a:latin typeface="Univers Next Arabic" panose="020B0503030202020203" pitchFamily="34" charset="-78"/>
+              <a:cs typeface="Univers Next Arabic" panose="020B0503030202020203" pitchFamily="34" charset="-78"/>
+            </a:endParaRPr>
           </a:p>
         </p:txBody>
       </p:sp>
       <p:pic>
         <p:nvPicPr>
-          <p:cNvPr id="8" name="Picture 7"/>
+          <p:cNvPr id="3074" name="Picture 2">
+            <a:extLst>
+              <a:ext uri="{FF2B5EF4-FFF2-40B4-BE49-F238E27FC236}">
+                <a16:creationId xmlns:a16="http://schemas.microsoft.com/office/drawing/2014/main" id="{73244501-6F88-824B-864B-395598C1B9AC}"/>
+              </a:ext>
+            </a:extLst>
+          </p:cNvPr>
           <p:cNvPicPr>
-            <a:picLocks noChangeAspect="1"/>
+            <a:picLocks noChangeAspect="1" noChangeArrowheads="1"/>
           </p:cNvPicPr>
           <p:nvPr/>
         </p:nvPicPr>
@@ -6092,66 +9548,42 @@
               </a:ext>
             </a:extLst>
           </a:blip>
+          <a:srcRect/>
           <a:stretch>
             <a:fillRect/>
           </a:stretch>
         </p:blipFill>
-        <p:spPr>
+        <p:spPr bwMode="auto">
           <a:xfrm>
-            <a:off x="379602" y="5892185"/>
-            <a:ext cx="1300338" cy="654985"/>
-          </a:xfrm>
-          <a:prstGeom prst="rect">
-            <a:avLst/>
-          </a:prstGeom>
-        </p:spPr>
-      </p:pic>
-      <p:sp>
-        <p:nvSpPr>
-          <p:cNvPr id="9" name="TextBox 8">
-            <a:extLst>
-              <a:ext uri="{FF2B5EF4-FFF2-40B4-BE49-F238E27FC236}">
-                <a16:creationId xmlns:a16="http://schemas.microsoft.com/office/drawing/2014/main" id="{73C5630F-2ED2-304C-8A18-B8CB909472AA}"/>
-              </a:ext>
-            </a:extLst>
-          </p:cNvPr>
-          <p:cNvSpPr txBox="1"/>
-          <p:nvPr/>
-        </p:nvSpPr>
-        <p:spPr>
-          <a:xfrm>
-            <a:off x="365760" y="1524000"/>
-            <a:ext cx="564578" cy="369332"/>
+            <a:off x="11004330" y="2003"/>
+            <a:ext cx="1187669" cy="1187669"/>
           </a:xfrm>
           <a:prstGeom prst="rect">
             <a:avLst/>
           </a:prstGeom>
           <a:noFill/>
+          <a:extLst>
+            <a:ext uri="{909E8E84-426E-40DD-AFC4-6F175D3DCCD1}">
+              <a14:hiddenFill xmlns:a14="http://schemas.microsoft.com/office/drawing/2010/main">
+                <a:solidFill>
+                  <a:srgbClr val="FFFFFF"/>
+                </a:solidFill>
+              </a14:hiddenFill>
+            </a:ext>
+          </a:extLst>
         </p:spPr>
-        <p:txBody>
-          <a:bodyPr wrap="none" rtlCol="0">
-            <a:spAutoFit/>
-          </a:bodyPr>
-          <a:lstStyle/>
-          <a:p>
-            <a:r>
-              <a:rPr lang="en-SA" dirty="0"/>
-              <a:t>TBD</a:t>
-            </a:r>
-          </a:p>
-        </p:txBody>
-      </p:sp>
+      </p:pic>
       <p:pic>
         <p:nvPicPr>
-          <p:cNvPr id="10" name="Picture 9" descr="A picture containing drawing&#10;&#10;Description automatically generated">
+          <p:cNvPr id="6146" name="Picture 2">
             <a:extLst>
               <a:ext uri="{FF2B5EF4-FFF2-40B4-BE49-F238E27FC236}">
-                <a16:creationId xmlns:a16="http://schemas.microsoft.com/office/drawing/2014/main" id="{6047891D-FEC8-2449-97CA-42D9BB05BEF7}"/>
+                <a16:creationId xmlns:a16="http://schemas.microsoft.com/office/drawing/2014/main" id="{AA3EA95B-697C-E046-9B5C-7A98E247682D}"/>
               </a:ext>
             </a:extLst>
           </p:cNvPr>
           <p:cNvPicPr>
-            <a:picLocks noChangeAspect="1"/>
+            <a:picLocks noChangeAspect="1" noChangeArrowheads="1"/>
           </p:cNvPicPr>
           <p:nvPr/>
         </p:nvPicPr>
@@ -6163,24 +9595,35 @@
               </a:ext>
             </a:extLst>
           </a:blip>
+          <a:srcRect/>
           <a:stretch>
             <a:fillRect/>
           </a:stretch>
         </p:blipFill>
-        <p:spPr>
+        <p:spPr bwMode="auto">
           <a:xfrm>
-            <a:off x="10289048" y="-439296"/>
-            <a:ext cx="1905000" cy="1746332"/>
+            <a:off x="5176220" y="0"/>
+            <a:ext cx="5613400" cy="6858000"/>
           </a:xfrm>
           <a:prstGeom prst="rect">
             <a:avLst/>
           </a:prstGeom>
+          <a:noFill/>
+          <a:extLst>
+            <a:ext uri="{909E8E84-426E-40DD-AFC4-6F175D3DCCD1}">
+              <a14:hiddenFill xmlns:a14="http://schemas.microsoft.com/office/drawing/2010/main">
+                <a:solidFill>
+                  <a:srgbClr val="FFFFFF"/>
+                </a:solidFill>
+              </a14:hiddenFill>
+            </a:ext>
+          </a:extLst>
         </p:spPr>
       </p:pic>
     </p:spTree>
     <p:extLst>
       <p:ext uri="{BB962C8B-B14F-4D97-AF65-F5344CB8AC3E}">
-        <p14:creationId xmlns:p14="http://schemas.microsoft.com/office/powerpoint/2010/main" val="2241820871"/>
+        <p14:creationId xmlns:p14="http://schemas.microsoft.com/office/powerpoint/2010/main" val="1838763509"/>
       </p:ext>
     </p:extLst>
   </p:cSld>
@@ -6209,28 +9652,6 @@
       </p:grpSpPr>
       <p:sp>
         <p:nvSpPr>
-          <p:cNvPr id="2" name="Title 1"/>
-          <p:cNvSpPr>
-            <a:spLocks noGrp="1"/>
-          </p:cNvSpPr>
-          <p:nvPr>
-            <p:ph type="title"/>
-          </p:nvPr>
-        </p:nvSpPr>
-        <p:spPr/>
-        <p:txBody>
-          <a:bodyPr/>
-          <a:lstStyle/>
-          <a:p>
-            <a:r>
-              <a:rPr lang="en-US" dirty="0"/>
-              <a:t>Assignments</a:t>
-            </a:r>
-          </a:p>
-        </p:txBody>
-      </p:sp>
-      <p:sp>
-        <p:nvSpPr>
           <p:cNvPr id="3" name="Slide Number Placeholder 2"/>
           <p:cNvSpPr>
             <a:spLocks noGrp="1"/>
@@ -6252,103 +9673,181 @@
           </a:p>
         </p:txBody>
       </p:sp>
-      <p:sp>
-        <p:nvSpPr>
-          <p:cNvPr id="5" name="Rectangle 4"/>
+      <p:grpSp>
+        <p:nvGrpSpPr>
+          <p:cNvPr id="14" name="Group 13"/>
+          <p:cNvGrpSpPr/>
+          <p:nvPr/>
+        </p:nvGrpSpPr>
+        <p:grpSpPr>
+          <a:xfrm rot="10800000">
+            <a:off x="429418" y="411016"/>
+            <a:ext cx="10101945" cy="862144"/>
+            <a:chOff x="3452437" y="1965113"/>
+            <a:chExt cx="5393583" cy="890750"/>
+          </a:xfrm>
+        </p:grpSpPr>
+        <p:sp>
+          <p:nvSpPr>
+            <p:cNvPr id="15" name="Rounded Rectangle 14"/>
+            <p:cNvSpPr/>
+            <p:nvPr/>
+          </p:nvSpPr>
+          <p:spPr bwMode="auto">
+            <a:xfrm rot="10800000" flipH="1">
+              <a:off x="3452437" y="1965113"/>
+              <a:ext cx="5393583" cy="890750"/>
+            </a:xfrm>
+            <a:prstGeom prst="roundRect">
+              <a:avLst>
+                <a:gd name="adj" fmla="val 10251"/>
+              </a:avLst>
+            </a:prstGeom>
+            <a:solidFill>
+              <a:schemeClr val="bg1"/>
+            </a:solidFill>
+            <a:ln w="12700">
+              <a:solidFill>
+                <a:srgbClr val="A29574"/>
+              </a:solidFill>
+            </a:ln>
+            <a:effectLst/>
+          </p:spPr>
+          <p:txBody>
+            <a:bodyPr rot="0" spcFirstLastPara="0" vertOverflow="overflow" horzOverflow="overflow" vert="horz" wrap="square" lIns="182880" tIns="45720" rIns="640080" bIns="45720" numCol="1" spcCol="0" rtlCol="0" fromWordArt="0" anchor="ctr" anchorCtr="0" forceAA="0" compatLnSpc="1">
+              <a:prstTxWarp prst="textNoShape">
+                <a:avLst/>
+              </a:prstTxWarp>
+              <a:noAutofit/>
+            </a:bodyPr>
+            <a:lstStyle/>
+            <a:p>
+              <a:r>
+                <a:rPr lang="en-US" sz="3200" dirty="0">
+                  <a:solidFill>
+                    <a:srgbClr val="0474EF"/>
+                  </a:solidFill>
+                  <a:cs typeface="Univers Next Arabic" panose="020B0503030202020203" pitchFamily="34" charset="-78"/>
+                </a:rPr>
+                <a:t>EMS FEATURES</a:t>
+              </a:r>
+            </a:p>
+          </p:txBody>
+        </p:sp>
+        <p:sp>
+          <p:nvSpPr>
+            <p:cNvPr id="16" name="Rectangle 15"/>
+            <p:cNvSpPr/>
+            <p:nvPr/>
+          </p:nvSpPr>
+          <p:spPr>
+            <a:xfrm flipH="1" flipV="1">
+              <a:off x="3640142" y="2156251"/>
+              <a:ext cx="4948159" cy="461665"/>
+            </a:xfrm>
+            <a:prstGeom prst="rect">
+              <a:avLst/>
+            </a:prstGeom>
+          </p:spPr>
+          <p:txBody>
+            <a:bodyPr wrap="square">
+              <a:spAutoFit/>
+            </a:bodyPr>
+            <a:lstStyle/>
+            <a:p>
+              <a:pPr marL="0" algn="l" defTabSz="914400" rtl="0" eaLnBrk="1" latinLnBrk="0" hangingPunct="1"/>
+              <a:endParaRPr lang="en-US" sz="2400" b="1" dirty="0">
+                <a:solidFill>
+                  <a:schemeClr val="bg1">
+                    <a:lumMod val="50000"/>
+                  </a:schemeClr>
+                </a:solidFill>
+                <a:latin typeface="MS UI Gothic" panose="020B0600070205080204" pitchFamily="34" charset="-128"/>
+                <a:ea typeface="MS UI Gothic" panose="020B0600070205080204" pitchFamily="34" charset="-128"/>
+                <a:cs typeface="Sakkal Majalla" panose="02000000000000000000"/>
+              </a:endParaRPr>
+            </a:p>
+          </p:txBody>
+        </p:sp>
+      </p:grpSp>
+      <p:sp>
+        <p:nvSpPr>
+          <p:cNvPr id="21" name="Rectangle 20"/>
           <p:cNvSpPr/>
           <p:nvPr/>
         </p:nvSpPr>
         <p:spPr>
           <a:xfrm>
-            <a:off x="4426688" y="581752"/>
-            <a:ext cx="2973571" cy="789847"/>
+            <a:off x="429421" y="2173342"/>
+            <a:ext cx="10705940" cy="1077218"/>
           </a:xfrm>
           <a:prstGeom prst="rect">
             <a:avLst/>
           </a:prstGeom>
-          <a:solidFill>
-            <a:srgbClr val="F1F2EA"/>
-          </a:solidFill>
-          <a:ln>
-            <a:noFill/>
-          </a:ln>
         </p:spPr>
-        <p:style>
-          <a:lnRef idx="2">
-            <a:schemeClr val="accent1">
-              <a:shade val="50000"/>
-            </a:schemeClr>
-          </a:lnRef>
-          <a:fillRef idx="1">
-            <a:schemeClr val="accent1"/>
-          </a:fillRef>
-          <a:effectRef idx="0">
-            <a:schemeClr val="accent1"/>
-          </a:effectRef>
-          <a:fontRef idx="minor">
-            <a:schemeClr val="lt1"/>
-          </a:fontRef>
-        </p:style>
-        <p:txBody>
-          <a:bodyPr rtlCol="0" anchor="ctr"/>
-          <a:lstStyle/>
-          <a:p>
-            <a:pPr algn="ctr"/>
-            <a:endParaRPr lang="en-US"/>
-          </a:p>
-        </p:txBody>
-      </p:sp>
-      <p:sp>
-        <p:nvSpPr>
-          <p:cNvPr id="6" name="Rectangle 5"/>
-          <p:cNvSpPr/>
-          <p:nvPr/>
-        </p:nvSpPr>
-        <p:spPr>
-          <a:xfrm>
-            <a:off x="173666" y="6037116"/>
-            <a:ext cx="1233376" cy="691116"/>
-          </a:xfrm>
-          <a:prstGeom prst="rect">
-            <a:avLst/>
-          </a:prstGeom>
-          <a:solidFill>
-            <a:srgbClr val="F1F2EA"/>
-          </a:solidFill>
-          <a:ln>
-            <a:noFill/>
-          </a:ln>
-        </p:spPr>
-        <p:style>
-          <a:lnRef idx="2">
-            <a:schemeClr val="accent1">
-              <a:shade val="50000"/>
-            </a:schemeClr>
-          </a:lnRef>
-          <a:fillRef idx="1">
-            <a:schemeClr val="accent1"/>
-          </a:fillRef>
-          <a:effectRef idx="0">
-            <a:schemeClr val="accent1"/>
-          </a:effectRef>
-          <a:fontRef idx="minor">
-            <a:schemeClr val="lt1"/>
-          </a:fontRef>
-        </p:style>
-        <p:txBody>
-          <a:bodyPr rtlCol="0" anchor="ctr"/>
-          <a:lstStyle/>
-          <a:p>
-            <a:pPr algn="ctr"/>
-            <a:endParaRPr lang="en-US"/>
+        <p:txBody>
+          <a:bodyPr wrap="square">
+            <a:spAutoFit/>
+          </a:bodyPr>
+          <a:lstStyle/>
+          <a:p>
+            <a:endParaRPr lang="en-US" sz="1600" dirty="0">
+              <a:solidFill>
+                <a:srgbClr val="0474EF"/>
+              </a:solidFill>
+              <a:latin typeface="Univers Next Arabic" panose="020B0503030202020203" pitchFamily="34" charset="-78"/>
+              <a:cs typeface="Univers Next Arabic" panose="020B0503030202020203" pitchFamily="34" charset="-78"/>
+            </a:endParaRPr>
+          </a:p>
+          <a:p>
+            <a:r>
+              <a:rPr lang="en-US" sz="1600" dirty="0">
+                <a:solidFill>
+                  <a:prstClr val="white">
+                    <a:lumMod val="50000"/>
+                  </a:prstClr>
+                </a:solidFill>
+                <a:latin typeface="Univers Next Arabic" panose="020B0503030202020203" pitchFamily="34" charset="-78"/>
+                <a:cs typeface="Univers Next Arabic" panose="020B0503030202020203" pitchFamily="34" charset="-78"/>
+              </a:rPr>
+              <a:t> </a:t>
+            </a:r>
+          </a:p>
+          <a:p>
+            <a:endParaRPr lang="en-US" sz="1600" dirty="0">
+              <a:solidFill>
+                <a:prstClr val="white">
+                  <a:lumMod val="50000"/>
+                </a:prstClr>
+              </a:solidFill>
+              <a:latin typeface="Univers Next Arabic" panose="020B0503030202020203" pitchFamily="34" charset="-78"/>
+              <a:cs typeface="Univers Next Arabic" panose="020B0503030202020203" pitchFamily="34" charset="-78"/>
+            </a:endParaRPr>
+          </a:p>
+          <a:p>
+            <a:endParaRPr lang="en-US" sz="1600" dirty="0">
+              <a:solidFill>
+                <a:prstClr val="white">
+                  <a:lumMod val="50000"/>
+                </a:prstClr>
+              </a:solidFill>
+              <a:latin typeface="Univers Next Arabic" panose="020B0503030202020203" pitchFamily="34" charset="-78"/>
+              <a:cs typeface="Univers Next Arabic" panose="020B0503030202020203" pitchFamily="34" charset="-78"/>
+            </a:endParaRPr>
           </a:p>
         </p:txBody>
       </p:sp>
       <p:pic>
         <p:nvPicPr>
-          <p:cNvPr id="8" name="Picture 7"/>
+          <p:cNvPr id="3074" name="Picture 2">
+            <a:extLst>
+              <a:ext uri="{FF2B5EF4-FFF2-40B4-BE49-F238E27FC236}">
+                <a16:creationId xmlns:a16="http://schemas.microsoft.com/office/drawing/2014/main" id="{73244501-6F88-824B-864B-395598C1B9AC}"/>
+              </a:ext>
+            </a:extLst>
+          </p:cNvPr>
           <p:cNvPicPr>
-            <a:picLocks noChangeAspect="1"/>
+            <a:picLocks noChangeAspect="1" noChangeArrowheads="1"/>
           </p:cNvPicPr>
           <p:nvPr/>
         </p:nvPicPr>
@@ -6360,66 +9859,42 @@
               </a:ext>
             </a:extLst>
           </a:blip>
+          <a:srcRect/>
           <a:stretch>
             <a:fillRect/>
           </a:stretch>
         </p:blipFill>
-        <p:spPr>
+        <p:spPr bwMode="auto">
           <a:xfrm>
-            <a:off x="379602" y="5892185"/>
-            <a:ext cx="1300338" cy="654985"/>
-          </a:xfrm>
-          <a:prstGeom prst="rect">
-            <a:avLst/>
-          </a:prstGeom>
-        </p:spPr>
-      </p:pic>
-      <p:sp>
-        <p:nvSpPr>
-          <p:cNvPr id="9" name="TextBox 8">
-            <a:extLst>
-              <a:ext uri="{FF2B5EF4-FFF2-40B4-BE49-F238E27FC236}">
-                <a16:creationId xmlns:a16="http://schemas.microsoft.com/office/drawing/2014/main" id="{B8D41DFB-B0BF-DA44-ADC1-3775317B9C90}"/>
-              </a:ext>
-            </a:extLst>
-          </p:cNvPr>
-          <p:cNvSpPr txBox="1"/>
-          <p:nvPr/>
-        </p:nvSpPr>
-        <p:spPr>
-          <a:xfrm>
-            <a:off x="508065" y="1559477"/>
-            <a:ext cx="564578" cy="369332"/>
+            <a:off x="11004330" y="2003"/>
+            <a:ext cx="1187669" cy="1187669"/>
           </a:xfrm>
           <a:prstGeom prst="rect">
             <a:avLst/>
           </a:prstGeom>
           <a:noFill/>
+          <a:extLst>
+            <a:ext uri="{909E8E84-426E-40DD-AFC4-6F175D3DCCD1}">
+              <a14:hiddenFill xmlns:a14="http://schemas.microsoft.com/office/drawing/2010/main">
+                <a:solidFill>
+                  <a:srgbClr val="FFFFFF"/>
+                </a:solidFill>
+              </a14:hiddenFill>
+            </a:ext>
+          </a:extLst>
         </p:spPr>
-        <p:txBody>
-          <a:bodyPr wrap="none" rtlCol="0">
-            <a:spAutoFit/>
-          </a:bodyPr>
-          <a:lstStyle/>
-          <a:p>
-            <a:r>
-              <a:rPr lang="en-SA" dirty="0"/>
-              <a:t>TBD</a:t>
-            </a:r>
-          </a:p>
-        </p:txBody>
-      </p:sp>
+      </p:pic>
       <p:pic>
         <p:nvPicPr>
-          <p:cNvPr id="10" name="Picture 9" descr="A picture containing drawing&#10;&#10;Description automatically generated">
+          <p:cNvPr id="7170" name="Picture 2">
             <a:extLst>
               <a:ext uri="{FF2B5EF4-FFF2-40B4-BE49-F238E27FC236}">
-                <a16:creationId xmlns:a16="http://schemas.microsoft.com/office/drawing/2014/main" id="{1C1BC5E8-90F0-764A-866F-88955A696613}"/>
+                <a16:creationId xmlns:a16="http://schemas.microsoft.com/office/drawing/2014/main" id="{C2B2BB5E-4F97-3848-8EDE-CB2BDC5A0215}"/>
               </a:ext>
             </a:extLst>
           </p:cNvPr>
           <p:cNvPicPr>
-            <a:picLocks noChangeAspect="1"/>
+            <a:picLocks noChangeAspect="1" noChangeArrowheads="1"/>
           </p:cNvPicPr>
           <p:nvPr/>
         </p:nvPicPr>
@@ -6431,24 +9906,1137 @@
               </a:ext>
             </a:extLst>
           </a:blip>
+          <a:srcRect/>
           <a:stretch>
             <a:fillRect/>
           </a:stretch>
         </p:blipFill>
+        <p:spPr bwMode="auto">
+          <a:xfrm>
+            <a:off x="1837648" y="1718220"/>
+            <a:ext cx="1077219" cy="1077219"/>
+          </a:xfrm>
+          <a:prstGeom prst="rect">
+            <a:avLst/>
+          </a:prstGeom>
+          <a:noFill/>
+          <a:extLst>
+            <a:ext uri="{909E8E84-426E-40DD-AFC4-6F175D3DCCD1}">
+              <a14:hiddenFill xmlns:a14="http://schemas.microsoft.com/office/drawing/2010/main">
+                <a:solidFill>
+                  <a:srgbClr val="FFFFFF"/>
+                </a:solidFill>
+              </a14:hiddenFill>
+            </a:ext>
+          </a:extLst>
+        </p:spPr>
+      </p:pic>
+      <p:pic>
+        <p:nvPicPr>
+          <p:cNvPr id="7172" name="Picture 4">
+            <a:extLst>
+              <a:ext uri="{FF2B5EF4-FFF2-40B4-BE49-F238E27FC236}">
+                <a16:creationId xmlns:a16="http://schemas.microsoft.com/office/drawing/2014/main" id="{1B396279-3AD9-F54A-9FCC-1920DB8C05AA}"/>
+              </a:ext>
+            </a:extLst>
+          </p:cNvPr>
+          <p:cNvPicPr>
+            <a:picLocks noChangeAspect="1" noChangeArrowheads="1"/>
+          </p:cNvPicPr>
+          <p:nvPr/>
+        </p:nvPicPr>
+        <p:blipFill>
+          <a:blip r:embed="rId5">
+            <a:extLst>
+              <a:ext uri="{28A0092B-C50C-407E-A947-70E740481C1C}">
+                <a14:useLocalDpi xmlns:a14="http://schemas.microsoft.com/office/drawing/2010/main" val="0"/>
+              </a:ext>
+            </a:extLst>
+          </a:blip>
+          <a:srcRect/>
+          <a:stretch>
+            <a:fillRect/>
+          </a:stretch>
+        </p:blipFill>
+        <p:spPr bwMode="auto">
+          <a:xfrm>
+            <a:off x="4614262" y="1830395"/>
+            <a:ext cx="1077219" cy="1077219"/>
+          </a:xfrm>
+          <a:prstGeom prst="rect">
+            <a:avLst/>
+          </a:prstGeom>
+          <a:noFill/>
+          <a:extLst>
+            <a:ext uri="{909E8E84-426E-40DD-AFC4-6F175D3DCCD1}">
+              <a14:hiddenFill xmlns:a14="http://schemas.microsoft.com/office/drawing/2010/main">
+                <a:solidFill>
+                  <a:srgbClr val="FFFFFF"/>
+                </a:solidFill>
+              </a14:hiddenFill>
+            </a:ext>
+          </a:extLst>
+        </p:spPr>
+      </p:pic>
+      <p:pic>
+        <p:nvPicPr>
+          <p:cNvPr id="7174" name="Picture 6">
+            <a:extLst>
+              <a:ext uri="{FF2B5EF4-FFF2-40B4-BE49-F238E27FC236}">
+                <a16:creationId xmlns:a16="http://schemas.microsoft.com/office/drawing/2014/main" id="{E6F144EE-988E-3E40-92FB-C3E222E57EBB}"/>
+              </a:ext>
+            </a:extLst>
+          </p:cNvPr>
+          <p:cNvPicPr>
+            <a:picLocks noChangeAspect="1" noChangeArrowheads="1"/>
+          </p:cNvPicPr>
+          <p:nvPr/>
+        </p:nvPicPr>
+        <p:blipFill>
+          <a:blip r:embed="rId6">
+            <a:extLst>
+              <a:ext uri="{28A0092B-C50C-407E-A947-70E740481C1C}">
+                <a14:useLocalDpi xmlns:a14="http://schemas.microsoft.com/office/drawing/2010/main" val="0"/>
+              </a:ext>
+            </a:extLst>
+          </a:blip>
+          <a:srcRect/>
+          <a:stretch>
+            <a:fillRect/>
+          </a:stretch>
+        </p:blipFill>
+        <p:spPr bwMode="auto">
+          <a:xfrm>
+            <a:off x="7390876" y="1783242"/>
+            <a:ext cx="1232862" cy="1232862"/>
+          </a:xfrm>
+          <a:prstGeom prst="rect">
+            <a:avLst/>
+          </a:prstGeom>
+          <a:noFill/>
+          <a:extLst>
+            <a:ext uri="{909E8E84-426E-40DD-AFC4-6F175D3DCCD1}">
+              <a14:hiddenFill xmlns:a14="http://schemas.microsoft.com/office/drawing/2010/main">
+                <a:solidFill>
+                  <a:srgbClr val="FFFFFF"/>
+                </a:solidFill>
+              </a14:hiddenFill>
+            </a:ext>
+          </a:extLst>
+        </p:spPr>
+      </p:pic>
+      <p:pic>
+        <p:nvPicPr>
+          <p:cNvPr id="7176" name="Picture 8">
+            <a:extLst>
+              <a:ext uri="{FF2B5EF4-FFF2-40B4-BE49-F238E27FC236}">
+                <a16:creationId xmlns:a16="http://schemas.microsoft.com/office/drawing/2014/main" id="{8DE3BDDF-613E-634A-B89F-47242389695B}"/>
+              </a:ext>
+            </a:extLst>
+          </p:cNvPr>
+          <p:cNvPicPr>
+            <a:picLocks noChangeAspect="1" noChangeArrowheads="1"/>
+          </p:cNvPicPr>
+          <p:nvPr/>
+        </p:nvPicPr>
+        <p:blipFill>
+          <a:blip r:embed="rId7">
+            <a:extLst>
+              <a:ext uri="{28A0092B-C50C-407E-A947-70E740481C1C}">
+                <a14:useLocalDpi xmlns:a14="http://schemas.microsoft.com/office/drawing/2010/main" val="0"/>
+              </a:ext>
+            </a:extLst>
+          </a:blip>
+          <a:srcRect/>
+          <a:stretch>
+            <a:fillRect/>
+          </a:stretch>
+        </p:blipFill>
+        <p:spPr bwMode="auto">
+          <a:xfrm>
+            <a:off x="3197836" y="3918919"/>
+            <a:ext cx="1011872" cy="1011872"/>
+          </a:xfrm>
+          <a:prstGeom prst="rect">
+            <a:avLst/>
+          </a:prstGeom>
+          <a:noFill/>
+          <a:extLst>
+            <a:ext uri="{909E8E84-426E-40DD-AFC4-6F175D3DCCD1}">
+              <a14:hiddenFill xmlns:a14="http://schemas.microsoft.com/office/drawing/2010/main">
+                <a:solidFill>
+                  <a:srgbClr val="FFFFFF"/>
+                </a:solidFill>
+              </a14:hiddenFill>
+            </a:ext>
+          </a:extLst>
+        </p:spPr>
+      </p:pic>
+      <p:pic>
+        <p:nvPicPr>
+          <p:cNvPr id="7178" name="Picture 10">
+            <a:extLst>
+              <a:ext uri="{FF2B5EF4-FFF2-40B4-BE49-F238E27FC236}">
+                <a16:creationId xmlns:a16="http://schemas.microsoft.com/office/drawing/2014/main" id="{291126F0-FC0F-704A-AC76-0C11F2C7F3FA}"/>
+              </a:ext>
+            </a:extLst>
+          </p:cNvPr>
+          <p:cNvPicPr>
+            <a:picLocks noChangeAspect="1" noChangeArrowheads="1"/>
+          </p:cNvPicPr>
+          <p:nvPr/>
+        </p:nvPicPr>
+        <p:blipFill>
+          <a:blip r:embed="rId8">
+            <a:extLst>
+              <a:ext uri="{28A0092B-C50C-407E-A947-70E740481C1C}">
+                <a14:useLocalDpi xmlns:a14="http://schemas.microsoft.com/office/drawing/2010/main" val="0"/>
+              </a:ext>
+            </a:extLst>
+          </a:blip>
+          <a:srcRect/>
+          <a:stretch>
+            <a:fillRect/>
+          </a:stretch>
+        </p:blipFill>
+        <p:spPr bwMode="auto">
+          <a:xfrm>
+            <a:off x="6179753" y="3794822"/>
+            <a:ext cx="1011872" cy="1135969"/>
+          </a:xfrm>
+          <a:prstGeom prst="rect">
+            <a:avLst/>
+          </a:prstGeom>
+          <a:noFill/>
+          <a:extLst>
+            <a:ext uri="{909E8E84-426E-40DD-AFC4-6F175D3DCCD1}">
+              <a14:hiddenFill xmlns:a14="http://schemas.microsoft.com/office/drawing/2010/main">
+                <a:solidFill>
+                  <a:srgbClr val="FFFFFF"/>
+                </a:solidFill>
+              </a14:hiddenFill>
+            </a:ext>
+          </a:extLst>
+        </p:spPr>
+      </p:pic>
+      <p:sp>
+        <p:nvSpPr>
+          <p:cNvPr id="2" name="Rectangle 1">
+            <a:extLst>
+              <a:ext uri="{FF2B5EF4-FFF2-40B4-BE49-F238E27FC236}">
+                <a16:creationId xmlns:a16="http://schemas.microsoft.com/office/drawing/2014/main" id="{A17BA6E0-6DB3-AD4A-B30A-FB88315B0220}"/>
+              </a:ext>
+            </a:extLst>
+          </p:cNvPr>
+          <p:cNvSpPr/>
+          <p:nvPr/>
+        </p:nvSpPr>
         <p:spPr>
           <a:xfrm>
-            <a:off x="10289048" y="-439296"/>
-            <a:ext cx="1905000" cy="1746332"/>
+            <a:off x="1516879" y="2865604"/>
+            <a:ext cx="1718756" cy="954107"/>
           </a:xfrm>
           <a:prstGeom prst="rect">
             <a:avLst/>
           </a:prstGeom>
         </p:spPr>
+        <p:txBody>
+          <a:bodyPr wrap="square">
+            <a:spAutoFit/>
+          </a:bodyPr>
+          <a:lstStyle/>
+          <a:p>
+            <a:pPr algn="ctr"/>
+            <a:r>
+              <a:rPr lang="en-US" sz="2800" dirty="0"/>
+              <a:t>Add Employee</a:t>
+            </a:r>
+          </a:p>
+        </p:txBody>
+      </p:sp>
+      <p:sp>
+        <p:nvSpPr>
+          <p:cNvPr id="22" name="Rectangle 21">
+            <a:extLst>
+              <a:ext uri="{FF2B5EF4-FFF2-40B4-BE49-F238E27FC236}">
+                <a16:creationId xmlns:a16="http://schemas.microsoft.com/office/drawing/2014/main" id="{55F4BAA5-100A-3349-B779-9853D4B92650}"/>
+              </a:ext>
+            </a:extLst>
+          </p:cNvPr>
+          <p:cNvSpPr/>
+          <p:nvPr/>
+        </p:nvSpPr>
+        <p:spPr>
+          <a:xfrm>
+            <a:off x="5826311" y="4930790"/>
+            <a:ext cx="1718756" cy="954107"/>
+          </a:xfrm>
+          <a:prstGeom prst="rect">
+            <a:avLst/>
+          </a:prstGeom>
+        </p:spPr>
+        <p:txBody>
+          <a:bodyPr wrap="square">
+            <a:spAutoFit/>
+          </a:bodyPr>
+          <a:lstStyle/>
+          <a:p>
+            <a:pPr algn="ctr"/>
+            <a:r>
+              <a:rPr lang="en-US" sz="2800" dirty="0"/>
+              <a:t>Delete Employee</a:t>
+            </a:r>
+          </a:p>
+        </p:txBody>
+      </p:sp>
+      <p:sp>
+        <p:nvSpPr>
+          <p:cNvPr id="24" name="Rectangle 23">
+            <a:extLst>
+              <a:ext uri="{FF2B5EF4-FFF2-40B4-BE49-F238E27FC236}">
+                <a16:creationId xmlns:a16="http://schemas.microsoft.com/office/drawing/2014/main" id="{936D48D1-83F7-1F41-80A8-B42534E5BF31}"/>
+              </a:ext>
+            </a:extLst>
+          </p:cNvPr>
+          <p:cNvSpPr/>
+          <p:nvPr/>
+        </p:nvSpPr>
+        <p:spPr>
+          <a:xfrm>
+            <a:off x="2844394" y="4930791"/>
+            <a:ext cx="1718756" cy="954107"/>
+          </a:xfrm>
+          <a:prstGeom prst="rect">
+            <a:avLst/>
+          </a:prstGeom>
+        </p:spPr>
+        <p:txBody>
+          <a:bodyPr wrap="square">
+            <a:spAutoFit/>
+          </a:bodyPr>
+          <a:lstStyle/>
+          <a:p>
+            <a:pPr algn="ctr"/>
+            <a:r>
+              <a:rPr lang="en-US" sz="2800" dirty="0"/>
+              <a:t>Edit Employee</a:t>
+            </a:r>
+          </a:p>
+        </p:txBody>
+      </p:sp>
+      <p:sp>
+        <p:nvSpPr>
+          <p:cNvPr id="25" name="Rectangle 24">
+            <a:extLst>
+              <a:ext uri="{FF2B5EF4-FFF2-40B4-BE49-F238E27FC236}">
+                <a16:creationId xmlns:a16="http://schemas.microsoft.com/office/drawing/2014/main" id="{E4231AA8-5C4A-1048-B91F-0D4F2D6DA02E}"/>
+              </a:ext>
+            </a:extLst>
+          </p:cNvPr>
+          <p:cNvSpPr/>
+          <p:nvPr/>
+        </p:nvSpPr>
+        <p:spPr>
+          <a:xfrm>
+            <a:off x="7129307" y="2881997"/>
+            <a:ext cx="1718756" cy="954107"/>
+          </a:xfrm>
+          <a:prstGeom prst="rect">
+            <a:avLst/>
+          </a:prstGeom>
+        </p:spPr>
+        <p:txBody>
+          <a:bodyPr wrap="square">
+            <a:spAutoFit/>
+          </a:bodyPr>
+          <a:lstStyle/>
+          <a:p>
+            <a:pPr algn="ctr"/>
+            <a:r>
+              <a:rPr lang="en-US" sz="2800" dirty="0"/>
+              <a:t>RESTful API</a:t>
+            </a:r>
+          </a:p>
+        </p:txBody>
+      </p:sp>
+      <p:sp>
+        <p:nvSpPr>
+          <p:cNvPr id="26" name="Rectangle 25">
+            <a:extLst>
+              <a:ext uri="{FF2B5EF4-FFF2-40B4-BE49-F238E27FC236}">
+                <a16:creationId xmlns:a16="http://schemas.microsoft.com/office/drawing/2014/main" id="{A0548023-41CA-7F4D-B0AF-DEF01962C76C}"/>
+              </a:ext>
+            </a:extLst>
+          </p:cNvPr>
+          <p:cNvSpPr/>
+          <p:nvPr/>
+        </p:nvSpPr>
+        <p:spPr>
+          <a:xfrm>
+            <a:off x="4323093" y="2907614"/>
+            <a:ext cx="1718756" cy="954107"/>
+          </a:xfrm>
+          <a:prstGeom prst="rect">
+            <a:avLst/>
+          </a:prstGeom>
+        </p:spPr>
+        <p:txBody>
+          <a:bodyPr wrap="square">
+            <a:spAutoFit/>
+          </a:bodyPr>
+          <a:lstStyle/>
+          <a:p>
+            <a:pPr algn="ctr"/>
+            <a:r>
+              <a:rPr lang="en-US" sz="2800" dirty="0"/>
+              <a:t>Employee</a:t>
+            </a:r>
+          </a:p>
+          <a:p>
+            <a:pPr algn="ctr"/>
+            <a:r>
+              <a:rPr lang="en-US" sz="2800" dirty="0"/>
+              <a:t>List</a:t>
+            </a:r>
+          </a:p>
+        </p:txBody>
+      </p:sp>
+    </p:spTree>
+    <p:extLst>
+      <p:ext uri="{BB962C8B-B14F-4D97-AF65-F5344CB8AC3E}">
+        <p14:creationId xmlns:p14="http://schemas.microsoft.com/office/powerpoint/2010/main" val="2319554912"/>
+      </p:ext>
+    </p:extLst>
+  </p:cSld>
+  <p:clrMapOvr>
+    <a:masterClrMapping/>
+  </p:clrMapOvr>
+</p:sld>
+</file>
+
+<file path=ppt/slides/slide7.xml><?xml version="1.0" encoding="utf-8"?>
+<p:sld xmlns:a="http://schemas.openxmlformats.org/drawingml/2006/main" xmlns:r="http://schemas.openxmlformats.org/officeDocument/2006/relationships" xmlns:p="http://schemas.openxmlformats.org/presentationml/2006/main">
+  <p:cSld>
+    <p:spTree>
+      <p:nvGrpSpPr>
+        <p:cNvPr id="1" name=""/>
+        <p:cNvGrpSpPr/>
+        <p:nvPr/>
+      </p:nvGrpSpPr>
+      <p:grpSpPr>
+        <a:xfrm>
+          <a:off x="0" y="0"/>
+          <a:ext cx="0" cy="0"/>
+          <a:chOff x="0" y="0"/>
+          <a:chExt cx="0" cy="0"/>
+        </a:xfrm>
+      </p:grpSpPr>
+      <p:sp>
+        <p:nvSpPr>
+          <p:cNvPr id="3" name="Slide Number Placeholder 2"/>
+          <p:cNvSpPr>
+            <a:spLocks noGrp="1"/>
+          </p:cNvSpPr>
+          <p:nvPr>
+            <p:ph type="sldNum" sz="quarter" idx="12"/>
+          </p:nvPr>
+        </p:nvSpPr>
+        <p:spPr/>
+        <p:txBody>
+          <a:bodyPr/>
+          <a:lstStyle/>
+          <a:p>
+            <a:fld id="{9079F78B-7083-734C-A89B-42EBE544BB2A}" type="slidenum">
+              <a:rPr lang="en-US" smtClean="0"/>
+              <a:t>7</a:t>
+            </a:fld>
+            <a:endParaRPr lang="en-US"/>
+          </a:p>
+        </p:txBody>
+      </p:sp>
+      <p:grpSp>
+        <p:nvGrpSpPr>
+          <p:cNvPr id="14" name="Group 13"/>
+          <p:cNvGrpSpPr/>
+          <p:nvPr/>
+        </p:nvGrpSpPr>
+        <p:grpSpPr>
+          <a:xfrm rot="10800000">
+            <a:off x="429418" y="411016"/>
+            <a:ext cx="10101945" cy="862144"/>
+            <a:chOff x="3452437" y="1965113"/>
+            <a:chExt cx="5393583" cy="890750"/>
+          </a:xfrm>
+        </p:grpSpPr>
+        <p:sp>
+          <p:nvSpPr>
+            <p:cNvPr id="15" name="Rounded Rectangle 14"/>
+            <p:cNvSpPr/>
+            <p:nvPr/>
+          </p:nvSpPr>
+          <p:spPr bwMode="auto">
+            <a:xfrm rot="10800000" flipH="1">
+              <a:off x="3452437" y="1965113"/>
+              <a:ext cx="5393583" cy="890750"/>
+            </a:xfrm>
+            <a:prstGeom prst="roundRect">
+              <a:avLst>
+                <a:gd name="adj" fmla="val 10251"/>
+              </a:avLst>
+            </a:prstGeom>
+            <a:solidFill>
+              <a:schemeClr val="bg1"/>
+            </a:solidFill>
+            <a:ln w="12700">
+              <a:solidFill>
+                <a:srgbClr val="A29574"/>
+              </a:solidFill>
+            </a:ln>
+            <a:effectLst/>
+          </p:spPr>
+          <p:txBody>
+            <a:bodyPr rot="0" spcFirstLastPara="0" vertOverflow="overflow" horzOverflow="overflow" vert="horz" wrap="square" lIns="182880" tIns="45720" rIns="640080" bIns="45720" numCol="1" spcCol="0" rtlCol="0" fromWordArt="0" anchor="ctr" anchorCtr="0" forceAA="0" compatLnSpc="1">
+              <a:prstTxWarp prst="textNoShape">
+                <a:avLst/>
+              </a:prstTxWarp>
+              <a:noAutofit/>
+            </a:bodyPr>
+            <a:lstStyle/>
+            <a:p>
+              <a:r>
+                <a:rPr lang="en-US" sz="3200" dirty="0">
+                  <a:solidFill>
+                    <a:srgbClr val="0474EF"/>
+                  </a:solidFill>
+                  <a:cs typeface="Univers Next Arabic" panose="020B0503030202020203" pitchFamily="34" charset="-78"/>
+                </a:rPr>
+                <a:t>Home Page</a:t>
+              </a:r>
+            </a:p>
+          </p:txBody>
+        </p:sp>
+        <p:sp>
+          <p:nvSpPr>
+            <p:cNvPr id="16" name="Rectangle 15"/>
+            <p:cNvSpPr/>
+            <p:nvPr/>
+          </p:nvSpPr>
+          <p:spPr>
+            <a:xfrm flipH="1" flipV="1">
+              <a:off x="3640142" y="2156251"/>
+              <a:ext cx="4948159" cy="461665"/>
+            </a:xfrm>
+            <a:prstGeom prst="rect">
+              <a:avLst/>
+            </a:prstGeom>
+          </p:spPr>
+          <p:txBody>
+            <a:bodyPr wrap="square">
+              <a:spAutoFit/>
+            </a:bodyPr>
+            <a:lstStyle/>
+            <a:p>
+              <a:pPr marL="0" algn="l" defTabSz="914400" rtl="0" eaLnBrk="1" latinLnBrk="0" hangingPunct="1"/>
+              <a:endParaRPr lang="en-US" sz="2400" b="1" dirty="0">
+                <a:solidFill>
+                  <a:schemeClr val="bg1">
+                    <a:lumMod val="50000"/>
+                  </a:schemeClr>
+                </a:solidFill>
+                <a:latin typeface="MS UI Gothic" panose="020B0600070205080204" pitchFamily="34" charset="-128"/>
+                <a:ea typeface="MS UI Gothic" panose="020B0600070205080204" pitchFamily="34" charset="-128"/>
+                <a:cs typeface="Sakkal Majalla" panose="02000000000000000000"/>
+              </a:endParaRPr>
+            </a:p>
+          </p:txBody>
+        </p:sp>
+      </p:grpSp>
+      <p:pic>
+        <p:nvPicPr>
+          <p:cNvPr id="3074" name="Picture 2">
+            <a:extLst>
+              <a:ext uri="{FF2B5EF4-FFF2-40B4-BE49-F238E27FC236}">
+                <a16:creationId xmlns:a16="http://schemas.microsoft.com/office/drawing/2014/main" id="{73244501-6F88-824B-864B-395598C1B9AC}"/>
+              </a:ext>
+            </a:extLst>
+          </p:cNvPr>
+          <p:cNvPicPr>
+            <a:picLocks noChangeAspect="1" noChangeArrowheads="1"/>
+          </p:cNvPicPr>
+          <p:nvPr/>
+        </p:nvPicPr>
+        <p:blipFill>
+          <a:blip r:embed="rId3">
+            <a:extLst>
+              <a:ext uri="{28A0092B-C50C-407E-A947-70E740481C1C}">
+                <a14:useLocalDpi xmlns:a14="http://schemas.microsoft.com/office/drawing/2010/main" val="0"/>
+              </a:ext>
+            </a:extLst>
+          </a:blip>
+          <a:srcRect/>
+          <a:stretch>
+            <a:fillRect/>
+          </a:stretch>
+        </p:blipFill>
+        <p:spPr bwMode="auto">
+          <a:xfrm>
+            <a:off x="11004330" y="2003"/>
+            <a:ext cx="1187669" cy="1187669"/>
+          </a:xfrm>
+          <a:prstGeom prst="rect">
+            <a:avLst/>
+          </a:prstGeom>
+          <a:noFill/>
+          <a:extLst>
+            <a:ext uri="{909E8E84-426E-40DD-AFC4-6F175D3DCCD1}">
+              <a14:hiddenFill xmlns:a14="http://schemas.microsoft.com/office/drawing/2010/main">
+                <a:solidFill>
+                  <a:srgbClr val="FFFFFF"/>
+                </a:solidFill>
+              </a14:hiddenFill>
+            </a:ext>
+          </a:extLst>
+        </p:spPr>
+      </p:pic>
+      <p:pic>
+        <p:nvPicPr>
+          <p:cNvPr id="8194" name="Picture 2">
+            <a:extLst>
+              <a:ext uri="{FF2B5EF4-FFF2-40B4-BE49-F238E27FC236}">
+                <a16:creationId xmlns:a16="http://schemas.microsoft.com/office/drawing/2014/main" id="{891657E6-A049-954F-A3F4-CE0306018A78}"/>
+              </a:ext>
+            </a:extLst>
+          </p:cNvPr>
+          <p:cNvPicPr>
+            <a:picLocks noChangeAspect="1" noChangeArrowheads="1"/>
+          </p:cNvPicPr>
+          <p:nvPr/>
+        </p:nvPicPr>
+        <p:blipFill>
+          <a:blip r:embed="rId4">
+            <a:extLst>
+              <a:ext uri="{28A0092B-C50C-407E-A947-70E740481C1C}">
+                <a14:useLocalDpi xmlns:a14="http://schemas.microsoft.com/office/drawing/2010/main" val="0"/>
+              </a:ext>
+            </a:extLst>
+          </a:blip>
+          <a:srcRect/>
+          <a:stretch>
+            <a:fillRect/>
+          </a:stretch>
+        </p:blipFill>
+        <p:spPr bwMode="auto">
+          <a:xfrm>
+            <a:off x="1100519" y="1503464"/>
+            <a:ext cx="8890873" cy="4348653"/>
+          </a:xfrm>
+          <a:prstGeom prst="rect">
+            <a:avLst/>
+          </a:prstGeom>
+          <a:noFill/>
+          <a:extLst>
+            <a:ext uri="{909E8E84-426E-40DD-AFC4-6F175D3DCCD1}">
+              <a14:hiddenFill xmlns:a14="http://schemas.microsoft.com/office/drawing/2010/main">
+                <a:solidFill>
+                  <a:srgbClr val="FFFFFF"/>
+                </a:solidFill>
+              </a14:hiddenFill>
+            </a:ext>
+          </a:extLst>
+        </p:spPr>
       </p:pic>
     </p:spTree>
     <p:extLst>
       <p:ext uri="{BB962C8B-B14F-4D97-AF65-F5344CB8AC3E}">
-        <p14:creationId xmlns:p14="http://schemas.microsoft.com/office/powerpoint/2010/main" val="55807873"/>
+        <p14:creationId xmlns:p14="http://schemas.microsoft.com/office/powerpoint/2010/main" val="4113661888"/>
+      </p:ext>
+    </p:extLst>
+  </p:cSld>
+  <p:clrMapOvr>
+    <a:masterClrMapping/>
+  </p:clrMapOvr>
+</p:sld>
+</file>
+
+<file path=ppt/slides/slide8.xml><?xml version="1.0" encoding="utf-8"?>
+<p:sld xmlns:a="http://schemas.openxmlformats.org/drawingml/2006/main" xmlns:r="http://schemas.openxmlformats.org/officeDocument/2006/relationships" xmlns:p="http://schemas.openxmlformats.org/presentationml/2006/main">
+  <p:cSld>
+    <p:spTree>
+      <p:nvGrpSpPr>
+        <p:cNvPr id="1" name=""/>
+        <p:cNvGrpSpPr/>
+        <p:nvPr/>
+      </p:nvGrpSpPr>
+      <p:grpSpPr>
+        <a:xfrm>
+          <a:off x="0" y="0"/>
+          <a:ext cx="0" cy="0"/>
+          <a:chOff x="0" y="0"/>
+          <a:chExt cx="0" cy="0"/>
+        </a:xfrm>
+      </p:grpSpPr>
+      <p:sp>
+        <p:nvSpPr>
+          <p:cNvPr id="3" name="Slide Number Placeholder 2"/>
+          <p:cNvSpPr>
+            <a:spLocks noGrp="1"/>
+          </p:cNvSpPr>
+          <p:nvPr>
+            <p:ph type="sldNum" sz="quarter" idx="12"/>
+          </p:nvPr>
+        </p:nvSpPr>
+        <p:spPr/>
+        <p:txBody>
+          <a:bodyPr/>
+          <a:lstStyle/>
+          <a:p>
+            <a:fld id="{9079F78B-7083-734C-A89B-42EBE544BB2A}" type="slidenum">
+              <a:rPr lang="en-US" smtClean="0"/>
+              <a:t>8</a:t>
+            </a:fld>
+            <a:endParaRPr lang="en-US"/>
+          </a:p>
+        </p:txBody>
+      </p:sp>
+      <p:grpSp>
+        <p:nvGrpSpPr>
+          <p:cNvPr id="14" name="Group 13"/>
+          <p:cNvGrpSpPr/>
+          <p:nvPr/>
+        </p:nvGrpSpPr>
+        <p:grpSpPr>
+          <a:xfrm rot="10800000">
+            <a:off x="429418" y="411016"/>
+            <a:ext cx="10101945" cy="862144"/>
+            <a:chOff x="3452437" y="1965113"/>
+            <a:chExt cx="5393583" cy="890750"/>
+          </a:xfrm>
+        </p:grpSpPr>
+        <p:sp>
+          <p:nvSpPr>
+            <p:cNvPr id="15" name="Rounded Rectangle 14"/>
+            <p:cNvSpPr/>
+            <p:nvPr/>
+          </p:nvSpPr>
+          <p:spPr bwMode="auto">
+            <a:xfrm rot="10800000" flipH="1">
+              <a:off x="3452437" y="1965113"/>
+              <a:ext cx="5393583" cy="890750"/>
+            </a:xfrm>
+            <a:prstGeom prst="roundRect">
+              <a:avLst>
+                <a:gd name="adj" fmla="val 10251"/>
+              </a:avLst>
+            </a:prstGeom>
+            <a:solidFill>
+              <a:schemeClr val="bg1"/>
+            </a:solidFill>
+            <a:ln w="12700">
+              <a:solidFill>
+                <a:srgbClr val="A29574"/>
+              </a:solidFill>
+            </a:ln>
+            <a:effectLst/>
+          </p:spPr>
+          <p:txBody>
+            <a:bodyPr rot="0" spcFirstLastPara="0" vertOverflow="overflow" horzOverflow="overflow" vert="horz" wrap="square" lIns="182880" tIns="45720" rIns="640080" bIns="45720" numCol="1" spcCol="0" rtlCol="0" fromWordArt="0" anchor="ctr" anchorCtr="0" forceAA="0" compatLnSpc="1">
+              <a:prstTxWarp prst="textNoShape">
+                <a:avLst/>
+              </a:prstTxWarp>
+              <a:noAutofit/>
+            </a:bodyPr>
+            <a:lstStyle/>
+            <a:p>
+              <a:r>
+                <a:rPr lang="en-US" sz="3200" dirty="0">
+                  <a:solidFill>
+                    <a:srgbClr val="0474EF"/>
+                  </a:solidFill>
+                  <a:cs typeface="Univers Next Arabic" panose="020B0503030202020203" pitchFamily="34" charset="-78"/>
+                </a:rPr>
+                <a:t>Employee List</a:t>
+              </a:r>
+            </a:p>
+          </p:txBody>
+        </p:sp>
+        <p:sp>
+          <p:nvSpPr>
+            <p:cNvPr id="16" name="Rectangle 15"/>
+            <p:cNvSpPr/>
+            <p:nvPr/>
+          </p:nvSpPr>
+          <p:spPr>
+            <a:xfrm flipH="1" flipV="1">
+              <a:off x="3640142" y="2156251"/>
+              <a:ext cx="4948159" cy="461665"/>
+            </a:xfrm>
+            <a:prstGeom prst="rect">
+              <a:avLst/>
+            </a:prstGeom>
+          </p:spPr>
+          <p:txBody>
+            <a:bodyPr wrap="square">
+              <a:spAutoFit/>
+            </a:bodyPr>
+            <a:lstStyle/>
+            <a:p>
+              <a:pPr marL="0" algn="l" defTabSz="914400" rtl="0" eaLnBrk="1" latinLnBrk="0" hangingPunct="1"/>
+              <a:endParaRPr lang="en-US" sz="2400" b="1" dirty="0">
+                <a:solidFill>
+                  <a:schemeClr val="bg1">
+                    <a:lumMod val="50000"/>
+                  </a:schemeClr>
+                </a:solidFill>
+                <a:latin typeface="MS UI Gothic" panose="020B0600070205080204" pitchFamily="34" charset="-128"/>
+                <a:ea typeface="MS UI Gothic" panose="020B0600070205080204" pitchFamily="34" charset="-128"/>
+                <a:cs typeface="Sakkal Majalla" panose="02000000000000000000"/>
+              </a:endParaRPr>
+            </a:p>
+          </p:txBody>
+        </p:sp>
+      </p:grpSp>
+      <p:pic>
+        <p:nvPicPr>
+          <p:cNvPr id="3074" name="Picture 2">
+            <a:extLst>
+              <a:ext uri="{FF2B5EF4-FFF2-40B4-BE49-F238E27FC236}">
+                <a16:creationId xmlns:a16="http://schemas.microsoft.com/office/drawing/2014/main" id="{73244501-6F88-824B-864B-395598C1B9AC}"/>
+              </a:ext>
+            </a:extLst>
+          </p:cNvPr>
+          <p:cNvPicPr>
+            <a:picLocks noChangeAspect="1" noChangeArrowheads="1"/>
+          </p:cNvPicPr>
+          <p:nvPr/>
+        </p:nvPicPr>
+        <p:blipFill>
+          <a:blip r:embed="rId3">
+            <a:extLst>
+              <a:ext uri="{28A0092B-C50C-407E-A947-70E740481C1C}">
+                <a14:useLocalDpi xmlns:a14="http://schemas.microsoft.com/office/drawing/2010/main" val="0"/>
+              </a:ext>
+            </a:extLst>
+          </a:blip>
+          <a:srcRect/>
+          <a:stretch>
+            <a:fillRect/>
+          </a:stretch>
+        </p:blipFill>
+        <p:spPr bwMode="auto">
+          <a:xfrm>
+            <a:off x="11004330" y="2003"/>
+            <a:ext cx="1187669" cy="1187669"/>
+          </a:xfrm>
+          <a:prstGeom prst="rect">
+            <a:avLst/>
+          </a:prstGeom>
+          <a:noFill/>
+          <a:extLst>
+            <a:ext uri="{909E8E84-426E-40DD-AFC4-6F175D3DCCD1}">
+              <a14:hiddenFill xmlns:a14="http://schemas.microsoft.com/office/drawing/2010/main">
+                <a:solidFill>
+                  <a:srgbClr val="FFFFFF"/>
+                </a:solidFill>
+              </a14:hiddenFill>
+            </a:ext>
+          </a:extLst>
+        </p:spPr>
+      </p:pic>
+      <p:pic>
+        <p:nvPicPr>
+          <p:cNvPr id="9218" name="Picture 2">
+            <a:extLst>
+              <a:ext uri="{FF2B5EF4-FFF2-40B4-BE49-F238E27FC236}">
+                <a16:creationId xmlns:a16="http://schemas.microsoft.com/office/drawing/2014/main" id="{A2CB0EAF-7142-304B-991C-7892D8002C02}"/>
+              </a:ext>
+            </a:extLst>
+          </p:cNvPr>
+          <p:cNvPicPr>
+            <a:picLocks noChangeAspect="1" noChangeArrowheads="1"/>
+          </p:cNvPicPr>
+          <p:nvPr/>
+        </p:nvPicPr>
+        <p:blipFill>
+          <a:blip r:embed="rId4">
+            <a:extLst>
+              <a:ext uri="{28A0092B-C50C-407E-A947-70E740481C1C}">
+                <a14:useLocalDpi xmlns:a14="http://schemas.microsoft.com/office/drawing/2010/main" val="0"/>
+              </a:ext>
+            </a:extLst>
+          </a:blip>
+          <a:srcRect/>
+          <a:stretch>
+            <a:fillRect/>
+          </a:stretch>
+        </p:blipFill>
+        <p:spPr bwMode="auto">
+          <a:xfrm>
+            <a:off x="1471978" y="1402549"/>
+            <a:ext cx="8707821" cy="4533056"/>
+          </a:xfrm>
+          <a:prstGeom prst="rect">
+            <a:avLst/>
+          </a:prstGeom>
+          <a:noFill/>
+          <a:extLst>
+            <a:ext uri="{909E8E84-426E-40DD-AFC4-6F175D3DCCD1}">
+              <a14:hiddenFill xmlns:a14="http://schemas.microsoft.com/office/drawing/2010/main">
+                <a:solidFill>
+                  <a:srgbClr val="FFFFFF"/>
+                </a:solidFill>
+              </a14:hiddenFill>
+            </a:ext>
+          </a:extLst>
+        </p:spPr>
+      </p:pic>
+    </p:spTree>
+    <p:extLst>
+      <p:ext uri="{BB962C8B-B14F-4D97-AF65-F5344CB8AC3E}">
+        <p14:creationId xmlns:p14="http://schemas.microsoft.com/office/powerpoint/2010/main" val="3030675626"/>
+      </p:ext>
+    </p:extLst>
+  </p:cSld>
+  <p:clrMapOvr>
+    <a:masterClrMapping/>
+  </p:clrMapOvr>
+</p:sld>
+</file>
+
+<file path=ppt/slides/slide9.xml><?xml version="1.0" encoding="utf-8"?>
+<p:sld xmlns:a="http://schemas.openxmlformats.org/drawingml/2006/main" xmlns:r="http://schemas.openxmlformats.org/officeDocument/2006/relationships" xmlns:p="http://schemas.openxmlformats.org/presentationml/2006/main">
+  <p:cSld>
+    <p:spTree>
+      <p:nvGrpSpPr>
+        <p:cNvPr id="1" name=""/>
+        <p:cNvGrpSpPr/>
+        <p:nvPr/>
+      </p:nvGrpSpPr>
+      <p:grpSpPr>
+        <a:xfrm>
+          <a:off x="0" y="0"/>
+          <a:ext cx="0" cy="0"/>
+          <a:chOff x="0" y="0"/>
+          <a:chExt cx="0" cy="0"/>
+        </a:xfrm>
+      </p:grpSpPr>
+      <p:sp>
+        <p:nvSpPr>
+          <p:cNvPr id="3" name="Slide Number Placeholder 2"/>
+          <p:cNvSpPr>
+            <a:spLocks noGrp="1"/>
+          </p:cNvSpPr>
+          <p:nvPr>
+            <p:ph type="sldNum" sz="quarter" idx="12"/>
+          </p:nvPr>
+        </p:nvSpPr>
+        <p:spPr/>
+        <p:txBody>
+          <a:bodyPr/>
+          <a:lstStyle/>
+          <a:p>
+            <a:fld id="{9079F78B-7083-734C-A89B-42EBE544BB2A}" type="slidenum">
+              <a:rPr lang="en-US" smtClean="0"/>
+              <a:t>9</a:t>
+            </a:fld>
+            <a:endParaRPr lang="en-US"/>
+          </a:p>
+        </p:txBody>
+      </p:sp>
+      <p:grpSp>
+        <p:nvGrpSpPr>
+          <p:cNvPr id="14" name="Group 13"/>
+          <p:cNvGrpSpPr/>
+          <p:nvPr/>
+        </p:nvGrpSpPr>
+        <p:grpSpPr>
+          <a:xfrm rot="10800000">
+            <a:off x="429418" y="411016"/>
+            <a:ext cx="10101945" cy="862144"/>
+            <a:chOff x="3452437" y="1965113"/>
+            <a:chExt cx="5393583" cy="890750"/>
+          </a:xfrm>
+        </p:grpSpPr>
+        <p:sp>
+          <p:nvSpPr>
+            <p:cNvPr id="15" name="Rounded Rectangle 14"/>
+            <p:cNvSpPr/>
+            <p:nvPr/>
+          </p:nvSpPr>
+          <p:spPr bwMode="auto">
+            <a:xfrm rot="10800000" flipH="1">
+              <a:off x="3452437" y="1965113"/>
+              <a:ext cx="5393583" cy="890750"/>
+            </a:xfrm>
+            <a:prstGeom prst="roundRect">
+              <a:avLst>
+                <a:gd name="adj" fmla="val 10251"/>
+              </a:avLst>
+            </a:prstGeom>
+            <a:solidFill>
+              <a:schemeClr val="bg1"/>
+            </a:solidFill>
+            <a:ln w="12700">
+              <a:solidFill>
+                <a:srgbClr val="A29574"/>
+              </a:solidFill>
+            </a:ln>
+            <a:effectLst/>
+          </p:spPr>
+          <p:txBody>
+            <a:bodyPr rot="0" spcFirstLastPara="0" vertOverflow="overflow" horzOverflow="overflow" vert="horz" wrap="square" lIns="182880" tIns="45720" rIns="640080" bIns="45720" numCol="1" spcCol="0" rtlCol="0" fromWordArt="0" anchor="ctr" anchorCtr="0" forceAA="0" compatLnSpc="1">
+              <a:prstTxWarp prst="textNoShape">
+                <a:avLst/>
+              </a:prstTxWarp>
+              <a:noAutofit/>
+            </a:bodyPr>
+            <a:lstStyle/>
+            <a:p>
+              <a:r>
+                <a:rPr lang="en-US" sz="3200" dirty="0">
+                  <a:solidFill>
+                    <a:srgbClr val="0474EF"/>
+                  </a:solidFill>
+                  <a:cs typeface="Univers Next Arabic" panose="020B0503030202020203" pitchFamily="34" charset="-78"/>
+                </a:rPr>
+                <a:t>Add Employee</a:t>
+              </a:r>
+            </a:p>
+          </p:txBody>
+        </p:sp>
+        <p:sp>
+          <p:nvSpPr>
+            <p:cNvPr id="16" name="Rectangle 15"/>
+            <p:cNvSpPr/>
+            <p:nvPr/>
+          </p:nvSpPr>
+          <p:spPr>
+            <a:xfrm flipH="1" flipV="1">
+              <a:off x="3640142" y="2156251"/>
+              <a:ext cx="4948159" cy="461665"/>
+            </a:xfrm>
+            <a:prstGeom prst="rect">
+              <a:avLst/>
+            </a:prstGeom>
+          </p:spPr>
+          <p:txBody>
+            <a:bodyPr wrap="square">
+              <a:spAutoFit/>
+            </a:bodyPr>
+            <a:lstStyle/>
+            <a:p>
+              <a:pPr marL="0" algn="l" defTabSz="914400" rtl="0" eaLnBrk="1" latinLnBrk="0" hangingPunct="1"/>
+              <a:endParaRPr lang="en-US" sz="2400" b="1" dirty="0">
+                <a:solidFill>
+                  <a:schemeClr val="bg1">
+                    <a:lumMod val="50000"/>
+                  </a:schemeClr>
+                </a:solidFill>
+                <a:latin typeface="MS UI Gothic" panose="020B0600070205080204" pitchFamily="34" charset="-128"/>
+                <a:ea typeface="MS UI Gothic" panose="020B0600070205080204" pitchFamily="34" charset="-128"/>
+                <a:cs typeface="Sakkal Majalla" panose="02000000000000000000"/>
+              </a:endParaRPr>
+            </a:p>
+          </p:txBody>
+        </p:sp>
+      </p:grpSp>
+      <p:pic>
+        <p:nvPicPr>
+          <p:cNvPr id="3074" name="Picture 2">
+            <a:extLst>
+              <a:ext uri="{FF2B5EF4-FFF2-40B4-BE49-F238E27FC236}">
+                <a16:creationId xmlns:a16="http://schemas.microsoft.com/office/drawing/2014/main" id="{73244501-6F88-824B-864B-395598C1B9AC}"/>
+              </a:ext>
+            </a:extLst>
+          </p:cNvPr>
+          <p:cNvPicPr>
+            <a:picLocks noChangeAspect="1" noChangeArrowheads="1"/>
+          </p:cNvPicPr>
+          <p:nvPr/>
+        </p:nvPicPr>
+        <p:blipFill>
+          <a:blip r:embed="rId3">
+            <a:extLst>
+              <a:ext uri="{28A0092B-C50C-407E-A947-70E740481C1C}">
+                <a14:useLocalDpi xmlns:a14="http://schemas.microsoft.com/office/drawing/2010/main" val="0"/>
+              </a:ext>
+            </a:extLst>
+          </a:blip>
+          <a:srcRect/>
+          <a:stretch>
+            <a:fillRect/>
+          </a:stretch>
+        </p:blipFill>
+        <p:spPr bwMode="auto">
+          <a:xfrm>
+            <a:off x="11004330" y="2003"/>
+            <a:ext cx="1187669" cy="1187669"/>
+          </a:xfrm>
+          <a:prstGeom prst="rect">
+            <a:avLst/>
+          </a:prstGeom>
+          <a:noFill/>
+          <a:extLst>
+            <a:ext uri="{909E8E84-426E-40DD-AFC4-6F175D3DCCD1}">
+              <a14:hiddenFill xmlns:a14="http://schemas.microsoft.com/office/drawing/2010/main">
+                <a:solidFill>
+                  <a:srgbClr val="FFFFFF"/>
+                </a:solidFill>
+              </a14:hiddenFill>
+            </a:ext>
+          </a:extLst>
+        </p:spPr>
+      </p:pic>
+      <p:pic>
+        <p:nvPicPr>
+          <p:cNvPr id="10242" name="Picture 2">
+            <a:extLst>
+              <a:ext uri="{FF2B5EF4-FFF2-40B4-BE49-F238E27FC236}">
+                <a16:creationId xmlns:a16="http://schemas.microsoft.com/office/drawing/2014/main" id="{F16D6C59-1B38-4341-BE46-D0BF145F01D1}"/>
+              </a:ext>
+            </a:extLst>
+          </p:cNvPr>
+          <p:cNvPicPr>
+            <a:picLocks noChangeAspect="1" noChangeArrowheads="1"/>
+          </p:cNvPicPr>
+          <p:nvPr/>
+        </p:nvPicPr>
+        <p:blipFill>
+          <a:blip r:embed="rId4">
+            <a:extLst>
+              <a:ext uri="{28A0092B-C50C-407E-A947-70E740481C1C}">
+                <a14:useLocalDpi xmlns:a14="http://schemas.microsoft.com/office/drawing/2010/main" val="0"/>
+              </a:ext>
+            </a:extLst>
+          </a:blip>
+          <a:srcRect/>
+          <a:stretch>
+            <a:fillRect/>
+          </a:stretch>
+        </p:blipFill>
+        <p:spPr bwMode="auto">
+          <a:xfrm>
+            <a:off x="806623" y="1503464"/>
+            <a:ext cx="9347533" cy="4101717"/>
+          </a:xfrm>
+          <a:prstGeom prst="rect">
+            <a:avLst/>
+          </a:prstGeom>
+          <a:noFill/>
+          <a:extLst>
+            <a:ext uri="{909E8E84-426E-40DD-AFC4-6F175D3DCCD1}">
+              <a14:hiddenFill xmlns:a14="http://schemas.microsoft.com/office/drawing/2010/main">
+                <a:solidFill>
+                  <a:srgbClr val="FFFFFF"/>
+                </a:solidFill>
+              </a14:hiddenFill>
+            </a:ext>
+          </a:extLst>
+        </p:spPr>
+      </p:pic>
+    </p:spTree>
+    <p:extLst>
+      <p:ext uri="{BB962C8B-B14F-4D97-AF65-F5344CB8AC3E}">
+        <p14:creationId xmlns:p14="http://schemas.microsoft.com/office/powerpoint/2010/main" val="3519297203"/>
       </p:ext>
     </p:extLst>
   </p:cSld>

--- a/StudentWork/Besh/Project/TestHut Presentation.pptx
+++ b/StudentWork/Besh/Project/TestHut Presentation.pptx
@@ -5,7 +5,7 @@
     <p:sldMasterId id="2147483648" r:id="rId1"/>
   </p:sldMasterIdLst>
   <p:notesMasterIdLst>
-    <p:notesMasterId r:id="rId22"/>
+    <p:notesMasterId r:id="rId20"/>
   </p:notesMasterIdLst>
   <p:sldIdLst>
     <p:sldId id="265" r:id="rId2"/>
@@ -20,14 +20,12 @@
     <p:sldId id="276" r:id="rId11"/>
     <p:sldId id="277" r:id="rId12"/>
     <p:sldId id="278" r:id="rId13"/>
-    <p:sldId id="279" r:id="rId14"/>
-    <p:sldId id="280" r:id="rId15"/>
-    <p:sldId id="281" r:id="rId16"/>
-    <p:sldId id="282" r:id="rId17"/>
-    <p:sldId id="283" r:id="rId18"/>
-    <p:sldId id="284" r:id="rId19"/>
-    <p:sldId id="286" r:id="rId20"/>
-    <p:sldId id="287" r:id="rId21"/>
+    <p:sldId id="280" r:id="rId14"/>
+    <p:sldId id="282" r:id="rId15"/>
+    <p:sldId id="283" r:id="rId16"/>
+    <p:sldId id="284" r:id="rId17"/>
+    <p:sldId id="286" r:id="rId18"/>
+    <p:sldId id="287" r:id="rId19"/>
   </p:sldIdLst>
   <p:sldSz cx="12192000" cy="6858000"/>
   <p:notesSz cx="6858000" cy="9144000"/>
@@ -893,7 +891,7 @@
     </p:spTree>
     <p:extLst>
       <p:ext uri="{BB962C8B-B14F-4D97-AF65-F5344CB8AC3E}">
-        <p14:creationId xmlns:p14="http://schemas.microsoft.com/office/powerpoint/2010/main" val="2180849323"/>
+        <p14:creationId xmlns:p14="http://schemas.microsoft.com/office/powerpoint/2010/main" val="632219789"/>
       </p:ext>
     </p:extLst>
   </p:cSld>
@@ -977,7 +975,7 @@
     </p:spTree>
     <p:extLst>
       <p:ext uri="{BB962C8B-B14F-4D97-AF65-F5344CB8AC3E}">
-        <p14:creationId xmlns:p14="http://schemas.microsoft.com/office/powerpoint/2010/main" val="632219789"/>
+        <p14:creationId xmlns:p14="http://schemas.microsoft.com/office/powerpoint/2010/main" val="1933010283"/>
       </p:ext>
     </p:extLst>
   </p:cSld>
@@ -1061,7 +1059,7 @@
     </p:spTree>
     <p:extLst>
       <p:ext uri="{BB962C8B-B14F-4D97-AF65-F5344CB8AC3E}">
-        <p14:creationId xmlns:p14="http://schemas.microsoft.com/office/powerpoint/2010/main" val="1463981418"/>
+        <p14:creationId xmlns:p14="http://schemas.microsoft.com/office/powerpoint/2010/main" val="3045935880"/>
       </p:ext>
     </p:extLst>
   </p:cSld>
@@ -1145,7 +1143,7 @@
     </p:spTree>
     <p:extLst>
       <p:ext uri="{BB962C8B-B14F-4D97-AF65-F5344CB8AC3E}">
-        <p14:creationId xmlns:p14="http://schemas.microsoft.com/office/powerpoint/2010/main" val="1933010283"/>
+        <p14:creationId xmlns:p14="http://schemas.microsoft.com/office/powerpoint/2010/main" val="4217668407"/>
       </p:ext>
     </p:extLst>
   </p:cSld>
@@ -1229,7 +1227,7 @@
     </p:spTree>
     <p:extLst>
       <p:ext uri="{BB962C8B-B14F-4D97-AF65-F5344CB8AC3E}">
-        <p14:creationId xmlns:p14="http://schemas.microsoft.com/office/powerpoint/2010/main" val="3045935880"/>
+        <p14:creationId xmlns:p14="http://schemas.microsoft.com/office/powerpoint/2010/main" val="981949523"/>
       </p:ext>
     </p:extLst>
   </p:cSld>
@@ -1313,91 +1311,7 @@
     </p:spTree>
     <p:extLst>
       <p:ext uri="{BB962C8B-B14F-4D97-AF65-F5344CB8AC3E}">
-        <p14:creationId xmlns:p14="http://schemas.microsoft.com/office/powerpoint/2010/main" val="4217668407"/>
-      </p:ext>
-    </p:extLst>
-  </p:cSld>
-  <p:clrMapOvr>
-    <a:masterClrMapping/>
-  </p:clrMapOvr>
-</p:notes>
-</file>
-
-<file path=ppt/notesSlides/notesSlide19.xml><?xml version="1.0" encoding="utf-8"?>
-<p:notes xmlns:a="http://schemas.openxmlformats.org/drawingml/2006/main" xmlns:r="http://schemas.openxmlformats.org/officeDocument/2006/relationships" xmlns:p="http://schemas.openxmlformats.org/presentationml/2006/main">
-  <p:cSld>
-    <p:spTree>
-      <p:nvGrpSpPr>
-        <p:cNvPr id="1" name=""/>
-        <p:cNvGrpSpPr/>
-        <p:nvPr/>
-      </p:nvGrpSpPr>
-      <p:grpSpPr>
-        <a:xfrm>
-          <a:off x="0" y="0"/>
-          <a:ext cx="0" cy="0"/>
-          <a:chOff x="0" y="0"/>
-          <a:chExt cx="0" cy="0"/>
-        </a:xfrm>
-      </p:grpSpPr>
-      <p:sp>
-        <p:nvSpPr>
-          <p:cNvPr id="2" name="Slide Image Placeholder 1"/>
-          <p:cNvSpPr>
-            <a:spLocks noGrp="1" noRot="1" noChangeAspect="1"/>
-          </p:cNvSpPr>
-          <p:nvPr>
-            <p:ph type="sldImg"/>
-          </p:nvPr>
-        </p:nvSpPr>
-        <p:spPr/>
-      </p:sp>
-      <p:sp>
-        <p:nvSpPr>
-          <p:cNvPr id="3" name="Notes Placeholder 2"/>
-          <p:cNvSpPr>
-            <a:spLocks noGrp="1"/>
-          </p:cNvSpPr>
-          <p:nvPr>
-            <p:ph type="body" idx="1"/>
-          </p:nvPr>
-        </p:nvSpPr>
-        <p:spPr/>
-        <p:txBody>
-          <a:bodyPr/>
-          <a:lstStyle/>
-          <a:p>
-            <a:endParaRPr lang="en-US" dirty="0"/>
-          </a:p>
-        </p:txBody>
-      </p:sp>
-      <p:sp>
-        <p:nvSpPr>
-          <p:cNvPr id="4" name="Slide Number Placeholder 3"/>
-          <p:cNvSpPr>
-            <a:spLocks noGrp="1"/>
-          </p:cNvSpPr>
-          <p:nvPr>
-            <p:ph type="sldNum" sz="quarter" idx="10"/>
-          </p:nvPr>
-        </p:nvSpPr>
-        <p:spPr/>
-        <p:txBody>
-          <a:bodyPr/>
-          <a:lstStyle/>
-          <a:p>
-            <a:fld id="{AEAADE16-39F2-9746-8DE6-8768F15EC95E}" type="slidenum">
-              <a:rPr lang="en-US" smtClean="0"/>
-              <a:t>19</a:t>
-            </a:fld>
-            <a:endParaRPr lang="en-US" dirty="0"/>
-          </a:p>
-        </p:txBody>
-      </p:sp>
-    </p:spTree>
-    <p:extLst>
-      <p:ext uri="{BB962C8B-B14F-4D97-AF65-F5344CB8AC3E}">
-        <p14:creationId xmlns:p14="http://schemas.microsoft.com/office/powerpoint/2010/main" val="981949523"/>
+        <p14:creationId xmlns:p14="http://schemas.microsoft.com/office/powerpoint/2010/main" val="87000737"/>
       </p:ext>
     </p:extLst>
   </p:cSld>
@@ -1482,90 +1396,6 @@
     <p:extLst>
       <p:ext uri="{BB962C8B-B14F-4D97-AF65-F5344CB8AC3E}">
         <p14:creationId xmlns:p14="http://schemas.microsoft.com/office/powerpoint/2010/main" val="1769446555"/>
-      </p:ext>
-    </p:extLst>
-  </p:cSld>
-  <p:clrMapOvr>
-    <a:masterClrMapping/>
-  </p:clrMapOvr>
-</p:notes>
-</file>
-
-<file path=ppt/notesSlides/notesSlide20.xml><?xml version="1.0" encoding="utf-8"?>
-<p:notes xmlns:a="http://schemas.openxmlformats.org/drawingml/2006/main" xmlns:r="http://schemas.openxmlformats.org/officeDocument/2006/relationships" xmlns:p="http://schemas.openxmlformats.org/presentationml/2006/main">
-  <p:cSld>
-    <p:spTree>
-      <p:nvGrpSpPr>
-        <p:cNvPr id="1" name=""/>
-        <p:cNvGrpSpPr/>
-        <p:nvPr/>
-      </p:nvGrpSpPr>
-      <p:grpSpPr>
-        <a:xfrm>
-          <a:off x="0" y="0"/>
-          <a:ext cx="0" cy="0"/>
-          <a:chOff x="0" y="0"/>
-          <a:chExt cx="0" cy="0"/>
-        </a:xfrm>
-      </p:grpSpPr>
-      <p:sp>
-        <p:nvSpPr>
-          <p:cNvPr id="2" name="Slide Image Placeholder 1"/>
-          <p:cNvSpPr>
-            <a:spLocks noGrp="1" noRot="1" noChangeAspect="1"/>
-          </p:cNvSpPr>
-          <p:nvPr>
-            <p:ph type="sldImg"/>
-          </p:nvPr>
-        </p:nvSpPr>
-        <p:spPr/>
-      </p:sp>
-      <p:sp>
-        <p:nvSpPr>
-          <p:cNvPr id="3" name="Notes Placeholder 2"/>
-          <p:cNvSpPr>
-            <a:spLocks noGrp="1"/>
-          </p:cNvSpPr>
-          <p:nvPr>
-            <p:ph type="body" idx="1"/>
-          </p:nvPr>
-        </p:nvSpPr>
-        <p:spPr/>
-        <p:txBody>
-          <a:bodyPr/>
-          <a:lstStyle/>
-          <a:p>
-            <a:endParaRPr lang="en-US" dirty="0"/>
-          </a:p>
-        </p:txBody>
-      </p:sp>
-      <p:sp>
-        <p:nvSpPr>
-          <p:cNvPr id="4" name="Slide Number Placeholder 3"/>
-          <p:cNvSpPr>
-            <a:spLocks noGrp="1"/>
-          </p:cNvSpPr>
-          <p:nvPr>
-            <p:ph type="sldNum" sz="quarter" idx="10"/>
-          </p:nvPr>
-        </p:nvSpPr>
-        <p:spPr/>
-        <p:txBody>
-          <a:bodyPr/>
-          <a:lstStyle/>
-          <a:p>
-            <a:fld id="{AEAADE16-39F2-9746-8DE6-8768F15EC95E}" type="slidenum">
-              <a:rPr lang="en-US" smtClean="0"/>
-              <a:t>20</a:t>
-            </a:fld>
-            <a:endParaRPr lang="en-US" dirty="0"/>
-          </a:p>
-        </p:txBody>
-      </p:sp>
-    </p:spTree>
-    <p:extLst>
-      <p:ext uri="{BB962C8B-B14F-4D97-AF65-F5344CB8AC3E}">
-        <p14:creationId xmlns:p14="http://schemas.microsoft.com/office/powerpoint/2010/main" val="87000737"/>
       </p:ext>
     </p:extLst>
   </p:cSld>
@@ -6326,203 +6156,6 @@
                   </a:solidFill>
                   <a:cs typeface="Univers Next Arabic" panose="020B0503030202020203" pitchFamily="34" charset="-78"/>
                 </a:rPr>
-                <a:t>Sample Code[Employee]</a:t>
-              </a:r>
-            </a:p>
-          </p:txBody>
-        </p:sp>
-        <p:sp>
-          <p:nvSpPr>
-            <p:cNvPr id="16" name="Rectangle 15"/>
-            <p:cNvSpPr/>
-            <p:nvPr/>
-          </p:nvSpPr>
-          <p:spPr>
-            <a:xfrm flipH="1" flipV="1">
-              <a:off x="3640142" y="2156251"/>
-              <a:ext cx="4948159" cy="461665"/>
-            </a:xfrm>
-            <a:prstGeom prst="rect">
-              <a:avLst/>
-            </a:prstGeom>
-          </p:spPr>
-          <p:txBody>
-            <a:bodyPr wrap="square">
-              <a:spAutoFit/>
-            </a:bodyPr>
-            <a:lstStyle/>
-            <a:p>
-              <a:pPr marL="0" algn="l" defTabSz="914400" rtl="0" eaLnBrk="1" latinLnBrk="0" hangingPunct="1"/>
-              <a:endParaRPr lang="en-US" sz="2400" b="1" dirty="0">
-                <a:solidFill>
-                  <a:schemeClr val="bg1">
-                    <a:lumMod val="50000"/>
-                  </a:schemeClr>
-                </a:solidFill>
-                <a:latin typeface="MS UI Gothic" panose="020B0600070205080204" pitchFamily="34" charset="-128"/>
-                <a:ea typeface="MS UI Gothic" panose="020B0600070205080204" pitchFamily="34" charset="-128"/>
-                <a:cs typeface="Sakkal Majalla" panose="02000000000000000000"/>
-              </a:endParaRPr>
-            </a:p>
-          </p:txBody>
-        </p:sp>
-      </p:grpSp>
-      <p:pic>
-        <p:nvPicPr>
-          <p:cNvPr id="3074" name="Picture 2">
-            <a:extLst>
-              <a:ext uri="{FF2B5EF4-FFF2-40B4-BE49-F238E27FC236}">
-                <a16:creationId xmlns:a16="http://schemas.microsoft.com/office/drawing/2014/main" id="{73244501-6F88-824B-864B-395598C1B9AC}"/>
-              </a:ext>
-            </a:extLst>
-          </p:cNvPr>
-          <p:cNvPicPr>
-            <a:picLocks noChangeAspect="1" noChangeArrowheads="1"/>
-          </p:cNvPicPr>
-          <p:nvPr/>
-        </p:nvPicPr>
-        <p:blipFill>
-          <a:blip r:embed="rId3">
-            <a:extLst>
-              <a:ext uri="{28A0092B-C50C-407E-A947-70E740481C1C}">
-                <a14:useLocalDpi xmlns:a14="http://schemas.microsoft.com/office/drawing/2010/main" val="0"/>
-              </a:ext>
-            </a:extLst>
-          </a:blip>
-          <a:srcRect/>
-          <a:stretch>
-            <a:fillRect/>
-          </a:stretch>
-        </p:blipFill>
-        <p:spPr bwMode="auto">
-          <a:xfrm>
-            <a:off x="11004330" y="2003"/>
-            <a:ext cx="1187669" cy="1187669"/>
-          </a:xfrm>
-          <a:prstGeom prst="rect">
-            <a:avLst/>
-          </a:prstGeom>
-          <a:noFill/>
-          <a:extLst>
-            <a:ext uri="{909E8E84-426E-40DD-AFC4-6F175D3DCCD1}">
-              <a14:hiddenFill xmlns:a14="http://schemas.microsoft.com/office/drawing/2010/main">
-                <a:solidFill>
-                  <a:srgbClr val="FFFFFF"/>
-                </a:solidFill>
-              </a14:hiddenFill>
-            </a:ext>
-          </a:extLst>
-        </p:spPr>
-      </p:pic>
-    </p:spTree>
-    <p:extLst>
-      <p:ext uri="{BB962C8B-B14F-4D97-AF65-F5344CB8AC3E}">
-        <p14:creationId xmlns:p14="http://schemas.microsoft.com/office/powerpoint/2010/main" val="46499194"/>
-      </p:ext>
-    </p:extLst>
-  </p:cSld>
-  <p:clrMapOvr>
-    <a:masterClrMapping/>
-  </p:clrMapOvr>
-</p:sld>
-</file>
-
-<file path=ppt/slides/slide14.xml><?xml version="1.0" encoding="utf-8"?>
-<p:sld xmlns:a="http://schemas.openxmlformats.org/drawingml/2006/main" xmlns:r="http://schemas.openxmlformats.org/officeDocument/2006/relationships" xmlns:p="http://schemas.openxmlformats.org/presentationml/2006/main">
-  <p:cSld>
-    <p:spTree>
-      <p:nvGrpSpPr>
-        <p:cNvPr id="1" name=""/>
-        <p:cNvGrpSpPr/>
-        <p:nvPr/>
-      </p:nvGrpSpPr>
-      <p:grpSpPr>
-        <a:xfrm>
-          <a:off x="0" y="0"/>
-          <a:ext cx="0" cy="0"/>
-          <a:chOff x="0" y="0"/>
-          <a:chExt cx="0" cy="0"/>
-        </a:xfrm>
-      </p:grpSpPr>
-      <p:sp>
-        <p:nvSpPr>
-          <p:cNvPr id="3" name="Slide Number Placeholder 2"/>
-          <p:cNvSpPr>
-            <a:spLocks noGrp="1"/>
-          </p:cNvSpPr>
-          <p:nvPr>
-            <p:ph type="sldNum" sz="quarter" idx="12"/>
-          </p:nvPr>
-        </p:nvSpPr>
-        <p:spPr/>
-        <p:txBody>
-          <a:bodyPr/>
-          <a:lstStyle/>
-          <a:p>
-            <a:fld id="{9079F78B-7083-734C-A89B-42EBE544BB2A}" type="slidenum">
-              <a:rPr lang="en-US" smtClean="0"/>
-              <a:t>14</a:t>
-            </a:fld>
-            <a:endParaRPr lang="en-US"/>
-          </a:p>
-        </p:txBody>
-      </p:sp>
-      <p:grpSp>
-        <p:nvGrpSpPr>
-          <p:cNvPr id="14" name="Group 13"/>
-          <p:cNvGrpSpPr/>
-          <p:nvPr/>
-        </p:nvGrpSpPr>
-        <p:grpSpPr>
-          <a:xfrm rot="10800000">
-            <a:off x="429418" y="411016"/>
-            <a:ext cx="10101945" cy="862144"/>
-            <a:chOff x="3452437" y="1965113"/>
-            <a:chExt cx="5393583" cy="890750"/>
-          </a:xfrm>
-        </p:grpSpPr>
-        <p:sp>
-          <p:nvSpPr>
-            <p:cNvPr id="15" name="Rounded Rectangle 14"/>
-            <p:cNvSpPr/>
-            <p:nvPr/>
-          </p:nvSpPr>
-          <p:spPr bwMode="auto">
-            <a:xfrm rot="10800000" flipH="1">
-              <a:off x="3452437" y="1965113"/>
-              <a:ext cx="5393583" cy="890750"/>
-            </a:xfrm>
-            <a:prstGeom prst="roundRect">
-              <a:avLst>
-                <a:gd name="adj" fmla="val 10251"/>
-              </a:avLst>
-            </a:prstGeom>
-            <a:solidFill>
-              <a:schemeClr val="bg1"/>
-            </a:solidFill>
-            <a:ln w="12700">
-              <a:solidFill>
-                <a:srgbClr val="A29574"/>
-              </a:solidFill>
-            </a:ln>
-            <a:effectLst/>
-          </p:spPr>
-          <p:txBody>
-            <a:bodyPr rot="0" spcFirstLastPara="0" vertOverflow="overflow" horzOverflow="overflow" vert="horz" wrap="square" lIns="182880" tIns="45720" rIns="640080" bIns="45720" numCol="1" spcCol="0" rtlCol="0" fromWordArt="0" anchor="ctr" anchorCtr="0" forceAA="0" compatLnSpc="1">
-              <a:prstTxWarp prst="textNoShape">
-                <a:avLst/>
-              </a:prstTxWarp>
-              <a:noAutofit/>
-            </a:bodyPr>
-            <a:lstStyle/>
-            <a:p>
-              <a:r>
-                <a:rPr lang="en-US" sz="3200" dirty="0">
-                  <a:solidFill>
-                    <a:srgbClr val="0474EF"/>
-                  </a:solidFill>
-                  <a:cs typeface="Univers Next Arabic" panose="020B0503030202020203" pitchFamily="34" charset="-78"/>
-                </a:rPr>
                 <a:t>Sample Code[DAO]</a:t>
               </a:r>
             </a:p>
@@ -6611,6 +6244,114 @@
           </a:extLst>
         </p:spPr>
       </p:pic>
+      <p:pic>
+        <p:nvPicPr>
+          <p:cNvPr id="4" name="Picture 3" descr="A screenshot of a cell phone&#10;&#10;Description automatically generated">
+            <a:extLst>
+              <a:ext uri="{FF2B5EF4-FFF2-40B4-BE49-F238E27FC236}">
+                <a16:creationId xmlns:a16="http://schemas.microsoft.com/office/drawing/2014/main" id="{F4CF8DAD-BFBC-7B41-85BD-1AD2E5D8722E}"/>
+              </a:ext>
+            </a:extLst>
+          </p:cNvPr>
+          <p:cNvPicPr>
+            <a:picLocks noChangeAspect="1"/>
+          </p:cNvPicPr>
+          <p:nvPr/>
+        </p:nvPicPr>
+        <p:blipFill>
+          <a:blip r:embed="rId4">
+            <a:extLst>
+              <a:ext uri="{28A0092B-C50C-407E-A947-70E740481C1C}">
+                <a14:useLocalDpi xmlns:a14="http://schemas.microsoft.com/office/drawing/2010/main" val="0"/>
+              </a:ext>
+            </a:extLst>
+          </a:blip>
+          <a:stretch>
+            <a:fillRect/>
+          </a:stretch>
+        </p:blipFill>
+        <p:spPr>
+          <a:xfrm>
+            <a:off x="429418" y="1318465"/>
+            <a:ext cx="5666582" cy="3752850"/>
+          </a:xfrm>
+          <a:prstGeom prst="rect">
+            <a:avLst/>
+          </a:prstGeom>
+        </p:spPr>
+      </p:pic>
+      <p:pic>
+        <p:nvPicPr>
+          <p:cNvPr id="6" name="Picture 5" descr="A screenshot of a cell phone&#10;&#10;Description automatically generated">
+            <a:extLst>
+              <a:ext uri="{FF2B5EF4-FFF2-40B4-BE49-F238E27FC236}">
+                <a16:creationId xmlns:a16="http://schemas.microsoft.com/office/drawing/2014/main" id="{D2F056A9-3360-7041-A0DC-F31847872D15}"/>
+              </a:ext>
+            </a:extLst>
+          </p:cNvPr>
+          <p:cNvPicPr>
+            <a:picLocks noChangeAspect="1"/>
+          </p:cNvPicPr>
+          <p:nvPr/>
+        </p:nvPicPr>
+        <p:blipFill>
+          <a:blip r:embed="rId5">
+            <a:extLst>
+              <a:ext uri="{28A0092B-C50C-407E-A947-70E740481C1C}">
+                <a14:useLocalDpi xmlns:a14="http://schemas.microsoft.com/office/drawing/2010/main" val="0"/>
+              </a:ext>
+            </a:extLst>
+          </a:blip>
+          <a:stretch>
+            <a:fillRect/>
+          </a:stretch>
+        </p:blipFill>
+        <p:spPr>
+          <a:xfrm>
+            <a:off x="6181836" y="1318465"/>
+            <a:ext cx="5493241" cy="3752850"/>
+          </a:xfrm>
+          <a:prstGeom prst="rect">
+            <a:avLst/>
+          </a:prstGeom>
+        </p:spPr>
+      </p:pic>
+      <p:pic>
+        <p:nvPicPr>
+          <p:cNvPr id="8" name="Picture 7" descr="A screen shot of a social media post&#10;&#10;Description automatically generated">
+            <a:extLst>
+              <a:ext uri="{FF2B5EF4-FFF2-40B4-BE49-F238E27FC236}">
+                <a16:creationId xmlns:a16="http://schemas.microsoft.com/office/drawing/2014/main" id="{A53D40B6-17D7-1549-9B90-93934670DA4E}"/>
+              </a:ext>
+            </a:extLst>
+          </p:cNvPr>
+          <p:cNvPicPr>
+            <a:picLocks noChangeAspect="1"/>
+          </p:cNvPicPr>
+          <p:nvPr/>
+        </p:nvPicPr>
+        <p:blipFill>
+          <a:blip r:embed="rId6">
+            <a:extLst>
+              <a:ext uri="{28A0092B-C50C-407E-A947-70E740481C1C}">
+                <a14:useLocalDpi xmlns:a14="http://schemas.microsoft.com/office/drawing/2010/main" val="0"/>
+              </a:ext>
+            </a:extLst>
+          </a:blip>
+          <a:stretch>
+            <a:fillRect/>
+          </a:stretch>
+        </p:blipFill>
+        <p:spPr>
+          <a:xfrm>
+            <a:off x="2582481" y="5087081"/>
+            <a:ext cx="7198710" cy="1657892"/>
+          </a:xfrm>
+          <a:prstGeom prst="rect">
+            <a:avLst/>
+          </a:prstGeom>
+        </p:spPr>
+      </p:pic>
     </p:spTree>
     <p:extLst>
       <p:ext uri="{BB962C8B-B14F-4D97-AF65-F5344CB8AC3E}">
@@ -6624,7 +6365,7 @@
 </p:sld>
 </file>
 
-<file path=ppt/slides/slide15.xml><?xml version="1.0" encoding="utf-8"?>
+<file path=ppt/slides/slide14.xml><?xml version="1.0" encoding="utf-8"?>
 <p:sld xmlns:a="http://schemas.openxmlformats.org/drawingml/2006/main" xmlns:r="http://schemas.openxmlformats.org/officeDocument/2006/relationships" xmlns:p="http://schemas.openxmlformats.org/presentationml/2006/main">
   <p:cSld>
     <p:spTree>
@@ -6658,204 +6399,7 @@
           <a:p>
             <a:fld id="{9079F78B-7083-734C-A89B-42EBE544BB2A}" type="slidenum">
               <a:rPr lang="en-US" smtClean="0"/>
-              <a:t>15</a:t>
-            </a:fld>
-            <a:endParaRPr lang="en-US"/>
-          </a:p>
-        </p:txBody>
-      </p:sp>
-      <p:grpSp>
-        <p:nvGrpSpPr>
-          <p:cNvPr id="14" name="Group 13"/>
-          <p:cNvGrpSpPr/>
-          <p:nvPr/>
-        </p:nvGrpSpPr>
-        <p:grpSpPr>
-          <a:xfrm rot="10800000">
-            <a:off x="429418" y="411016"/>
-            <a:ext cx="10101945" cy="862144"/>
-            <a:chOff x="3452437" y="1965113"/>
-            <a:chExt cx="5393583" cy="890750"/>
-          </a:xfrm>
-        </p:grpSpPr>
-        <p:sp>
-          <p:nvSpPr>
-            <p:cNvPr id="15" name="Rounded Rectangle 14"/>
-            <p:cNvSpPr/>
-            <p:nvPr/>
-          </p:nvSpPr>
-          <p:spPr bwMode="auto">
-            <a:xfrm rot="10800000" flipH="1">
-              <a:off x="3452437" y="1965113"/>
-              <a:ext cx="5393583" cy="890750"/>
-            </a:xfrm>
-            <a:prstGeom prst="roundRect">
-              <a:avLst>
-                <a:gd name="adj" fmla="val 10251"/>
-              </a:avLst>
-            </a:prstGeom>
-            <a:solidFill>
-              <a:schemeClr val="bg1"/>
-            </a:solidFill>
-            <a:ln w="12700">
-              <a:solidFill>
-                <a:srgbClr val="A29574"/>
-              </a:solidFill>
-            </a:ln>
-            <a:effectLst/>
-          </p:spPr>
-          <p:txBody>
-            <a:bodyPr rot="0" spcFirstLastPara="0" vertOverflow="overflow" horzOverflow="overflow" vert="horz" wrap="square" lIns="182880" tIns="45720" rIns="640080" bIns="45720" numCol="1" spcCol="0" rtlCol="0" fromWordArt="0" anchor="ctr" anchorCtr="0" forceAA="0" compatLnSpc="1">
-              <a:prstTxWarp prst="textNoShape">
-                <a:avLst/>
-              </a:prstTxWarp>
-              <a:noAutofit/>
-            </a:bodyPr>
-            <a:lstStyle/>
-            <a:p>
-              <a:r>
-                <a:rPr lang="en-US" sz="3200" dirty="0">
-                  <a:solidFill>
-                    <a:srgbClr val="0474EF"/>
-                  </a:solidFill>
-                  <a:cs typeface="Univers Next Arabic" panose="020B0503030202020203" pitchFamily="34" charset="-78"/>
-                </a:rPr>
-                <a:t>Sample Code[Service]</a:t>
-              </a:r>
-            </a:p>
-          </p:txBody>
-        </p:sp>
-        <p:sp>
-          <p:nvSpPr>
-            <p:cNvPr id="16" name="Rectangle 15"/>
-            <p:cNvSpPr/>
-            <p:nvPr/>
-          </p:nvSpPr>
-          <p:spPr>
-            <a:xfrm flipH="1" flipV="1">
-              <a:off x="3640142" y="2156251"/>
-              <a:ext cx="4948159" cy="461665"/>
-            </a:xfrm>
-            <a:prstGeom prst="rect">
-              <a:avLst/>
-            </a:prstGeom>
-          </p:spPr>
-          <p:txBody>
-            <a:bodyPr wrap="square">
-              <a:spAutoFit/>
-            </a:bodyPr>
-            <a:lstStyle/>
-            <a:p>
-              <a:pPr marL="0" algn="l" defTabSz="914400" rtl="0" eaLnBrk="1" latinLnBrk="0" hangingPunct="1"/>
-              <a:endParaRPr lang="en-US" sz="2400" b="1" dirty="0">
-                <a:solidFill>
-                  <a:schemeClr val="bg1">
-                    <a:lumMod val="50000"/>
-                  </a:schemeClr>
-                </a:solidFill>
-                <a:latin typeface="MS UI Gothic" panose="020B0600070205080204" pitchFamily="34" charset="-128"/>
-                <a:ea typeface="MS UI Gothic" panose="020B0600070205080204" pitchFamily="34" charset="-128"/>
-                <a:cs typeface="Sakkal Majalla" panose="02000000000000000000"/>
-              </a:endParaRPr>
-            </a:p>
-          </p:txBody>
-        </p:sp>
-      </p:grpSp>
-      <p:pic>
-        <p:nvPicPr>
-          <p:cNvPr id="3074" name="Picture 2">
-            <a:extLst>
-              <a:ext uri="{FF2B5EF4-FFF2-40B4-BE49-F238E27FC236}">
-                <a16:creationId xmlns:a16="http://schemas.microsoft.com/office/drawing/2014/main" id="{73244501-6F88-824B-864B-395598C1B9AC}"/>
-              </a:ext>
-            </a:extLst>
-          </p:cNvPr>
-          <p:cNvPicPr>
-            <a:picLocks noChangeAspect="1" noChangeArrowheads="1"/>
-          </p:cNvPicPr>
-          <p:nvPr/>
-        </p:nvPicPr>
-        <p:blipFill>
-          <a:blip r:embed="rId3">
-            <a:extLst>
-              <a:ext uri="{28A0092B-C50C-407E-A947-70E740481C1C}">
-                <a14:useLocalDpi xmlns:a14="http://schemas.microsoft.com/office/drawing/2010/main" val="0"/>
-              </a:ext>
-            </a:extLst>
-          </a:blip>
-          <a:srcRect/>
-          <a:stretch>
-            <a:fillRect/>
-          </a:stretch>
-        </p:blipFill>
-        <p:spPr bwMode="auto">
-          <a:xfrm>
-            <a:off x="11004330" y="2003"/>
-            <a:ext cx="1187669" cy="1187669"/>
-          </a:xfrm>
-          <a:prstGeom prst="rect">
-            <a:avLst/>
-          </a:prstGeom>
-          <a:noFill/>
-          <a:extLst>
-            <a:ext uri="{909E8E84-426E-40DD-AFC4-6F175D3DCCD1}">
-              <a14:hiddenFill xmlns:a14="http://schemas.microsoft.com/office/drawing/2010/main">
-                <a:solidFill>
-                  <a:srgbClr val="FFFFFF"/>
-                </a:solidFill>
-              </a14:hiddenFill>
-            </a:ext>
-          </a:extLst>
-        </p:spPr>
-      </p:pic>
-    </p:spTree>
-    <p:extLst>
-      <p:ext uri="{BB962C8B-B14F-4D97-AF65-F5344CB8AC3E}">
-        <p14:creationId xmlns:p14="http://schemas.microsoft.com/office/powerpoint/2010/main" val="636297252"/>
-      </p:ext>
-    </p:extLst>
-  </p:cSld>
-  <p:clrMapOvr>
-    <a:masterClrMapping/>
-  </p:clrMapOvr>
-</p:sld>
-</file>
-
-<file path=ppt/slides/slide16.xml><?xml version="1.0" encoding="utf-8"?>
-<p:sld xmlns:a="http://schemas.openxmlformats.org/drawingml/2006/main" xmlns:r="http://schemas.openxmlformats.org/officeDocument/2006/relationships" xmlns:p="http://schemas.openxmlformats.org/presentationml/2006/main">
-  <p:cSld>
-    <p:spTree>
-      <p:nvGrpSpPr>
-        <p:cNvPr id="1" name=""/>
-        <p:cNvGrpSpPr/>
-        <p:nvPr/>
-      </p:nvGrpSpPr>
-      <p:grpSpPr>
-        <a:xfrm>
-          <a:off x="0" y="0"/>
-          <a:ext cx="0" cy="0"/>
-          <a:chOff x="0" y="0"/>
-          <a:chExt cx="0" cy="0"/>
-        </a:xfrm>
-      </p:grpSpPr>
-      <p:sp>
-        <p:nvSpPr>
-          <p:cNvPr id="3" name="Slide Number Placeholder 2"/>
-          <p:cNvSpPr>
-            <a:spLocks noGrp="1"/>
-          </p:cNvSpPr>
-          <p:nvPr>
-            <p:ph type="sldNum" sz="quarter" idx="12"/>
-          </p:nvPr>
-        </p:nvSpPr>
-        <p:spPr/>
-        <p:txBody>
-          <a:bodyPr/>
-          <a:lstStyle/>
-          <a:p>
-            <a:fld id="{9079F78B-7083-734C-A89B-42EBE544BB2A}" type="slidenum">
-              <a:rPr lang="en-US" smtClean="0"/>
-              <a:t>16</a:t>
+              <a:t>14</a:t>
             </a:fld>
             <a:endParaRPr lang="en-US"/>
           </a:p>
@@ -7005,6 +6549,114 @@
           </a:extLst>
         </p:spPr>
       </p:pic>
+      <p:pic>
+        <p:nvPicPr>
+          <p:cNvPr id="7" name="Picture 6" descr="A screenshot of a cell phone&#10;&#10;Description automatically generated">
+            <a:extLst>
+              <a:ext uri="{FF2B5EF4-FFF2-40B4-BE49-F238E27FC236}">
+                <a16:creationId xmlns:a16="http://schemas.microsoft.com/office/drawing/2014/main" id="{D28397B5-C1A7-6C49-B778-4AC56338D4A3}"/>
+              </a:ext>
+            </a:extLst>
+          </p:cNvPr>
+          <p:cNvPicPr>
+            <a:picLocks noChangeAspect="1"/>
+          </p:cNvPicPr>
+          <p:nvPr/>
+        </p:nvPicPr>
+        <p:blipFill>
+          <a:blip r:embed="rId4">
+            <a:extLst>
+              <a:ext uri="{28A0092B-C50C-407E-A947-70E740481C1C}">
+                <a14:useLocalDpi xmlns:a14="http://schemas.microsoft.com/office/drawing/2010/main" val="0"/>
+              </a:ext>
+            </a:extLst>
+          </a:blip>
+          <a:stretch>
+            <a:fillRect/>
+          </a:stretch>
+        </p:blipFill>
+        <p:spPr>
+          <a:xfrm>
+            <a:off x="177170" y="2365607"/>
+            <a:ext cx="3665759" cy="2832053"/>
+          </a:xfrm>
+          <a:prstGeom prst="rect">
+            <a:avLst/>
+          </a:prstGeom>
+        </p:spPr>
+      </p:pic>
+      <p:pic>
+        <p:nvPicPr>
+          <p:cNvPr id="8" name="Picture 7" descr="A screenshot of a cell phone&#10;&#10;Description automatically generated">
+            <a:extLst>
+              <a:ext uri="{FF2B5EF4-FFF2-40B4-BE49-F238E27FC236}">
+                <a16:creationId xmlns:a16="http://schemas.microsoft.com/office/drawing/2014/main" id="{4F625972-3294-4348-B80D-719B9F2A9F43}"/>
+              </a:ext>
+            </a:extLst>
+          </p:cNvPr>
+          <p:cNvPicPr>
+            <a:picLocks noChangeAspect="1"/>
+          </p:cNvPicPr>
+          <p:nvPr/>
+        </p:nvPicPr>
+        <p:blipFill>
+          <a:blip r:embed="rId5">
+            <a:extLst>
+              <a:ext uri="{28A0092B-C50C-407E-A947-70E740481C1C}">
+                <a14:useLocalDpi xmlns:a14="http://schemas.microsoft.com/office/drawing/2010/main" val="0"/>
+              </a:ext>
+            </a:extLst>
+          </a:blip>
+          <a:stretch>
+            <a:fillRect/>
+          </a:stretch>
+        </p:blipFill>
+        <p:spPr>
+          <a:xfrm>
+            <a:off x="3963708" y="2365607"/>
+            <a:ext cx="3769313" cy="2832053"/>
+          </a:xfrm>
+          <a:prstGeom prst="rect">
+            <a:avLst/>
+          </a:prstGeom>
+        </p:spPr>
+      </p:pic>
+      <p:pic>
+        <p:nvPicPr>
+          <p:cNvPr id="9" name="Picture 8" descr="A screenshot of a cell phone&#10;&#10;Description automatically generated">
+            <a:extLst>
+              <a:ext uri="{FF2B5EF4-FFF2-40B4-BE49-F238E27FC236}">
+                <a16:creationId xmlns:a16="http://schemas.microsoft.com/office/drawing/2014/main" id="{6706D766-65A2-3548-AEEC-5D879EA40C7A}"/>
+              </a:ext>
+            </a:extLst>
+          </p:cNvPr>
+          <p:cNvPicPr>
+            <a:picLocks noChangeAspect="1"/>
+          </p:cNvPicPr>
+          <p:nvPr/>
+        </p:nvPicPr>
+        <p:blipFill>
+          <a:blip r:embed="rId6">
+            <a:extLst>
+              <a:ext uri="{28A0092B-C50C-407E-A947-70E740481C1C}">
+                <a14:useLocalDpi xmlns:a14="http://schemas.microsoft.com/office/drawing/2010/main" val="0"/>
+              </a:ext>
+            </a:extLst>
+          </a:blip>
+          <a:stretch>
+            <a:fillRect/>
+          </a:stretch>
+        </p:blipFill>
+        <p:spPr>
+          <a:xfrm>
+            <a:off x="7853800" y="2365607"/>
+            <a:ext cx="3769313" cy="2832053"/>
+          </a:xfrm>
+          <a:prstGeom prst="rect">
+            <a:avLst/>
+          </a:prstGeom>
+        </p:spPr>
+      </p:pic>
     </p:spTree>
     <p:extLst>
       <p:ext uri="{BB962C8B-B14F-4D97-AF65-F5344CB8AC3E}">
@@ -7018,7 +6670,7 @@
 </p:sld>
 </file>
 
-<file path=ppt/slides/slide17.xml><?xml version="1.0" encoding="utf-8"?>
+<file path=ppt/slides/slide15.xml><?xml version="1.0" encoding="utf-8"?>
 <p:sld xmlns:a="http://schemas.openxmlformats.org/drawingml/2006/main" xmlns:r="http://schemas.openxmlformats.org/officeDocument/2006/relationships" xmlns:p="http://schemas.openxmlformats.org/presentationml/2006/main">
   <p:cSld>
     <p:spTree>
@@ -7052,7 +6704,7 @@
           <a:p>
             <a:fld id="{9079F78B-7083-734C-A89B-42EBE544BB2A}" type="slidenum">
               <a:rPr lang="en-US" smtClean="0"/>
-              <a:t>17</a:t>
+              <a:t>15</a:t>
             </a:fld>
             <a:endParaRPr lang="en-US"/>
           </a:p>
@@ -7202,6 +6854,42 @@
           </a:extLst>
         </p:spPr>
       </p:pic>
+      <p:pic>
+        <p:nvPicPr>
+          <p:cNvPr id="4" name="Picture 3" descr="A screen shot of a smart phone&#10;&#10;Description automatically generated">
+            <a:extLst>
+              <a:ext uri="{FF2B5EF4-FFF2-40B4-BE49-F238E27FC236}">
+                <a16:creationId xmlns:a16="http://schemas.microsoft.com/office/drawing/2014/main" id="{E716988A-03FC-E44F-AD91-A0DEA3FEFA47}"/>
+              </a:ext>
+            </a:extLst>
+          </p:cNvPr>
+          <p:cNvPicPr>
+            <a:picLocks noChangeAspect="1"/>
+          </p:cNvPicPr>
+          <p:nvPr/>
+        </p:nvPicPr>
+        <p:blipFill>
+          <a:blip r:embed="rId4">
+            <a:extLst>
+              <a:ext uri="{28A0092B-C50C-407E-A947-70E740481C1C}">
+                <a14:useLocalDpi xmlns:a14="http://schemas.microsoft.com/office/drawing/2010/main" val="0"/>
+              </a:ext>
+            </a:extLst>
+          </a:blip>
+          <a:stretch>
+            <a:fillRect/>
+          </a:stretch>
+        </p:blipFill>
+        <p:spPr>
+          <a:xfrm>
+            <a:off x="2171700" y="1427016"/>
+            <a:ext cx="7848600" cy="4610100"/>
+          </a:xfrm>
+          <a:prstGeom prst="rect">
+            <a:avLst/>
+          </a:prstGeom>
+        </p:spPr>
+      </p:pic>
     </p:spTree>
     <p:extLst>
       <p:ext uri="{BB962C8B-B14F-4D97-AF65-F5344CB8AC3E}">
@@ -7215,7 +6903,7 @@
 </p:sld>
 </file>
 
-<file path=ppt/slides/slide18.xml><?xml version="1.0" encoding="utf-8"?>
+<file path=ppt/slides/slide16.xml><?xml version="1.0" encoding="utf-8"?>
 <p:sld xmlns:a="http://schemas.openxmlformats.org/drawingml/2006/main" xmlns:r="http://schemas.openxmlformats.org/officeDocument/2006/relationships" xmlns:p="http://schemas.openxmlformats.org/presentationml/2006/main">
   <p:cSld>
     <p:spTree>
@@ -7249,7 +6937,7 @@
           <a:p>
             <a:fld id="{9079F78B-7083-734C-A89B-42EBE544BB2A}" type="slidenum">
               <a:rPr lang="en-US" smtClean="0"/>
-              <a:t>18</a:t>
+              <a:t>16</a:t>
             </a:fld>
             <a:endParaRPr lang="en-US"/>
           </a:p>
@@ -7412,7 +7100,7 @@
 </p:sld>
 </file>
 
-<file path=ppt/slides/slide19.xml><?xml version="1.0" encoding="utf-8"?>
+<file path=ppt/slides/slide17.xml><?xml version="1.0" encoding="utf-8"?>
 <p:sld xmlns:a="http://schemas.openxmlformats.org/drawingml/2006/main" xmlns:r="http://schemas.openxmlformats.org/officeDocument/2006/relationships" xmlns:p="http://schemas.openxmlformats.org/presentationml/2006/main">
   <p:cSld>
     <p:spTree>
@@ -7446,7 +7134,7 @@
           <a:p>
             <a:fld id="{9079F78B-7083-734C-A89B-42EBE544BB2A}" type="slidenum">
               <a:rPr lang="en-US" smtClean="0"/>
-              <a:t>19</a:t>
+              <a:t>17</a:t>
             </a:fld>
             <a:endParaRPr lang="en-US"/>
           </a:p>
@@ -7832,6 +7520,203 @@
     <p:extLst>
       <p:ext uri="{BB962C8B-B14F-4D97-AF65-F5344CB8AC3E}">
         <p14:creationId xmlns:p14="http://schemas.microsoft.com/office/powerpoint/2010/main" val="488739529"/>
+      </p:ext>
+    </p:extLst>
+  </p:cSld>
+  <p:clrMapOvr>
+    <a:masterClrMapping/>
+  </p:clrMapOvr>
+</p:sld>
+</file>
+
+<file path=ppt/slides/slide18.xml><?xml version="1.0" encoding="utf-8"?>
+<p:sld xmlns:a="http://schemas.openxmlformats.org/drawingml/2006/main" xmlns:r="http://schemas.openxmlformats.org/officeDocument/2006/relationships" xmlns:p="http://schemas.openxmlformats.org/presentationml/2006/main">
+  <p:cSld>
+    <p:spTree>
+      <p:nvGrpSpPr>
+        <p:cNvPr id="1" name=""/>
+        <p:cNvGrpSpPr/>
+        <p:nvPr/>
+      </p:nvGrpSpPr>
+      <p:grpSpPr>
+        <a:xfrm>
+          <a:off x="0" y="0"/>
+          <a:ext cx="0" cy="0"/>
+          <a:chOff x="0" y="0"/>
+          <a:chExt cx="0" cy="0"/>
+        </a:xfrm>
+      </p:grpSpPr>
+      <p:sp>
+        <p:nvSpPr>
+          <p:cNvPr id="3" name="Slide Number Placeholder 2"/>
+          <p:cNvSpPr>
+            <a:spLocks noGrp="1"/>
+          </p:cNvSpPr>
+          <p:nvPr>
+            <p:ph type="sldNum" sz="quarter" idx="12"/>
+          </p:nvPr>
+        </p:nvSpPr>
+        <p:spPr/>
+        <p:txBody>
+          <a:bodyPr/>
+          <a:lstStyle/>
+          <a:p>
+            <a:fld id="{9079F78B-7083-734C-A89B-42EBE544BB2A}" type="slidenum">
+              <a:rPr lang="en-US" smtClean="0"/>
+              <a:t>18</a:t>
+            </a:fld>
+            <a:endParaRPr lang="en-US"/>
+          </a:p>
+        </p:txBody>
+      </p:sp>
+      <p:grpSp>
+        <p:nvGrpSpPr>
+          <p:cNvPr id="14" name="Group 13"/>
+          <p:cNvGrpSpPr/>
+          <p:nvPr/>
+        </p:nvGrpSpPr>
+        <p:grpSpPr>
+          <a:xfrm rot="10800000">
+            <a:off x="2916620" y="1189672"/>
+            <a:ext cx="11740585" cy="2752456"/>
+            <a:chOff x="3640142" y="-400330"/>
+            <a:chExt cx="6268478" cy="3018246"/>
+          </a:xfrm>
+        </p:grpSpPr>
+        <p:sp>
+          <p:nvSpPr>
+            <p:cNvPr id="15" name="Rounded Rectangle 14"/>
+            <p:cNvSpPr/>
+            <p:nvPr/>
+          </p:nvSpPr>
+          <p:spPr bwMode="auto">
+            <a:xfrm rot="10800000" flipH="1">
+              <a:off x="6625814" y="-400330"/>
+              <a:ext cx="3282806" cy="890750"/>
+            </a:xfrm>
+            <a:prstGeom prst="roundRect">
+              <a:avLst>
+                <a:gd name="adj" fmla="val 10251"/>
+              </a:avLst>
+            </a:prstGeom>
+            <a:solidFill>
+              <a:schemeClr val="bg1"/>
+            </a:solidFill>
+            <a:ln w="12700">
+              <a:solidFill>
+                <a:srgbClr val="A29574"/>
+              </a:solidFill>
+            </a:ln>
+            <a:effectLst/>
+          </p:spPr>
+          <p:txBody>
+            <a:bodyPr rot="0" spcFirstLastPara="0" vertOverflow="overflow" horzOverflow="overflow" vert="horz" wrap="square" lIns="182880" tIns="45720" rIns="640080" bIns="45720" numCol="1" spcCol="0" rtlCol="0" fromWordArt="0" anchor="ctr" anchorCtr="0" forceAA="0" compatLnSpc="1">
+              <a:prstTxWarp prst="textNoShape">
+                <a:avLst/>
+              </a:prstTxWarp>
+              <a:noAutofit/>
+            </a:bodyPr>
+            <a:lstStyle/>
+            <a:p>
+              <a:r>
+                <a:rPr lang="en-US" sz="3200" dirty="0">
+                  <a:solidFill>
+                    <a:srgbClr val="0474EF"/>
+                  </a:solidFill>
+                  <a:cs typeface="Univers Next Arabic" panose="020B0503030202020203" pitchFamily="34" charset="-78"/>
+                </a:rPr>
+                <a:t>Thank You</a:t>
+              </a:r>
+            </a:p>
+          </p:txBody>
+        </p:sp>
+        <p:sp>
+          <p:nvSpPr>
+            <p:cNvPr id="16" name="Rectangle 15"/>
+            <p:cNvSpPr/>
+            <p:nvPr/>
+          </p:nvSpPr>
+          <p:spPr>
+            <a:xfrm flipH="1" flipV="1">
+              <a:off x="3640142" y="2156251"/>
+              <a:ext cx="4948159" cy="461665"/>
+            </a:xfrm>
+            <a:prstGeom prst="rect">
+              <a:avLst/>
+            </a:prstGeom>
+          </p:spPr>
+          <p:txBody>
+            <a:bodyPr wrap="square">
+              <a:spAutoFit/>
+            </a:bodyPr>
+            <a:lstStyle/>
+            <a:p>
+              <a:pPr marL="0" algn="l" defTabSz="914400" rtl="0" eaLnBrk="1" latinLnBrk="0" hangingPunct="1"/>
+              <a:endParaRPr lang="en-US" sz="2400" b="1" dirty="0">
+                <a:solidFill>
+                  <a:schemeClr val="bg1">
+                    <a:lumMod val="50000"/>
+                  </a:schemeClr>
+                </a:solidFill>
+                <a:latin typeface="MS UI Gothic" panose="020B0600070205080204" pitchFamily="34" charset="-128"/>
+                <a:ea typeface="MS UI Gothic" panose="020B0600070205080204" pitchFamily="34" charset="-128"/>
+                <a:cs typeface="Sakkal Majalla" panose="02000000000000000000"/>
+              </a:endParaRPr>
+            </a:p>
+          </p:txBody>
+        </p:sp>
+      </p:grpSp>
+      <p:pic>
+        <p:nvPicPr>
+          <p:cNvPr id="3074" name="Picture 2">
+            <a:extLst>
+              <a:ext uri="{FF2B5EF4-FFF2-40B4-BE49-F238E27FC236}">
+                <a16:creationId xmlns:a16="http://schemas.microsoft.com/office/drawing/2014/main" id="{73244501-6F88-824B-864B-395598C1B9AC}"/>
+              </a:ext>
+            </a:extLst>
+          </p:cNvPr>
+          <p:cNvPicPr>
+            <a:picLocks noChangeAspect="1" noChangeArrowheads="1"/>
+          </p:cNvPicPr>
+          <p:nvPr/>
+        </p:nvPicPr>
+        <p:blipFill>
+          <a:blip r:embed="rId3">
+            <a:extLst>
+              <a:ext uri="{28A0092B-C50C-407E-A947-70E740481C1C}">
+                <a14:useLocalDpi xmlns:a14="http://schemas.microsoft.com/office/drawing/2010/main" val="0"/>
+              </a:ext>
+            </a:extLst>
+          </a:blip>
+          <a:srcRect/>
+          <a:stretch>
+            <a:fillRect/>
+          </a:stretch>
+        </p:blipFill>
+        <p:spPr bwMode="auto">
+          <a:xfrm>
+            <a:off x="11004330" y="2003"/>
+            <a:ext cx="1187669" cy="1187669"/>
+          </a:xfrm>
+          <a:prstGeom prst="rect">
+            <a:avLst/>
+          </a:prstGeom>
+          <a:noFill/>
+          <a:extLst>
+            <a:ext uri="{909E8E84-426E-40DD-AFC4-6F175D3DCCD1}">
+              <a14:hiddenFill xmlns:a14="http://schemas.microsoft.com/office/drawing/2010/main">
+                <a:solidFill>
+                  <a:srgbClr val="FFFFFF"/>
+                </a:solidFill>
+              </a14:hiddenFill>
+            </a:ext>
+          </a:extLst>
+        </p:spPr>
+      </p:pic>
+    </p:spTree>
+    <p:extLst>
+      <p:ext uri="{BB962C8B-B14F-4D97-AF65-F5344CB8AC3E}">
+        <p14:creationId xmlns:p14="http://schemas.microsoft.com/office/powerpoint/2010/main" val="3096633496"/>
       </p:ext>
     </p:extLst>
   </p:cSld>
@@ -8173,20 +8058,7 @@
                 <a:latin typeface="Univers Next Arabic" panose="020B0503030202020203" pitchFamily="34" charset="-78"/>
                 <a:cs typeface="Univers Next Arabic" panose="020B0503030202020203" pitchFamily="34" charset="-78"/>
               </a:rPr>
-              <a:t>Ghadeer</a:t>
-            </a:r>
-          </a:p>
-          <a:p>
-            <a:pPr marL="457200" indent="-457200">
-              <a:buFont typeface="Wingdings" panose="05000000000000000000" pitchFamily="2" charset="2"/>
-              <a:buChar char="§"/>
-            </a:pPr>
-            <a:r>
-              <a:rPr lang="en-GB" sz="3200" dirty="0">
-                <a:latin typeface="Univers Next Arabic" panose="020B0503030202020203" pitchFamily="34" charset="-78"/>
-                <a:cs typeface="Univers Next Arabic" panose="020B0503030202020203" pitchFamily="34" charset="-78"/>
-              </a:rPr>
-              <a:t>Lama Bander</a:t>
+              <a:t>Abdullah</a:t>
             </a:r>
           </a:p>
           <a:p>
@@ -8212,7 +8084,20 @@
                 <a:latin typeface="Univers Next Arabic" panose="020B0503030202020203" pitchFamily="34" charset="-78"/>
                 <a:cs typeface="Univers Next Arabic" panose="020B0503030202020203" pitchFamily="34" charset="-78"/>
               </a:rPr>
-              <a:t>Abdullah</a:t>
+              <a:t>Ghadeer</a:t>
+            </a:r>
+          </a:p>
+          <a:p>
+            <a:pPr marL="457200" indent="-457200">
+              <a:buFont typeface="Wingdings" panose="05000000000000000000" pitchFamily="2" charset="2"/>
+              <a:buChar char="§"/>
+            </a:pPr>
+            <a:r>
+              <a:rPr lang="en-GB" sz="3200" dirty="0">
+                <a:latin typeface="Univers Next Arabic" panose="020B0503030202020203" pitchFamily="34" charset="-78"/>
+                <a:cs typeface="Univers Next Arabic" panose="020B0503030202020203" pitchFamily="34" charset="-78"/>
+              </a:rPr>
+              <a:t>Lama Bandar</a:t>
             </a:r>
           </a:p>
         </p:txBody>
@@ -8268,203 +8153,6 @@
     <p:extLst>
       <p:ext uri="{BB962C8B-B14F-4D97-AF65-F5344CB8AC3E}">
         <p14:creationId xmlns:p14="http://schemas.microsoft.com/office/powerpoint/2010/main" val="1081918233"/>
-      </p:ext>
-    </p:extLst>
-  </p:cSld>
-  <p:clrMapOvr>
-    <a:masterClrMapping/>
-  </p:clrMapOvr>
-</p:sld>
-</file>
-
-<file path=ppt/slides/slide20.xml><?xml version="1.0" encoding="utf-8"?>
-<p:sld xmlns:a="http://schemas.openxmlformats.org/drawingml/2006/main" xmlns:r="http://schemas.openxmlformats.org/officeDocument/2006/relationships" xmlns:p="http://schemas.openxmlformats.org/presentationml/2006/main">
-  <p:cSld>
-    <p:spTree>
-      <p:nvGrpSpPr>
-        <p:cNvPr id="1" name=""/>
-        <p:cNvGrpSpPr/>
-        <p:nvPr/>
-      </p:nvGrpSpPr>
-      <p:grpSpPr>
-        <a:xfrm>
-          <a:off x="0" y="0"/>
-          <a:ext cx="0" cy="0"/>
-          <a:chOff x="0" y="0"/>
-          <a:chExt cx="0" cy="0"/>
-        </a:xfrm>
-      </p:grpSpPr>
-      <p:sp>
-        <p:nvSpPr>
-          <p:cNvPr id="3" name="Slide Number Placeholder 2"/>
-          <p:cNvSpPr>
-            <a:spLocks noGrp="1"/>
-          </p:cNvSpPr>
-          <p:nvPr>
-            <p:ph type="sldNum" sz="quarter" idx="12"/>
-          </p:nvPr>
-        </p:nvSpPr>
-        <p:spPr/>
-        <p:txBody>
-          <a:bodyPr/>
-          <a:lstStyle/>
-          <a:p>
-            <a:fld id="{9079F78B-7083-734C-A89B-42EBE544BB2A}" type="slidenum">
-              <a:rPr lang="en-US" smtClean="0"/>
-              <a:t>20</a:t>
-            </a:fld>
-            <a:endParaRPr lang="en-US"/>
-          </a:p>
-        </p:txBody>
-      </p:sp>
-      <p:grpSp>
-        <p:nvGrpSpPr>
-          <p:cNvPr id="14" name="Group 13"/>
-          <p:cNvGrpSpPr/>
-          <p:nvPr/>
-        </p:nvGrpSpPr>
-        <p:grpSpPr>
-          <a:xfrm rot="10800000">
-            <a:off x="2916620" y="1189672"/>
-            <a:ext cx="11740585" cy="2752456"/>
-            <a:chOff x="3640142" y="-400330"/>
-            <a:chExt cx="6268478" cy="3018246"/>
-          </a:xfrm>
-        </p:grpSpPr>
-        <p:sp>
-          <p:nvSpPr>
-            <p:cNvPr id="15" name="Rounded Rectangle 14"/>
-            <p:cNvSpPr/>
-            <p:nvPr/>
-          </p:nvSpPr>
-          <p:spPr bwMode="auto">
-            <a:xfrm rot="10800000" flipH="1">
-              <a:off x="6625814" y="-400330"/>
-              <a:ext cx="3282806" cy="890750"/>
-            </a:xfrm>
-            <a:prstGeom prst="roundRect">
-              <a:avLst>
-                <a:gd name="adj" fmla="val 10251"/>
-              </a:avLst>
-            </a:prstGeom>
-            <a:solidFill>
-              <a:schemeClr val="bg1"/>
-            </a:solidFill>
-            <a:ln w="12700">
-              <a:solidFill>
-                <a:srgbClr val="A29574"/>
-              </a:solidFill>
-            </a:ln>
-            <a:effectLst/>
-          </p:spPr>
-          <p:txBody>
-            <a:bodyPr rot="0" spcFirstLastPara="0" vertOverflow="overflow" horzOverflow="overflow" vert="horz" wrap="square" lIns="182880" tIns="45720" rIns="640080" bIns="45720" numCol="1" spcCol="0" rtlCol="0" fromWordArt="0" anchor="ctr" anchorCtr="0" forceAA="0" compatLnSpc="1">
-              <a:prstTxWarp prst="textNoShape">
-                <a:avLst/>
-              </a:prstTxWarp>
-              <a:noAutofit/>
-            </a:bodyPr>
-            <a:lstStyle/>
-            <a:p>
-              <a:r>
-                <a:rPr lang="en-US" sz="3200" dirty="0">
-                  <a:solidFill>
-                    <a:srgbClr val="0474EF"/>
-                  </a:solidFill>
-                  <a:cs typeface="Univers Next Arabic" panose="020B0503030202020203" pitchFamily="34" charset="-78"/>
-                </a:rPr>
-                <a:t>Thank You</a:t>
-              </a:r>
-            </a:p>
-          </p:txBody>
-        </p:sp>
-        <p:sp>
-          <p:nvSpPr>
-            <p:cNvPr id="16" name="Rectangle 15"/>
-            <p:cNvSpPr/>
-            <p:nvPr/>
-          </p:nvSpPr>
-          <p:spPr>
-            <a:xfrm flipH="1" flipV="1">
-              <a:off x="3640142" y="2156251"/>
-              <a:ext cx="4948159" cy="461665"/>
-            </a:xfrm>
-            <a:prstGeom prst="rect">
-              <a:avLst/>
-            </a:prstGeom>
-          </p:spPr>
-          <p:txBody>
-            <a:bodyPr wrap="square">
-              <a:spAutoFit/>
-            </a:bodyPr>
-            <a:lstStyle/>
-            <a:p>
-              <a:pPr marL="0" algn="l" defTabSz="914400" rtl="0" eaLnBrk="1" latinLnBrk="0" hangingPunct="1"/>
-              <a:endParaRPr lang="en-US" sz="2400" b="1" dirty="0">
-                <a:solidFill>
-                  <a:schemeClr val="bg1">
-                    <a:lumMod val="50000"/>
-                  </a:schemeClr>
-                </a:solidFill>
-                <a:latin typeface="MS UI Gothic" panose="020B0600070205080204" pitchFamily="34" charset="-128"/>
-                <a:ea typeface="MS UI Gothic" panose="020B0600070205080204" pitchFamily="34" charset="-128"/>
-                <a:cs typeface="Sakkal Majalla" panose="02000000000000000000"/>
-              </a:endParaRPr>
-            </a:p>
-          </p:txBody>
-        </p:sp>
-      </p:grpSp>
-      <p:pic>
-        <p:nvPicPr>
-          <p:cNvPr id="3074" name="Picture 2">
-            <a:extLst>
-              <a:ext uri="{FF2B5EF4-FFF2-40B4-BE49-F238E27FC236}">
-                <a16:creationId xmlns:a16="http://schemas.microsoft.com/office/drawing/2014/main" id="{73244501-6F88-824B-864B-395598C1B9AC}"/>
-              </a:ext>
-            </a:extLst>
-          </p:cNvPr>
-          <p:cNvPicPr>
-            <a:picLocks noChangeAspect="1" noChangeArrowheads="1"/>
-          </p:cNvPicPr>
-          <p:nvPr/>
-        </p:nvPicPr>
-        <p:blipFill>
-          <a:blip r:embed="rId3">
-            <a:extLst>
-              <a:ext uri="{28A0092B-C50C-407E-A947-70E740481C1C}">
-                <a14:useLocalDpi xmlns:a14="http://schemas.microsoft.com/office/drawing/2010/main" val="0"/>
-              </a:ext>
-            </a:extLst>
-          </a:blip>
-          <a:srcRect/>
-          <a:stretch>
-            <a:fillRect/>
-          </a:stretch>
-        </p:blipFill>
-        <p:spPr bwMode="auto">
-          <a:xfrm>
-            <a:off x="11004330" y="2003"/>
-            <a:ext cx="1187669" cy="1187669"/>
-          </a:xfrm>
-          <a:prstGeom prst="rect">
-            <a:avLst/>
-          </a:prstGeom>
-          <a:noFill/>
-          <a:extLst>
-            <a:ext uri="{909E8E84-426E-40DD-AFC4-6F175D3DCCD1}">
-              <a14:hiddenFill xmlns:a14="http://schemas.microsoft.com/office/drawing/2010/main">
-                <a:solidFill>
-                  <a:srgbClr val="FFFFFF"/>
-                </a:solidFill>
-              </a14:hiddenFill>
-            </a:ext>
-          </a:extLst>
-        </p:spPr>
-      </p:pic>
-    </p:spTree>
-    <p:extLst>
-      <p:ext uri="{BB962C8B-B14F-4D97-AF65-F5344CB8AC3E}">
-        <p14:creationId xmlns:p14="http://schemas.microsoft.com/office/powerpoint/2010/main" val="3096633496"/>
       </p:ext>
     </p:extLst>
   </p:cSld>

--- a/StudentWork/Besh/Project/TestHut Presentation.pptx
+++ b/StudentWork/Besh/Project/TestHut Presentation.pptx
@@ -23,8 +23,8 @@
     <p:sldId id="280" r:id="rId14"/>
     <p:sldId id="282" r:id="rId15"/>
     <p:sldId id="283" r:id="rId16"/>
-    <p:sldId id="284" r:id="rId17"/>
-    <p:sldId id="286" r:id="rId18"/>
+    <p:sldId id="286" r:id="rId17"/>
+    <p:sldId id="284" r:id="rId18"/>
     <p:sldId id="287" r:id="rId19"/>
   </p:sldIdLst>
   <p:sldSz cx="12192000" cy="6858000"/>
@@ -1143,7 +1143,7 @@
     </p:spTree>
     <p:extLst>
       <p:ext uri="{BB962C8B-B14F-4D97-AF65-F5344CB8AC3E}">
-        <p14:creationId xmlns:p14="http://schemas.microsoft.com/office/powerpoint/2010/main" val="4217668407"/>
+        <p14:creationId xmlns:p14="http://schemas.microsoft.com/office/powerpoint/2010/main" val="981949523"/>
       </p:ext>
     </p:extLst>
   </p:cSld>
@@ -1227,7 +1227,7 @@
     </p:spTree>
     <p:extLst>
       <p:ext uri="{BB962C8B-B14F-4D97-AF65-F5344CB8AC3E}">
-        <p14:creationId xmlns:p14="http://schemas.microsoft.com/office/powerpoint/2010/main" val="981949523"/>
+        <p14:creationId xmlns:p14="http://schemas.microsoft.com/office/powerpoint/2010/main" val="4217668407"/>
       </p:ext>
     </p:extLst>
   </p:cSld>
@@ -6951,203 +6951,6 @@
         </p:nvGrpSpPr>
         <p:grpSpPr>
           <a:xfrm rot="10800000">
-            <a:off x="2916620" y="1189672"/>
-            <a:ext cx="11740585" cy="2752456"/>
-            <a:chOff x="3640142" y="-400330"/>
-            <a:chExt cx="6268478" cy="3018246"/>
-          </a:xfrm>
-        </p:grpSpPr>
-        <p:sp>
-          <p:nvSpPr>
-            <p:cNvPr id="15" name="Rounded Rectangle 14"/>
-            <p:cNvSpPr/>
-            <p:nvPr/>
-          </p:nvSpPr>
-          <p:spPr bwMode="auto">
-            <a:xfrm rot="10800000" flipH="1">
-              <a:off x="6625814" y="-400330"/>
-              <a:ext cx="3282806" cy="890750"/>
-            </a:xfrm>
-            <a:prstGeom prst="roundRect">
-              <a:avLst>
-                <a:gd name="adj" fmla="val 10251"/>
-              </a:avLst>
-            </a:prstGeom>
-            <a:solidFill>
-              <a:schemeClr val="bg1"/>
-            </a:solidFill>
-            <a:ln w="12700">
-              <a:solidFill>
-                <a:srgbClr val="A29574"/>
-              </a:solidFill>
-            </a:ln>
-            <a:effectLst/>
-          </p:spPr>
-          <p:txBody>
-            <a:bodyPr rot="0" spcFirstLastPara="0" vertOverflow="overflow" horzOverflow="overflow" vert="horz" wrap="square" lIns="182880" tIns="45720" rIns="640080" bIns="45720" numCol="1" spcCol="0" rtlCol="0" fromWordArt="0" anchor="ctr" anchorCtr="0" forceAA="0" compatLnSpc="1">
-              <a:prstTxWarp prst="textNoShape">
-                <a:avLst/>
-              </a:prstTxWarp>
-              <a:noAutofit/>
-            </a:bodyPr>
-            <a:lstStyle/>
-            <a:p>
-              <a:r>
-                <a:rPr lang="en-US" sz="3200" dirty="0">
-                  <a:solidFill>
-                    <a:srgbClr val="0474EF"/>
-                  </a:solidFill>
-                  <a:cs typeface="Univers Next Arabic" panose="020B0503030202020203" pitchFamily="34" charset="-78"/>
-                </a:rPr>
-                <a:t>Live DEMO</a:t>
-              </a:r>
-            </a:p>
-          </p:txBody>
-        </p:sp>
-        <p:sp>
-          <p:nvSpPr>
-            <p:cNvPr id="16" name="Rectangle 15"/>
-            <p:cNvSpPr/>
-            <p:nvPr/>
-          </p:nvSpPr>
-          <p:spPr>
-            <a:xfrm flipH="1" flipV="1">
-              <a:off x="3640142" y="2156251"/>
-              <a:ext cx="4948159" cy="461665"/>
-            </a:xfrm>
-            <a:prstGeom prst="rect">
-              <a:avLst/>
-            </a:prstGeom>
-          </p:spPr>
-          <p:txBody>
-            <a:bodyPr wrap="square">
-              <a:spAutoFit/>
-            </a:bodyPr>
-            <a:lstStyle/>
-            <a:p>
-              <a:pPr marL="0" algn="l" defTabSz="914400" rtl="0" eaLnBrk="1" latinLnBrk="0" hangingPunct="1"/>
-              <a:endParaRPr lang="en-US" sz="2400" b="1" dirty="0">
-                <a:solidFill>
-                  <a:schemeClr val="bg1">
-                    <a:lumMod val="50000"/>
-                  </a:schemeClr>
-                </a:solidFill>
-                <a:latin typeface="MS UI Gothic" panose="020B0600070205080204" pitchFamily="34" charset="-128"/>
-                <a:ea typeface="MS UI Gothic" panose="020B0600070205080204" pitchFamily="34" charset="-128"/>
-                <a:cs typeface="Sakkal Majalla" panose="02000000000000000000"/>
-              </a:endParaRPr>
-            </a:p>
-          </p:txBody>
-        </p:sp>
-      </p:grpSp>
-      <p:pic>
-        <p:nvPicPr>
-          <p:cNvPr id="3074" name="Picture 2">
-            <a:extLst>
-              <a:ext uri="{FF2B5EF4-FFF2-40B4-BE49-F238E27FC236}">
-                <a16:creationId xmlns:a16="http://schemas.microsoft.com/office/drawing/2014/main" id="{73244501-6F88-824B-864B-395598C1B9AC}"/>
-              </a:ext>
-            </a:extLst>
-          </p:cNvPr>
-          <p:cNvPicPr>
-            <a:picLocks noChangeAspect="1" noChangeArrowheads="1"/>
-          </p:cNvPicPr>
-          <p:nvPr/>
-        </p:nvPicPr>
-        <p:blipFill>
-          <a:blip r:embed="rId3">
-            <a:extLst>
-              <a:ext uri="{28A0092B-C50C-407E-A947-70E740481C1C}">
-                <a14:useLocalDpi xmlns:a14="http://schemas.microsoft.com/office/drawing/2010/main" val="0"/>
-              </a:ext>
-            </a:extLst>
-          </a:blip>
-          <a:srcRect/>
-          <a:stretch>
-            <a:fillRect/>
-          </a:stretch>
-        </p:blipFill>
-        <p:spPr bwMode="auto">
-          <a:xfrm>
-            <a:off x="11004330" y="2003"/>
-            <a:ext cx="1187669" cy="1187669"/>
-          </a:xfrm>
-          <a:prstGeom prst="rect">
-            <a:avLst/>
-          </a:prstGeom>
-          <a:noFill/>
-          <a:extLst>
-            <a:ext uri="{909E8E84-426E-40DD-AFC4-6F175D3DCCD1}">
-              <a14:hiddenFill xmlns:a14="http://schemas.microsoft.com/office/drawing/2010/main">
-                <a:solidFill>
-                  <a:srgbClr val="FFFFFF"/>
-                </a:solidFill>
-              </a14:hiddenFill>
-            </a:ext>
-          </a:extLst>
-        </p:spPr>
-      </p:pic>
-    </p:spTree>
-    <p:extLst>
-      <p:ext uri="{BB962C8B-B14F-4D97-AF65-F5344CB8AC3E}">
-        <p14:creationId xmlns:p14="http://schemas.microsoft.com/office/powerpoint/2010/main" val="752458910"/>
-      </p:ext>
-    </p:extLst>
-  </p:cSld>
-  <p:clrMapOvr>
-    <a:masterClrMapping/>
-  </p:clrMapOvr>
-</p:sld>
-</file>
-
-<file path=ppt/slides/slide17.xml><?xml version="1.0" encoding="utf-8"?>
-<p:sld xmlns:a="http://schemas.openxmlformats.org/drawingml/2006/main" xmlns:r="http://schemas.openxmlformats.org/officeDocument/2006/relationships" xmlns:p="http://schemas.openxmlformats.org/presentationml/2006/main">
-  <p:cSld>
-    <p:spTree>
-      <p:nvGrpSpPr>
-        <p:cNvPr id="1" name=""/>
-        <p:cNvGrpSpPr/>
-        <p:nvPr/>
-      </p:nvGrpSpPr>
-      <p:grpSpPr>
-        <a:xfrm>
-          <a:off x="0" y="0"/>
-          <a:ext cx="0" cy="0"/>
-          <a:chOff x="0" y="0"/>
-          <a:chExt cx="0" cy="0"/>
-        </a:xfrm>
-      </p:grpSpPr>
-      <p:sp>
-        <p:nvSpPr>
-          <p:cNvPr id="3" name="Slide Number Placeholder 2"/>
-          <p:cNvSpPr>
-            <a:spLocks noGrp="1"/>
-          </p:cNvSpPr>
-          <p:nvPr>
-            <p:ph type="sldNum" sz="quarter" idx="12"/>
-          </p:nvPr>
-        </p:nvSpPr>
-        <p:spPr/>
-        <p:txBody>
-          <a:bodyPr/>
-          <a:lstStyle/>
-          <a:p>
-            <a:fld id="{9079F78B-7083-734C-A89B-42EBE544BB2A}" type="slidenum">
-              <a:rPr lang="en-US" smtClean="0"/>
-              <a:t>17</a:t>
-            </a:fld>
-            <a:endParaRPr lang="en-US"/>
-          </a:p>
-        </p:txBody>
-      </p:sp>
-      <p:grpSp>
-        <p:nvGrpSpPr>
-          <p:cNvPr id="14" name="Group 13"/>
-          <p:cNvGrpSpPr/>
-          <p:nvPr/>
-        </p:nvGrpSpPr>
-        <p:grpSpPr>
-          <a:xfrm rot="10800000">
             <a:off x="429418" y="411016"/>
             <a:ext cx="10101945" cy="862144"/>
             <a:chOff x="3452437" y="1965113"/>
@@ -7529,7 +7332,7 @@
 </p:sld>
 </file>
 
-<file path=ppt/slides/slide18.xml><?xml version="1.0" encoding="utf-8"?>
+<file path=ppt/slides/slide17.xml><?xml version="1.0" encoding="utf-8"?>
 <p:sld xmlns:a="http://schemas.openxmlformats.org/drawingml/2006/main" xmlns:r="http://schemas.openxmlformats.org/officeDocument/2006/relationships" xmlns:p="http://schemas.openxmlformats.org/presentationml/2006/main">
   <p:cSld>
     <p:spTree>
@@ -7563,109 +7366,12 @@
           <a:p>
             <a:fld id="{9079F78B-7083-734C-A89B-42EBE544BB2A}" type="slidenum">
               <a:rPr lang="en-US" smtClean="0"/>
-              <a:t>18</a:t>
+              <a:t>17</a:t>
             </a:fld>
             <a:endParaRPr lang="en-US"/>
           </a:p>
         </p:txBody>
       </p:sp>
-      <p:grpSp>
-        <p:nvGrpSpPr>
-          <p:cNvPr id="14" name="Group 13"/>
-          <p:cNvGrpSpPr/>
-          <p:nvPr/>
-        </p:nvGrpSpPr>
-        <p:grpSpPr>
-          <a:xfrm rot="10800000">
-            <a:off x="2916620" y="1189672"/>
-            <a:ext cx="11740585" cy="2752456"/>
-            <a:chOff x="3640142" y="-400330"/>
-            <a:chExt cx="6268478" cy="3018246"/>
-          </a:xfrm>
-        </p:grpSpPr>
-        <p:sp>
-          <p:nvSpPr>
-            <p:cNvPr id="15" name="Rounded Rectangle 14"/>
-            <p:cNvSpPr/>
-            <p:nvPr/>
-          </p:nvSpPr>
-          <p:spPr bwMode="auto">
-            <a:xfrm rot="10800000" flipH="1">
-              <a:off x="6625814" y="-400330"/>
-              <a:ext cx="3282806" cy="890750"/>
-            </a:xfrm>
-            <a:prstGeom prst="roundRect">
-              <a:avLst>
-                <a:gd name="adj" fmla="val 10251"/>
-              </a:avLst>
-            </a:prstGeom>
-            <a:solidFill>
-              <a:schemeClr val="bg1"/>
-            </a:solidFill>
-            <a:ln w="12700">
-              <a:solidFill>
-                <a:srgbClr val="A29574"/>
-              </a:solidFill>
-            </a:ln>
-            <a:effectLst/>
-          </p:spPr>
-          <p:txBody>
-            <a:bodyPr rot="0" spcFirstLastPara="0" vertOverflow="overflow" horzOverflow="overflow" vert="horz" wrap="square" lIns="182880" tIns="45720" rIns="640080" bIns="45720" numCol="1" spcCol="0" rtlCol="0" fromWordArt="0" anchor="ctr" anchorCtr="0" forceAA="0" compatLnSpc="1">
-              <a:prstTxWarp prst="textNoShape">
-                <a:avLst/>
-              </a:prstTxWarp>
-              <a:noAutofit/>
-            </a:bodyPr>
-            <a:lstStyle/>
-            <a:p>
-              <a:r>
-                <a:rPr lang="en-US" sz="3200" dirty="0">
-                  <a:solidFill>
-                    <a:srgbClr val="0474EF"/>
-                  </a:solidFill>
-                  <a:cs typeface="Univers Next Arabic" panose="020B0503030202020203" pitchFamily="34" charset="-78"/>
-                </a:rPr>
-                <a:t>Thank You</a:t>
-              </a:r>
-            </a:p>
-          </p:txBody>
-        </p:sp>
-        <p:sp>
-          <p:nvSpPr>
-            <p:cNvPr id="16" name="Rectangle 15"/>
-            <p:cNvSpPr/>
-            <p:nvPr/>
-          </p:nvSpPr>
-          <p:spPr>
-            <a:xfrm flipH="1" flipV="1">
-              <a:off x="3640142" y="2156251"/>
-              <a:ext cx="4948159" cy="461665"/>
-            </a:xfrm>
-            <a:prstGeom prst="rect">
-              <a:avLst/>
-            </a:prstGeom>
-          </p:spPr>
-          <p:txBody>
-            <a:bodyPr wrap="square">
-              <a:spAutoFit/>
-            </a:bodyPr>
-            <a:lstStyle/>
-            <a:p>
-              <a:pPr marL="0" algn="l" defTabSz="914400" rtl="0" eaLnBrk="1" latinLnBrk="0" hangingPunct="1"/>
-              <a:endParaRPr lang="en-US" sz="2400" b="1" dirty="0">
-                <a:solidFill>
-                  <a:schemeClr val="bg1">
-                    <a:lumMod val="50000"/>
-                  </a:schemeClr>
-                </a:solidFill>
-                <a:latin typeface="MS UI Gothic" panose="020B0600070205080204" pitchFamily="34" charset="-128"/>
-                <a:ea typeface="MS UI Gothic" panose="020B0600070205080204" pitchFamily="34" charset="-128"/>
-                <a:cs typeface="Sakkal Majalla" panose="02000000000000000000"/>
-              </a:endParaRPr>
-            </a:p>
-          </p:txBody>
-        </p:sp>
-      </p:grpSp>
       <p:pic>
         <p:nvPicPr>
           <p:cNvPr id="3074" name="Picture 2">
@@ -7713,6 +7419,194 @@
           </a:extLst>
         </p:spPr>
       </p:pic>
+      <p:sp>
+        <p:nvSpPr>
+          <p:cNvPr id="7" name="TextBox 6">
+            <a:extLst>
+              <a:ext uri="{FF2B5EF4-FFF2-40B4-BE49-F238E27FC236}">
+                <a16:creationId xmlns:a16="http://schemas.microsoft.com/office/drawing/2014/main" id="{E18298D6-EBCF-744A-AB0E-EE5F72787C21}"/>
+              </a:ext>
+            </a:extLst>
+          </p:cNvPr>
+          <p:cNvSpPr txBox="1"/>
+          <p:nvPr/>
+        </p:nvSpPr>
+        <p:spPr>
+          <a:xfrm>
+            <a:off x="2159876" y="2648607"/>
+            <a:ext cx="7330965" cy="1200329"/>
+          </a:xfrm>
+          <a:prstGeom prst="rect">
+            <a:avLst/>
+          </a:prstGeom>
+          <a:noFill/>
+        </p:spPr>
+        <p:txBody>
+          <a:bodyPr wrap="square" rtlCol="0">
+            <a:spAutoFit/>
+          </a:bodyPr>
+          <a:lstStyle/>
+          <a:p>
+            <a:pPr algn="ctr"/>
+            <a:r>
+              <a:rPr lang="en-US" sz="5400" dirty="0">
+                <a:solidFill>
+                  <a:srgbClr val="0474EF"/>
+                </a:solidFill>
+                <a:cs typeface="Univers Next Arabic" panose="020B0503030202020203" pitchFamily="34" charset="-78"/>
+              </a:rPr>
+              <a:t>Live Demo</a:t>
+            </a:r>
+          </a:p>
+          <a:p>
+            <a:endParaRPr lang="en-SA" dirty="0"/>
+          </a:p>
+        </p:txBody>
+      </p:sp>
+    </p:spTree>
+    <p:extLst>
+      <p:ext uri="{BB962C8B-B14F-4D97-AF65-F5344CB8AC3E}">
+        <p14:creationId xmlns:p14="http://schemas.microsoft.com/office/powerpoint/2010/main" val="752458910"/>
+      </p:ext>
+    </p:extLst>
+  </p:cSld>
+  <p:clrMapOvr>
+    <a:masterClrMapping/>
+  </p:clrMapOvr>
+</p:sld>
+</file>
+
+<file path=ppt/slides/slide18.xml><?xml version="1.0" encoding="utf-8"?>
+<p:sld xmlns:a="http://schemas.openxmlformats.org/drawingml/2006/main" xmlns:r="http://schemas.openxmlformats.org/officeDocument/2006/relationships" xmlns:p="http://schemas.openxmlformats.org/presentationml/2006/main">
+  <p:cSld>
+    <p:spTree>
+      <p:nvGrpSpPr>
+        <p:cNvPr id="1" name=""/>
+        <p:cNvGrpSpPr/>
+        <p:nvPr/>
+      </p:nvGrpSpPr>
+      <p:grpSpPr>
+        <a:xfrm>
+          <a:off x="0" y="0"/>
+          <a:ext cx="0" cy="0"/>
+          <a:chOff x="0" y="0"/>
+          <a:chExt cx="0" cy="0"/>
+        </a:xfrm>
+      </p:grpSpPr>
+      <p:sp>
+        <p:nvSpPr>
+          <p:cNvPr id="3" name="Slide Number Placeholder 2"/>
+          <p:cNvSpPr>
+            <a:spLocks noGrp="1"/>
+          </p:cNvSpPr>
+          <p:nvPr>
+            <p:ph type="sldNum" sz="quarter" idx="12"/>
+          </p:nvPr>
+        </p:nvSpPr>
+        <p:spPr/>
+        <p:txBody>
+          <a:bodyPr/>
+          <a:lstStyle/>
+          <a:p>
+            <a:fld id="{9079F78B-7083-734C-A89B-42EBE544BB2A}" type="slidenum">
+              <a:rPr lang="en-US" smtClean="0"/>
+              <a:t>18</a:t>
+            </a:fld>
+            <a:endParaRPr lang="en-US"/>
+          </a:p>
+        </p:txBody>
+      </p:sp>
+      <p:pic>
+        <p:nvPicPr>
+          <p:cNvPr id="3074" name="Picture 2">
+            <a:extLst>
+              <a:ext uri="{FF2B5EF4-FFF2-40B4-BE49-F238E27FC236}">
+                <a16:creationId xmlns:a16="http://schemas.microsoft.com/office/drawing/2014/main" id="{73244501-6F88-824B-864B-395598C1B9AC}"/>
+              </a:ext>
+            </a:extLst>
+          </p:cNvPr>
+          <p:cNvPicPr>
+            <a:picLocks noChangeAspect="1" noChangeArrowheads="1"/>
+          </p:cNvPicPr>
+          <p:nvPr/>
+        </p:nvPicPr>
+        <p:blipFill>
+          <a:blip r:embed="rId3">
+            <a:extLst>
+              <a:ext uri="{28A0092B-C50C-407E-A947-70E740481C1C}">
+                <a14:useLocalDpi xmlns:a14="http://schemas.microsoft.com/office/drawing/2010/main" val="0"/>
+              </a:ext>
+            </a:extLst>
+          </a:blip>
+          <a:srcRect/>
+          <a:stretch>
+            <a:fillRect/>
+          </a:stretch>
+        </p:blipFill>
+        <p:spPr bwMode="auto">
+          <a:xfrm>
+            <a:off x="11004330" y="2003"/>
+            <a:ext cx="1187669" cy="1187669"/>
+          </a:xfrm>
+          <a:prstGeom prst="rect">
+            <a:avLst/>
+          </a:prstGeom>
+          <a:noFill/>
+          <a:extLst>
+            <a:ext uri="{909E8E84-426E-40DD-AFC4-6F175D3DCCD1}">
+              <a14:hiddenFill xmlns:a14="http://schemas.microsoft.com/office/drawing/2010/main">
+                <a:solidFill>
+                  <a:srgbClr val="FFFFFF"/>
+                </a:solidFill>
+              </a14:hiddenFill>
+            </a:ext>
+          </a:extLst>
+        </p:spPr>
+      </p:pic>
+      <p:sp>
+        <p:nvSpPr>
+          <p:cNvPr id="2" name="TextBox 1">
+            <a:extLst>
+              <a:ext uri="{FF2B5EF4-FFF2-40B4-BE49-F238E27FC236}">
+                <a16:creationId xmlns:a16="http://schemas.microsoft.com/office/drawing/2014/main" id="{7AC10199-4139-E449-9565-C2BB0BE873F2}"/>
+              </a:ext>
+            </a:extLst>
+          </p:cNvPr>
+          <p:cNvSpPr txBox="1"/>
+          <p:nvPr/>
+        </p:nvSpPr>
+        <p:spPr>
+          <a:xfrm>
+            <a:off x="2159876" y="2648607"/>
+            <a:ext cx="7330965" cy="1846659"/>
+          </a:xfrm>
+          <a:prstGeom prst="rect">
+            <a:avLst/>
+          </a:prstGeom>
+          <a:noFill/>
+        </p:spPr>
+        <p:txBody>
+          <a:bodyPr wrap="square" rtlCol="0">
+            <a:spAutoFit/>
+          </a:bodyPr>
+          <a:lstStyle/>
+          <a:p>
+            <a:pPr algn="ctr"/>
+            <a:r>
+              <a:rPr lang="en-US" sz="9600" dirty="0">
+                <a:solidFill>
+                  <a:srgbClr val="0474EF"/>
+                </a:solidFill>
+                <a:cs typeface="Univers Next Arabic" panose="020B0503030202020203" pitchFamily="34" charset="-78"/>
+              </a:rPr>
+              <a:t>Thank You</a:t>
+            </a:r>
+          </a:p>
+          <a:p>
+            <a:endParaRPr lang="en-SA" dirty="0"/>
+          </a:p>
+        </p:txBody>
+      </p:sp>
     </p:spTree>
     <p:extLst>
       <p:ext uri="{BB962C8B-B14F-4D97-AF65-F5344CB8AC3E}">
@@ -8508,7 +8402,7 @@
             </a:pPr>
             <a:r>
               <a:rPr lang="en-US" sz="2800" dirty="0"/>
-              <a:t>The Employee Management System (EMS) will allow CRUD operation through an HTML and a RESTful interface. </a:t>
+              <a:t>The Employee Management System (EMS) will allow CRUD operations through an HTML and a RESTful interface. </a:t>
             </a:r>
             <a:endParaRPr lang="en-GB" sz="4400" dirty="0">
               <a:latin typeface="Univers Next Arabic" panose="020B0503030202020203" pitchFamily="34" charset="-78"/>
@@ -8937,15 +8831,7 @@
             </a:r>
             <a:r>
               <a:rPr lang="en-US" sz="2800" dirty="0"/>
-              <a:t>Java Spring-boot, HTML, CSS, RESTful </a:t>
-            </a:r>
-            <a:r>
-              <a:rPr lang="en-US" sz="2800" dirty="0" err="1"/>
-              <a:t>Service&amp;SQL</a:t>
-            </a:r>
-            <a:r>
-              <a:rPr lang="en-US" sz="2800" dirty="0"/>
-              <a:t>.</a:t>
+              <a:t>Java Spring-boot, HTML, CSS, RESTful Service &amp; SQL.</a:t>
             </a:r>
           </a:p>
         </p:txBody>
@@ -9058,8 +8944,8 @@
         </p:nvGrpSpPr>
         <p:grpSpPr>
           <a:xfrm rot="10800000">
-            <a:off x="107355" y="431308"/>
-            <a:ext cx="4961510" cy="2500399"/>
+            <a:off x="45567" y="462836"/>
+            <a:ext cx="4931455" cy="2500399"/>
             <a:chOff x="1561062" y="2156251"/>
             <a:chExt cx="7284958" cy="699612"/>
           </a:xfrm>
@@ -9106,7 +8992,7 @@
                   </a:solidFill>
                   <a:cs typeface="Univers Next Arabic" panose="020B0503030202020203" pitchFamily="34" charset="-78"/>
                 </a:rPr>
-                <a:t>PROJECT ENVIRONMENT </a:t>
+                <a:t>PROJECT ARCHITECTURE</a:t>
               </a:r>
             </a:p>
           </p:txBody>
@@ -9155,7 +9041,7 @@
         </p:nvSpPr>
         <p:spPr>
           <a:xfrm>
-            <a:off x="429421" y="2173342"/>
+            <a:off x="282877" y="2189107"/>
             <a:ext cx="10705940" cy="1077218"/>
           </a:xfrm>
           <a:prstGeom prst="rect">
